--- a/machine_learning_Final2.pptx
+++ b/machine_learning_Final2.pptx
@@ -5,10 +5,10 @@
     <p:sldMasterId id="2147483660" r:id="rId1"/>
   </p:sldMasterIdLst>
   <p:notesMasterIdLst>
-    <p:notesMasterId r:id="rId33"/>
+    <p:notesMasterId r:id="rId31"/>
   </p:notesMasterIdLst>
   <p:handoutMasterIdLst>
-    <p:handoutMasterId r:id="rId34"/>
+    <p:handoutMasterId r:id="rId32"/>
   </p:handoutMasterIdLst>
   <p:sldIdLst>
     <p:sldId id="258" r:id="rId2"/>
@@ -24,24 +24,22 @@
     <p:sldId id="303" r:id="rId12"/>
     <p:sldId id="309" r:id="rId13"/>
     <p:sldId id="308" r:id="rId14"/>
-    <p:sldId id="294" r:id="rId15"/>
-    <p:sldId id="304" r:id="rId16"/>
+    <p:sldId id="293" r:id="rId15"/>
+    <p:sldId id="294" r:id="rId16"/>
     <p:sldId id="296" r:id="rId17"/>
     <p:sldId id="297" r:id="rId18"/>
-    <p:sldId id="298" r:id="rId19"/>
-    <p:sldId id="307" r:id="rId20"/>
-    <p:sldId id="293" r:id="rId21"/>
-    <p:sldId id="302" r:id="rId22"/>
-    <p:sldId id="301" r:id="rId23"/>
-    <p:sldId id="299" r:id="rId24"/>
-    <p:sldId id="300" r:id="rId25"/>
-    <p:sldId id="288" r:id="rId26"/>
-    <p:sldId id="276" r:id="rId27"/>
-    <p:sldId id="287" r:id="rId28"/>
-    <p:sldId id="277" r:id="rId29"/>
-    <p:sldId id="291" r:id="rId30"/>
-    <p:sldId id="273" r:id="rId31"/>
-    <p:sldId id="271" r:id="rId32"/>
+    <p:sldId id="307" r:id="rId19"/>
+    <p:sldId id="310" r:id="rId20"/>
+    <p:sldId id="301" r:id="rId21"/>
+    <p:sldId id="299" r:id="rId22"/>
+    <p:sldId id="300" r:id="rId23"/>
+    <p:sldId id="288" r:id="rId24"/>
+    <p:sldId id="276" r:id="rId25"/>
+    <p:sldId id="287" r:id="rId26"/>
+    <p:sldId id="277" r:id="rId27"/>
+    <p:sldId id="291" r:id="rId28"/>
+    <p:sldId id="273" r:id="rId29"/>
+    <p:sldId id="271" r:id="rId30"/>
   </p:sldIdLst>
   <p:sldSz cx="12192000" cy="6858000"/>
   <p:notesSz cx="6858000" cy="9144000"/>
@@ -972,68 +970,6 @@
         </a:p>
       </dgm:t>
     </dgm:pt>
-    <dgm:pt modelId="{E2EE0132-29A9-47C6-AA1A-19AFBE254F11}">
-      <dgm:prSet/>
-      <dgm:spPr/>
-      <dgm:t>
-        <a:bodyPr/>
-        <a:lstStyle/>
-        <a:p>
-          <a:pPr rtl="0"/>
-          <a:r>
-            <a:rPr lang="zh-TW" altLang="en-US" b="0" dirty="0"/>
-            <a:t>白平衡</a:t>
-          </a:r>
-          <a:endParaRPr lang="zh-TW" dirty="0"/>
-        </a:p>
-      </dgm:t>
-    </dgm:pt>
-    <dgm:pt modelId="{94DEBE64-C495-4C9B-ABAC-EFF5A34A3470}">
-      <dgm:prSet/>
-      <dgm:spPr/>
-      <dgm:t>
-        <a:bodyPr/>
-        <a:lstStyle/>
-        <a:p>
-          <a:pPr rtl="0"/>
-          <a:r>
-            <a:rPr lang="en-US" b="0" dirty="0"/>
-            <a:t>Image</a:t>
-          </a:r>
-          <a:r>
-            <a:rPr lang="zh-TW" b="0" dirty="0"/>
-            <a:t> </a:t>
-          </a:r>
-          <a:r>
-            <a:rPr lang="en-US" b="0" dirty="0"/>
-            <a:t>pre-processing</a:t>
-          </a:r>
-          <a:endParaRPr lang="zh-TW" dirty="0"/>
-        </a:p>
-      </dgm:t>
-    </dgm:pt>
-    <dgm:pt modelId="{35AE38FC-47F3-4870-9DEC-A6DD68254727}" type="sibTrans" cxnId="{F52D7354-2C50-4209-AC0F-F76C94283BC7}">
-      <dgm:prSet/>
-      <dgm:spPr/>
-      <dgm:t>
-        <a:bodyPr/>
-        <a:lstStyle/>
-        <a:p>
-          <a:endParaRPr lang="zh-TW" altLang="en-US"/>
-        </a:p>
-      </dgm:t>
-    </dgm:pt>
-    <dgm:pt modelId="{12657077-78EC-4DB1-8A32-51D1A86C1991}" type="parTrans" cxnId="{F52D7354-2C50-4209-AC0F-F76C94283BC7}">
-      <dgm:prSet/>
-      <dgm:spPr/>
-      <dgm:t>
-        <a:bodyPr/>
-        <a:lstStyle/>
-        <a:p>
-          <a:endParaRPr lang="zh-TW" altLang="en-US"/>
-        </a:p>
-      </dgm:t>
-    </dgm:pt>
     <dgm:pt modelId="{5F4D78F6-CF18-4025-9CBB-829D259A6C63}">
       <dgm:prSet/>
       <dgm:spPr/>
@@ -1062,28 +998,6 @@
       </dgm:t>
     </dgm:pt>
     <dgm:pt modelId="{E5C73EB0-663F-4396-8FB2-24BB5BD5843E}" type="parTrans" cxnId="{87313427-C1A9-4B8A-B207-743EA05B1982}">
-      <dgm:prSet/>
-      <dgm:spPr/>
-      <dgm:t>
-        <a:bodyPr/>
-        <a:lstStyle/>
-        <a:p>
-          <a:endParaRPr lang="zh-TW" altLang="en-US"/>
-        </a:p>
-      </dgm:t>
-    </dgm:pt>
-    <dgm:pt modelId="{C138DEF9-A1E7-4CC1-A308-B1DD26BF0ABF}" type="sibTrans" cxnId="{C5D269A6-79F0-40B4-89EA-6A714C8DA82F}">
-      <dgm:prSet/>
-      <dgm:spPr/>
-      <dgm:t>
-        <a:bodyPr/>
-        <a:lstStyle/>
-        <a:p>
-          <a:endParaRPr lang="zh-TW" altLang="en-US"/>
-        </a:p>
-      </dgm:t>
-    </dgm:pt>
-    <dgm:pt modelId="{3E0E9BB6-EB42-413B-841D-5DA5DF2241AD}" type="parTrans" cxnId="{C5D269A6-79F0-40B4-89EA-6A714C8DA82F}">
       <dgm:prSet/>
       <dgm:spPr/>
       <dgm:t>
@@ -1185,44 +1099,6 @@
         </a:p>
       </dgm:t>
     </dgm:pt>
-    <dgm:pt modelId="{DEA31A03-F318-435F-B076-47C0F9398F8B}">
-      <dgm:prSet/>
-      <dgm:spPr/>
-      <dgm:t>
-        <a:bodyPr/>
-        <a:lstStyle/>
-        <a:p>
-          <a:pPr rtl="0"/>
-          <a:r>
-            <a:rPr lang="zh-TW" altLang="en-US" dirty="0"/>
-            <a:t>銳利化</a:t>
-          </a:r>
-          <a:endParaRPr lang="zh-TW" dirty="0"/>
-        </a:p>
-      </dgm:t>
-    </dgm:pt>
-    <dgm:pt modelId="{8D55BB00-FA0B-4CD6-939A-38B25DF9D582}" type="parTrans" cxnId="{59F88809-054F-400C-B808-96B9BC4E0A12}">
-      <dgm:prSet/>
-      <dgm:spPr/>
-      <dgm:t>
-        <a:bodyPr/>
-        <a:lstStyle/>
-        <a:p>
-          <a:endParaRPr lang="zh-TW" altLang="en-US"/>
-        </a:p>
-      </dgm:t>
-    </dgm:pt>
-    <dgm:pt modelId="{037D6B65-9F21-4087-972A-E9E8717710DC}" type="sibTrans" cxnId="{59F88809-054F-400C-B808-96B9BC4E0A12}">
-      <dgm:prSet/>
-      <dgm:spPr/>
-      <dgm:t>
-        <a:bodyPr/>
-        <a:lstStyle/>
-        <a:p>
-          <a:endParaRPr lang="zh-TW" altLang="en-US"/>
-        </a:p>
-      </dgm:t>
-    </dgm:pt>
     <dgm:pt modelId="{9804E660-2F40-4543-A54E-0D907BD819D1}">
       <dgm:prSet/>
       <dgm:spPr/>
@@ -1308,8 +1184,8 @@
         <a:p>
           <a:pPr rtl="0"/>
           <a:r>
-            <a:rPr lang="zh-TW" altLang="en-US" dirty="0"/>
-            <a:t>形狀、外觀</a:t>
+            <a:rPr lang="zh-TW" altLang="en-US" dirty="0" smtClean="0"/>
+            <a:t>紋路</a:t>
           </a:r>
           <a:endParaRPr lang="zh-TW" dirty="0"/>
         </a:p>
@@ -1606,8 +1482,8 @@
         <a:p>
           <a:pPr rtl="0"/>
           <a:r>
-            <a:rPr lang="en-US" altLang="zh-TW" dirty="0" err="1"/>
-            <a:t>HoG</a:t>
+            <a:rPr lang="en-US" altLang="zh-TW" dirty="0" smtClean="0"/>
+            <a:t>LBP</a:t>
           </a:r>
           <a:endParaRPr lang="zh-TW" dirty="0"/>
         </a:p>
@@ -1644,8 +1520,8 @@
         <a:p>
           <a:pPr rtl="0"/>
           <a:r>
-            <a:rPr lang="zh-TW" altLang="en-US" dirty="0"/>
-            <a:t>形狀、外觀</a:t>
+            <a:rPr lang="zh-TW" altLang="en-US" dirty="0" smtClean="0"/>
+            <a:t>紋路</a:t>
           </a:r>
           <a:endParaRPr lang="zh-TW" dirty="0"/>
         </a:p>
@@ -1682,16 +1558,12 @@
         <a:p>
           <a:pPr rtl="0"/>
           <a:r>
-            <a:rPr lang="en-US" altLang="zh-TW" dirty="0"/>
-            <a:t>SVM</a:t>
-          </a:r>
-          <a:r>
-            <a:rPr lang="zh-TW" altLang="en-US" dirty="0"/>
-            <a:t>、</a:t>
+            <a:rPr lang="en-US" altLang="zh-TW" dirty="0" smtClean="0"/>
+            <a:t>MLP </a:t>
           </a:r>
           <a:r>
             <a:rPr lang="en-US" altLang="zh-TW" dirty="0"/>
-            <a:t>MLP training</a:t>
+            <a:t>training</a:t>
           </a:r>
           <a:endParaRPr lang="zh-TW" dirty="0"/>
         </a:p>
@@ -1764,8 +1636,8 @@
         <a:lstStyle/>
         <a:p>
           <a:r>
-            <a:rPr lang="en-US" altLang="zh-TW" dirty="0" err="1"/>
-            <a:t>HoG</a:t>
+            <a:rPr lang="en-US" altLang="zh-TW" dirty="0" smtClean="0"/>
+            <a:t>LBP</a:t>
           </a:r>
           <a:endParaRPr lang="zh-TW" dirty="0"/>
         </a:p>
@@ -1802,16 +1674,12 @@
         <a:p>
           <a:pPr rtl="0"/>
           <a:r>
-            <a:rPr lang="en-US" altLang="zh-TW" dirty="0"/>
-            <a:t>SVM</a:t>
-          </a:r>
-          <a:r>
-            <a:rPr lang="zh-TW" altLang="en-US" dirty="0"/>
-            <a:t>、</a:t>
+            <a:rPr lang="en-US" altLang="zh-TW" dirty="0" smtClean="0"/>
+            <a:t>MLP </a:t>
           </a:r>
           <a:r>
             <a:rPr lang="en-US" altLang="zh-TW" dirty="0"/>
-            <a:t>MLP prediction</a:t>
+            <a:t>prediction</a:t>
           </a:r>
           <a:endParaRPr lang="zh-TW" dirty="0"/>
         </a:p>
@@ -1964,6 +1832,13 @@
         </dgm:presLayoutVars>
       </dgm:prSet>
       <dgm:spPr/>
+      <dgm:t>
+        <a:bodyPr/>
+        <a:lstStyle/>
+        <a:p>
+          <a:endParaRPr lang="zh-TW" altLang="en-US"/>
+        </a:p>
+      </dgm:t>
     </dgm:pt>
     <dgm:pt modelId="{2E154E23-4474-46A0-8A9F-CB008BA06810}" type="pres">
       <dgm:prSet presAssocID="{B6BB88B3-1551-4C12-B40E-CB3A5ED4C37E}" presName="hierFlow" presStyleCnt="0"/>
@@ -1990,6 +1865,13 @@
         </dgm:presLayoutVars>
       </dgm:prSet>
       <dgm:spPr/>
+      <dgm:t>
+        <a:bodyPr/>
+        <a:lstStyle/>
+        <a:p>
+          <a:endParaRPr lang="zh-TW" altLang="en-US"/>
+        </a:p>
+      </dgm:t>
     </dgm:pt>
     <dgm:pt modelId="{8285066B-6AC7-4156-88EF-DAD11C66020F}" type="pres">
       <dgm:prSet presAssocID="{5F4D78F6-CF18-4025-9CBB-829D259A6C63}" presName="hierChild2" presStyleCnt="0"/>
@@ -1998,6 +1880,13 @@
     <dgm:pt modelId="{43DE2737-B9BF-441C-914F-96DBB3344438}" type="pres">
       <dgm:prSet presAssocID="{D7A748DB-4C2A-474B-9AC0-853E42E46736}" presName="Name19" presStyleLbl="parChTrans1D2" presStyleIdx="0" presStyleCnt="2"/>
       <dgm:spPr/>
+      <dgm:t>
+        <a:bodyPr/>
+        <a:lstStyle/>
+        <a:p>
+          <a:endParaRPr lang="zh-TW" altLang="en-US"/>
+        </a:p>
+      </dgm:t>
     </dgm:pt>
     <dgm:pt modelId="{BE5AE6BB-873E-4840-B267-8072A0EAC3C2}" type="pres">
       <dgm:prSet presAssocID="{CE62FFC7-7266-45B8-BCA3-DF8A5DFAD7B1}" presName="Name21" presStyleCnt="0"/>
@@ -2006,198 +1895,283 @@
     <dgm:pt modelId="{C71B52E7-49D4-45D1-8720-29956B223A1F}" type="pres">
       <dgm:prSet presAssocID="{CE62FFC7-7266-45B8-BCA3-DF8A5DFAD7B1}" presName="level2Shape" presStyleLbl="node2" presStyleIdx="0" presStyleCnt="2"/>
       <dgm:spPr/>
+      <dgm:t>
+        <a:bodyPr/>
+        <a:lstStyle/>
+        <a:p>
+          <a:endParaRPr lang="zh-TW" altLang="en-US"/>
+        </a:p>
+      </dgm:t>
     </dgm:pt>
     <dgm:pt modelId="{1FFF28E4-089B-4118-82AB-6DF00463088A}" type="pres">
       <dgm:prSet presAssocID="{CE62FFC7-7266-45B8-BCA3-DF8A5DFAD7B1}" presName="hierChild3" presStyleCnt="0"/>
       <dgm:spPr/>
     </dgm:pt>
     <dgm:pt modelId="{A7BC676D-D7C1-4EAE-AEAB-76A2F33DA029}" type="pres">
-      <dgm:prSet presAssocID="{49ABA668-A454-40A6-B3AE-C4DAD0BF6307}" presName="Name19" presStyleLbl="parChTrans1D3" presStyleIdx="0" presStyleCnt="8"/>
+      <dgm:prSet presAssocID="{49ABA668-A454-40A6-B3AE-C4DAD0BF6307}" presName="Name19" presStyleLbl="parChTrans1D3" presStyleIdx="0" presStyleCnt="7"/>
       <dgm:spPr/>
+      <dgm:t>
+        <a:bodyPr/>
+        <a:lstStyle/>
+        <a:p>
+          <a:endParaRPr lang="zh-TW" altLang="en-US"/>
+        </a:p>
+      </dgm:t>
     </dgm:pt>
     <dgm:pt modelId="{300064DB-AAE3-4F4F-91C3-38B692147687}" type="pres">
       <dgm:prSet presAssocID="{A7EE0AD4-5561-4237-9EA0-680A667DE643}" presName="Name21" presStyleCnt="0"/>
       <dgm:spPr/>
     </dgm:pt>
     <dgm:pt modelId="{6548DA29-3B3A-4D47-9EC8-892A7ED0BDCD}" type="pres">
-      <dgm:prSet presAssocID="{A7EE0AD4-5561-4237-9EA0-680A667DE643}" presName="level2Shape" presStyleLbl="node3" presStyleIdx="0" presStyleCnt="8"/>
+      <dgm:prSet presAssocID="{A7EE0AD4-5561-4237-9EA0-680A667DE643}" presName="level2Shape" presStyleLbl="node3" presStyleIdx="0" presStyleCnt="7"/>
       <dgm:spPr/>
+      <dgm:t>
+        <a:bodyPr/>
+        <a:lstStyle/>
+        <a:p>
+          <a:endParaRPr lang="zh-TW" altLang="en-US"/>
+        </a:p>
+      </dgm:t>
     </dgm:pt>
     <dgm:pt modelId="{8F45AB5B-CBC1-488D-8D33-D79CA5942286}" type="pres">
       <dgm:prSet presAssocID="{A7EE0AD4-5561-4237-9EA0-680A667DE643}" presName="hierChild3" presStyleCnt="0"/>
       <dgm:spPr/>
     </dgm:pt>
     <dgm:pt modelId="{E636DB5E-2B79-4162-B286-5B58B443B349}" type="pres">
-      <dgm:prSet presAssocID="{402ED910-DE37-41CE-85CD-65F817C0E440}" presName="Name19" presStyleLbl="parChTrans1D4" presStyleIdx="0" presStyleCnt="13"/>
+      <dgm:prSet presAssocID="{402ED910-DE37-41CE-85CD-65F817C0E440}" presName="Name19" presStyleLbl="parChTrans1D4" presStyleIdx="0" presStyleCnt="11"/>
       <dgm:spPr/>
+      <dgm:t>
+        <a:bodyPr/>
+        <a:lstStyle/>
+        <a:p>
+          <a:endParaRPr lang="zh-TW" altLang="en-US"/>
+        </a:p>
+      </dgm:t>
     </dgm:pt>
     <dgm:pt modelId="{33AF8652-CF91-4398-B2D1-25B51748E731}" type="pres">
       <dgm:prSet presAssocID="{1DDE1B68-2F49-47AE-8FFB-D55D653BAEDB}" presName="Name21" presStyleCnt="0"/>
       <dgm:spPr/>
     </dgm:pt>
     <dgm:pt modelId="{F217412A-BDE7-4709-8C2B-E4F39547840B}" type="pres">
-      <dgm:prSet presAssocID="{1DDE1B68-2F49-47AE-8FFB-D55D653BAEDB}" presName="level2Shape" presStyleLbl="node4" presStyleIdx="0" presStyleCnt="13"/>
+      <dgm:prSet presAssocID="{1DDE1B68-2F49-47AE-8FFB-D55D653BAEDB}" presName="level2Shape" presStyleLbl="node4" presStyleIdx="0" presStyleCnt="11"/>
       <dgm:spPr/>
+      <dgm:t>
+        <a:bodyPr/>
+        <a:lstStyle/>
+        <a:p>
+          <a:endParaRPr lang="zh-TW" altLang="en-US"/>
+        </a:p>
+      </dgm:t>
     </dgm:pt>
     <dgm:pt modelId="{1C2AA105-0E7E-4FC6-98A6-CA47B11ECA74}" type="pres">
       <dgm:prSet presAssocID="{1DDE1B68-2F49-47AE-8FFB-D55D653BAEDB}" presName="hierChild3" presStyleCnt="0"/>
       <dgm:spPr/>
     </dgm:pt>
     <dgm:pt modelId="{7A627794-31C1-4B07-8C83-9F4ECFA7EF87}" type="pres">
-      <dgm:prSet presAssocID="{AC314258-156A-40B2-8438-457DB9774590}" presName="Name19" presStyleLbl="parChTrans1D3" presStyleIdx="1" presStyleCnt="8"/>
+      <dgm:prSet presAssocID="{AC314258-156A-40B2-8438-457DB9774590}" presName="Name19" presStyleLbl="parChTrans1D3" presStyleIdx="1" presStyleCnt="7"/>
       <dgm:spPr/>
+      <dgm:t>
+        <a:bodyPr/>
+        <a:lstStyle/>
+        <a:p>
+          <a:endParaRPr lang="zh-TW" altLang="en-US"/>
+        </a:p>
+      </dgm:t>
     </dgm:pt>
     <dgm:pt modelId="{6B8AB1D7-DE09-4065-A2A9-26D3B57E453F}" type="pres">
       <dgm:prSet presAssocID="{A49CB5AE-AB08-4CC5-A354-F1727805B218}" presName="Name21" presStyleCnt="0"/>
       <dgm:spPr/>
     </dgm:pt>
     <dgm:pt modelId="{4E7799B0-A228-4996-B4EF-94031FC8E8E9}" type="pres">
-      <dgm:prSet presAssocID="{A49CB5AE-AB08-4CC5-A354-F1727805B218}" presName="level2Shape" presStyleLbl="node3" presStyleIdx="1" presStyleCnt="8"/>
+      <dgm:prSet presAssocID="{A49CB5AE-AB08-4CC5-A354-F1727805B218}" presName="level2Shape" presStyleLbl="node3" presStyleIdx="1" presStyleCnt="7"/>
       <dgm:spPr/>
+      <dgm:t>
+        <a:bodyPr/>
+        <a:lstStyle/>
+        <a:p>
+          <a:endParaRPr lang="zh-TW" altLang="en-US"/>
+        </a:p>
+      </dgm:t>
     </dgm:pt>
     <dgm:pt modelId="{F9E3E1EE-1FF6-49A5-AC7D-6C9833A09716}" type="pres">
       <dgm:prSet presAssocID="{A49CB5AE-AB08-4CC5-A354-F1727805B218}" presName="hierChild3" presStyleCnt="0"/>
       <dgm:spPr/>
     </dgm:pt>
     <dgm:pt modelId="{861D381E-1F95-415F-A5A3-E9882C805F1D}" type="pres">
-      <dgm:prSet presAssocID="{5F7448E7-7262-4565-B2B2-155ACA443857}" presName="Name19" presStyleLbl="parChTrans1D4" presStyleIdx="1" presStyleCnt="13"/>
+      <dgm:prSet presAssocID="{5F7448E7-7262-4565-B2B2-155ACA443857}" presName="Name19" presStyleLbl="parChTrans1D4" presStyleIdx="1" presStyleCnt="11"/>
       <dgm:spPr/>
+      <dgm:t>
+        <a:bodyPr/>
+        <a:lstStyle/>
+        <a:p>
+          <a:endParaRPr lang="zh-TW" altLang="en-US"/>
+        </a:p>
+      </dgm:t>
     </dgm:pt>
     <dgm:pt modelId="{0664098D-7594-405A-A78B-FE229E049D96}" type="pres">
       <dgm:prSet presAssocID="{770263D2-775E-4D11-B280-928F1E3C65C5}" presName="Name21" presStyleCnt="0"/>
       <dgm:spPr/>
     </dgm:pt>
     <dgm:pt modelId="{FC03C132-125A-4E97-B478-0E72CAF14E8C}" type="pres">
-      <dgm:prSet presAssocID="{770263D2-775E-4D11-B280-928F1E3C65C5}" presName="level2Shape" presStyleLbl="node4" presStyleIdx="1" presStyleCnt="13"/>
+      <dgm:prSet presAssocID="{770263D2-775E-4D11-B280-928F1E3C65C5}" presName="level2Shape" presStyleLbl="node4" presStyleIdx="1" presStyleCnt="11"/>
       <dgm:spPr/>
+      <dgm:t>
+        <a:bodyPr/>
+        <a:lstStyle/>
+        <a:p>
+          <a:endParaRPr lang="zh-TW" altLang="en-US"/>
+        </a:p>
+      </dgm:t>
     </dgm:pt>
     <dgm:pt modelId="{A4D10E70-1F2E-4D78-8628-EDBE5E50DF12}" type="pres">
       <dgm:prSet presAssocID="{770263D2-775E-4D11-B280-928F1E3C65C5}" presName="hierChild3" presStyleCnt="0"/>
       <dgm:spPr/>
     </dgm:pt>
     <dgm:pt modelId="{F3515DC6-D19A-43A7-9B2D-8C1875D1547E}" type="pres">
-      <dgm:prSet presAssocID="{08731CDF-6C77-41BA-A01B-0ABFB4263A32}" presName="Name19" presStyleLbl="parChTrans1D4" presStyleIdx="2" presStyleCnt="13"/>
+      <dgm:prSet presAssocID="{08731CDF-6C77-41BA-A01B-0ABFB4263A32}" presName="Name19" presStyleLbl="parChTrans1D4" presStyleIdx="2" presStyleCnt="11"/>
       <dgm:spPr/>
+      <dgm:t>
+        <a:bodyPr/>
+        <a:lstStyle/>
+        <a:p>
+          <a:endParaRPr lang="zh-TW" altLang="en-US"/>
+        </a:p>
+      </dgm:t>
     </dgm:pt>
     <dgm:pt modelId="{55E5C010-4001-4ECE-BDE6-7CA7E5FD5BE5}" type="pres">
       <dgm:prSet presAssocID="{940D83E2-F17E-4731-B1DD-575644369B3F}" presName="Name21" presStyleCnt="0"/>
       <dgm:spPr/>
     </dgm:pt>
     <dgm:pt modelId="{1B240BF3-F309-471E-854D-830137EA6FA0}" type="pres">
-      <dgm:prSet presAssocID="{940D83E2-F17E-4731-B1DD-575644369B3F}" presName="level2Shape" presStyleLbl="node4" presStyleIdx="2" presStyleCnt="13"/>
+      <dgm:prSet presAssocID="{940D83E2-F17E-4731-B1DD-575644369B3F}" presName="level2Shape" presStyleLbl="node4" presStyleIdx="2" presStyleCnt="11"/>
       <dgm:spPr/>
+      <dgm:t>
+        <a:bodyPr/>
+        <a:lstStyle/>
+        <a:p>
+          <a:endParaRPr lang="zh-TW" altLang="en-US"/>
+        </a:p>
+      </dgm:t>
     </dgm:pt>
     <dgm:pt modelId="{26DEF8ED-20B0-4C18-AFCA-5A7EC81908FA}" type="pres">
       <dgm:prSet presAssocID="{940D83E2-F17E-4731-B1DD-575644369B3F}" presName="hierChild3" presStyleCnt="0"/>
       <dgm:spPr/>
     </dgm:pt>
     <dgm:pt modelId="{3D67BD21-A232-4AA7-8EF2-A8A85460E2D2}" type="pres">
-      <dgm:prSet presAssocID="{D6E51055-AC1F-4DF0-AC18-BF1D34AA2259}" presName="Name19" presStyleLbl="parChTrans1D3" presStyleIdx="2" presStyleCnt="8"/>
+      <dgm:prSet presAssocID="{D6E51055-AC1F-4DF0-AC18-BF1D34AA2259}" presName="Name19" presStyleLbl="parChTrans1D3" presStyleIdx="2" presStyleCnt="7"/>
       <dgm:spPr/>
+      <dgm:t>
+        <a:bodyPr/>
+        <a:lstStyle/>
+        <a:p>
+          <a:endParaRPr lang="zh-TW" altLang="en-US"/>
+        </a:p>
+      </dgm:t>
     </dgm:pt>
     <dgm:pt modelId="{15BEF45C-759E-4081-AEF3-4CF06C4E3CFE}" type="pres">
       <dgm:prSet presAssocID="{D08300E8-713C-4F62-9C0A-C177C3C9939A}" presName="Name21" presStyleCnt="0"/>
       <dgm:spPr/>
     </dgm:pt>
     <dgm:pt modelId="{7D674F32-FC16-416C-B8F1-582EB138E3D6}" type="pres">
-      <dgm:prSet presAssocID="{D08300E8-713C-4F62-9C0A-C177C3C9939A}" presName="level2Shape" presStyleLbl="node3" presStyleIdx="2" presStyleCnt="8"/>
+      <dgm:prSet presAssocID="{D08300E8-713C-4F62-9C0A-C177C3C9939A}" presName="level2Shape" presStyleLbl="node3" presStyleIdx="2" presStyleCnt="7"/>
       <dgm:spPr/>
+      <dgm:t>
+        <a:bodyPr/>
+        <a:lstStyle/>
+        <a:p>
+          <a:endParaRPr lang="zh-TW" altLang="en-US"/>
+        </a:p>
+      </dgm:t>
     </dgm:pt>
     <dgm:pt modelId="{A606179B-7474-4C09-884B-7901454D168A}" type="pres">
       <dgm:prSet presAssocID="{D08300E8-713C-4F62-9C0A-C177C3C9939A}" presName="hierChild3" presStyleCnt="0"/>
       <dgm:spPr/>
     </dgm:pt>
     <dgm:pt modelId="{2541D668-6583-4EE2-8E1D-8FACF2BBC88C}" type="pres">
-      <dgm:prSet presAssocID="{94C882FB-D895-4225-98EA-FF10B58052E0}" presName="Name19" presStyleLbl="parChTrans1D4" presStyleIdx="3" presStyleCnt="13"/>
+      <dgm:prSet presAssocID="{94C882FB-D895-4225-98EA-FF10B58052E0}" presName="Name19" presStyleLbl="parChTrans1D4" presStyleIdx="3" presStyleCnt="11"/>
       <dgm:spPr/>
+      <dgm:t>
+        <a:bodyPr/>
+        <a:lstStyle/>
+        <a:p>
+          <a:endParaRPr lang="zh-TW" altLang="en-US"/>
+        </a:p>
+      </dgm:t>
     </dgm:pt>
     <dgm:pt modelId="{5F44CEA7-B842-4545-BA13-F3A3EFD81449}" type="pres">
       <dgm:prSet presAssocID="{B43A81EF-63FD-414F-BD2C-18A5B0C979D3}" presName="Name21" presStyleCnt="0"/>
       <dgm:spPr/>
     </dgm:pt>
     <dgm:pt modelId="{8614312F-CEC9-45C0-A25F-3B82CDF036A4}" type="pres">
-      <dgm:prSet presAssocID="{B43A81EF-63FD-414F-BD2C-18A5B0C979D3}" presName="level2Shape" presStyleLbl="node4" presStyleIdx="3" presStyleCnt="13"/>
+      <dgm:prSet presAssocID="{B43A81EF-63FD-414F-BD2C-18A5B0C979D3}" presName="level2Shape" presStyleLbl="node4" presStyleIdx="3" presStyleCnt="11"/>
       <dgm:spPr/>
+      <dgm:t>
+        <a:bodyPr/>
+        <a:lstStyle/>
+        <a:p>
+          <a:endParaRPr lang="zh-TW" altLang="en-US"/>
+        </a:p>
+      </dgm:t>
     </dgm:pt>
     <dgm:pt modelId="{E127B60B-3FBF-4474-8776-745A4D26C3B2}" type="pres">
       <dgm:prSet presAssocID="{B43A81EF-63FD-414F-BD2C-18A5B0C979D3}" presName="hierChild3" presStyleCnt="0"/>
       <dgm:spPr/>
     </dgm:pt>
     <dgm:pt modelId="{653AB5BD-4615-420C-B9AB-505101D5833C}" type="pres">
-      <dgm:prSet presAssocID="{9ED60549-4B46-4116-89A7-11C694E86894}" presName="Name19" presStyleLbl="parChTrans1D4" presStyleIdx="4" presStyleCnt="13"/>
+      <dgm:prSet presAssocID="{9ED60549-4B46-4116-89A7-11C694E86894}" presName="Name19" presStyleLbl="parChTrans1D4" presStyleIdx="4" presStyleCnt="11"/>
       <dgm:spPr/>
+      <dgm:t>
+        <a:bodyPr/>
+        <a:lstStyle/>
+        <a:p>
+          <a:endParaRPr lang="zh-TW" altLang="en-US"/>
+        </a:p>
+      </dgm:t>
     </dgm:pt>
     <dgm:pt modelId="{F058329B-6CEC-4364-9F30-FC770217534D}" type="pres">
       <dgm:prSet presAssocID="{47043032-F53A-42B1-A16E-0BFB68695DBD}" presName="Name21" presStyleCnt="0"/>
       <dgm:spPr/>
     </dgm:pt>
     <dgm:pt modelId="{AFB3DB2E-C7A8-431B-9B38-FA91A9ACF599}" type="pres">
-      <dgm:prSet presAssocID="{47043032-F53A-42B1-A16E-0BFB68695DBD}" presName="level2Shape" presStyleLbl="node4" presStyleIdx="4" presStyleCnt="13"/>
+      <dgm:prSet presAssocID="{47043032-F53A-42B1-A16E-0BFB68695DBD}" presName="level2Shape" presStyleLbl="node4" presStyleIdx="4" presStyleCnt="11"/>
       <dgm:spPr/>
+      <dgm:t>
+        <a:bodyPr/>
+        <a:lstStyle/>
+        <a:p>
+          <a:endParaRPr lang="zh-TW" altLang="en-US"/>
+        </a:p>
+      </dgm:t>
     </dgm:pt>
     <dgm:pt modelId="{2BFC36E2-EE79-4BF6-AC61-2783AAB67171}" type="pres">
       <dgm:prSet presAssocID="{47043032-F53A-42B1-A16E-0BFB68695DBD}" presName="hierChild3" presStyleCnt="0"/>
       <dgm:spPr/>
     </dgm:pt>
-    <dgm:pt modelId="{3C3F360B-0AE0-4DF0-9BC4-0E1DACF9D977}" type="pres">
-      <dgm:prSet presAssocID="{3E0E9BB6-EB42-413B-841D-5DA5DF2241AD}" presName="Name19" presStyleLbl="parChTrans1D3" presStyleIdx="3" presStyleCnt="8"/>
+    <dgm:pt modelId="{4AB59669-AD6E-49B2-9DA6-91CFC7B1BAA4}" type="pres">
+      <dgm:prSet presAssocID="{9DB2C076-3B8E-4C41-A471-C7E9CA07E74A}" presName="Name19" presStyleLbl="parChTrans1D3" presStyleIdx="3" presStyleCnt="7"/>
       <dgm:spPr/>
-    </dgm:pt>
-    <dgm:pt modelId="{8AC298E9-0307-49C6-99B2-7388D7AC0A39}" type="pres">
-      <dgm:prSet presAssocID="{94DEBE64-C495-4C9B-ABAC-EFF5A34A3470}" presName="Name21" presStyleCnt="0"/>
-      <dgm:spPr/>
-    </dgm:pt>
-    <dgm:pt modelId="{70A2C404-EE29-4CA0-8568-6115E9FA3C7A}" type="pres">
-      <dgm:prSet presAssocID="{94DEBE64-C495-4C9B-ABAC-EFF5A34A3470}" presName="level2Shape" presStyleLbl="node3" presStyleIdx="3" presStyleCnt="8"/>
-      <dgm:spPr/>
-    </dgm:pt>
-    <dgm:pt modelId="{397BBA15-2432-4213-BA3E-23A9061D4736}" type="pres">
-      <dgm:prSet presAssocID="{94DEBE64-C495-4C9B-ABAC-EFF5A34A3470}" presName="hierChild3" presStyleCnt="0"/>
-      <dgm:spPr/>
-    </dgm:pt>
-    <dgm:pt modelId="{7BFB9096-AD14-4FD0-9E52-FE5890DBE8B9}" type="pres">
-      <dgm:prSet presAssocID="{12657077-78EC-4DB1-8A32-51D1A86C1991}" presName="Name19" presStyleLbl="parChTrans1D4" presStyleIdx="5" presStyleCnt="13"/>
-      <dgm:spPr/>
-    </dgm:pt>
-    <dgm:pt modelId="{84D324C9-AC2A-45E9-84ED-E0CA5BBECD9D}" type="pres">
-      <dgm:prSet presAssocID="{E2EE0132-29A9-47C6-AA1A-19AFBE254F11}" presName="Name21" presStyleCnt="0"/>
-      <dgm:spPr/>
-    </dgm:pt>
-    <dgm:pt modelId="{7E089C12-6984-47C7-BCC2-DE41500ECEAA}" type="pres">
-      <dgm:prSet presAssocID="{E2EE0132-29A9-47C6-AA1A-19AFBE254F11}" presName="level2Shape" presStyleLbl="node4" presStyleIdx="5" presStyleCnt="13"/>
-      <dgm:spPr/>
-    </dgm:pt>
-    <dgm:pt modelId="{71A6A36D-F654-4C7C-AC49-A036E9D28792}" type="pres">
-      <dgm:prSet presAssocID="{E2EE0132-29A9-47C6-AA1A-19AFBE254F11}" presName="hierChild3" presStyleCnt="0"/>
-      <dgm:spPr/>
-    </dgm:pt>
-    <dgm:pt modelId="{46D32209-E966-4968-804D-B82E8414D73A}" type="pres">
-      <dgm:prSet presAssocID="{8D55BB00-FA0B-4CD6-939A-38B25DF9D582}" presName="Name19" presStyleLbl="parChTrans1D4" presStyleIdx="6" presStyleCnt="13"/>
-      <dgm:spPr/>
-    </dgm:pt>
-    <dgm:pt modelId="{D34514A0-2800-43EB-9B78-C47D8467C9F7}" type="pres">
-      <dgm:prSet presAssocID="{DEA31A03-F318-435F-B076-47C0F9398F8B}" presName="Name21" presStyleCnt="0"/>
-      <dgm:spPr/>
-    </dgm:pt>
-    <dgm:pt modelId="{C685E601-3B4E-4881-BF96-85ECCEB9C012}" type="pres">
-      <dgm:prSet presAssocID="{DEA31A03-F318-435F-B076-47C0F9398F8B}" presName="level2Shape" presStyleLbl="node4" presStyleIdx="6" presStyleCnt="13"/>
-      <dgm:spPr/>
-    </dgm:pt>
-    <dgm:pt modelId="{F95AECCF-1D82-42DE-AC4F-95EEC8665A4F}" type="pres">
-      <dgm:prSet presAssocID="{DEA31A03-F318-435F-B076-47C0F9398F8B}" presName="hierChild3" presStyleCnt="0"/>
-      <dgm:spPr/>
-    </dgm:pt>
-    <dgm:pt modelId="{4AB59669-AD6E-49B2-9DA6-91CFC7B1BAA4}" type="pres">
-      <dgm:prSet presAssocID="{9DB2C076-3B8E-4C41-A471-C7E9CA07E74A}" presName="Name19" presStyleLbl="parChTrans1D3" presStyleIdx="4" presStyleCnt="8"/>
-      <dgm:spPr/>
+      <dgm:t>
+        <a:bodyPr/>
+        <a:lstStyle/>
+        <a:p>
+          <a:endParaRPr lang="zh-TW" altLang="en-US"/>
+        </a:p>
+      </dgm:t>
     </dgm:pt>
     <dgm:pt modelId="{4CCF151C-BF6D-4EE8-A17A-0D0DD551F86D}" type="pres">
       <dgm:prSet presAssocID="{6A316BE3-29D3-40A4-945F-91426840E5DA}" presName="Name21" presStyleCnt="0"/>
       <dgm:spPr/>
     </dgm:pt>
     <dgm:pt modelId="{BD146849-6801-455E-B4DF-3F7166309EB1}" type="pres">
-      <dgm:prSet presAssocID="{6A316BE3-29D3-40A4-945F-91426840E5DA}" presName="level2Shape" presStyleLbl="node3" presStyleIdx="4" presStyleCnt="8"/>
+      <dgm:prSet presAssocID="{6A316BE3-29D3-40A4-945F-91426840E5DA}" presName="level2Shape" presStyleLbl="node3" presStyleIdx="3" presStyleCnt="7"/>
       <dgm:spPr/>
+      <dgm:t>
+        <a:bodyPr/>
+        <a:lstStyle/>
+        <a:p>
+          <a:endParaRPr lang="zh-TW" altLang="en-US"/>
+        </a:p>
+      </dgm:t>
     </dgm:pt>
     <dgm:pt modelId="{CA1EC64F-B9B3-4BED-835C-5E530E57D5FC}" type="pres">
       <dgm:prSet presAssocID="{6A316BE3-29D3-40A4-945F-91426840E5DA}" presName="hierChild3" presStyleCnt="0"/>
@@ -2206,6 +2180,13 @@
     <dgm:pt modelId="{A1BD6871-85BF-4C93-A498-1B6FAC72C74E}" type="pres">
       <dgm:prSet presAssocID="{B6DC32C6-0351-4B04-BB80-056A8C884BD0}" presName="Name19" presStyleLbl="parChTrans1D2" presStyleIdx="1" presStyleCnt="2"/>
       <dgm:spPr/>
+      <dgm:t>
+        <a:bodyPr/>
+        <a:lstStyle/>
+        <a:p>
+          <a:endParaRPr lang="zh-TW" altLang="en-US"/>
+        </a:p>
+      </dgm:t>
     </dgm:pt>
     <dgm:pt modelId="{CC108763-6D19-4642-A10F-85A3F179B3D3}" type="pres">
       <dgm:prSet presAssocID="{F5D0E1BB-D05D-4AA4-A3ED-42BED5F1F3F2}" presName="Name21" presStyleCnt="0"/>
@@ -2214,150 +2195,283 @@
     <dgm:pt modelId="{E3E26CF0-4369-4D07-A4E5-8CFB863BF958}" type="pres">
       <dgm:prSet presAssocID="{F5D0E1BB-D05D-4AA4-A3ED-42BED5F1F3F2}" presName="level2Shape" presStyleLbl="node2" presStyleIdx="1" presStyleCnt="2"/>
       <dgm:spPr/>
+      <dgm:t>
+        <a:bodyPr/>
+        <a:lstStyle/>
+        <a:p>
+          <a:endParaRPr lang="zh-TW" altLang="en-US"/>
+        </a:p>
+      </dgm:t>
     </dgm:pt>
     <dgm:pt modelId="{B36F2CF6-D166-4761-B8F0-67972DBF3B75}" type="pres">
       <dgm:prSet presAssocID="{F5D0E1BB-D05D-4AA4-A3ED-42BED5F1F3F2}" presName="hierChild3" presStyleCnt="0"/>
       <dgm:spPr/>
     </dgm:pt>
     <dgm:pt modelId="{3DC1F0D9-81D9-45F8-94F2-636E41D031B9}" type="pres">
-      <dgm:prSet presAssocID="{587220F9-D090-4997-8C37-6C210FFA3BC7}" presName="Name19" presStyleLbl="parChTrans1D3" presStyleIdx="5" presStyleCnt="8"/>
+      <dgm:prSet presAssocID="{587220F9-D090-4997-8C37-6C210FFA3BC7}" presName="Name19" presStyleLbl="parChTrans1D3" presStyleIdx="4" presStyleCnt="7"/>
       <dgm:spPr/>
+      <dgm:t>
+        <a:bodyPr/>
+        <a:lstStyle/>
+        <a:p>
+          <a:endParaRPr lang="zh-TW" altLang="en-US"/>
+        </a:p>
+      </dgm:t>
     </dgm:pt>
     <dgm:pt modelId="{5010A3BA-3D31-45A6-B457-F7C8FFA7FEEE}" type="pres">
       <dgm:prSet presAssocID="{9804E660-2F40-4543-A54E-0D907BD819D1}" presName="Name21" presStyleCnt="0"/>
       <dgm:spPr/>
     </dgm:pt>
     <dgm:pt modelId="{04E8436F-E901-4069-B001-8E0EB4E5DFAE}" type="pres">
-      <dgm:prSet presAssocID="{9804E660-2F40-4543-A54E-0D907BD819D1}" presName="level2Shape" presStyleLbl="node3" presStyleIdx="5" presStyleCnt="8"/>
+      <dgm:prSet presAssocID="{9804E660-2F40-4543-A54E-0D907BD819D1}" presName="level2Shape" presStyleLbl="node3" presStyleIdx="4" presStyleCnt="7"/>
       <dgm:spPr/>
+      <dgm:t>
+        <a:bodyPr/>
+        <a:lstStyle/>
+        <a:p>
+          <a:endParaRPr lang="zh-TW" altLang="en-US"/>
+        </a:p>
+      </dgm:t>
     </dgm:pt>
     <dgm:pt modelId="{3B4E268B-681D-4190-B832-9B2C9EF2D8CC}" type="pres">
       <dgm:prSet presAssocID="{9804E660-2F40-4543-A54E-0D907BD819D1}" presName="hierChild3" presStyleCnt="0"/>
       <dgm:spPr/>
     </dgm:pt>
     <dgm:pt modelId="{709B4420-22D1-41B2-8DD2-AAC26AFF5988}" type="pres">
-      <dgm:prSet presAssocID="{FA08DAA0-0E12-415F-9D2F-21D35D5AFA73}" presName="Name19" presStyleLbl="parChTrans1D4" presStyleIdx="7" presStyleCnt="13"/>
+      <dgm:prSet presAssocID="{FA08DAA0-0E12-415F-9D2F-21D35D5AFA73}" presName="Name19" presStyleLbl="parChTrans1D4" presStyleIdx="5" presStyleCnt="11"/>
       <dgm:spPr/>
+      <dgm:t>
+        <a:bodyPr/>
+        <a:lstStyle/>
+        <a:p>
+          <a:endParaRPr lang="zh-TW" altLang="en-US"/>
+        </a:p>
+      </dgm:t>
     </dgm:pt>
     <dgm:pt modelId="{E82AA80B-0BF6-4442-89D8-ACB4FC3516A8}" type="pres">
       <dgm:prSet presAssocID="{D6BAAFAE-24F3-4BC9-9595-5EE173A0F661}" presName="Name21" presStyleCnt="0"/>
       <dgm:spPr/>
     </dgm:pt>
     <dgm:pt modelId="{D8EA34F9-44DB-400F-BF1D-8318AB8D3508}" type="pres">
-      <dgm:prSet presAssocID="{D6BAAFAE-24F3-4BC9-9595-5EE173A0F661}" presName="level2Shape" presStyleLbl="node4" presStyleIdx="7" presStyleCnt="13"/>
+      <dgm:prSet presAssocID="{D6BAAFAE-24F3-4BC9-9595-5EE173A0F661}" presName="level2Shape" presStyleLbl="node4" presStyleIdx="5" presStyleCnt="11"/>
       <dgm:spPr/>
+      <dgm:t>
+        <a:bodyPr/>
+        <a:lstStyle/>
+        <a:p>
+          <a:endParaRPr lang="zh-TW" altLang="en-US"/>
+        </a:p>
+      </dgm:t>
     </dgm:pt>
     <dgm:pt modelId="{A5A00371-2676-46A6-B45F-F2E62FEECC7D}" type="pres">
       <dgm:prSet presAssocID="{D6BAAFAE-24F3-4BC9-9595-5EE173A0F661}" presName="hierChild3" presStyleCnt="0"/>
       <dgm:spPr/>
     </dgm:pt>
     <dgm:pt modelId="{5324B758-9B89-4E19-9FB2-2DE853E7B9F1}" type="pres">
-      <dgm:prSet presAssocID="{6D3F08E3-97A7-4549-9AC4-A09ADB4EB44F}" presName="Name19" presStyleLbl="parChTrans1D3" presStyleIdx="6" presStyleCnt="8"/>
+      <dgm:prSet presAssocID="{6D3F08E3-97A7-4549-9AC4-A09ADB4EB44F}" presName="Name19" presStyleLbl="parChTrans1D3" presStyleIdx="5" presStyleCnt="7"/>
       <dgm:spPr/>
+      <dgm:t>
+        <a:bodyPr/>
+        <a:lstStyle/>
+        <a:p>
+          <a:endParaRPr lang="zh-TW" altLang="en-US"/>
+        </a:p>
+      </dgm:t>
     </dgm:pt>
     <dgm:pt modelId="{94EB0A49-98A8-434D-99DE-5219C1E8E5F3}" type="pres">
       <dgm:prSet presAssocID="{E4BA2E8A-1C92-4E2C-8AA5-00403D9E0BB6}" presName="Name21" presStyleCnt="0"/>
       <dgm:spPr/>
     </dgm:pt>
     <dgm:pt modelId="{ACC04287-6198-4899-9343-ED8247E524C8}" type="pres">
-      <dgm:prSet presAssocID="{E4BA2E8A-1C92-4E2C-8AA5-00403D9E0BB6}" presName="level2Shape" presStyleLbl="node3" presStyleIdx="6" presStyleCnt="8"/>
+      <dgm:prSet presAssocID="{E4BA2E8A-1C92-4E2C-8AA5-00403D9E0BB6}" presName="level2Shape" presStyleLbl="node3" presStyleIdx="5" presStyleCnt="7"/>
       <dgm:spPr/>
+      <dgm:t>
+        <a:bodyPr/>
+        <a:lstStyle/>
+        <a:p>
+          <a:endParaRPr lang="zh-TW" altLang="en-US"/>
+        </a:p>
+      </dgm:t>
     </dgm:pt>
     <dgm:pt modelId="{76E60B38-1110-421B-8F54-88B06967CDCE}" type="pres">
       <dgm:prSet presAssocID="{E4BA2E8A-1C92-4E2C-8AA5-00403D9E0BB6}" presName="hierChild3" presStyleCnt="0"/>
       <dgm:spPr/>
     </dgm:pt>
     <dgm:pt modelId="{71122727-A3A9-4CA9-A302-463238571CF3}" type="pres">
-      <dgm:prSet presAssocID="{E7E27C14-A31D-4831-851D-77AA2A6A7EAB}" presName="Name19" presStyleLbl="parChTrans1D4" presStyleIdx="8" presStyleCnt="13"/>
+      <dgm:prSet presAssocID="{E7E27C14-A31D-4831-851D-77AA2A6A7EAB}" presName="Name19" presStyleLbl="parChTrans1D4" presStyleIdx="6" presStyleCnt="11"/>
       <dgm:spPr/>
+      <dgm:t>
+        <a:bodyPr/>
+        <a:lstStyle/>
+        <a:p>
+          <a:endParaRPr lang="zh-TW" altLang="en-US"/>
+        </a:p>
+      </dgm:t>
     </dgm:pt>
     <dgm:pt modelId="{5FCBBD12-AC19-445F-8DA8-0F437FD41891}" type="pres">
       <dgm:prSet presAssocID="{79DF8699-3C86-4AFE-871E-A2CFDFEEA068}" presName="Name21" presStyleCnt="0"/>
       <dgm:spPr/>
     </dgm:pt>
     <dgm:pt modelId="{E325072A-E321-4B43-BA71-2702AB466C77}" type="pres">
-      <dgm:prSet presAssocID="{79DF8699-3C86-4AFE-871E-A2CFDFEEA068}" presName="level2Shape" presStyleLbl="node4" presStyleIdx="8" presStyleCnt="13"/>
+      <dgm:prSet presAssocID="{79DF8699-3C86-4AFE-871E-A2CFDFEEA068}" presName="level2Shape" presStyleLbl="node4" presStyleIdx="6" presStyleCnt="11"/>
       <dgm:spPr/>
+      <dgm:t>
+        <a:bodyPr/>
+        <a:lstStyle/>
+        <a:p>
+          <a:endParaRPr lang="zh-TW" altLang="en-US"/>
+        </a:p>
+      </dgm:t>
     </dgm:pt>
     <dgm:pt modelId="{566F22C2-691A-4365-B435-5408C7A5D086}" type="pres">
       <dgm:prSet presAssocID="{79DF8699-3C86-4AFE-871E-A2CFDFEEA068}" presName="hierChild3" presStyleCnt="0"/>
       <dgm:spPr/>
     </dgm:pt>
     <dgm:pt modelId="{AB4515E4-ACF7-42AA-BAB9-21E4FEBE2CCC}" type="pres">
-      <dgm:prSet presAssocID="{7AD46472-4619-40FC-A2BB-1058FBCF4C99}" presName="Name19" presStyleLbl="parChTrans1D4" presStyleIdx="9" presStyleCnt="13"/>
+      <dgm:prSet presAssocID="{7AD46472-4619-40FC-A2BB-1058FBCF4C99}" presName="Name19" presStyleLbl="parChTrans1D4" presStyleIdx="7" presStyleCnt="11"/>
       <dgm:spPr/>
+      <dgm:t>
+        <a:bodyPr/>
+        <a:lstStyle/>
+        <a:p>
+          <a:endParaRPr lang="zh-TW" altLang="en-US"/>
+        </a:p>
+      </dgm:t>
     </dgm:pt>
     <dgm:pt modelId="{F0B49E95-312D-49F4-A790-74474157FC93}" type="pres">
       <dgm:prSet presAssocID="{88BA6096-042C-4785-9409-1A26EEC45164}" presName="Name21" presStyleCnt="0"/>
       <dgm:spPr/>
     </dgm:pt>
     <dgm:pt modelId="{404F8891-4210-4BB4-9E9F-786FFEFE02B7}" type="pres">
-      <dgm:prSet presAssocID="{88BA6096-042C-4785-9409-1A26EEC45164}" presName="level2Shape" presStyleLbl="node4" presStyleIdx="9" presStyleCnt="13"/>
+      <dgm:prSet presAssocID="{88BA6096-042C-4785-9409-1A26EEC45164}" presName="level2Shape" presStyleLbl="node4" presStyleIdx="7" presStyleCnt="11"/>
       <dgm:spPr/>
+      <dgm:t>
+        <a:bodyPr/>
+        <a:lstStyle/>
+        <a:p>
+          <a:endParaRPr lang="zh-TW" altLang="en-US"/>
+        </a:p>
+      </dgm:t>
     </dgm:pt>
     <dgm:pt modelId="{447C074D-AFE4-4837-9C49-3451394D1526}" type="pres">
       <dgm:prSet presAssocID="{88BA6096-042C-4785-9409-1A26EEC45164}" presName="hierChild3" presStyleCnt="0"/>
       <dgm:spPr/>
     </dgm:pt>
     <dgm:pt modelId="{410EEF7A-90FC-453C-88E9-A2A01517F7F6}" type="pres">
-      <dgm:prSet presAssocID="{D12BAF7C-F0A4-4ECD-9253-3A7AED325C79}" presName="Name19" presStyleLbl="parChTrans1D3" presStyleIdx="7" presStyleCnt="8"/>
+      <dgm:prSet presAssocID="{D12BAF7C-F0A4-4ECD-9253-3A7AED325C79}" presName="Name19" presStyleLbl="parChTrans1D3" presStyleIdx="6" presStyleCnt="7"/>
       <dgm:spPr/>
+      <dgm:t>
+        <a:bodyPr/>
+        <a:lstStyle/>
+        <a:p>
+          <a:endParaRPr lang="zh-TW" altLang="en-US"/>
+        </a:p>
+      </dgm:t>
     </dgm:pt>
     <dgm:pt modelId="{8DFA5798-BBD1-45A5-A3A6-B9F868665199}" type="pres">
       <dgm:prSet presAssocID="{CF4D18B8-299D-46F1-A129-66BE91EBCC1D}" presName="Name21" presStyleCnt="0"/>
       <dgm:spPr/>
     </dgm:pt>
     <dgm:pt modelId="{2ED63F3F-A2B2-41A8-8A71-64785FF3A404}" type="pres">
-      <dgm:prSet presAssocID="{CF4D18B8-299D-46F1-A129-66BE91EBCC1D}" presName="level2Shape" presStyleLbl="node3" presStyleIdx="7" presStyleCnt="8"/>
+      <dgm:prSet presAssocID="{CF4D18B8-299D-46F1-A129-66BE91EBCC1D}" presName="level2Shape" presStyleLbl="node3" presStyleIdx="6" presStyleCnt="7"/>
       <dgm:spPr/>
+      <dgm:t>
+        <a:bodyPr/>
+        <a:lstStyle/>
+        <a:p>
+          <a:endParaRPr lang="zh-TW" altLang="en-US"/>
+        </a:p>
+      </dgm:t>
     </dgm:pt>
     <dgm:pt modelId="{7455BF6D-B7C4-4827-B03B-6586F215DF43}" type="pres">
       <dgm:prSet presAssocID="{CF4D18B8-299D-46F1-A129-66BE91EBCC1D}" presName="hierChild3" presStyleCnt="0"/>
       <dgm:spPr/>
     </dgm:pt>
     <dgm:pt modelId="{87078FB5-C294-4F76-B7A1-21F61C1DCD8A}" type="pres">
-      <dgm:prSet presAssocID="{2F452C33-F73A-459C-9587-A1016FA563FF}" presName="Name19" presStyleLbl="parChTrans1D4" presStyleIdx="10" presStyleCnt="13"/>
+      <dgm:prSet presAssocID="{2F452C33-F73A-459C-9587-A1016FA563FF}" presName="Name19" presStyleLbl="parChTrans1D4" presStyleIdx="8" presStyleCnt="11"/>
       <dgm:spPr/>
+      <dgm:t>
+        <a:bodyPr/>
+        <a:lstStyle/>
+        <a:p>
+          <a:endParaRPr lang="zh-TW" altLang="en-US"/>
+        </a:p>
+      </dgm:t>
     </dgm:pt>
     <dgm:pt modelId="{E49A9E5A-C99F-4CBC-8729-46DBFC936100}" type="pres">
       <dgm:prSet presAssocID="{E8C02A42-CAC4-4E30-AC1B-C395889A98D9}" presName="Name21" presStyleCnt="0"/>
       <dgm:spPr/>
     </dgm:pt>
     <dgm:pt modelId="{1BA61F2A-EA46-4316-8527-A43AF2A48B71}" type="pres">
-      <dgm:prSet presAssocID="{E8C02A42-CAC4-4E30-AC1B-C395889A98D9}" presName="level2Shape" presStyleLbl="node4" presStyleIdx="10" presStyleCnt="13"/>
+      <dgm:prSet presAssocID="{E8C02A42-CAC4-4E30-AC1B-C395889A98D9}" presName="level2Shape" presStyleLbl="node4" presStyleIdx="8" presStyleCnt="11"/>
       <dgm:spPr/>
+      <dgm:t>
+        <a:bodyPr/>
+        <a:lstStyle/>
+        <a:p>
+          <a:endParaRPr lang="zh-TW" altLang="en-US"/>
+        </a:p>
+      </dgm:t>
     </dgm:pt>
     <dgm:pt modelId="{D24C3D12-07BF-41C2-91EF-6B79F1C1BF99}" type="pres">
       <dgm:prSet presAssocID="{E8C02A42-CAC4-4E30-AC1B-C395889A98D9}" presName="hierChild3" presStyleCnt="0"/>
       <dgm:spPr/>
     </dgm:pt>
     <dgm:pt modelId="{667E946A-B59B-4D55-9F3E-6C950331C0C2}" type="pres">
-      <dgm:prSet presAssocID="{ADC743F5-5023-4122-AC29-6AAE9A2630F5}" presName="Name19" presStyleLbl="parChTrans1D4" presStyleIdx="11" presStyleCnt="13"/>
+      <dgm:prSet presAssocID="{ADC743F5-5023-4122-AC29-6AAE9A2630F5}" presName="Name19" presStyleLbl="parChTrans1D4" presStyleIdx="9" presStyleCnt="11"/>
       <dgm:spPr/>
+      <dgm:t>
+        <a:bodyPr/>
+        <a:lstStyle/>
+        <a:p>
+          <a:endParaRPr lang="zh-TW" altLang="en-US"/>
+        </a:p>
+      </dgm:t>
     </dgm:pt>
     <dgm:pt modelId="{65FFB17D-8373-4F20-98FE-EA0BD30DE9EF}" type="pres">
       <dgm:prSet presAssocID="{A502BB3D-67CE-4EE8-B0FF-0CC13753ED48}" presName="Name21" presStyleCnt="0"/>
       <dgm:spPr/>
     </dgm:pt>
     <dgm:pt modelId="{91A4CD14-D253-4A0E-82EE-E52DA2CC6298}" type="pres">
-      <dgm:prSet presAssocID="{A502BB3D-67CE-4EE8-B0FF-0CC13753ED48}" presName="level2Shape" presStyleLbl="node4" presStyleIdx="11" presStyleCnt="13"/>
+      <dgm:prSet presAssocID="{A502BB3D-67CE-4EE8-B0FF-0CC13753ED48}" presName="level2Shape" presStyleLbl="node4" presStyleIdx="9" presStyleCnt="11"/>
       <dgm:spPr/>
+      <dgm:t>
+        <a:bodyPr/>
+        <a:lstStyle/>
+        <a:p>
+          <a:endParaRPr lang="zh-TW" altLang="en-US"/>
+        </a:p>
+      </dgm:t>
     </dgm:pt>
     <dgm:pt modelId="{F5F15002-8975-414C-A7F9-856560899197}" type="pres">
       <dgm:prSet presAssocID="{A502BB3D-67CE-4EE8-B0FF-0CC13753ED48}" presName="hierChild3" presStyleCnt="0"/>
       <dgm:spPr/>
     </dgm:pt>
     <dgm:pt modelId="{6040EDFF-048E-423A-B4DB-BF5C0BECB701}" type="pres">
-      <dgm:prSet presAssocID="{497A0804-3C75-4694-9311-3173028A4E53}" presName="Name19" presStyleLbl="parChTrans1D4" presStyleIdx="12" presStyleCnt="13"/>
+      <dgm:prSet presAssocID="{497A0804-3C75-4694-9311-3173028A4E53}" presName="Name19" presStyleLbl="parChTrans1D4" presStyleIdx="10" presStyleCnt="11"/>
       <dgm:spPr/>
+      <dgm:t>
+        <a:bodyPr/>
+        <a:lstStyle/>
+        <a:p>
+          <a:endParaRPr lang="zh-TW" altLang="en-US"/>
+        </a:p>
+      </dgm:t>
     </dgm:pt>
     <dgm:pt modelId="{ACC24D20-8AD4-4A17-9B43-AEB4922C7E3C}" type="pres">
       <dgm:prSet presAssocID="{F99F09C9-16B5-4C09-B2C6-AA6ABA4EE9FA}" presName="Name21" presStyleCnt="0"/>
       <dgm:spPr/>
     </dgm:pt>
     <dgm:pt modelId="{CECF50C2-2FD1-4416-B23A-0084C1906E9B}" type="pres">
-      <dgm:prSet presAssocID="{F99F09C9-16B5-4C09-B2C6-AA6ABA4EE9FA}" presName="level2Shape" presStyleLbl="node4" presStyleIdx="12" presStyleCnt="13"/>
+      <dgm:prSet presAssocID="{F99F09C9-16B5-4C09-B2C6-AA6ABA4EE9FA}" presName="level2Shape" presStyleLbl="node4" presStyleIdx="10" presStyleCnt="11"/>
       <dgm:spPr/>
+      <dgm:t>
+        <a:bodyPr/>
+        <a:lstStyle/>
+        <a:p>
+          <a:endParaRPr lang="zh-TW" altLang="en-US"/>
+        </a:p>
+      </dgm:t>
     </dgm:pt>
     <dgm:pt modelId="{65198563-908C-49DC-B5DF-F3B1344898BF}" type="pres">
       <dgm:prSet presAssocID="{F99F09C9-16B5-4C09-B2C6-AA6ABA4EE9FA}" presName="hierChild3" presStyleCnt="0"/>
@@ -2369,78 +2483,69 @@
     </dgm:pt>
   </dgm:ptLst>
   <dgm:cxnLst>
+    <dgm:cxn modelId="{343A4907-3485-4A7D-9E2D-D361041A195B}" type="presOf" srcId="{6A316BE3-29D3-40A4-945F-91426840E5DA}" destId="{BD146849-6801-455E-B4DF-3F7166309EB1}" srcOrd="0" destOrd="0" presId="urn:microsoft.com/office/officeart/2005/8/layout/hierarchy6"/>
+    <dgm:cxn modelId="{5FF351C2-07DA-4D12-A545-BF6E09C5FD84}" type="presOf" srcId="{9DB2C076-3B8E-4C41-A471-C7E9CA07E74A}" destId="{4AB59669-AD6E-49B2-9DA6-91CFC7B1BAA4}" srcOrd="0" destOrd="0" presId="urn:microsoft.com/office/officeart/2005/8/layout/hierarchy6"/>
+    <dgm:cxn modelId="{928B9173-1A34-4B12-91EA-A23543480413}" srcId="{E4BA2E8A-1C92-4E2C-8AA5-00403D9E0BB6}" destId="{79DF8699-3C86-4AFE-871E-A2CFDFEEA068}" srcOrd="0" destOrd="0" parTransId="{E7E27C14-A31D-4831-851D-77AA2A6A7EAB}" sibTransId="{9BCC8BA2-74EF-4AAA-A7CC-6666C52C9BDD}"/>
+    <dgm:cxn modelId="{CC43A2AC-2485-40D8-A559-78BE7990E1FE}" srcId="{9804E660-2F40-4543-A54E-0D907BD819D1}" destId="{D6BAAFAE-24F3-4BC9-9595-5EE173A0F661}" srcOrd="0" destOrd="0" parTransId="{FA08DAA0-0E12-415F-9D2F-21D35D5AFA73}" sibTransId="{44126992-FCAB-4421-8D27-5E1FA386D331}"/>
+    <dgm:cxn modelId="{3495B769-75EA-4275-8B0C-6D941249E816}" srcId="{CE62FFC7-7266-45B8-BCA3-DF8A5DFAD7B1}" destId="{D08300E8-713C-4F62-9C0A-C177C3C9939A}" srcOrd="2" destOrd="0" parTransId="{D6E51055-AC1F-4DF0-AC18-BF1D34AA2259}" sibTransId="{16D1D651-3DD6-41F5-A55F-7BAAB1D25944}"/>
+    <dgm:cxn modelId="{00B6568B-E8C8-450D-A80D-232448825EC8}" type="presOf" srcId="{D7A748DB-4C2A-474B-9AC0-853E42E46736}" destId="{43DE2737-B9BF-441C-914F-96DBB3344438}" srcOrd="0" destOrd="0" presId="urn:microsoft.com/office/officeart/2005/8/layout/hierarchy6"/>
+    <dgm:cxn modelId="{60F72E6C-D28F-4845-911B-2971281DCA02}" srcId="{CF4D18B8-299D-46F1-A129-66BE91EBCC1D}" destId="{E8C02A42-CAC4-4E30-AC1B-C395889A98D9}" srcOrd="0" destOrd="0" parTransId="{2F452C33-F73A-459C-9587-A1016FA563FF}" sibTransId="{BFC51F61-FF50-4F5A-92F3-B05C45D9F8F6}"/>
+    <dgm:cxn modelId="{2C84BB21-2776-43A7-905D-9947B4DCAC40}" type="presOf" srcId="{E8C02A42-CAC4-4E30-AC1B-C395889A98D9}" destId="{1BA61F2A-EA46-4316-8527-A43AF2A48B71}" srcOrd="0" destOrd="0" presId="urn:microsoft.com/office/officeart/2005/8/layout/hierarchy6"/>
+    <dgm:cxn modelId="{6C55BBCC-CFC3-4DF5-9782-E1D5E4A64EB8}" type="presOf" srcId="{47043032-F53A-42B1-A16E-0BFB68695DBD}" destId="{AFB3DB2E-C7A8-431B-9B38-FA91A9ACF599}" srcOrd="0" destOrd="0" presId="urn:microsoft.com/office/officeart/2005/8/layout/hierarchy6"/>
+    <dgm:cxn modelId="{6E18FCC9-AA1A-49C6-ADE8-A3773E1B2B63}" srcId="{770263D2-775E-4D11-B280-928F1E3C65C5}" destId="{940D83E2-F17E-4731-B1DD-575644369B3F}" srcOrd="0" destOrd="0" parTransId="{08731CDF-6C77-41BA-A01B-0ABFB4263A32}" sibTransId="{5BF88A33-ADD2-41DA-B2B3-D59C8B300436}"/>
+    <dgm:cxn modelId="{C1D68883-67F5-4E50-BAF2-E2BC1AE0CDC6}" type="presOf" srcId="{2F452C33-F73A-459C-9587-A1016FA563FF}" destId="{87078FB5-C294-4F76-B7A1-21F61C1DCD8A}" srcOrd="0" destOrd="0" presId="urn:microsoft.com/office/officeart/2005/8/layout/hierarchy6"/>
+    <dgm:cxn modelId="{F84DA878-7E31-4EFD-8FE6-0009EE989C21}" srcId="{F5D0E1BB-D05D-4AA4-A3ED-42BED5F1F3F2}" destId="{9804E660-2F40-4543-A54E-0D907BD819D1}" srcOrd="0" destOrd="0" parTransId="{587220F9-D090-4997-8C37-6C210FFA3BC7}" sibTransId="{CB2C5420-C792-4649-AA4B-6CAC7CF5DA65}"/>
+    <dgm:cxn modelId="{1359C2E9-7B15-4D28-8D7A-69B1538DE03C}" srcId="{F5D0E1BB-D05D-4AA4-A3ED-42BED5F1F3F2}" destId="{CF4D18B8-299D-46F1-A129-66BE91EBCC1D}" srcOrd="2" destOrd="0" parTransId="{D12BAF7C-F0A4-4ECD-9253-3A7AED325C79}" sibTransId="{3F949926-F457-410F-8409-ADD0F623FFFB}"/>
+    <dgm:cxn modelId="{64A070F9-42FA-46DC-B45F-E8C05836A437}" srcId="{D08300E8-713C-4F62-9C0A-C177C3C9939A}" destId="{B43A81EF-63FD-414F-BD2C-18A5B0C979D3}" srcOrd="0" destOrd="0" parTransId="{94C882FB-D895-4225-98EA-FF10B58052E0}" sibTransId="{DFB69341-BAFD-4686-914A-5CA7C86FA1E6}"/>
+    <dgm:cxn modelId="{AB91D2EA-0854-4146-84EE-7CD71F6E76CD}" srcId="{5F4D78F6-CF18-4025-9CBB-829D259A6C63}" destId="{CE62FFC7-7266-45B8-BCA3-DF8A5DFAD7B1}" srcOrd="0" destOrd="0" parTransId="{D7A748DB-4C2A-474B-9AC0-853E42E46736}" sibTransId="{DE59D0E3-80F4-4B4F-B3D2-F55BC52F00A8}"/>
+    <dgm:cxn modelId="{BF2C348E-FDE7-4230-8AA1-D5B14A3A0B71}" srcId="{CF4D18B8-299D-46F1-A129-66BE91EBCC1D}" destId="{F99F09C9-16B5-4C09-B2C6-AA6ABA4EE9FA}" srcOrd="2" destOrd="0" parTransId="{497A0804-3C75-4694-9311-3173028A4E53}" sibTransId="{B990D160-A725-418E-9B7D-F3EF6A41BA7E}"/>
     <dgm:cxn modelId="{B6EA7200-E2C6-400B-B3A0-F0AE1449630A}" type="presOf" srcId="{402ED910-DE37-41CE-85CD-65F817C0E440}" destId="{E636DB5E-2B79-4162-B286-5B58B443B349}" srcOrd="0" destOrd="0" presId="urn:microsoft.com/office/officeart/2005/8/layout/hierarchy6"/>
-    <dgm:cxn modelId="{343A4907-3485-4A7D-9E2D-D361041A195B}" type="presOf" srcId="{6A316BE3-29D3-40A4-945F-91426840E5DA}" destId="{BD146849-6801-455E-B4DF-3F7166309EB1}" srcOrd="0" destOrd="0" presId="urn:microsoft.com/office/officeart/2005/8/layout/hierarchy6"/>
+    <dgm:cxn modelId="{7B2C4C6D-A2B2-4E03-B16C-084A30A58A55}" type="presOf" srcId="{ADC743F5-5023-4122-AC29-6AAE9A2630F5}" destId="{667E946A-B59B-4D55-9F3E-6C950331C0C2}" srcOrd="0" destOrd="0" presId="urn:microsoft.com/office/officeart/2005/8/layout/hierarchy6"/>
+    <dgm:cxn modelId="{ED028A14-88B5-410F-AC98-0FCAB6FC749F}" type="presOf" srcId="{A49CB5AE-AB08-4CC5-A354-F1727805B218}" destId="{4E7799B0-A228-4996-B4EF-94031FC8E8E9}" srcOrd="0" destOrd="0" presId="urn:microsoft.com/office/officeart/2005/8/layout/hierarchy6"/>
+    <dgm:cxn modelId="{A58ECC90-42B4-4127-A66B-C8DEED6B8FD2}" srcId="{79DF8699-3C86-4AFE-871E-A2CFDFEEA068}" destId="{88BA6096-042C-4785-9409-1A26EEC45164}" srcOrd="0" destOrd="0" parTransId="{7AD46472-4619-40FC-A2BB-1058FBCF4C99}" sibTransId="{CC93BC69-C2E2-4AAC-8B58-4A20920D5233}"/>
+    <dgm:cxn modelId="{57043318-3897-4C1E-9163-5E8C3A2A5BB9}" type="presOf" srcId="{CE62FFC7-7266-45B8-BCA3-DF8A5DFAD7B1}" destId="{C71B52E7-49D4-45D1-8720-29956B223A1F}" srcOrd="0" destOrd="0" presId="urn:microsoft.com/office/officeart/2005/8/layout/hierarchy6"/>
+    <dgm:cxn modelId="{EB85A309-E14A-42BD-87E8-882EA059C1A1}" srcId="{CE62FFC7-7266-45B8-BCA3-DF8A5DFAD7B1}" destId="{A49CB5AE-AB08-4CC5-A354-F1727805B218}" srcOrd="1" destOrd="0" parTransId="{AC314258-156A-40B2-8438-457DB9774590}" sibTransId="{05D098A7-3C73-4F58-BD94-568024A59304}"/>
+    <dgm:cxn modelId="{AF25C180-16D3-4F27-B4F3-D717574DED11}" srcId="{5F4D78F6-CF18-4025-9CBB-829D259A6C63}" destId="{F5D0E1BB-D05D-4AA4-A3ED-42BED5F1F3F2}" srcOrd="1" destOrd="0" parTransId="{B6DC32C6-0351-4B04-BB80-056A8C884BD0}" sibTransId="{6EB42109-AB44-495D-ABA4-C60D644EC78A}"/>
+    <dgm:cxn modelId="{61CF1C9E-1098-4AA7-B096-2FE006EECC8F}" type="presOf" srcId="{5F7448E7-7262-4565-B2B2-155ACA443857}" destId="{861D381E-1F95-415F-A5A3-E9882C805F1D}" srcOrd="0" destOrd="0" presId="urn:microsoft.com/office/officeart/2005/8/layout/hierarchy6"/>
+    <dgm:cxn modelId="{6B93BE36-50FF-4DB8-B6D5-C2BF8E249A32}" type="presOf" srcId="{D6BAAFAE-24F3-4BC9-9595-5EE173A0F661}" destId="{D8EA34F9-44DB-400F-BF1D-8318AB8D3508}" srcOrd="0" destOrd="0" presId="urn:microsoft.com/office/officeart/2005/8/layout/hierarchy6"/>
+    <dgm:cxn modelId="{DEECA075-4FAA-46AB-895B-94F136A5D6C9}" type="presOf" srcId="{CF4D18B8-299D-46F1-A129-66BE91EBCC1D}" destId="{2ED63F3F-A2B2-41A8-8A71-64785FF3A404}" srcOrd="0" destOrd="0" presId="urn:microsoft.com/office/officeart/2005/8/layout/hierarchy6"/>
+    <dgm:cxn modelId="{30666980-D697-4E65-BB5D-999D129A722C}" srcId="{A49CB5AE-AB08-4CC5-A354-F1727805B218}" destId="{770263D2-775E-4D11-B280-928F1E3C65C5}" srcOrd="0" destOrd="0" parTransId="{5F7448E7-7262-4565-B2B2-155ACA443857}" sibTransId="{D79336AA-7334-4A62-A751-58DE73015872}"/>
     <dgm:cxn modelId="{198D1C09-089E-4FE2-80A3-3A7ABA5328F5}" type="presOf" srcId="{79DF8699-3C86-4AFE-871E-A2CFDFEEA068}" destId="{E325072A-E321-4B43-BA71-2702AB466C77}" srcOrd="0" destOrd="0" presId="urn:microsoft.com/office/officeart/2005/8/layout/hierarchy6"/>
-    <dgm:cxn modelId="{59F88809-054F-400C-B808-96B9BC4E0A12}" srcId="{94DEBE64-C495-4C9B-ABAC-EFF5A34A3470}" destId="{DEA31A03-F318-435F-B076-47C0F9398F8B}" srcOrd="1" destOrd="0" parTransId="{8D55BB00-FA0B-4CD6-939A-38B25DF9D582}" sibTransId="{037D6B65-9F21-4087-972A-E9E8717710DC}"/>
-    <dgm:cxn modelId="{EB85A309-E14A-42BD-87E8-882EA059C1A1}" srcId="{CE62FFC7-7266-45B8-BCA3-DF8A5DFAD7B1}" destId="{A49CB5AE-AB08-4CC5-A354-F1727805B218}" srcOrd="1" destOrd="0" parTransId="{AC314258-156A-40B2-8438-457DB9774590}" sibTransId="{05D098A7-3C73-4F58-BD94-568024A59304}"/>
+    <dgm:cxn modelId="{0716273F-508C-4911-A94D-5E482CBD456F}" type="presOf" srcId="{D12BAF7C-F0A4-4ECD-9253-3A7AED325C79}" destId="{410EEF7A-90FC-453C-88E9-A2A01517F7F6}" srcOrd="0" destOrd="0" presId="urn:microsoft.com/office/officeart/2005/8/layout/hierarchy6"/>
+    <dgm:cxn modelId="{BAF5F9D6-D50B-49D1-A0E2-026DD6C45F3C}" type="presOf" srcId="{E7E27C14-A31D-4831-851D-77AA2A6A7EAB}" destId="{71122727-A3A9-4CA9-A302-463238571CF3}" srcOrd="0" destOrd="0" presId="urn:microsoft.com/office/officeart/2005/8/layout/hierarchy6"/>
+    <dgm:cxn modelId="{3C863A6F-32DB-4C68-AE59-7B1787A24B52}" type="presOf" srcId="{9804E660-2F40-4543-A54E-0D907BD819D1}" destId="{04E8436F-E901-4069-B001-8E0EB4E5DFAE}" srcOrd="0" destOrd="0" presId="urn:microsoft.com/office/officeart/2005/8/layout/hierarchy6"/>
+    <dgm:cxn modelId="{B84756F7-9980-4630-881B-74C3C6EB9A13}" type="presOf" srcId="{E4BA2E8A-1C92-4E2C-8AA5-00403D9E0BB6}" destId="{ACC04287-6198-4899-9343-ED8247E524C8}" srcOrd="0" destOrd="0" presId="urn:microsoft.com/office/officeart/2005/8/layout/hierarchy6"/>
+    <dgm:cxn modelId="{E88AFEA6-734F-4A01-8B1B-4780871852F7}" srcId="{CE62FFC7-7266-45B8-BCA3-DF8A5DFAD7B1}" destId="{A7EE0AD4-5561-4237-9EA0-680A667DE643}" srcOrd="0" destOrd="0" parTransId="{49ABA668-A454-40A6-B3AE-C4DAD0BF6307}" sibTransId="{4E9F6992-2F30-4A8D-8409-DDCE1A53DDAD}"/>
+    <dgm:cxn modelId="{82AB7C56-52ED-4971-B406-6E2AE74C9B81}" type="presOf" srcId="{88BA6096-042C-4785-9409-1A26EEC45164}" destId="{404F8891-4210-4BB4-9E9F-786FFEFE02B7}" srcOrd="0" destOrd="0" presId="urn:microsoft.com/office/officeart/2005/8/layout/hierarchy6"/>
+    <dgm:cxn modelId="{24BD6B4C-6F7B-4FDA-995A-3C4C9B53D104}" type="presOf" srcId="{B6BB88B3-1551-4C12-B40E-CB3A5ED4C37E}" destId="{1AEDDC81-4459-4A0B-8853-D16A38234467}" srcOrd="0" destOrd="0" presId="urn:microsoft.com/office/officeart/2005/8/layout/hierarchy6"/>
+    <dgm:cxn modelId="{01ED4786-5ACB-4FCE-A860-7D946AE8029B}" srcId="{CE62FFC7-7266-45B8-BCA3-DF8A5DFAD7B1}" destId="{6A316BE3-29D3-40A4-945F-91426840E5DA}" srcOrd="3" destOrd="0" parTransId="{9DB2C076-3B8E-4C41-A471-C7E9CA07E74A}" sibTransId="{F28BC1D0-873B-4967-982C-1270F0282B77}"/>
+    <dgm:cxn modelId="{D7C0434F-2E9E-4BC2-A502-555F8E9FF573}" srcId="{CF4D18B8-299D-46F1-A129-66BE91EBCC1D}" destId="{A502BB3D-67CE-4EE8-B0FF-0CC13753ED48}" srcOrd="1" destOrd="0" parTransId="{ADC743F5-5023-4122-AC29-6AAE9A2630F5}" sibTransId="{721486D9-FABE-4100-B04C-76000BEC8D08}"/>
+    <dgm:cxn modelId="{89B08D60-7E65-4E63-B8AF-F95C9AEFEA3B}" type="presOf" srcId="{5F4D78F6-CF18-4025-9CBB-829D259A6C63}" destId="{1B354045-7F13-4867-962D-1EBA968FB433}" srcOrd="0" destOrd="0" presId="urn:microsoft.com/office/officeart/2005/8/layout/hierarchy6"/>
+    <dgm:cxn modelId="{FDB429E5-8D5C-4D8F-B139-48E1631514CD}" type="presOf" srcId="{D6E51055-AC1F-4DF0-AC18-BF1D34AA2259}" destId="{3D67BD21-A232-4AA7-8EF2-A8A85460E2D2}" srcOrd="0" destOrd="0" presId="urn:microsoft.com/office/officeart/2005/8/layout/hierarchy6"/>
+    <dgm:cxn modelId="{0840B97E-1FFD-4E83-A835-9C1AD1325D1E}" type="presOf" srcId="{D08300E8-713C-4F62-9C0A-C177C3C9939A}" destId="{7D674F32-FC16-416C-B8F1-582EB138E3D6}" srcOrd="0" destOrd="0" presId="urn:microsoft.com/office/officeart/2005/8/layout/hierarchy6"/>
+    <dgm:cxn modelId="{56F00BD3-313E-4F45-B55E-BBC9EF42D766}" type="presOf" srcId="{6D3F08E3-97A7-4549-9AC4-A09ADB4EB44F}" destId="{5324B758-9B89-4E19-9FB2-2DE853E7B9F1}" srcOrd="0" destOrd="0" presId="urn:microsoft.com/office/officeart/2005/8/layout/hierarchy6"/>
+    <dgm:cxn modelId="{87313427-C1A9-4B8A-B207-743EA05B1982}" srcId="{B6BB88B3-1551-4C12-B40E-CB3A5ED4C37E}" destId="{5F4D78F6-CF18-4025-9CBB-829D259A6C63}" srcOrd="0" destOrd="0" parTransId="{E5C73EB0-663F-4396-8FB2-24BB5BD5843E}" sibTransId="{A4FA8E9A-CF4F-498E-B957-C7C3BBEC9DC5}"/>
+    <dgm:cxn modelId="{B5BC67B9-2C39-4345-AFC5-6CFD57D2AFAB}" srcId="{F5D0E1BB-D05D-4AA4-A3ED-42BED5F1F3F2}" destId="{E4BA2E8A-1C92-4E2C-8AA5-00403D9E0BB6}" srcOrd="1" destOrd="0" parTransId="{6D3F08E3-97A7-4549-9AC4-A09ADB4EB44F}" sibTransId="{08204B07-44A3-4F90-8648-7A45F5B2F134}"/>
     <dgm:cxn modelId="{1CAC7614-5F83-4318-9504-B72621AF8CE9}" type="presOf" srcId="{B6DC32C6-0351-4B04-BB80-056A8C884BD0}" destId="{A1BD6871-85BF-4C93-A498-1B6FAC72C74E}" srcOrd="0" destOrd="0" presId="urn:microsoft.com/office/officeart/2005/8/layout/hierarchy6"/>
-    <dgm:cxn modelId="{ED028A14-88B5-410F-AC98-0FCAB6FC749F}" type="presOf" srcId="{A49CB5AE-AB08-4CC5-A354-F1727805B218}" destId="{4E7799B0-A228-4996-B4EF-94031FC8E8E9}" srcOrd="0" destOrd="0" presId="urn:microsoft.com/office/officeart/2005/8/layout/hierarchy6"/>
-    <dgm:cxn modelId="{6EF61818-0F6C-4019-9A6F-ED4D0FAD0661}" type="presOf" srcId="{DEA31A03-F318-435F-B076-47C0F9398F8B}" destId="{C685E601-3B4E-4881-BF96-85ECCEB9C012}" srcOrd="0" destOrd="0" presId="urn:microsoft.com/office/officeart/2005/8/layout/hierarchy6"/>
-    <dgm:cxn modelId="{57043318-3897-4C1E-9163-5E8C3A2A5BB9}" type="presOf" srcId="{CE62FFC7-7266-45B8-BCA3-DF8A5DFAD7B1}" destId="{C71B52E7-49D4-45D1-8720-29956B223A1F}" srcOrd="0" destOrd="0" presId="urn:microsoft.com/office/officeart/2005/8/layout/hierarchy6"/>
+    <dgm:cxn modelId="{7CD25BC6-58D1-45ED-A759-B90D5CD1A7B5}" type="presOf" srcId="{AC314258-156A-40B2-8438-457DB9774590}" destId="{7A627794-31C1-4B07-8C83-9F4ECFA7EF87}" srcOrd="0" destOrd="0" presId="urn:microsoft.com/office/officeart/2005/8/layout/hierarchy6"/>
+    <dgm:cxn modelId="{9DBE43F1-8F73-44E4-BC1A-9AB4C854F8FC}" type="presOf" srcId="{770263D2-775E-4D11-B280-928F1E3C65C5}" destId="{FC03C132-125A-4E97-B478-0E72CAF14E8C}" srcOrd="0" destOrd="0" presId="urn:microsoft.com/office/officeart/2005/8/layout/hierarchy6"/>
+    <dgm:cxn modelId="{B9C9CF55-8424-4AD3-9B71-9F8B3DF225DE}" type="presOf" srcId="{940D83E2-F17E-4731-B1DD-575644369B3F}" destId="{1B240BF3-F309-471E-854D-830137EA6FA0}" srcOrd="0" destOrd="0" presId="urn:microsoft.com/office/officeart/2005/8/layout/hierarchy6"/>
+    <dgm:cxn modelId="{BB2B5F34-EAF8-4724-9665-2DF298DDDC8B}" type="presOf" srcId="{94C882FB-D895-4225-98EA-FF10B58052E0}" destId="{2541D668-6583-4EE2-8E1D-8FACF2BBC88C}" srcOrd="0" destOrd="0" presId="urn:microsoft.com/office/officeart/2005/8/layout/hierarchy6"/>
+    <dgm:cxn modelId="{629510C4-CCEF-40A4-A094-36B6A9C2A2E4}" type="presOf" srcId="{B43A81EF-63FD-414F-BD2C-18A5B0C979D3}" destId="{8614312F-CEC9-45C0-A25F-3B82CDF036A4}" srcOrd="0" destOrd="0" presId="urn:microsoft.com/office/officeart/2005/8/layout/hierarchy6"/>
     <dgm:cxn modelId="{97F52A21-875E-4C71-8381-4319F2455677}" type="presOf" srcId="{497A0804-3C75-4694-9311-3173028A4E53}" destId="{6040EDFF-048E-423A-B4DB-BF5C0BECB701}" srcOrd="0" destOrd="0" presId="urn:microsoft.com/office/officeart/2005/8/layout/hierarchy6"/>
-    <dgm:cxn modelId="{2C84BB21-2776-43A7-905D-9947B4DCAC40}" type="presOf" srcId="{E8C02A42-CAC4-4E30-AC1B-C395889A98D9}" destId="{1BA61F2A-EA46-4316-8527-A43AF2A48B71}" srcOrd="0" destOrd="0" presId="urn:microsoft.com/office/officeart/2005/8/layout/hierarchy6"/>
-    <dgm:cxn modelId="{87313427-C1A9-4B8A-B207-743EA05B1982}" srcId="{B6BB88B3-1551-4C12-B40E-CB3A5ED4C37E}" destId="{5F4D78F6-CF18-4025-9CBB-829D259A6C63}" srcOrd="0" destOrd="0" parTransId="{E5C73EB0-663F-4396-8FB2-24BB5BD5843E}" sibTransId="{A4FA8E9A-CF4F-498E-B957-C7C3BBEC9DC5}"/>
+    <dgm:cxn modelId="{BBCD9367-F038-4339-856A-886936ED4346}" type="presOf" srcId="{FA08DAA0-0E12-415F-9D2F-21D35D5AFA73}" destId="{709B4420-22D1-41B2-8DD2-AAC26AFF5988}" srcOrd="0" destOrd="0" presId="urn:microsoft.com/office/officeart/2005/8/layout/hierarchy6"/>
     <dgm:cxn modelId="{06003431-70C0-4C1E-929D-2FCE31224621}" type="presOf" srcId="{587220F9-D090-4997-8C37-6C210FFA3BC7}" destId="{3DC1F0D9-81D9-45F8-94F2-636E41D031B9}" srcOrd="0" destOrd="0" presId="urn:microsoft.com/office/officeart/2005/8/layout/hierarchy6"/>
-    <dgm:cxn modelId="{BB2B5F34-EAF8-4724-9665-2DF298DDDC8B}" type="presOf" srcId="{94C882FB-D895-4225-98EA-FF10B58052E0}" destId="{2541D668-6583-4EE2-8E1D-8FACF2BBC88C}" srcOrd="0" destOrd="0" presId="urn:microsoft.com/office/officeart/2005/8/layout/hierarchy6"/>
+    <dgm:cxn modelId="{73D3E87F-C771-401A-BFC4-45483B0BFE7C}" type="presOf" srcId="{7AD46472-4619-40FC-A2BB-1058FBCF4C99}" destId="{AB4515E4-ACF7-42AA-BAB9-21E4FEBE2CCC}" srcOrd="0" destOrd="0" presId="urn:microsoft.com/office/officeart/2005/8/layout/hierarchy6"/>
+    <dgm:cxn modelId="{7A0959FA-2232-4002-ADF1-D71F8C639E8C}" type="presOf" srcId="{F5D0E1BB-D05D-4AA4-A3ED-42BED5F1F3F2}" destId="{E3E26CF0-4369-4D07-A4E5-8CFB863BF958}" srcOrd="0" destOrd="0" presId="urn:microsoft.com/office/officeart/2005/8/layout/hierarchy6"/>
+    <dgm:cxn modelId="{813FF997-A7B7-46A3-A526-FE7FB847B429}" type="presOf" srcId="{08731CDF-6C77-41BA-A01B-0ABFB4263A32}" destId="{F3515DC6-D19A-43A7-9B2D-8C1875D1547E}" srcOrd="0" destOrd="0" presId="urn:microsoft.com/office/officeart/2005/8/layout/hierarchy6"/>
+    <dgm:cxn modelId="{177F59DC-7501-49E6-84D4-396009720234}" srcId="{A7EE0AD4-5561-4237-9EA0-680A667DE643}" destId="{1DDE1B68-2F49-47AE-8FFB-D55D653BAEDB}" srcOrd="0" destOrd="0" parTransId="{402ED910-DE37-41CE-85CD-65F817C0E440}" sibTransId="{D677F734-A383-4CD9-9B7F-29B37FA3A248}"/>
+    <dgm:cxn modelId="{272B123B-AE20-4573-A6DB-140DB5CF3817}" srcId="{D08300E8-713C-4F62-9C0A-C177C3C9939A}" destId="{47043032-F53A-42B1-A16E-0BFB68695DBD}" srcOrd="1" destOrd="0" parTransId="{9ED60549-4B46-4116-89A7-11C694E86894}" sibTransId="{C4792A48-C2FC-4C62-AE4E-B61B8C77A8C7}"/>
+    <dgm:cxn modelId="{387D177E-854C-4757-A749-3F0CB95EC22D}" type="presOf" srcId="{49ABA668-A454-40A6-B3AE-C4DAD0BF6307}" destId="{A7BC676D-D7C1-4EAE-AEAB-76A2F33DA029}" srcOrd="0" destOrd="0" presId="urn:microsoft.com/office/officeart/2005/8/layout/hierarchy6"/>
     <dgm:cxn modelId="{CA17FE34-9C2B-49F0-80C8-A7905AE1149A}" type="presOf" srcId="{1DDE1B68-2F49-47AE-8FFB-D55D653BAEDB}" destId="{F217412A-BDE7-4709-8C2B-E4F39547840B}" srcOrd="0" destOrd="0" presId="urn:microsoft.com/office/officeart/2005/8/layout/hierarchy6"/>
-    <dgm:cxn modelId="{6B93BE36-50FF-4DB8-B6D5-C2BF8E249A32}" type="presOf" srcId="{D6BAAFAE-24F3-4BC9-9595-5EE173A0F661}" destId="{D8EA34F9-44DB-400F-BF1D-8318AB8D3508}" srcOrd="0" destOrd="0" presId="urn:microsoft.com/office/officeart/2005/8/layout/hierarchy6"/>
-    <dgm:cxn modelId="{272B123B-AE20-4573-A6DB-140DB5CF3817}" srcId="{D08300E8-713C-4F62-9C0A-C177C3C9939A}" destId="{47043032-F53A-42B1-A16E-0BFB68695DBD}" srcOrd="1" destOrd="0" parTransId="{9ED60549-4B46-4116-89A7-11C694E86894}" sibTransId="{C4792A48-C2FC-4C62-AE4E-B61B8C77A8C7}"/>
-    <dgm:cxn modelId="{0716273F-508C-4911-A94D-5E482CBD456F}" type="presOf" srcId="{D12BAF7C-F0A4-4ECD-9253-3A7AED325C79}" destId="{410EEF7A-90FC-453C-88E9-A2A01517F7F6}" srcOrd="0" destOrd="0" presId="urn:microsoft.com/office/officeart/2005/8/layout/hierarchy6"/>
-    <dgm:cxn modelId="{9833B75B-B6FF-478F-BD8E-ECF09E70DA92}" type="presOf" srcId="{E2EE0132-29A9-47C6-AA1A-19AFBE254F11}" destId="{7E089C12-6984-47C7-BCC2-DE41500ECEAA}" srcOrd="0" destOrd="0" presId="urn:microsoft.com/office/officeart/2005/8/layout/hierarchy6"/>
-    <dgm:cxn modelId="{89B08D60-7E65-4E63-B8AF-F95C9AEFEA3B}" type="presOf" srcId="{5F4D78F6-CF18-4025-9CBB-829D259A6C63}" destId="{1B354045-7F13-4867-962D-1EBA968FB433}" srcOrd="0" destOrd="0" presId="urn:microsoft.com/office/officeart/2005/8/layout/hierarchy6"/>
-    <dgm:cxn modelId="{E8DD6543-F12C-4969-8D12-31C3B55C8C28}" type="presOf" srcId="{12657077-78EC-4DB1-8A32-51D1A86C1991}" destId="{7BFB9096-AD14-4FD0-9E52-FE5890DBE8B9}" srcOrd="0" destOrd="0" presId="urn:microsoft.com/office/officeart/2005/8/layout/hierarchy6"/>
+    <dgm:cxn modelId="{1AAACACB-D5AC-441A-AD2B-6CF442811887}" type="presOf" srcId="{A7EE0AD4-5561-4237-9EA0-680A667DE643}" destId="{6548DA29-3B3A-4D47-9EC8-892A7ED0BDCD}" srcOrd="0" destOrd="0" presId="urn:microsoft.com/office/officeart/2005/8/layout/hierarchy6"/>
     <dgm:cxn modelId="{EA6BFD45-D759-4899-98AB-52071AC258F1}" type="presOf" srcId="{9ED60549-4B46-4116-89A7-11C694E86894}" destId="{653AB5BD-4615-420C-B9AB-505101D5833C}" srcOrd="0" destOrd="0" presId="urn:microsoft.com/office/officeart/2005/8/layout/hierarchy6"/>
-    <dgm:cxn modelId="{BBCD9367-F038-4339-856A-886936ED4346}" type="presOf" srcId="{FA08DAA0-0E12-415F-9D2F-21D35D5AFA73}" destId="{709B4420-22D1-41B2-8DD2-AAC26AFF5988}" srcOrd="0" destOrd="0" presId="urn:microsoft.com/office/officeart/2005/8/layout/hierarchy6"/>
-    <dgm:cxn modelId="{3495B769-75EA-4275-8B0C-6D941249E816}" srcId="{CE62FFC7-7266-45B8-BCA3-DF8A5DFAD7B1}" destId="{D08300E8-713C-4F62-9C0A-C177C3C9939A}" srcOrd="2" destOrd="0" parTransId="{D6E51055-AC1F-4DF0-AC18-BF1D34AA2259}" sibTransId="{16D1D651-3DD6-41F5-A55F-7BAAB1D25944}"/>
-    <dgm:cxn modelId="{60F72E6C-D28F-4845-911B-2971281DCA02}" srcId="{CF4D18B8-299D-46F1-A129-66BE91EBCC1D}" destId="{E8C02A42-CAC4-4E30-AC1B-C395889A98D9}" srcOrd="0" destOrd="0" parTransId="{2F452C33-F73A-459C-9587-A1016FA563FF}" sibTransId="{BFC51F61-FF50-4F5A-92F3-B05C45D9F8F6}"/>
-    <dgm:cxn modelId="{24BD6B4C-6F7B-4FDA-995A-3C4C9B53D104}" type="presOf" srcId="{B6BB88B3-1551-4C12-B40E-CB3A5ED4C37E}" destId="{1AEDDC81-4459-4A0B-8853-D16A38234467}" srcOrd="0" destOrd="0" presId="urn:microsoft.com/office/officeart/2005/8/layout/hierarchy6"/>
-    <dgm:cxn modelId="{7B2C4C6D-A2B2-4E03-B16C-084A30A58A55}" type="presOf" srcId="{ADC743F5-5023-4122-AC29-6AAE9A2630F5}" destId="{667E946A-B59B-4D55-9F3E-6C950331C0C2}" srcOrd="0" destOrd="0" presId="urn:microsoft.com/office/officeart/2005/8/layout/hierarchy6"/>
-    <dgm:cxn modelId="{3C863A6F-32DB-4C68-AE59-7B1787A24B52}" type="presOf" srcId="{9804E660-2F40-4543-A54E-0D907BD819D1}" destId="{04E8436F-E901-4069-B001-8E0EB4E5DFAE}" srcOrd="0" destOrd="0" presId="urn:microsoft.com/office/officeart/2005/8/layout/hierarchy6"/>
-    <dgm:cxn modelId="{D7C0434F-2E9E-4BC2-A502-555F8E9FF573}" srcId="{CF4D18B8-299D-46F1-A129-66BE91EBCC1D}" destId="{A502BB3D-67CE-4EE8-B0FF-0CC13753ED48}" srcOrd="1" destOrd="0" parTransId="{ADC743F5-5023-4122-AC29-6AAE9A2630F5}" sibTransId="{721486D9-FABE-4100-B04C-76000BEC8D08}"/>
-    <dgm:cxn modelId="{928B9173-1A34-4B12-91EA-A23543480413}" srcId="{E4BA2E8A-1C92-4E2C-8AA5-00403D9E0BB6}" destId="{79DF8699-3C86-4AFE-871E-A2CFDFEEA068}" srcOrd="0" destOrd="0" parTransId="{E7E27C14-A31D-4831-851D-77AA2A6A7EAB}" sibTransId="{9BCC8BA2-74EF-4AAA-A7CC-6666C52C9BDD}"/>
-    <dgm:cxn modelId="{F52D7354-2C50-4209-AC0F-F76C94283BC7}" srcId="{94DEBE64-C495-4C9B-ABAC-EFF5A34A3470}" destId="{E2EE0132-29A9-47C6-AA1A-19AFBE254F11}" srcOrd="0" destOrd="0" parTransId="{12657077-78EC-4DB1-8A32-51D1A86C1991}" sibTransId="{35AE38FC-47F3-4870-9DEC-A6DD68254727}"/>
-    <dgm:cxn modelId="{DEECA075-4FAA-46AB-895B-94F136A5D6C9}" type="presOf" srcId="{CF4D18B8-299D-46F1-A129-66BE91EBCC1D}" destId="{2ED63F3F-A2B2-41A8-8A71-64785FF3A404}" srcOrd="0" destOrd="0" presId="urn:microsoft.com/office/officeart/2005/8/layout/hierarchy6"/>
-    <dgm:cxn modelId="{B9C9CF55-8424-4AD3-9B71-9F8B3DF225DE}" type="presOf" srcId="{940D83E2-F17E-4731-B1DD-575644369B3F}" destId="{1B240BF3-F309-471E-854D-830137EA6FA0}" srcOrd="0" destOrd="0" presId="urn:microsoft.com/office/officeart/2005/8/layout/hierarchy6"/>
-    <dgm:cxn modelId="{82AB7C56-52ED-4971-B406-6E2AE74C9B81}" type="presOf" srcId="{88BA6096-042C-4785-9409-1A26EEC45164}" destId="{404F8891-4210-4BB4-9E9F-786FFEFE02B7}" srcOrd="0" destOrd="0" presId="urn:microsoft.com/office/officeart/2005/8/layout/hierarchy6"/>
-    <dgm:cxn modelId="{F84DA878-7E31-4EFD-8FE6-0009EE989C21}" srcId="{F5D0E1BB-D05D-4AA4-A3ED-42BED5F1F3F2}" destId="{9804E660-2F40-4543-A54E-0D907BD819D1}" srcOrd="0" destOrd="0" parTransId="{587220F9-D090-4997-8C37-6C210FFA3BC7}" sibTransId="{CB2C5420-C792-4649-AA4B-6CAC7CF5DA65}"/>
-    <dgm:cxn modelId="{BE31D07A-FCD6-44C1-89FA-3C7FAE147E29}" type="presOf" srcId="{94DEBE64-C495-4C9B-ABAC-EFF5A34A3470}" destId="{70A2C404-EE29-4CA0-8568-6115E9FA3C7A}" srcOrd="0" destOrd="0" presId="urn:microsoft.com/office/officeart/2005/8/layout/hierarchy6"/>
-    <dgm:cxn modelId="{387D177E-854C-4757-A749-3F0CB95EC22D}" type="presOf" srcId="{49ABA668-A454-40A6-B3AE-C4DAD0BF6307}" destId="{A7BC676D-D7C1-4EAE-AEAB-76A2F33DA029}" srcOrd="0" destOrd="0" presId="urn:microsoft.com/office/officeart/2005/8/layout/hierarchy6"/>
-    <dgm:cxn modelId="{0840B97E-1FFD-4E83-A835-9C1AD1325D1E}" type="presOf" srcId="{D08300E8-713C-4F62-9C0A-C177C3C9939A}" destId="{7D674F32-FC16-416C-B8F1-582EB138E3D6}" srcOrd="0" destOrd="0" presId="urn:microsoft.com/office/officeart/2005/8/layout/hierarchy6"/>
-    <dgm:cxn modelId="{73D3E87F-C771-401A-BFC4-45483B0BFE7C}" type="presOf" srcId="{7AD46472-4619-40FC-A2BB-1058FBCF4C99}" destId="{AB4515E4-ACF7-42AA-BAB9-21E4FEBE2CCC}" srcOrd="0" destOrd="0" presId="urn:microsoft.com/office/officeart/2005/8/layout/hierarchy6"/>
-    <dgm:cxn modelId="{30666980-D697-4E65-BB5D-999D129A722C}" srcId="{A49CB5AE-AB08-4CC5-A354-F1727805B218}" destId="{770263D2-775E-4D11-B280-928F1E3C65C5}" srcOrd="0" destOrd="0" parTransId="{5F7448E7-7262-4565-B2B2-155ACA443857}" sibTransId="{D79336AA-7334-4A62-A751-58DE73015872}"/>
-    <dgm:cxn modelId="{AF25C180-16D3-4F27-B4F3-D717574DED11}" srcId="{5F4D78F6-CF18-4025-9CBB-829D259A6C63}" destId="{F5D0E1BB-D05D-4AA4-A3ED-42BED5F1F3F2}" srcOrd="1" destOrd="0" parTransId="{B6DC32C6-0351-4B04-BB80-056A8C884BD0}" sibTransId="{6EB42109-AB44-495D-ABA4-C60D644EC78A}"/>
-    <dgm:cxn modelId="{C1D68883-67F5-4E50-BAF2-E2BC1AE0CDC6}" type="presOf" srcId="{2F452C33-F73A-459C-9587-A1016FA563FF}" destId="{87078FB5-C294-4F76-B7A1-21F61C1DCD8A}" srcOrd="0" destOrd="0" presId="urn:microsoft.com/office/officeart/2005/8/layout/hierarchy6"/>
-    <dgm:cxn modelId="{01ED4786-5ACB-4FCE-A860-7D946AE8029B}" srcId="{CE62FFC7-7266-45B8-BCA3-DF8A5DFAD7B1}" destId="{6A316BE3-29D3-40A4-945F-91426840E5DA}" srcOrd="4" destOrd="0" parTransId="{9DB2C076-3B8E-4C41-A471-C7E9CA07E74A}" sibTransId="{F28BC1D0-873B-4967-982C-1270F0282B77}"/>
-    <dgm:cxn modelId="{00B6568B-E8C8-450D-A80D-232448825EC8}" type="presOf" srcId="{D7A748DB-4C2A-474B-9AC0-853E42E46736}" destId="{43DE2737-B9BF-441C-914F-96DBB3344438}" srcOrd="0" destOrd="0" presId="urn:microsoft.com/office/officeart/2005/8/layout/hierarchy6"/>
-    <dgm:cxn modelId="{BF2C348E-FDE7-4230-8AA1-D5B14A3A0B71}" srcId="{CF4D18B8-299D-46F1-A129-66BE91EBCC1D}" destId="{F99F09C9-16B5-4C09-B2C6-AA6ABA4EE9FA}" srcOrd="2" destOrd="0" parTransId="{497A0804-3C75-4694-9311-3173028A4E53}" sibTransId="{B990D160-A725-418E-9B7D-F3EF6A41BA7E}"/>
-    <dgm:cxn modelId="{A58ECC90-42B4-4127-A66B-C8DEED6B8FD2}" srcId="{79DF8699-3C86-4AFE-871E-A2CFDFEEA068}" destId="{88BA6096-042C-4785-9409-1A26EEC45164}" srcOrd="0" destOrd="0" parTransId="{7AD46472-4619-40FC-A2BB-1058FBCF4C99}" sibTransId="{CC93BC69-C2E2-4AAC-8B58-4A20920D5233}"/>
-    <dgm:cxn modelId="{813FF997-A7B7-46A3-A526-FE7FB847B429}" type="presOf" srcId="{08731CDF-6C77-41BA-A01B-0ABFB4263A32}" destId="{F3515DC6-D19A-43A7-9B2D-8C1875D1547E}" srcOrd="0" destOrd="0" presId="urn:microsoft.com/office/officeart/2005/8/layout/hierarchy6"/>
-    <dgm:cxn modelId="{61CF1C9E-1098-4AA7-B096-2FE006EECC8F}" type="presOf" srcId="{5F7448E7-7262-4565-B2B2-155ACA443857}" destId="{861D381E-1F95-415F-A5A3-E9882C805F1D}" srcOrd="0" destOrd="0" presId="urn:microsoft.com/office/officeart/2005/8/layout/hierarchy6"/>
-    <dgm:cxn modelId="{C5D269A6-79F0-40B4-89EA-6A714C8DA82F}" srcId="{CE62FFC7-7266-45B8-BCA3-DF8A5DFAD7B1}" destId="{94DEBE64-C495-4C9B-ABAC-EFF5A34A3470}" srcOrd="3" destOrd="0" parTransId="{3E0E9BB6-EB42-413B-841D-5DA5DF2241AD}" sibTransId="{C138DEF9-A1E7-4CC1-A308-B1DD26BF0ABF}"/>
-    <dgm:cxn modelId="{E88AFEA6-734F-4A01-8B1B-4780871852F7}" srcId="{CE62FFC7-7266-45B8-BCA3-DF8A5DFAD7B1}" destId="{A7EE0AD4-5561-4237-9EA0-680A667DE643}" srcOrd="0" destOrd="0" parTransId="{49ABA668-A454-40A6-B3AE-C4DAD0BF6307}" sibTransId="{4E9F6992-2F30-4A8D-8409-DDCE1A53DDAD}"/>
-    <dgm:cxn modelId="{CC43A2AC-2485-40D8-A559-78BE7990E1FE}" srcId="{9804E660-2F40-4543-A54E-0D907BD819D1}" destId="{D6BAAFAE-24F3-4BC9-9595-5EE173A0F661}" srcOrd="0" destOrd="0" parTransId="{FA08DAA0-0E12-415F-9D2F-21D35D5AFA73}" sibTransId="{44126992-FCAB-4421-8D27-5E1FA386D331}"/>
+    <dgm:cxn modelId="{DDC8A7C7-90C1-4353-82DF-E0E7A72FF67B}" type="presOf" srcId="{F99F09C9-16B5-4C09-B2C6-AA6ABA4EE9FA}" destId="{CECF50C2-2FD1-4416-B23A-0084C1906E9B}" srcOrd="0" destOrd="0" presId="urn:microsoft.com/office/officeart/2005/8/layout/hierarchy6"/>
     <dgm:cxn modelId="{A19A41AE-42E2-4B89-832A-113BDEBDE011}" type="presOf" srcId="{A502BB3D-67CE-4EE8-B0FF-0CC13753ED48}" destId="{91A4CD14-D253-4A0E-82EE-E52DA2CC6298}" srcOrd="0" destOrd="0" presId="urn:microsoft.com/office/officeart/2005/8/layout/hierarchy6"/>
-    <dgm:cxn modelId="{AFD9C3B8-4B64-4578-B00A-0E0146866B67}" type="presOf" srcId="{8D55BB00-FA0B-4CD6-939A-38B25DF9D582}" destId="{46D32209-E966-4968-804D-B82E8414D73A}" srcOrd="0" destOrd="0" presId="urn:microsoft.com/office/officeart/2005/8/layout/hierarchy6"/>
-    <dgm:cxn modelId="{B5BC67B9-2C39-4345-AFC5-6CFD57D2AFAB}" srcId="{F5D0E1BB-D05D-4AA4-A3ED-42BED5F1F3F2}" destId="{E4BA2E8A-1C92-4E2C-8AA5-00403D9E0BB6}" srcOrd="1" destOrd="0" parTransId="{6D3F08E3-97A7-4549-9AC4-A09ADB4EB44F}" sibTransId="{08204B07-44A3-4F90-8648-7A45F5B2F134}"/>
-    <dgm:cxn modelId="{5FF351C2-07DA-4D12-A545-BF6E09C5FD84}" type="presOf" srcId="{9DB2C076-3B8E-4C41-A471-C7E9CA07E74A}" destId="{4AB59669-AD6E-49B2-9DA6-91CFC7B1BAA4}" srcOrd="0" destOrd="0" presId="urn:microsoft.com/office/officeart/2005/8/layout/hierarchy6"/>
-    <dgm:cxn modelId="{629510C4-CCEF-40A4-A094-36B6A9C2A2E4}" type="presOf" srcId="{B43A81EF-63FD-414F-BD2C-18A5B0C979D3}" destId="{8614312F-CEC9-45C0-A25F-3B82CDF036A4}" srcOrd="0" destOrd="0" presId="urn:microsoft.com/office/officeart/2005/8/layout/hierarchy6"/>
-    <dgm:cxn modelId="{7CD25BC6-58D1-45ED-A759-B90D5CD1A7B5}" type="presOf" srcId="{AC314258-156A-40B2-8438-457DB9774590}" destId="{7A627794-31C1-4B07-8C83-9F4ECFA7EF87}" srcOrd="0" destOrd="0" presId="urn:microsoft.com/office/officeart/2005/8/layout/hierarchy6"/>
-    <dgm:cxn modelId="{DDC8A7C7-90C1-4353-82DF-E0E7A72FF67B}" type="presOf" srcId="{F99F09C9-16B5-4C09-B2C6-AA6ABA4EE9FA}" destId="{CECF50C2-2FD1-4416-B23A-0084C1906E9B}" srcOrd="0" destOrd="0" presId="urn:microsoft.com/office/officeart/2005/8/layout/hierarchy6"/>
-    <dgm:cxn modelId="{6E18FCC9-AA1A-49C6-ADE8-A3773E1B2B63}" srcId="{770263D2-775E-4D11-B280-928F1E3C65C5}" destId="{940D83E2-F17E-4731-B1DD-575644369B3F}" srcOrd="0" destOrd="0" parTransId="{08731CDF-6C77-41BA-A01B-0ABFB4263A32}" sibTransId="{5BF88A33-ADD2-41DA-B2B3-D59C8B300436}"/>
-    <dgm:cxn modelId="{1AAACACB-D5AC-441A-AD2B-6CF442811887}" type="presOf" srcId="{A7EE0AD4-5561-4237-9EA0-680A667DE643}" destId="{6548DA29-3B3A-4D47-9EC8-892A7ED0BDCD}" srcOrd="0" destOrd="0" presId="urn:microsoft.com/office/officeart/2005/8/layout/hierarchy6"/>
-    <dgm:cxn modelId="{6C55BBCC-CFC3-4DF5-9782-E1D5E4A64EB8}" type="presOf" srcId="{47043032-F53A-42B1-A16E-0BFB68695DBD}" destId="{AFB3DB2E-C7A8-431B-9B38-FA91A9ACF599}" srcOrd="0" destOrd="0" presId="urn:microsoft.com/office/officeart/2005/8/layout/hierarchy6"/>
-    <dgm:cxn modelId="{56F00BD3-313E-4F45-B55E-BBC9EF42D766}" type="presOf" srcId="{6D3F08E3-97A7-4549-9AC4-A09ADB4EB44F}" destId="{5324B758-9B89-4E19-9FB2-2DE853E7B9F1}" srcOrd="0" destOrd="0" presId="urn:microsoft.com/office/officeart/2005/8/layout/hierarchy6"/>
-    <dgm:cxn modelId="{BAF5F9D6-D50B-49D1-A0E2-026DD6C45F3C}" type="presOf" srcId="{E7E27C14-A31D-4831-851D-77AA2A6A7EAB}" destId="{71122727-A3A9-4CA9-A302-463238571CF3}" srcOrd="0" destOrd="0" presId="urn:microsoft.com/office/officeart/2005/8/layout/hierarchy6"/>
-    <dgm:cxn modelId="{177F59DC-7501-49E6-84D4-396009720234}" srcId="{A7EE0AD4-5561-4237-9EA0-680A667DE643}" destId="{1DDE1B68-2F49-47AE-8FFB-D55D653BAEDB}" srcOrd="0" destOrd="0" parTransId="{402ED910-DE37-41CE-85CD-65F817C0E440}" sibTransId="{D677F734-A383-4CD9-9B7F-29B37FA3A248}"/>
-    <dgm:cxn modelId="{FDB429E5-8D5C-4D8F-B139-48E1631514CD}" type="presOf" srcId="{D6E51055-AC1F-4DF0-AC18-BF1D34AA2259}" destId="{3D67BD21-A232-4AA7-8EF2-A8A85460E2D2}" srcOrd="0" destOrd="0" presId="urn:microsoft.com/office/officeart/2005/8/layout/hierarchy6"/>
-    <dgm:cxn modelId="{1359C2E9-7B15-4D28-8D7A-69B1538DE03C}" srcId="{F5D0E1BB-D05D-4AA4-A3ED-42BED5F1F3F2}" destId="{CF4D18B8-299D-46F1-A129-66BE91EBCC1D}" srcOrd="2" destOrd="0" parTransId="{D12BAF7C-F0A4-4ECD-9253-3A7AED325C79}" sibTransId="{3F949926-F457-410F-8409-ADD0F623FFFB}"/>
-    <dgm:cxn modelId="{AB91D2EA-0854-4146-84EE-7CD71F6E76CD}" srcId="{5F4D78F6-CF18-4025-9CBB-829D259A6C63}" destId="{CE62FFC7-7266-45B8-BCA3-DF8A5DFAD7B1}" srcOrd="0" destOrd="0" parTransId="{D7A748DB-4C2A-474B-9AC0-853E42E46736}" sibTransId="{DE59D0E3-80F4-4B4F-B3D2-F55BC52F00A8}"/>
-    <dgm:cxn modelId="{9DBE43F1-8F73-44E4-BC1A-9AB4C854F8FC}" type="presOf" srcId="{770263D2-775E-4D11-B280-928F1E3C65C5}" destId="{FC03C132-125A-4E97-B478-0E72CAF14E8C}" srcOrd="0" destOrd="0" presId="urn:microsoft.com/office/officeart/2005/8/layout/hierarchy6"/>
-    <dgm:cxn modelId="{B84756F7-9980-4630-881B-74C3C6EB9A13}" type="presOf" srcId="{E4BA2E8A-1C92-4E2C-8AA5-00403D9E0BB6}" destId="{ACC04287-6198-4899-9343-ED8247E524C8}" srcOrd="0" destOrd="0" presId="urn:microsoft.com/office/officeart/2005/8/layout/hierarchy6"/>
-    <dgm:cxn modelId="{64A070F9-42FA-46DC-B45F-E8C05836A437}" srcId="{D08300E8-713C-4F62-9C0A-C177C3C9939A}" destId="{B43A81EF-63FD-414F-BD2C-18A5B0C979D3}" srcOrd="0" destOrd="0" parTransId="{94C882FB-D895-4225-98EA-FF10B58052E0}" sibTransId="{DFB69341-BAFD-4686-914A-5CA7C86FA1E6}"/>
-    <dgm:cxn modelId="{7A0959FA-2232-4002-ADF1-D71F8C639E8C}" type="presOf" srcId="{F5D0E1BB-D05D-4AA4-A3ED-42BED5F1F3F2}" destId="{E3E26CF0-4369-4D07-A4E5-8CFB863BF958}" srcOrd="0" destOrd="0" presId="urn:microsoft.com/office/officeart/2005/8/layout/hierarchy6"/>
-    <dgm:cxn modelId="{3D555AFF-0696-4840-9ED1-75A15B0F9D5B}" type="presOf" srcId="{3E0E9BB6-EB42-413B-841D-5DA5DF2241AD}" destId="{3C3F360B-0AE0-4DF0-9BC4-0E1DACF9D977}" srcOrd="0" destOrd="0" presId="urn:microsoft.com/office/officeart/2005/8/layout/hierarchy6"/>
     <dgm:cxn modelId="{CABC88D6-011B-4CE7-8186-A6A424031018}" type="presParOf" srcId="{1AEDDC81-4459-4A0B-8853-D16A38234467}" destId="{2E154E23-4474-46A0-8A9F-CB008BA06810}" srcOrd="0" destOrd="0" presId="urn:microsoft.com/office/officeart/2005/8/layout/hierarchy6"/>
     <dgm:cxn modelId="{53CAAC43-EDAD-40C3-B93A-B7097637935C}" type="presParOf" srcId="{2E154E23-4474-46A0-8A9F-CB008BA06810}" destId="{1D8B4A0A-2FB1-42F7-B187-BF33DF5A8B0F}" srcOrd="0" destOrd="0" presId="urn:microsoft.com/office/officeart/2005/8/layout/hierarchy6"/>
     <dgm:cxn modelId="{35586682-8797-4F14-97F9-159F83EFC6A1}" type="presParOf" srcId="{1D8B4A0A-2FB1-42F7-B187-BF33DF5A8B0F}" destId="{4C211C11-D1BA-4F9C-A62A-E4679FF38F3B}" srcOrd="0" destOrd="0" presId="urn:microsoft.com/office/officeart/2005/8/layout/hierarchy6"/>
@@ -2482,20 +2587,8 @@
     <dgm:cxn modelId="{F93D1B8A-064C-48F5-8DA0-24F36A42A84F}" type="presParOf" srcId="{A606179B-7474-4C09-884B-7901454D168A}" destId="{F058329B-6CEC-4364-9F30-FC770217534D}" srcOrd="3" destOrd="0" presId="urn:microsoft.com/office/officeart/2005/8/layout/hierarchy6"/>
     <dgm:cxn modelId="{94373B0C-1F2A-4FBF-95CE-4B1336DBDC44}" type="presParOf" srcId="{F058329B-6CEC-4364-9F30-FC770217534D}" destId="{AFB3DB2E-C7A8-431B-9B38-FA91A9ACF599}" srcOrd="0" destOrd="0" presId="urn:microsoft.com/office/officeart/2005/8/layout/hierarchy6"/>
     <dgm:cxn modelId="{B5804F16-180C-4D7E-8F23-87D5B035B792}" type="presParOf" srcId="{F058329B-6CEC-4364-9F30-FC770217534D}" destId="{2BFC36E2-EE79-4BF6-AC61-2783AAB67171}" srcOrd="1" destOrd="0" presId="urn:microsoft.com/office/officeart/2005/8/layout/hierarchy6"/>
-    <dgm:cxn modelId="{592B09B0-FABC-4788-BC06-8A21645D39D0}" type="presParOf" srcId="{1FFF28E4-089B-4118-82AB-6DF00463088A}" destId="{3C3F360B-0AE0-4DF0-9BC4-0E1DACF9D977}" srcOrd="6" destOrd="0" presId="urn:microsoft.com/office/officeart/2005/8/layout/hierarchy6"/>
-    <dgm:cxn modelId="{DC27962F-72C7-4AF5-A4DB-D0A32E3F5B83}" type="presParOf" srcId="{1FFF28E4-089B-4118-82AB-6DF00463088A}" destId="{8AC298E9-0307-49C6-99B2-7388D7AC0A39}" srcOrd="7" destOrd="0" presId="urn:microsoft.com/office/officeart/2005/8/layout/hierarchy6"/>
-    <dgm:cxn modelId="{783AC095-7C03-4484-A0CC-4A3544C2E5BD}" type="presParOf" srcId="{8AC298E9-0307-49C6-99B2-7388D7AC0A39}" destId="{70A2C404-EE29-4CA0-8568-6115E9FA3C7A}" srcOrd="0" destOrd="0" presId="urn:microsoft.com/office/officeart/2005/8/layout/hierarchy6"/>
-    <dgm:cxn modelId="{9C2811DB-B2C3-401B-83BA-9D0C391A359B}" type="presParOf" srcId="{8AC298E9-0307-49C6-99B2-7388D7AC0A39}" destId="{397BBA15-2432-4213-BA3E-23A9061D4736}" srcOrd="1" destOrd="0" presId="urn:microsoft.com/office/officeart/2005/8/layout/hierarchy6"/>
-    <dgm:cxn modelId="{56114F53-3FB5-417D-AB0A-5DC2633E728D}" type="presParOf" srcId="{397BBA15-2432-4213-BA3E-23A9061D4736}" destId="{7BFB9096-AD14-4FD0-9E52-FE5890DBE8B9}" srcOrd="0" destOrd="0" presId="urn:microsoft.com/office/officeart/2005/8/layout/hierarchy6"/>
-    <dgm:cxn modelId="{1EA7635C-BEED-4133-950F-F4A4879E03E3}" type="presParOf" srcId="{397BBA15-2432-4213-BA3E-23A9061D4736}" destId="{84D324C9-AC2A-45E9-84ED-E0CA5BBECD9D}" srcOrd="1" destOrd="0" presId="urn:microsoft.com/office/officeart/2005/8/layout/hierarchy6"/>
-    <dgm:cxn modelId="{059501AC-0258-4A21-B36B-5A9BF55131B8}" type="presParOf" srcId="{84D324C9-AC2A-45E9-84ED-E0CA5BBECD9D}" destId="{7E089C12-6984-47C7-BCC2-DE41500ECEAA}" srcOrd="0" destOrd="0" presId="urn:microsoft.com/office/officeart/2005/8/layout/hierarchy6"/>
-    <dgm:cxn modelId="{8E29ACE2-FAFE-4BA7-970A-4A57FD461771}" type="presParOf" srcId="{84D324C9-AC2A-45E9-84ED-E0CA5BBECD9D}" destId="{71A6A36D-F654-4C7C-AC49-A036E9D28792}" srcOrd="1" destOrd="0" presId="urn:microsoft.com/office/officeart/2005/8/layout/hierarchy6"/>
-    <dgm:cxn modelId="{D05EC3B5-A138-4274-9830-DDE55F13127D}" type="presParOf" srcId="{397BBA15-2432-4213-BA3E-23A9061D4736}" destId="{46D32209-E966-4968-804D-B82E8414D73A}" srcOrd="2" destOrd="0" presId="urn:microsoft.com/office/officeart/2005/8/layout/hierarchy6"/>
-    <dgm:cxn modelId="{A302F434-4535-4F7B-98E6-54755E1CB9B5}" type="presParOf" srcId="{397BBA15-2432-4213-BA3E-23A9061D4736}" destId="{D34514A0-2800-43EB-9B78-C47D8467C9F7}" srcOrd="3" destOrd="0" presId="urn:microsoft.com/office/officeart/2005/8/layout/hierarchy6"/>
-    <dgm:cxn modelId="{A31CBFC8-B82A-4E5B-8E86-3AD74D93A473}" type="presParOf" srcId="{D34514A0-2800-43EB-9B78-C47D8467C9F7}" destId="{C685E601-3B4E-4881-BF96-85ECCEB9C012}" srcOrd="0" destOrd="0" presId="urn:microsoft.com/office/officeart/2005/8/layout/hierarchy6"/>
-    <dgm:cxn modelId="{92FE69ED-0888-442C-B4FC-CB7624F022BC}" type="presParOf" srcId="{D34514A0-2800-43EB-9B78-C47D8467C9F7}" destId="{F95AECCF-1D82-42DE-AC4F-95EEC8665A4F}" srcOrd="1" destOrd="0" presId="urn:microsoft.com/office/officeart/2005/8/layout/hierarchy6"/>
-    <dgm:cxn modelId="{4CDE5BC6-4F1B-410A-B76D-7EF2C44436CA}" type="presParOf" srcId="{1FFF28E4-089B-4118-82AB-6DF00463088A}" destId="{4AB59669-AD6E-49B2-9DA6-91CFC7B1BAA4}" srcOrd="8" destOrd="0" presId="urn:microsoft.com/office/officeart/2005/8/layout/hierarchy6"/>
-    <dgm:cxn modelId="{7D8B46CE-94FF-4430-8CB6-6FEE8A2D52BE}" type="presParOf" srcId="{1FFF28E4-089B-4118-82AB-6DF00463088A}" destId="{4CCF151C-BF6D-4EE8-A17A-0D0DD551F86D}" srcOrd="9" destOrd="0" presId="urn:microsoft.com/office/officeart/2005/8/layout/hierarchy6"/>
+    <dgm:cxn modelId="{4CDE5BC6-4F1B-410A-B76D-7EF2C44436CA}" type="presParOf" srcId="{1FFF28E4-089B-4118-82AB-6DF00463088A}" destId="{4AB59669-AD6E-49B2-9DA6-91CFC7B1BAA4}" srcOrd="6" destOrd="0" presId="urn:microsoft.com/office/officeart/2005/8/layout/hierarchy6"/>
+    <dgm:cxn modelId="{7D8B46CE-94FF-4430-8CB6-6FEE8A2D52BE}" type="presParOf" srcId="{1FFF28E4-089B-4118-82AB-6DF00463088A}" destId="{4CCF151C-BF6D-4EE8-A17A-0D0DD551F86D}" srcOrd="7" destOrd="0" presId="urn:microsoft.com/office/officeart/2005/8/layout/hierarchy6"/>
     <dgm:cxn modelId="{5F84E625-477D-4018-8572-EFBD13BAF32D}" type="presParOf" srcId="{4CCF151C-BF6D-4EE8-A17A-0D0DD551F86D}" destId="{BD146849-6801-455E-B4DF-3F7166309EB1}" srcOrd="0" destOrd="0" presId="urn:microsoft.com/office/officeart/2005/8/layout/hierarchy6"/>
     <dgm:cxn modelId="{00C8A735-186D-417F-B874-054A2E04A771}" type="presParOf" srcId="{4CCF151C-BF6D-4EE8-A17A-0D0DD551F86D}" destId="{CA1EC64F-B9B3-4BED-835C-5E530E57D5FC}" srcOrd="1" destOrd="0" presId="urn:microsoft.com/office/officeart/2005/8/layout/hierarchy6"/>
     <dgm:cxn modelId="{0794185A-A9F9-4E2C-AA7E-3381BED09125}" type="presParOf" srcId="{8285066B-6AC7-4156-88EF-DAD11C66020F}" destId="{A1BD6871-85BF-4C93-A498-1B6FAC72C74E}" srcOrd="2" destOrd="0" presId="urn:microsoft.com/office/officeart/2005/8/layout/hierarchy6"/>
@@ -2565,8 +2658,8 @@
       </dsp:nvSpPr>
       <dsp:spPr>
         <a:xfrm>
-          <a:off x="5380988" y="773231"/>
-          <a:ext cx="769826" cy="513217"/>
+          <a:off x="4717409" y="409663"/>
+          <a:ext cx="935084" cy="623389"/>
         </a:xfrm>
         <a:prstGeom prst="roundRect">
           <a:avLst>
@@ -2610,12 +2703,12 @@
         </a:fontRef>
       </dsp:style>
       <dsp:txBody>
-        <a:bodyPr spcFirstLastPara="0" vert="horz" wrap="square" lIns="34290" tIns="34290" rIns="34290" bIns="34290" numCol="1" spcCol="1270" anchor="ctr" anchorCtr="0">
+        <a:bodyPr spcFirstLastPara="0" vert="horz" wrap="square" lIns="41910" tIns="41910" rIns="41910" bIns="41910" numCol="1" spcCol="1270" anchor="ctr" anchorCtr="0">
           <a:noAutofit/>
         </a:bodyPr>
         <a:lstStyle/>
         <a:p>
-          <a:pPr marL="0" lvl="0" indent="0" algn="ctr" defTabSz="400050" rtl="0">
+          <a:pPr lvl="0" algn="ctr" defTabSz="488950" rtl="0">
             <a:lnSpc>
               <a:spcPct val="90000"/>
             </a:lnSpc>
@@ -2625,18 +2718,17 @@
             <a:spcAft>
               <a:spcPct val="35000"/>
             </a:spcAft>
-            <a:buNone/>
           </a:pPr>
           <a:r>
-            <a:rPr lang="zh-TW" altLang="en-US" sz="900" b="0" kern="1200" dirty="0"/>
+            <a:rPr lang="zh-TW" altLang="en-US" sz="1100" b="0" kern="1200" dirty="0"/>
             <a:t>主系統</a:t>
           </a:r>
-          <a:endParaRPr lang="zh-TW" sz="900" kern="1200" dirty="0"/>
+          <a:endParaRPr lang="zh-TW" altLang="en-US" sz="1100" kern="1200" dirty="0"/>
         </a:p>
       </dsp:txBody>
       <dsp:txXfrm>
-        <a:off x="5396020" y="788263"/>
-        <a:ext cx="739762" cy="483153"/>
+        <a:off x="4735667" y="427921"/>
+        <a:ext cx="898568" cy="586873"/>
       </dsp:txXfrm>
     </dsp:sp>
     <dsp:sp modelId="{43DE2737-B9BF-441C-914F-96DBB3344438}">
@@ -2646,8 +2738,8 @@
       </dsp:nvSpPr>
       <dsp:spPr>
         <a:xfrm>
-          <a:off x="3138868" y="1286449"/>
-          <a:ext cx="2627033" cy="205287"/>
+          <a:off x="2601780" y="1033053"/>
+          <a:ext cx="2583171" cy="249355"/>
         </a:xfrm>
         <a:custGeom>
           <a:avLst/>
@@ -2658,16 +2750,16 @@
           <a:pathLst>
             <a:path>
               <a:moveTo>
-                <a:pt x="2627033" y="0"/>
+                <a:pt x="2583171" y="0"/>
               </a:moveTo>
               <a:lnTo>
-                <a:pt x="2627033" y="102643"/>
+                <a:pt x="2583171" y="124677"/>
               </a:lnTo>
               <a:lnTo>
-                <a:pt x="0" y="102643"/>
+                <a:pt x="0" y="124677"/>
               </a:lnTo>
               <a:lnTo>
-                <a:pt x="0" y="205287"/>
+                <a:pt x="0" y="249355"/>
               </a:lnTo>
             </a:path>
           </a:pathLst>
@@ -2707,8 +2799,8 @@
       </dsp:nvSpPr>
       <dsp:spPr>
         <a:xfrm>
-          <a:off x="2753955" y="1491736"/>
-          <a:ext cx="769826" cy="513217"/>
+          <a:off x="2134237" y="1282409"/>
+          <a:ext cx="935084" cy="623389"/>
         </a:xfrm>
         <a:prstGeom prst="roundRect">
           <a:avLst>
@@ -2752,12 +2844,12 @@
         </a:fontRef>
       </dsp:style>
       <dsp:txBody>
-        <a:bodyPr spcFirstLastPara="0" vert="horz" wrap="square" lIns="34290" tIns="34290" rIns="34290" bIns="34290" numCol="1" spcCol="1270" anchor="ctr" anchorCtr="0">
+        <a:bodyPr spcFirstLastPara="0" vert="horz" wrap="square" lIns="41910" tIns="41910" rIns="41910" bIns="41910" numCol="1" spcCol="1270" anchor="ctr" anchorCtr="0">
           <a:noAutofit/>
         </a:bodyPr>
         <a:lstStyle/>
         <a:p>
-          <a:pPr marL="0" lvl="0" indent="0" algn="ctr" defTabSz="400050" rtl="0">
+          <a:pPr lvl="0" algn="ctr" defTabSz="488950" rtl="0">
             <a:lnSpc>
               <a:spcPct val="90000"/>
             </a:lnSpc>
@@ -2767,18 +2859,16 @@
             <a:spcAft>
               <a:spcPct val="35000"/>
             </a:spcAft>
-            <a:buNone/>
           </a:pPr>
           <a:r>
-            <a:rPr lang="zh-TW" altLang="en-US" sz="900" kern="1200" dirty="0"/>
+            <a:rPr lang="zh-TW" altLang="en-US" sz="1100" kern="1200" dirty="0"/>
             <a:t>訓練</a:t>
           </a:r>
-          <a:endParaRPr lang="zh-TW" sz="900" kern="1200" dirty="0"/>
         </a:p>
       </dsp:txBody>
       <dsp:txXfrm>
-        <a:off x="2768987" y="1506768"/>
-        <a:ext cx="739762" cy="483153"/>
+        <a:off x="2152495" y="1300667"/>
+        <a:ext cx="898568" cy="586873"/>
       </dsp:txXfrm>
     </dsp:sp>
     <dsp:sp modelId="{A7BC676D-D7C1-4EAE-AEAB-76A2F33DA029}">
@@ -2788,8 +2878,8 @@
       </dsp:nvSpPr>
       <dsp:spPr>
         <a:xfrm>
-          <a:off x="386738" y="2004953"/>
-          <a:ext cx="2752130" cy="205287"/>
+          <a:off x="474462" y="1905799"/>
+          <a:ext cx="2127317" cy="249355"/>
         </a:xfrm>
         <a:custGeom>
           <a:avLst/>
@@ -2800,16 +2890,16 @@
           <a:pathLst>
             <a:path>
               <a:moveTo>
-                <a:pt x="2752130" y="0"/>
+                <a:pt x="2127317" y="0"/>
               </a:moveTo>
               <a:lnTo>
-                <a:pt x="2752130" y="102643"/>
+                <a:pt x="2127317" y="124677"/>
               </a:lnTo>
               <a:lnTo>
-                <a:pt x="0" y="102643"/>
+                <a:pt x="0" y="124677"/>
               </a:lnTo>
               <a:lnTo>
-                <a:pt x="0" y="205287"/>
+                <a:pt x="0" y="249355"/>
               </a:lnTo>
             </a:path>
           </a:pathLst>
@@ -2849,8 +2939,8 @@
       </dsp:nvSpPr>
       <dsp:spPr>
         <a:xfrm>
-          <a:off x="1824" y="2210241"/>
-          <a:ext cx="769826" cy="513217"/>
+          <a:off x="6920" y="2155155"/>
+          <a:ext cx="935084" cy="623389"/>
         </a:xfrm>
         <a:prstGeom prst="roundRect">
           <a:avLst>
@@ -2894,12 +2984,12 @@
         </a:fontRef>
       </dsp:style>
       <dsp:txBody>
-        <a:bodyPr spcFirstLastPara="0" vert="horz" wrap="square" lIns="34290" tIns="34290" rIns="34290" bIns="34290" numCol="1" spcCol="1270" anchor="ctr" anchorCtr="0">
+        <a:bodyPr spcFirstLastPara="0" vert="horz" wrap="square" lIns="41910" tIns="41910" rIns="41910" bIns="41910" numCol="1" spcCol="1270" anchor="ctr" anchorCtr="0">
           <a:noAutofit/>
         </a:bodyPr>
         <a:lstStyle/>
         <a:p>
-          <a:pPr marL="0" lvl="0" indent="0" algn="ctr" defTabSz="400050" rtl="0">
+          <a:pPr lvl="0" algn="ctr" defTabSz="488950" rtl="0">
             <a:lnSpc>
               <a:spcPct val="90000"/>
             </a:lnSpc>
@@ -2909,18 +2999,17 @@
             <a:spcAft>
               <a:spcPct val="35000"/>
             </a:spcAft>
-            <a:buNone/>
           </a:pPr>
           <a:r>
-            <a:rPr lang="en-US" altLang="zh-TW" sz="900" kern="1200" dirty="0"/>
+            <a:rPr lang="en-US" altLang="zh-TW" sz="1100" kern="1200" dirty="0"/>
             <a:t>Segmentation</a:t>
           </a:r>
-          <a:endParaRPr lang="zh-TW" sz="900" kern="1200" dirty="0"/>
+          <a:endParaRPr lang="zh-TW" sz="1100" kern="1200" dirty="0"/>
         </a:p>
       </dsp:txBody>
       <dsp:txXfrm>
-        <a:off x="16856" y="2225273"/>
-        <a:ext cx="739762" cy="483153"/>
+        <a:off x="25178" y="2173413"/>
+        <a:ext cx="898568" cy="586873"/>
       </dsp:txXfrm>
     </dsp:sp>
     <dsp:sp modelId="{E636DB5E-2B79-4162-B286-5B58B443B349}">
@@ -2930,8 +3019,8 @@
       </dsp:nvSpPr>
       <dsp:spPr>
         <a:xfrm>
-          <a:off x="341018" y="2723458"/>
-          <a:ext cx="91440" cy="205287"/>
+          <a:off x="428742" y="2778544"/>
+          <a:ext cx="91440" cy="249355"/>
         </a:xfrm>
         <a:custGeom>
           <a:avLst/>
@@ -2945,7 +3034,7 @@
                 <a:pt x="45720" y="0"/>
               </a:moveTo>
               <a:lnTo>
-                <a:pt x="45720" y="205287"/>
+                <a:pt x="45720" y="249355"/>
               </a:lnTo>
             </a:path>
           </a:pathLst>
@@ -2985,8 +3074,8 @@
       </dsp:nvSpPr>
       <dsp:spPr>
         <a:xfrm>
-          <a:off x="1824" y="2928746"/>
-          <a:ext cx="769826" cy="513217"/>
+          <a:off x="6920" y="3027900"/>
+          <a:ext cx="935084" cy="623389"/>
         </a:xfrm>
         <a:prstGeom prst="roundRect">
           <a:avLst>
@@ -3030,12 +3119,12 @@
         </a:fontRef>
       </dsp:style>
       <dsp:txBody>
-        <a:bodyPr spcFirstLastPara="0" vert="horz" wrap="square" lIns="34290" tIns="34290" rIns="34290" bIns="34290" numCol="1" spcCol="1270" anchor="ctr" anchorCtr="0">
+        <a:bodyPr spcFirstLastPara="0" vert="horz" wrap="square" lIns="41910" tIns="41910" rIns="41910" bIns="41910" numCol="1" spcCol="1270" anchor="ctr" anchorCtr="0">
           <a:noAutofit/>
         </a:bodyPr>
         <a:lstStyle/>
         <a:p>
-          <a:pPr marL="0" lvl="0" indent="0" algn="ctr" defTabSz="400050" rtl="0">
+          <a:pPr lvl="0" algn="ctr" defTabSz="488950" rtl="0">
             <a:lnSpc>
               <a:spcPct val="90000"/>
             </a:lnSpc>
@@ -3045,18 +3134,17 @@
             <a:spcAft>
               <a:spcPct val="35000"/>
             </a:spcAft>
-            <a:buNone/>
           </a:pPr>
           <a:r>
-            <a:rPr lang="en-US" altLang="zh-TW" sz="900" b="0" kern="1200" dirty="0" err="1"/>
+            <a:rPr lang="en-US" altLang="zh-TW" sz="1100" b="0" kern="1200" dirty="0" err="1"/>
             <a:t>Superpixel</a:t>
           </a:r>
-          <a:endParaRPr lang="zh-TW" sz="900" kern="1200" dirty="0"/>
+          <a:endParaRPr lang="zh-TW" sz="1100" kern="1200" dirty="0"/>
         </a:p>
       </dsp:txBody>
       <dsp:txXfrm>
-        <a:off x="16856" y="2943778"/>
-        <a:ext cx="739762" cy="483153"/>
+        <a:off x="25178" y="3046158"/>
+        <a:ext cx="898568" cy="586873"/>
       </dsp:txXfrm>
     </dsp:sp>
     <dsp:sp modelId="{7A627794-31C1-4B07-8C83-9F4ECFA7EF87}">
@@ -3066,8 +3154,8 @@
       </dsp:nvSpPr>
       <dsp:spPr>
         <a:xfrm>
-          <a:off x="1387512" y="2004953"/>
-          <a:ext cx="1751355" cy="205287"/>
+          <a:off x="1690072" y="1905799"/>
+          <a:ext cx="911707" cy="249355"/>
         </a:xfrm>
         <a:custGeom>
           <a:avLst/>
@@ -3078,16 +3166,16 @@
           <a:pathLst>
             <a:path>
               <a:moveTo>
-                <a:pt x="1751355" y="0"/>
+                <a:pt x="911707" y="0"/>
               </a:moveTo>
               <a:lnTo>
-                <a:pt x="1751355" y="102643"/>
+                <a:pt x="911707" y="124677"/>
               </a:lnTo>
               <a:lnTo>
-                <a:pt x="0" y="102643"/>
+                <a:pt x="0" y="124677"/>
               </a:lnTo>
               <a:lnTo>
-                <a:pt x="0" y="205287"/>
+                <a:pt x="0" y="249355"/>
               </a:lnTo>
             </a:path>
           </a:pathLst>
@@ -3127,8 +3215,8 @@
       </dsp:nvSpPr>
       <dsp:spPr>
         <a:xfrm>
-          <a:off x="1002599" y="2210241"/>
-          <a:ext cx="769826" cy="513217"/>
+          <a:off x="1222530" y="2155155"/>
+          <a:ext cx="935084" cy="623389"/>
         </a:xfrm>
         <a:prstGeom prst="roundRect">
           <a:avLst>
@@ -3172,12 +3260,12 @@
         </a:fontRef>
       </dsp:style>
       <dsp:txBody>
-        <a:bodyPr spcFirstLastPara="0" vert="horz" wrap="square" lIns="34290" tIns="34290" rIns="34290" bIns="34290" numCol="1" spcCol="1270" anchor="ctr" anchorCtr="0">
+        <a:bodyPr spcFirstLastPara="0" vert="horz" wrap="square" lIns="41910" tIns="41910" rIns="41910" bIns="41910" numCol="1" spcCol="1270" anchor="ctr" anchorCtr="0">
           <a:noAutofit/>
         </a:bodyPr>
         <a:lstStyle/>
         <a:p>
-          <a:pPr marL="0" lvl="0" indent="0" algn="ctr" defTabSz="400050" rtl="0">
+          <a:pPr lvl="0" algn="ctr" defTabSz="488950" rtl="0">
             <a:lnSpc>
               <a:spcPct val="90000"/>
             </a:lnSpc>
@@ -3187,18 +3275,17 @@
             <a:spcAft>
               <a:spcPct val="35000"/>
             </a:spcAft>
-            <a:buNone/>
           </a:pPr>
           <a:r>
-            <a:rPr lang="en-US" altLang="zh-TW" sz="900" kern="1200" dirty="0"/>
+            <a:rPr lang="en-US" altLang="zh-TW" sz="1100" kern="1200" dirty="0"/>
             <a:t>Segment feature extraction</a:t>
           </a:r>
-          <a:endParaRPr lang="zh-TW" sz="900" kern="1200" dirty="0"/>
+          <a:endParaRPr lang="zh-TW" sz="1100" kern="1200" dirty="0"/>
         </a:p>
       </dsp:txBody>
       <dsp:txXfrm>
-        <a:off x="1017631" y="2225273"/>
-        <a:ext cx="739762" cy="483153"/>
+        <a:off x="1240788" y="2173413"/>
+        <a:ext cx="898568" cy="586873"/>
       </dsp:txXfrm>
     </dsp:sp>
     <dsp:sp modelId="{861D381E-1F95-415F-A5A3-E9882C805F1D}">
@@ -3208,8 +3295,8 @@
       </dsp:nvSpPr>
       <dsp:spPr>
         <a:xfrm>
-          <a:off x="1341792" y="2723458"/>
-          <a:ext cx="91440" cy="205287"/>
+          <a:off x="1644352" y="2778544"/>
+          <a:ext cx="91440" cy="249355"/>
         </a:xfrm>
         <a:custGeom>
           <a:avLst/>
@@ -3223,7 +3310,7 @@
                 <a:pt x="45720" y="0"/>
               </a:moveTo>
               <a:lnTo>
-                <a:pt x="45720" y="205287"/>
+                <a:pt x="45720" y="249355"/>
               </a:lnTo>
             </a:path>
           </a:pathLst>
@@ -3263,8 +3350,8 @@
       </dsp:nvSpPr>
       <dsp:spPr>
         <a:xfrm>
-          <a:off x="1002599" y="2928746"/>
-          <a:ext cx="769826" cy="513217"/>
+          <a:off x="1222530" y="3027900"/>
+          <a:ext cx="935084" cy="623389"/>
         </a:xfrm>
         <a:prstGeom prst="roundRect">
           <a:avLst>
@@ -3308,12 +3395,12 @@
         </a:fontRef>
       </dsp:style>
       <dsp:txBody>
-        <a:bodyPr spcFirstLastPara="0" vert="horz" wrap="square" lIns="34290" tIns="34290" rIns="34290" bIns="34290" numCol="1" spcCol="1270" anchor="ctr" anchorCtr="0">
+        <a:bodyPr spcFirstLastPara="0" vert="horz" wrap="square" lIns="41910" tIns="41910" rIns="41910" bIns="41910" numCol="1" spcCol="1270" anchor="ctr" anchorCtr="0">
           <a:noAutofit/>
         </a:bodyPr>
         <a:lstStyle/>
         <a:p>
-          <a:pPr marL="0" lvl="0" indent="0" algn="ctr" defTabSz="400050" rtl="0">
+          <a:pPr lvl="0" algn="ctr" defTabSz="488950" rtl="0">
             <a:lnSpc>
               <a:spcPct val="90000"/>
             </a:lnSpc>
@@ -3323,18 +3410,17 @@
             <a:spcAft>
               <a:spcPct val="35000"/>
             </a:spcAft>
-            <a:buNone/>
           </a:pPr>
           <a:r>
-            <a:rPr lang="zh-TW" altLang="en-US" sz="900" kern="1200" dirty="0"/>
-            <a:t>形狀、外觀</a:t>
+            <a:rPr lang="zh-TW" altLang="en-US" sz="1100" kern="1200" dirty="0" smtClean="0"/>
+            <a:t>紋路</a:t>
           </a:r>
-          <a:endParaRPr lang="zh-TW" sz="900" kern="1200" dirty="0"/>
+          <a:endParaRPr lang="zh-TW" altLang="en-US" sz="1100" kern="1200" dirty="0"/>
         </a:p>
       </dsp:txBody>
       <dsp:txXfrm>
-        <a:off x="1017631" y="2943778"/>
-        <a:ext cx="739762" cy="483153"/>
+        <a:off x="1240788" y="3046158"/>
+        <a:ext cx="898568" cy="586873"/>
       </dsp:txXfrm>
     </dsp:sp>
     <dsp:sp modelId="{F3515DC6-D19A-43A7-9B2D-8C1875D1547E}">
@@ -3344,8 +3430,8 @@
       </dsp:nvSpPr>
       <dsp:spPr>
         <a:xfrm>
-          <a:off x="1341792" y="3441963"/>
-          <a:ext cx="91440" cy="205287"/>
+          <a:off x="1644352" y="3651290"/>
+          <a:ext cx="91440" cy="249355"/>
         </a:xfrm>
         <a:custGeom>
           <a:avLst/>
@@ -3359,7 +3445,7 @@
                 <a:pt x="45720" y="0"/>
               </a:moveTo>
               <a:lnTo>
-                <a:pt x="45720" y="205287"/>
+                <a:pt x="45720" y="249355"/>
               </a:lnTo>
             </a:path>
           </a:pathLst>
@@ -3399,8 +3485,8 @@
       </dsp:nvSpPr>
       <dsp:spPr>
         <a:xfrm>
-          <a:off x="1002599" y="3647250"/>
-          <a:ext cx="769826" cy="513217"/>
+          <a:off x="1222530" y="3900646"/>
+          <a:ext cx="935084" cy="623389"/>
         </a:xfrm>
         <a:prstGeom prst="roundRect">
           <a:avLst>
@@ -3444,12 +3530,12 @@
         </a:fontRef>
       </dsp:style>
       <dsp:txBody>
-        <a:bodyPr spcFirstLastPara="0" vert="horz" wrap="square" lIns="34290" tIns="34290" rIns="34290" bIns="34290" numCol="1" spcCol="1270" anchor="ctr" anchorCtr="0">
+        <a:bodyPr spcFirstLastPara="0" vert="horz" wrap="square" lIns="41910" tIns="41910" rIns="41910" bIns="41910" numCol="1" spcCol="1270" anchor="ctr" anchorCtr="0">
           <a:noAutofit/>
         </a:bodyPr>
         <a:lstStyle/>
         <a:p>
-          <a:pPr marL="0" lvl="0" indent="0" algn="ctr" defTabSz="400050" rtl="0">
+          <a:pPr lvl="0" algn="ctr" defTabSz="488950" rtl="0">
             <a:lnSpc>
               <a:spcPct val="90000"/>
             </a:lnSpc>
@@ -3459,18 +3545,17 @@
             <a:spcAft>
               <a:spcPct val="35000"/>
             </a:spcAft>
-            <a:buNone/>
           </a:pPr>
           <a:r>
-            <a:rPr lang="en-US" altLang="zh-TW" sz="900" kern="1200" dirty="0" err="1"/>
-            <a:t>HoG</a:t>
+            <a:rPr lang="en-US" altLang="zh-TW" sz="1100" kern="1200" dirty="0" smtClean="0"/>
+            <a:t>LBP</a:t>
           </a:r>
-          <a:endParaRPr lang="zh-TW" sz="900" kern="1200" dirty="0"/>
+          <a:endParaRPr lang="zh-TW" sz="1100" kern="1200" dirty="0"/>
         </a:p>
       </dsp:txBody>
       <dsp:txXfrm>
-        <a:off x="1017631" y="3662282"/>
-        <a:ext cx="739762" cy="483153"/>
+        <a:off x="1240788" y="3918904"/>
+        <a:ext cx="898568" cy="586873"/>
       </dsp:txXfrm>
     </dsp:sp>
     <dsp:sp modelId="{3D67BD21-A232-4AA7-8EF2-A8A85460E2D2}">
@@ -3480,8 +3565,8 @@
       </dsp:nvSpPr>
       <dsp:spPr>
         <a:xfrm>
-          <a:off x="2888674" y="2004953"/>
-          <a:ext cx="250193" cy="205287"/>
+          <a:off x="2601780" y="1905799"/>
+          <a:ext cx="911707" cy="249355"/>
         </a:xfrm>
         <a:custGeom>
           <a:avLst/>
@@ -3492,16 +3577,16 @@
           <a:pathLst>
             <a:path>
               <a:moveTo>
-                <a:pt x="250193" y="0"/>
+                <a:pt x="0" y="0"/>
               </a:moveTo>
               <a:lnTo>
-                <a:pt x="250193" y="102643"/>
+                <a:pt x="0" y="124677"/>
               </a:lnTo>
               <a:lnTo>
-                <a:pt x="0" y="102643"/>
+                <a:pt x="911707" y="124677"/>
               </a:lnTo>
               <a:lnTo>
-                <a:pt x="0" y="205287"/>
+                <a:pt x="911707" y="249355"/>
               </a:lnTo>
             </a:path>
           </a:pathLst>
@@ -3541,8 +3626,8 @@
       </dsp:nvSpPr>
       <dsp:spPr>
         <a:xfrm>
-          <a:off x="2503761" y="2210241"/>
-          <a:ext cx="769826" cy="513217"/>
+          <a:off x="3045945" y="2155155"/>
+          <a:ext cx="935084" cy="623389"/>
         </a:xfrm>
         <a:prstGeom prst="roundRect">
           <a:avLst>
@@ -3586,12 +3671,12 @@
         </a:fontRef>
       </dsp:style>
       <dsp:txBody>
-        <a:bodyPr spcFirstLastPara="0" vert="horz" wrap="square" lIns="34290" tIns="34290" rIns="34290" bIns="34290" numCol="1" spcCol="1270" anchor="ctr" anchorCtr="0">
+        <a:bodyPr spcFirstLastPara="0" vert="horz" wrap="square" lIns="41910" tIns="41910" rIns="41910" bIns="41910" numCol="1" spcCol="1270" anchor="ctr" anchorCtr="0">
           <a:noAutofit/>
         </a:bodyPr>
         <a:lstStyle/>
         <a:p>
-          <a:pPr marL="0" lvl="0" indent="0" algn="ctr" defTabSz="400050" rtl="0">
+          <a:pPr lvl="0" algn="ctr" defTabSz="488950" rtl="0">
             <a:lnSpc>
               <a:spcPct val="90000"/>
             </a:lnSpc>
@@ -3601,15 +3686,14 @@
             <a:spcAft>
               <a:spcPct val="35000"/>
             </a:spcAft>
-            <a:buNone/>
           </a:pPr>
           <a:r>
-            <a:rPr lang="en-US" sz="900" b="0" kern="1200" dirty="0"/>
+            <a:rPr lang="en-US" sz="1100" b="0" kern="1200" dirty="0"/>
             <a:t>Annotation</a:t>
           </a:r>
         </a:p>
         <a:p>
-          <a:pPr marL="0" lvl="0" indent="0" algn="ctr" defTabSz="400050" rtl="0">
+          <a:pPr lvl="0" algn="ctr" defTabSz="488950" rtl="0">
             <a:lnSpc>
               <a:spcPct val="90000"/>
             </a:lnSpc>
@@ -3619,26 +3703,25 @@
             <a:spcAft>
               <a:spcPct val="35000"/>
             </a:spcAft>
-            <a:buNone/>
           </a:pPr>
           <a:r>
-            <a:rPr lang="en-US" altLang="zh-TW" sz="900" b="0" kern="1200" dirty="0"/>
+            <a:rPr lang="en-US" altLang="zh-TW" sz="1100" b="0" kern="1200" dirty="0"/>
             <a:t>(</a:t>
           </a:r>
           <a:r>
-            <a:rPr lang="zh-TW" sz="900" b="0" kern="1200" dirty="0"/>
+            <a:rPr lang="zh-TW" sz="1100" b="0" kern="1200" dirty="0"/>
             <a:t>標註</a:t>
           </a:r>
           <a:r>
-            <a:rPr lang="en-US" altLang="zh-TW" sz="900" b="0" kern="1200" dirty="0"/>
+            <a:rPr lang="en-US" altLang="zh-TW" sz="1100" b="0" kern="1200" dirty="0"/>
             <a:t>)</a:t>
           </a:r>
-          <a:endParaRPr lang="zh-TW" sz="900" kern="1200" dirty="0"/>
+          <a:endParaRPr lang="zh-TW" sz="1100" kern="1200" dirty="0"/>
         </a:p>
       </dsp:txBody>
       <dsp:txXfrm>
-        <a:off x="2518793" y="2225273"/>
-        <a:ext cx="739762" cy="483153"/>
+        <a:off x="3064203" y="2173413"/>
+        <a:ext cx="898568" cy="586873"/>
       </dsp:txXfrm>
     </dsp:sp>
     <dsp:sp modelId="{2541D668-6583-4EE2-8E1D-8FACF2BBC88C}">
@@ -3648,8 +3731,8 @@
       </dsp:nvSpPr>
       <dsp:spPr>
         <a:xfrm>
-          <a:off x="2388287" y="2723458"/>
-          <a:ext cx="500387" cy="205287"/>
+          <a:off x="2905682" y="2778544"/>
+          <a:ext cx="607805" cy="249355"/>
         </a:xfrm>
         <a:custGeom>
           <a:avLst/>
@@ -3660,16 +3743,16 @@
           <a:pathLst>
             <a:path>
               <a:moveTo>
-                <a:pt x="500387" y="0"/>
+                <a:pt x="607805" y="0"/>
               </a:moveTo>
               <a:lnTo>
-                <a:pt x="500387" y="102643"/>
+                <a:pt x="607805" y="124677"/>
               </a:lnTo>
               <a:lnTo>
-                <a:pt x="0" y="102643"/>
+                <a:pt x="0" y="124677"/>
               </a:lnTo>
               <a:lnTo>
-                <a:pt x="0" y="205287"/>
+                <a:pt x="0" y="249355"/>
               </a:lnTo>
             </a:path>
           </a:pathLst>
@@ -3709,8 +3792,8 @@
       </dsp:nvSpPr>
       <dsp:spPr>
         <a:xfrm>
-          <a:off x="2003374" y="2928746"/>
-          <a:ext cx="769826" cy="513217"/>
+          <a:off x="2438140" y="3027900"/>
+          <a:ext cx="935084" cy="623389"/>
         </a:xfrm>
         <a:prstGeom prst="roundRect">
           <a:avLst>
@@ -3754,12 +3837,12 @@
         </a:fontRef>
       </dsp:style>
       <dsp:txBody>
-        <a:bodyPr spcFirstLastPara="0" vert="horz" wrap="square" lIns="34290" tIns="34290" rIns="34290" bIns="34290" numCol="1" spcCol="1270" anchor="ctr" anchorCtr="0">
+        <a:bodyPr spcFirstLastPara="0" vert="horz" wrap="square" lIns="41910" tIns="41910" rIns="41910" bIns="41910" numCol="1" spcCol="1270" anchor="ctr" anchorCtr="0">
           <a:noAutofit/>
         </a:bodyPr>
         <a:lstStyle/>
         <a:p>
-          <a:pPr marL="0" lvl="0" indent="0" algn="ctr" defTabSz="400050" rtl="0">
+          <a:pPr lvl="0" algn="ctr" defTabSz="488950" rtl="0">
             <a:lnSpc>
               <a:spcPct val="90000"/>
             </a:lnSpc>
@@ -3769,18 +3852,17 @@
             <a:spcAft>
               <a:spcPct val="35000"/>
             </a:spcAft>
-            <a:buNone/>
           </a:pPr>
           <a:r>
-            <a:rPr lang="en-US" altLang="zh-TW" sz="900" kern="1200" dirty="0"/>
+            <a:rPr lang="en-US" altLang="zh-TW" sz="1100" kern="1200" dirty="0"/>
             <a:t>class</a:t>
           </a:r>
-          <a:endParaRPr lang="zh-TW" sz="900" kern="1200" dirty="0"/>
+          <a:endParaRPr lang="zh-TW" sz="1100" kern="1200" dirty="0"/>
         </a:p>
       </dsp:txBody>
       <dsp:txXfrm>
-        <a:off x="2018406" y="2943778"/>
-        <a:ext cx="739762" cy="483153"/>
+        <a:off x="2456398" y="3046158"/>
+        <a:ext cx="898568" cy="586873"/>
       </dsp:txXfrm>
     </dsp:sp>
     <dsp:sp modelId="{653AB5BD-4615-420C-B9AB-505101D5833C}">
@@ -3790,8 +3872,8 @@
       </dsp:nvSpPr>
       <dsp:spPr>
         <a:xfrm>
-          <a:off x="2888674" y="2723458"/>
-          <a:ext cx="500387" cy="205287"/>
+          <a:off x="3513487" y="2778544"/>
+          <a:ext cx="607805" cy="249355"/>
         </a:xfrm>
         <a:custGeom>
           <a:avLst/>
@@ -3805,13 +3887,13 @@
                 <a:pt x="0" y="0"/>
               </a:moveTo>
               <a:lnTo>
-                <a:pt x="0" y="102643"/>
+                <a:pt x="0" y="124677"/>
               </a:lnTo>
               <a:lnTo>
-                <a:pt x="500387" y="102643"/>
+                <a:pt x="607805" y="124677"/>
               </a:lnTo>
               <a:lnTo>
-                <a:pt x="500387" y="205287"/>
+                <a:pt x="607805" y="249355"/>
               </a:lnTo>
             </a:path>
           </a:pathLst>
@@ -3851,8 +3933,8 @@
       </dsp:nvSpPr>
       <dsp:spPr>
         <a:xfrm>
-          <a:off x="3004148" y="2928746"/>
-          <a:ext cx="769826" cy="513217"/>
+          <a:off x="3653750" y="3027900"/>
+          <a:ext cx="935084" cy="623389"/>
         </a:xfrm>
         <a:prstGeom prst="roundRect">
           <a:avLst>
@@ -3896,12 +3978,12 @@
         </a:fontRef>
       </dsp:style>
       <dsp:txBody>
-        <a:bodyPr spcFirstLastPara="0" vert="horz" wrap="square" lIns="34290" tIns="34290" rIns="34290" bIns="34290" numCol="1" spcCol="1270" anchor="ctr" anchorCtr="0">
+        <a:bodyPr spcFirstLastPara="0" vert="horz" wrap="square" lIns="41910" tIns="41910" rIns="41910" bIns="41910" numCol="1" spcCol="1270" anchor="ctr" anchorCtr="0">
           <a:noAutofit/>
         </a:bodyPr>
         <a:lstStyle/>
         <a:p>
-          <a:pPr marL="0" lvl="0" indent="0" algn="ctr" defTabSz="400050" rtl="0">
+          <a:pPr lvl="0" algn="ctr" defTabSz="488950" rtl="0">
             <a:lnSpc>
               <a:spcPct val="90000"/>
             </a:lnSpc>
@@ -3911,61 +3993,60 @@
             <a:spcAft>
               <a:spcPct val="35000"/>
             </a:spcAft>
-            <a:buNone/>
           </a:pPr>
           <a:r>
-            <a:rPr lang="en-US" altLang="zh-TW" sz="900" kern="1200" dirty="0"/>
+            <a:rPr lang="en-US" altLang="zh-TW" sz="1100" kern="1200" dirty="0"/>
             <a:t>x, </a:t>
           </a:r>
           <a:r>
-            <a:rPr lang="zh-TW" altLang="en-US" sz="900" kern="1200" dirty="0"/>
+            <a:rPr lang="zh-TW" altLang="en-US" sz="1100" kern="1200" dirty="0"/>
             <a:t> </a:t>
           </a:r>
           <a:r>
-            <a:rPr lang="en-US" altLang="zh-TW" sz="900" kern="1200" dirty="0"/>
+            <a:rPr lang="en-US" altLang="zh-TW" sz="1100" kern="1200" dirty="0"/>
             <a:t>y,</a:t>
           </a:r>
           <a:r>
-            <a:rPr lang="zh-TW" altLang="en-US" sz="900" kern="1200" dirty="0"/>
+            <a:rPr lang="zh-TW" altLang="en-US" sz="1100" kern="1200" dirty="0"/>
             <a:t> </a:t>
           </a:r>
           <a:r>
-            <a:rPr lang="el-GR" altLang="zh-TW" sz="900" kern="1200" dirty="0"/>
+            <a:rPr lang="el-GR" altLang="zh-TW" sz="1100" kern="1200" dirty="0"/>
             <a:t>Δ</a:t>
           </a:r>
           <a:r>
-            <a:rPr lang="en-US" altLang="zh-TW" sz="900" kern="1200" dirty="0"/>
+            <a:rPr lang="en-US" altLang="zh-TW" sz="1100" kern="1200" dirty="0"/>
             <a:t>x,</a:t>
           </a:r>
           <a:r>
-            <a:rPr lang="zh-TW" altLang="en-US" sz="900" kern="1200" dirty="0"/>
+            <a:rPr lang="zh-TW" altLang="en-US" sz="1100" kern="1200" dirty="0"/>
             <a:t> </a:t>
           </a:r>
           <a:r>
-            <a:rPr lang="el-GR" altLang="zh-TW" sz="900" kern="1200" dirty="0"/>
+            <a:rPr lang="el-GR" altLang="zh-TW" sz="1100" kern="1200" dirty="0"/>
             <a:t>Δ</a:t>
           </a:r>
           <a:r>
-            <a:rPr lang="en-US" altLang="zh-TW" sz="900" kern="1200" dirty="0"/>
+            <a:rPr lang="en-US" altLang="zh-TW" sz="1100" kern="1200" dirty="0"/>
             <a:t>y </a:t>
           </a:r>
-          <a:endParaRPr lang="zh-TW" sz="900" kern="1200" dirty="0"/>
+          <a:endParaRPr lang="zh-TW" sz="1100" kern="1200" dirty="0"/>
         </a:p>
       </dsp:txBody>
       <dsp:txXfrm>
-        <a:off x="3019180" y="2943778"/>
-        <a:ext cx="739762" cy="483153"/>
+        <a:off x="3672008" y="3046158"/>
+        <a:ext cx="898568" cy="586873"/>
       </dsp:txXfrm>
     </dsp:sp>
-    <dsp:sp modelId="{3C3F360B-0AE0-4DF0-9BC4-0E1DACF9D977}">
+    <dsp:sp modelId="{4AB59669-AD6E-49B2-9DA6-91CFC7B1BAA4}">
       <dsp:nvSpPr>
         <dsp:cNvPr id="0" name=""/>
         <dsp:cNvSpPr/>
       </dsp:nvSpPr>
       <dsp:spPr>
         <a:xfrm>
-          <a:off x="3138868" y="2004953"/>
-          <a:ext cx="1751355" cy="205287"/>
+          <a:off x="2601780" y="1905799"/>
+          <a:ext cx="2127317" cy="249355"/>
         </a:xfrm>
         <a:custGeom>
           <a:avLst/>
@@ -3979,13 +4060,13 @@
                 <a:pt x="0" y="0"/>
               </a:moveTo>
               <a:lnTo>
-                <a:pt x="0" y="102643"/>
+                <a:pt x="0" y="124677"/>
               </a:lnTo>
               <a:lnTo>
-                <a:pt x="1751355" y="102643"/>
+                <a:pt x="2127317" y="124677"/>
               </a:lnTo>
               <a:lnTo>
-                <a:pt x="1751355" y="205287"/>
+                <a:pt x="2127317" y="249355"/>
               </a:lnTo>
             </a:path>
           </a:pathLst>
@@ -4018,15 +4099,15 @@
         <a:fontRef idx="minor"/>
       </dsp:style>
     </dsp:sp>
-    <dsp:sp modelId="{70A2C404-EE29-4CA0-8568-6115E9FA3C7A}">
+    <dsp:sp modelId="{BD146849-6801-455E-B4DF-3F7166309EB1}">
       <dsp:nvSpPr>
         <dsp:cNvPr id="0" name=""/>
         <dsp:cNvSpPr/>
       </dsp:nvSpPr>
       <dsp:spPr>
         <a:xfrm>
-          <a:off x="4505311" y="2210241"/>
-          <a:ext cx="769826" cy="513217"/>
+          <a:off x="4261555" y="2155155"/>
+          <a:ext cx="935084" cy="623389"/>
         </a:xfrm>
         <a:prstGeom prst="roundRect">
           <a:avLst>
@@ -4070,12 +4151,12 @@
         </a:fontRef>
       </dsp:style>
       <dsp:txBody>
-        <a:bodyPr spcFirstLastPara="0" vert="horz" wrap="square" lIns="34290" tIns="34290" rIns="34290" bIns="34290" numCol="1" spcCol="1270" anchor="ctr" anchorCtr="0">
+        <a:bodyPr spcFirstLastPara="0" vert="horz" wrap="square" lIns="41910" tIns="41910" rIns="41910" bIns="41910" numCol="1" spcCol="1270" anchor="ctr" anchorCtr="0">
           <a:noAutofit/>
         </a:bodyPr>
         <a:lstStyle/>
         <a:p>
-          <a:pPr marL="0" lvl="0" indent="0" algn="ctr" defTabSz="400050" rtl="0">
+          <a:pPr lvl="0" algn="ctr" defTabSz="488950" rtl="0">
             <a:lnSpc>
               <a:spcPct val="90000"/>
             </a:lnSpc>
@@ -4085,37 +4166,32 @@
             <a:spcAft>
               <a:spcPct val="35000"/>
             </a:spcAft>
-            <a:buNone/>
           </a:pPr>
           <a:r>
-            <a:rPr lang="en-US" sz="900" b="0" kern="1200" dirty="0"/>
-            <a:t>Image</a:t>
+            <a:rPr lang="en-US" altLang="zh-TW" sz="1100" kern="1200" dirty="0" smtClean="0"/>
+            <a:t>MLP </a:t>
           </a:r>
           <a:r>
-            <a:rPr lang="zh-TW" sz="900" b="0" kern="1200" dirty="0"/>
-            <a:t> </a:t>
+            <a:rPr lang="en-US" altLang="zh-TW" sz="1100" kern="1200" dirty="0"/>
+            <a:t>training</a:t>
           </a:r>
-          <a:r>
-            <a:rPr lang="en-US" sz="900" b="0" kern="1200" dirty="0"/>
-            <a:t>pre-processing</a:t>
-          </a:r>
-          <a:endParaRPr lang="zh-TW" sz="900" kern="1200" dirty="0"/>
+          <a:endParaRPr lang="zh-TW" sz="1100" kern="1200" dirty="0"/>
         </a:p>
       </dsp:txBody>
       <dsp:txXfrm>
-        <a:off x="4520343" y="2225273"/>
-        <a:ext cx="739762" cy="483153"/>
+        <a:off x="4279813" y="2173413"/>
+        <a:ext cx="898568" cy="586873"/>
       </dsp:txXfrm>
     </dsp:sp>
-    <dsp:sp modelId="{7BFB9096-AD14-4FD0-9E52-FE5890DBE8B9}">
+    <dsp:sp modelId="{A1BD6871-85BF-4C93-A498-1B6FAC72C74E}">
       <dsp:nvSpPr>
         <dsp:cNvPr id="0" name=""/>
         <dsp:cNvSpPr/>
       </dsp:nvSpPr>
       <dsp:spPr>
         <a:xfrm>
-          <a:off x="4389837" y="2723458"/>
-          <a:ext cx="500387" cy="205287"/>
+          <a:off x="5184951" y="1033053"/>
+          <a:ext cx="2583171" cy="249355"/>
         </a:xfrm>
         <a:custGeom>
           <a:avLst/>
@@ -4126,16 +4202,16 @@
           <a:pathLst>
             <a:path>
               <a:moveTo>
-                <a:pt x="500387" y="0"/>
+                <a:pt x="0" y="0"/>
               </a:moveTo>
               <a:lnTo>
-                <a:pt x="500387" y="102643"/>
+                <a:pt x="0" y="124677"/>
               </a:lnTo>
               <a:lnTo>
-                <a:pt x="0" y="102643"/>
+                <a:pt x="2583171" y="124677"/>
               </a:lnTo>
               <a:lnTo>
-                <a:pt x="0" y="205287"/>
+                <a:pt x="2583171" y="249355"/>
               </a:lnTo>
             </a:path>
           </a:pathLst>
@@ -4144,7 +4220,7 @@
         <a:ln w="15875" cap="flat" cmpd="sng" algn="ctr">
           <a:solidFill>
             <a:schemeClr val="dk1">
-              <a:shade val="80000"/>
+              <a:shade val="60000"/>
               <a:hueOff val="0"/>
               <a:satOff val="0"/>
               <a:lumOff val="0"/>
@@ -4168,15 +4244,15 @@
         <a:fontRef idx="minor"/>
       </dsp:style>
     </dsp:sp>
-    <dsp:sp modelId="{7E089C12-6984-47C7-BCC2-DE41500ECEAA}">
+    <dsp:sp modelId="{E3E26CF0-4369-4D07-A4E5-8CFB863BF958}">
       <dsp:nvSpPr>
         <dsp:cNvPr id="0" name=""/>
         <dsp:cNvSpPr/>
       </dsp:nvSpPr>
       <dsp:spPr>
         <a:xfrm>
-          <a:off x="4004923" y="2928746"/>
-          <a:ext cx="769826" cy="513217"/>
+          <a:off x="7300580" y="1282409"/>
+          <a:ext cx="935084" cy="623389"/>
         </a:xfrm>
         <a:prstGeom prst="roundRect">
           <a:avLst>
@@ -4220,12 +4296,12 @@
         </a:fontRef>
       </dsp:style>
       <dsp:txBody>
-        <a:bodyPr spcFirstLastPara="0" vert="horz" wrap="square" lIns="34290" tIns="34290" rIns="34290" bIns="34290" numCol="1" spcCol="1270" anchor="ctr" anchorCtr="0">
+        <a:bodyPr spcFirstLastPara="0" vert="horz" wrap="square" lIns="41910" tIns="41910" rIns="41910" bIns="41910" numCol="1" spcCol="1270" anchor="ctr" anchorCtr="0">
           <a:noAutofit/>
         </a:bodyPr>
         <a:lstStyle/>
         <a:p>
-          <a:pPr marL="0" lvl="0" indent="0" algn="ctr" defTabSz="400050" rtl="0">
+          <a:pPr lvl="0" algn="ctr" defTabSz="488950" rtl="0">
             <a:lnSpc>
               <a:spcPct val="90000"/>
             </a:lnSpc>
@@ -4235,29 +4311,27 @@
             <a:spcAft>
               <a:spcPct val="35000"/>
             </a:spcAft>
-            <a:buNone/>
           </a:pPr>
           <a:r>
-            <a:rPr lang="zh-TW" altLang="en-US" sz="900" b="0" kern="1200" dirty="0"/>
-            <a:t>白平衡</a:t>
+            <a:rPr lang="zh-TW" altLang="en-US" sz="1100" kern="1200" dirty="0"/>
+            <a:t>辨識</a:t>
           </a:r>
-          <a:endParaRPr lang="zh-TW" sz="900" kern="1200" dirty="0"/>
         </a:p>
       </dsp:txBody>
       <dsp:txXfrm>
-        <a:off x="4019955" y="2943778"/>
-        <a:ext cx="739762" cy="483153"/>
+        <a:off x="7318838" y="1300667"/>
+        <a:ext cx="898568" cy="586873"/>
       </dsp:txXfrm>
     </dsp:sp>
-    <dsp:sp modelId="{46D32209-E966-4968-804D-B82E8414D73A}">
+    <dsp:sp modelId="{3DC1F0D9-81D9-45F8-94F2-636E41D031B9}">
       <dsp:nvSpPr>
         <dsp:cNvPr id="0" name=""/>
         <dsp:cNvSpPr/>
       </dsp:nvSpPr>
       <dsp:spPr>
         <a:xfrm>
-          <a:off x="4890224" y="2723458"/>
-          <a:ext cx="500387" cy="205287"/>
+          <a:off x="5944708" y="1905799"/>
+          <a:ext cx="1823415" cy="249355"/>
         </a:xfrm>
         <a:custGeom>
           <a:avLst/>
@@ -4268,16 +4342,16 @@
           <a:pathLst>
             <a:path>
               <a:moveTo>
-                <a:pt x="0" y="0"/>
+                <a:pt x="1823415" y="0"/>
               </a:moveTo>
               <a:lnTo>
-                <a:pt x="0" y="102643"/>
+                <a:pt x="1823415" y="124677"/>
               </a:lnTo>
               <a:lnTo>
-                <a:pt x="500387" y="102643"/>
+                <a:pt x="0" y="124677"/>
               </a:lnTo>
               <a:lnTo>
-                <a:pt x="500387" y="205287"/>
+                <a:pt x="0" y="249355"/>
               </a:lnTo>
             </a:path>
           </a:pathLst>
@@ -4310,15 +4384,15 @@
         <a:fontRef idx="minor"/>
       </dsp:style>
     </dsp:sp>
-    <dsp:sp modelId="{C685E601-3B4E-4881-BF96-85ECCEB9C012}">
+    <dsp:sp modelId="{04E8436F-E901-4069-B001-8E0EB4E5DFAE}">
       <dsp:nvSpPr>
         <dsp:cNvPr id="0" name=""/>
         <dsp:cNvSpPr/>
       </dsp:nvSpPr>
       <dsp:spPr>
         <a:xfrm>
-          <a:off x="5005698" y="2928746"/>
-          <a:ext cx="769826" cy="513217"/>
+          <a:off x="5477165" y="2155155"/>
+          <a:ext cx="935084" cy="623389"/>
         </a:xfrm>
         <a:prstGeom prst="roundRect">
           <a:avLst>
@@ -4362,12 +4436,12 @@
         </a:fontRef>
       </dsp:style>
       <dsp:txBody>
-        <a:bodyPr spcFirstLastPara="0" vert="horz" wrap="square" lIns="34290" tIns="34290" rIns="34290" bIns="34290" numCol="1" spcCol="1270" anchor="ctr" anchorCtr="0">
+        <a:bodyPr spcFirstLastPara="0" vert="horz" wrap="square" lIns="41910" tIns="41910" rIns="41910" bIns="41910" numCol="1" spcCol="1270" anchor="ctr" anchorCtr="0">
           <a:noAutofit/>
         </a:bodyPr>
         <a:lstStyle/>
         <a:p>
-          <a:pPr marL="0" lvl="0" indent="0" algn="ctr" defTabSz="400050" rtl="0">
+          <a:pPr lvl="0" algn="ctr" defTabSz="488950" rtl="0">
             <a:lnSpc>
               <a:spcPct val="90000"/>
             </a:lnSpc>
@@ -4377,29 +4451,28 @@
             <a:spcAft>
               <a:spcPct val="35000"/>
             </a:spcAft>
-            <a:buNone/>
           </a:pPr>
           <a:r>
-            <a:rPr lang="zh-TW" altLang="en-US" sz="900" kern="1200" dirty="0"/>
-            <a:t>銳利化</a:t>
+            <a:rPr lang="en-US" altLang="zh-TW" sz="1100" kern="1200" dirty="0"/>
+            <a:t>Segmentation</a:t>
           </a:r>
-          <a:endParaRPr lang="zh-TW" sz="900" kern="1200" dirty="0"/>
+          <a:endParaRPr lang="zh-TW" sz="1100" kern="1200" dirty="0"/>
         </a:p>
       </dsp:txBody>
       <dsp:txXfrm>
-        <a:off x="5020730" y="2943778"/>
-        <a:ext cx="739762" cy="483153"/>
+        <a:off x="5495423" y="2173413"/>
+        <a:ext cx="898568" cy="586873"/>
       </dsp:txXfrm>
     </dsp:sp>
-    <dsp:sp modelId="{4AB59669-AD6E-49B2-9DA6-91CFC7B1BAA4}">
+    <dsp:sp modelId="{709B4420-22D1-41B2-8DD2-AAC26AFF5988}">
       <dsp:nvSpPr>
         <dsp:cNvPr id="0" name=""/>
         <dsp:cNvSpPr/>
       </dsp:nvSpPr>
       <dsp:spPr>
         <a:xfrm>
-          <a:off x="3138868" y="2004953"/>
-          <a:ext cx="2752130" cy="205287"/>
+          <a:off x="5898988" y="2778544"/>
+          <a:ext cx="91440" cy="249355"/>
         </a:xfrm>
         <a:custGeom>
           <a:avLst/>
@@ -4410,16 +4483,10 @@
           <a:pathLst>
             <a:path>
               <a:moveTo>
-                <a:pt x="0" y="0"/>
+                <a:pt x="45720" y="0"/>
               </a:moveTo>
               <a:lnTo>
-                <a:pt x="0" y="102643"/>
-              </a:lnTo>
-              <a:lnTo>
-                <a:pt x="2752130" y="102643"/>
-              </a:lnTo>
-              <a:lnTo>
-                <a:pt x="2752130" y="205287"/>
+                <a:pt x="45720" y="249355"/>
               </a:lnTo>
             </a:path>
           </a:pathLst>
@@ -4452,15 +4519,15 @@
         <a:fontRef idx="minor"/>
       </dsp:style>
     </dsp:sp>
-    <dsp:sp modelId="{BD146849-6801-455E-B4DF-3F7166309EB1}">
+    <dsp:sp modelId="{D8EA34F9-44DB-400F-BF1D-8318AB8D3508}">
       <dsp:nvSpPr>
         <dsp:cNvPr id="0" name=""/>
         <dsp:cNvSpPr/>
       </dsp:nvSpPr>
       <dsp:spPr>
         <a:xfrm>
-          <a:off x="5506085" y="2210241"/>
-          <a:ext cx="769826" cy="513217"/>
+          <a:off x="5477165" y="3027900"/>
+          <a:ext cx="935084" cy="623389"/>
         </a:xfrm>
         <a:prstGeom prst="roundRect">
           <a:avLst>
@@ -4504,12 +4571,12 @@
         </a:fontRef>
       </dsp:style>
       <dsp:txBody>
-        <a:bodyPr spcFirstLastPara="0" vert="horz" wrap="square" lIns="34290" tIns="34290" rIns="34290" bIns="34290" numCol="1" spcCol="1270" anchor="ctr" anchorCtr="0">
+        <a:bodyPr spcFirstLastPara="0" vert="horz" wrap="square" lIns="41910" tIns="41910" rIns="41910" bIns="41910" numCol="1" spcCol="1270" anchor="ctr" anchorCtr="0">
           <a:noAutofit/>
         </a:bodyPr>
         <a:lstStyle/>
         <a:p>
-          <a:pPr marL="0" lvl="0" indent="0" algn="ctr" defTabSz="400050" rtl="0">
+          <a:pPr lvl="0" algn="ctr" defTabSz="488950">
             <a:lnSpc>
               <a:spcPct val="90000"/>
             </a:lnSpc>
@@ -4519,37 +4586,28 @@
             <a:spcAft>
               <a:spcPct val="35000"/>
             </a:spcAft>
-            <a:buNone/>
           </a:pPr>
           <a:r>
-            <a:rPr lang="en-US" altLang="zh-TW" sz="900" kern="1200" dirty="0"/>
-            <a:t>SVM</a:t>
+            <a:rPr lang="en-US" altLang="zh-TW" sz="1100" b="0" kern="1200" dirty="0" err="1"/>
+            <a:t>Superpixel</a:t>
           </a:r>
-          <a:r>
-            <a:rPr lang="zh-TW" altLang="en-US" sz="900" kern="1200" dirty="0"/>
-            <a:t>、</a:t>
-          </a:r>
-          <a:r>
-            <a:rPr lang="en-US" altLang="zh-TW" sz="900" kern="1200" dirty="0"/>
-            <a:t>MLP training</a:t>
-          </a:r>
-          <a:endParaRPr lang="zh-TW" sz="900" kern="1200" dirty="0"/>
+          <a:endParaRPr lang="zh-TW" sz="1100" kern="1200" dirty="0"/>
         </a:p>
       </dsp:txBody>
       <dsp:txXfrm>
-        <a:off x="5521117" y="2225273"/>
-        <a:ext cx="739762" cy="483153"/>
+        <a:off x="5495423" y="3046158"/>
+        <a:ext cx="898568" cy="586873"/>
       </dsp:txXfrm>
     </dsp:sp>
-    <dsp:sp modelId="{A1BD6871-85BF-4C93-A498-1B6FAC72C74E}">
+    <dsp:sp modelId="{5324B758-9B89-4E19-9FB2-2DE853E7B9F1}">
       <dsp:nvSpPr>
         <dsp:cNvPr id="0" name=""/>
         <dsp:cNvSpPr/>
       </dsp:nvSpPr>
       <dsp:spPr>
         <a:xfrm>
-          <a:off x="5765902" y="1286449"/>
-          <a:ext cx="2627033" cy="205287"/>
+          <a:off x="7160318" y="1905799"/>
+          <a:ext cx="607805" cy="249355"/>
         </a:xfrm>
         <a:custGeom>
           <a:avLst/>
@@ -4560,16 +4618,16 @@
           <a:pathLst>
             <a:path>
               <a:moveTo>
-                <a:pt x="0" y="0"/>
+                <a:pt x="607805" y="0"/>
               </a:moveTo>
               <a:lnTo>
-                <a:pt x="0" y="102643"/>
+                <a:pt x="607805" y="124677"/>
               </a:lnTo>
               <a:lnTo>
-                <a:pt x="2627033" y="102643"/>
+                <a:pt x="0" y="124677"/>
               </a:lnTo>
               <a:lnTo>
-                <a:pt x="2627033" y="205287"/>
+                <a:pt x="0" y="249355"/>
               </a:lnTo>
             </a:path>
           </a:pathLst>
@@ -4578,7 +4636,7 @@
         <a:ln w="15875" cap="flat" cmpd="sng" algn="ctr">
           <a:solidFill>
             <a:schemeClr val="dk1">
-              <a:shade val="60000"/>
+              <a:shade val="80000"/>
               <a:hueOff val="0"/>
               <a:satOff val="0"/>
               <a:lumOff val="0"/>
@@ -4602,15 +4660,15 @@
         <a:fontRef idx="minor"/>
       </dsp:style>
     </dsp:sp>
-    <dsp:sp modelId="{E3E26CF0-4369-4D07-A4E5-8CFB863BF958}">
+    <dsp:sp modelId="{ACC04287-6198-4899-9343-ED8247E524C8}">
       <dsp:nvSpPr>
         <dsp:cNvPr id="0" name=""/>
         <dsp:cNvSpPr/>
       </dsp:nvSpPr>
       <dsp:spPr>
         <a:xfrm>
-          <a:off x="8008022" y="1491736"/>
-          <a:ext cx="769826" cy="513217"/>
+          <a:off x="6692775" y="2155155"/>
+          <a:ext cx="935084" cy="623389"/>
         </a:xfrm>
         <a:prstGeom prst="roundRect">
           <a:avLst>
@@ -4654,12 +4712,12 @@
         </a:fontRef>
       </dsp:style>
       <dsp:txBody>
-        <a:bodyPr spcFirstLastPara="0" vert="horz" wrap="square" lIns="34290" tIns="34290" rIns="34290" bIns="34290" numCol="1" spcCol="1270" anchor="ctr" anchorCtr="0">
+        <a:bodyPr spcFirstLastPara="0" vert="horz" wrap="square" lIns="41910" tIns="41910" rIns="41910" bIns="41910" numCol="1" spcCol="1270" anchor="ctr" anchorCtr="0">
           <a:noAutofit/>
         </a:bodyPr>
         <a:lstStyle/>
         <a:p>
-          <a:pPr marL="0" lvl="0" indent="0" algn="ctr" defTabSz="400050" rtl="0">
+          <a:pPr lvl="0" algn="ctr" defTabSz="488950" rtl="0">
             <a:lnSpc>
               <a:spcPct val="90000"/>
             </a:lnSpc>
@@ -4669,29 +4727,28 @@
             <a:spcAft>
               <a:spcPct val="35000"/>
             </a:spcAft>
-            <a:buNone/>
           </a:pPr>
           <a:r>
-            <a:rPr lang="zh-TW" altLang="en-US" sz="900" kern="1200" dirty="0"/>
-            <a:t>辨識</a:t>
+            <a:rPr lang="en-US" altLang="zh-TW" sz="1100" kern="1200" dirty="0"/>
+            <a:t>Segment feature extraction</a:t>
           </a:r>
-          <a:endParaRPr lang="zh-TW" sz="900" kern="1200" dirty="0"/>
+          <a:endParaRPr lang="zh-TW" sz="1100" kern="1200" dirty="0"/>
         </a:p>
       </dsp:txBody>
       <dsp:txXfrm>
-        <a:off x="8023054" y="1506768"/>
-        <a:ext cx="739762" cy="483153"/>
+        <a:off x="6711033" y="2173413"/>
+        <a:ext cx="898568" cy="586873"/>
       </dsp:txXfrm>
     </dsp:sp>
-    <dsp:sp modelId="{3DC1F0D9-81D9-45F8-94F2-636E41D031B9}">
+    <dsp:sp modelId="{71122727-A3A9-4CA9-A302-463238571CF3}">
       <dsp:nvSpPr>
         <dsp:cNvPr id="0" name=""/>
         <dsp:cNvSpPr/>
       </dsp:nvSpPr>
       <dsp:spPr>
         <a:xfrm>
-          <a:off x="6891773" y="2004953"/>
-          <a:ext cx="1501162" cy="205287"/>
+          <a:off x="7114598" y="2778544"/>
+          <a:ext cx="91440" cy="249355"/>
         </a:xfrm>
         <a:custGeom>
           <a:avLst/>
@@ -4702,16 +4759,10 @@
           <a:pathLst>
             <a:path>
               <a:moveTo>
-                <a:pt x="1501162" y="0"/>
+                <a:pt x="45720" y="0"/>
               </a:moveTo>
               <a:lnTo>
-                <a:pt x="1501162" y="102643"/>
-              </a:lnTo>
-              <a:lnTo>
-                <a:pt x="0" y="102643"/>
-              </a:lnTo>
-              <a:lnTo>
-                <a:pt x="0" y="205287"/>
+                <a:pt x="45720" y="249355"/>
               </a:lnTo>
             </a:path>
           </a:pathLst>
@@ -4744,15 +4795,15 @@
         <a:fontRef idx="minor"/>
       </dsp:style>
     </dsp:sp>
-    <dsp:sp modelId="{04E8436F-E901-4069-B001-8E0EB4E5DFAE}">
+    <dsp:sp modelId="{E325072A-E321-4B43-BA71-2702AB466C77}">
       <dsp:nvSpPr>
         <dsp:cNvPr id="0" name=""/>
         <dsp:cNvSpPr/>
       </dsp:nvSpPr>
       <dsp:spPr>
         <a:xfrm>
-          <a:off x="6506860" y="2210241"/>
-          <a:ext cx="769826" cy="513217"/>
+          <a:off x="6692775" y="3027900"/>
+          <a:ext cx="935084" cy="623389"/>
         </a:xfrm>
         <a:prstGeom prst="roundRect">
           <a:avLst>
@@ -4796,12 +4847,12 @@
         </a:fontRef>
       </dsp:style>
       <dsp:txBody>
-        <a:bodyPr spcFirstLastPara="0" vert="horz" wrap="square" lIns="34290" tIns="34290" rIns="34290" bIns="34290" numCol="1" spcCol="1270" anchor="ctr" anchorCtr="0">
+        <a:bodyPr spcFirstLastPara="0" vert="horz" wrap="square" lIns="41910" tIns="41910" rIns="41910" bIns="41910" numCol="1" spcCol="1270" anchor="ctr" anchorCtr="0">
           <a:noAutofit/>
         </a:bodyPr>
         <a:lstStyle/>
         <a:p>
-          <a:pPr marL="0" lvl="0" indent="0" algn="ctr" defTabSz="400050" rtl="0">
+          <a:pPr lvl="0" algn="ctr" defTabSz="488950" rtl="0">
             <a:lnSpc>
               <a:spcPct val="90000"/>
             </a:lnSpc>
@@ -4811,29 +4862,28 @@
             <a:spcAft>
               <a:spcPct val="35000"/>
             </a:spcAft>
-            <a:buNone/>
           </a:pPr>
           <a:r>
-            <a:rPr lang="en-US" altLang="zh-TW" sz="900" kern="1200" dirty="0"/>
-            <a:t>Segmentation</a:t>
+            <a:rPr lang="zh-TW" altLang="en-US" sz="1100" kern="1200" dirty="0" smtClean="0"/>
+            <a:t>紋路</a:t>
           </a:r>
-          <a:endParaRPr lang="zh-TW" sz="900" kern="1200" dirty="0"/>
+          <a:endParaRPr lang="zh-TW" altLang="en-US" sz="1100" kern="1200" dirty="0"/>
         </a:p>
       </dsp:txBody>
       <dsp:txXfrm>
-        <a:off x="6521892" y="2225273"/>
-        <a:ext cx="739762" cy="483153"/>
+        <a:off x="6711033" y="3046158"/>
+        <a:ext cx="898568" cy="586873"/>
       </dsp:txXfrm>
     </dsp:sp>
-    <dsp:sp modelId="{709B4420-22D1-41B2-8DD2-AAC26AFF5988}">
+    <dsp:sp modelId="{AB4515E4-ACF7-42AA-BAB9-21E4FEBE2CCC}">
       <dsp:nvSpPr>
         <dsp:cNvPr id="0" name=""/>
         <dsp:cNvSpPr/>
       </dsp:nvSpPr>
       <dsp:spPr>
         <a:xfrm>
-          <a:off x="6846053" y="2723458"/>
-          <a:ext cx="91440" cy="205287"/>
+          <a:off x="7114598" y="3651290"/>
+          <a:ext cx="91440" cy="249355"/>
         </a:xfrm>
         <a:custGeom>
           <a:avLst/>
@@ -4847,7 +4897,7 @@
                 <a:pt x="45720" y="0"/>
               </a:moveTo>
               <a:lnTo>
-                <a:pt x="45720" y="205287"/>
+                <a:pt x="45720" y="249355"/>
               </a:lnTo>
             </a:path>
           </a:pathLst>
@@ -4880,15 +4930,15 @@
         <a:fontRef idx="minor"/>
       </dsp:style>
     </dsp:sp>
-    <dsp:sp modelId="{D8EA34F9-44DB-400F-BF1D-8318AB8D3508}">
+    <dsp:sp modelId="{404F8891-4210-4BB4-9E9F-786FFEFE02B7}">
       <dsp:nvSpPr>
         <dsp:cNvPr id="0" name=""/>
         <dsp:cNvSpPr/>
       </dsp:nvSpPr>
       <dsp:spPr>
         <a:xfrm>
-          <a:off x="6506860" y="2928746"/>
-          <a:ext cx="769826" cy="513217"/>
+          <a:off x="6692775" y="3900646"/>
+          <a:ext cx="935084" cy="623389"/>
         </a:xfrm>
         <a:prstGeom prst="roundRect">
           <a:avLst>
@@ -4932,12 +4982,12 @@
         </a:fontRef>
       </dsp:style>
       <dsp:txBody>
-        <a:bodyPr spcFirstLastPara="0" vert="horz" wrap="square" lIns="34290" tIns="34290" rIns="34290" bIns="34290" numCol="1" spcCol="1270" anchor="ctr" anchorCtr="0">
+        <a:bodyPr spcFirstLastPara="0" vert="horz" wrap="square" lIns="41910" tIns="41910" rIns="41910" bIns="41910" numCol="1" spcCol="1270" anchor="ctr" anchorCtr="0">
           <a:noAutofit/>
         </a:bodyPr>
         <a:lstStyle/>
         <a:p>
-          <a:pPr marL="0" lvl="0" indent="0" algn="ctr" defTabSz="400050">
+          <a:pPr lvl="0" algn="ctr" defTabSz="488950">
             <a:lnSpc>
               <a:spcPct val="90000"/>
             </a:lnSpc>
@@ -4947,29 +4997,28 @@
             <a:spcAft>
               <a:spcPct val="35000"/>
             </a:spcAft>
-            <a:buNone/>
           </a:pPr>
           <a:r>
-            <a:rPr lang="en-US" altLang="zh-TW" sz="900" b="0" kern="1200" dirty="0" err="1"/>
-            <a:t>Superpixel</a:t>
+            <a:rPr lang="en-US" altLang="zh-TW" sz="1100" kern="1200" dirty="0" smtClean="0"/>
+            <a:t>LBP</a:t>
           </a:r>
-          <a:endParaRPr lang="zh-TW" sz="900" kern="1200" dirty="0"/>
+          <a:endParaRPr lang="zh-TW" sz="1100" kern="1200" dirty="0"/>
         </a:p>
       </dsp:txBody>
       <dsp:txXfrm>
-        <a:off x="6521892" y="2943778"/>
-        <a:ext cx="739762" cy="483153"/>
+        <a:off x="6711033" y="3918904"/>
+        <a:ext cx="898568" cy="586873"/>
       </dsp:txXfrm>
     </dsp:sp>
-    <dsp:sp modelId="{5324B758-9B89-4E19-9FB2-2DE853E7B9F1}">
+    <dsp:sp modelId="{410EEF7A-90FC-453C-88E9-A2A01517F7F6}">
       <dsp:nvSpPr>
         <dsp:cNvPr id="0" name=""/>
         <dsp:cNvSpPr/>
       </dsp:nvSpPr>
       <dsp:spPr>
         <a:xfrm>
-          <a:off x="7892548" y="2004953"/>
-          <a:ext cx="500387" cy="205287"/>
+          <a:off x="7768123" y="1905799"/>
+          <a:ext cx="1823415" cy="249355"/>
         </a:xfrm>
         <a:custGeom>
           <a:avLst/>
@@ -4980,16 +5029,16 @@
           <a:pathLst>
             <a:path>
               <a:moveTo>
-                <a:pt x="500387" y="0"/>
+                <a:pt x="0" y="0"/>
               </a:moveTo>
               <a:lnTo>
-                <a:pt x="500387" y="102643"/>
+                <a:pt x="0" y="124677"/>
               </a:lnTo>
               <a:lnTo>
-                <a:pt x="0" y="102643"/>
+                <a:pt x="1823415" y="124677"/>
               </a:lnTo>
               <a:lnTo>
-                <a:pt x="0" y="205287"/>
+                <a:pt x="1823415" y="249355"/>
               </a:lnTo>
             </a:path>
           </a:pathLst>
@@ -5022,15 +5071,15 @@
         <a:fontRef idx="minor"/>
       </dsp:style>
     </dsp:sp>
-    <dsp:sp modelId="{ACC04287-6198-4899-9343-ED8247E524C8}">
+    <dsp:sp modelId="{2ED63F3F-A2B2-41A8-8A71-64785FF3A404}">
       <dsp:nvSpPr>
         <dsp:cNvPr id="0" name=""/>
         <dsp:cNvSpPr/>
       </dsp:nvSpPr>
       <dsp:spPr>
         <a:xfrm>
-          <a:off x="7507635" y="2210241"/>
-          <a:ext cx="769826" cy="513217"/>
+          <a:off x="9123996" y="2155155"/>
+          <a:ext cx="935084" cy="623389"/>
         </a:xfrm>
         <a:prstGeom prst="roundRect">
           <a:avLst>
@@ -5074,12 +5123,12 @@
         </a:fontRef>
       </dsp:style>
       <dsp:txBody>
-        <a:bodyPr spcFirstLastPara="0" vert="horz" wrap="square" lIns="34290" tIns="34290" rIns="34290" bIns="34290" numCol="1" spcCol="1270" anchor="ctr" anchorCtr="0">
+        <a:bodyPr spcFirstLastPara="0" vert="horz" wrap="square" lIns="41910" tIns="41910" rIns="41910" bIns="41910" numCol="1" spcCol="1270" anchor="ctr" anchorCtr="0">
           <a:noAutofit/>
         </a:bodyPr>
         <a:lstStyle/>
         <a:p>
-          <a:pPr marL="0" lvl="0" indent="0" algn="ctr" defTabSz="400050" rtl="0">
+          <a:pPr lvl="0" algn="ctr" defTabSz="488950" rtl="0">
             <a:lnSpc>
               <a:spcPct val="90000"/>
             </a:lnSpc>
@@ -5089,29 +5138,32 @@
             <a:spcAft>
               <a:spcPct val="35000"/>
             </a:spcAft>
-            <a:buNone/>
           </a:pPr>
           <a:r>
-            <a:rPr lang="en-US" altLang="zh-TW" sz="900" kern="1200" dirty="0"/>
-            <a:t>Segment feature extraction</a:t>
+            <a:rPr lang="en-US" altLang="zh-TW" sz="1100" kern="1200" dirty="0" smtClean="0"/>
+            <a:t>MLP </a:t>
           </a:r>
-          <a:endParaRPr lang="zh-TW" sz="900" kern="1200" dirty="0"/>
+          <a:r>
+            <a:rPr lang="en-US" altLang="zh-TW" sz="1100" kern="1200" dirty="0"/>
+            <a:t>prediction</a:t>
+          </a:r>
+          <a:endParaRPr lang="zh-TW" sz="1100" kern="1200" dirty="0"/>
         </a:p>
       </dsp:txBody>
       <dsp:txXfrm>
-        <a:off x="7522667" y="2225273"/>
-        <a:ext cx="739762" cy="483153"/>
+        <a:off x="9142254" y="2173413"/>
+        <a:ext cx="898568" cy="586873"/>
       </dsp:txXfrm>
     </dsp:sp>
-    <dsp:sp modelId="{71122727-A3A9-4CA9-A302-463238571CF3}">
+    <dsp:sp modelId="{87078FB5-C294-4F76-B7A1-21F61C1DCD8A}">
       <dsp:nvSpPr>
         <dsp:cNvPr id="0" name=""/>
         <dsp:cNvSpPr/>
       </dsp:nvSpPr>
       <dsp:spPr>
         <a:xfrm>
-          <a:off x="7846828" y="2723458"/>
-          <a:ext cx="91440" cy="205287"/>
+          <a:off x="8375928" y="2778544"/>
+          <a:ext cx="1215610" cy="249355"/>
         </a:xfrm>
         <a:custGeom>
           <a:avLst/>
@@ -5122,10 +5174,16 @@
           <a:pathLst>
             <a:path>
               <a:moveTo>
-                <a:pt x="45720" y="0"/>
+                <a:pt x="1215610" y="0"/>
               </a:moveTo>
               <a:lnTo>
-                <a:pt x="45720" y="205287"/>
+                <a:pt x="1215610" y="124677"/>
+              </a:lnTo>
+              <a:lnTo>
+                <a:pt x="0" y="124677"/>
+              </a:lnTo>
+              <a:lnTo>
+                <a:pt x="0" y="249355"/>
               </a:lnTo>
             </a:path>
           </a:pathLst>
@@ -5158,15 +5216,15 @@
         <a:fontRef idx="minor"/>
       </dsp:style>
     </dsp:sp>
-    <dsp:sp modelId="{E325072A-E321-4B43-BA71-2702AB466C77}">
+    <dsp:sp modelId="{1BA61F2A-EA46-4316-8527-A43AF2A48B71}">
       <dsp:nvSpPr>
         <dsp:cNvPr id="0" name=""/>
         <dsp:cNvSpPr/>
       </dsp:nvSpPr>
       <dsp:spPr>
         <a:xfrm>
-          <a:off x="7507635" y="2928746"/>
-          <a:ext cx="769826" cy="513217"/>
+          <a:off x="7908385" y="3027900"/>
+          <a:ext cx="935084" cy="623389"/>
         </a:xfrm>
         <a:prstGeom prst="roundRect">
           <a:avLst>
@@ -5210,12 +5268,12 @@
         </a:fontRef>
       </dsp:style>
       <dsp:txBody>
-        <a:bodyPr spcFirstLastPara="0" vert="horz" wrap="square" lIns="34290" tIns="34290" rIns="34290" bIns="34290" numCol="1" spcCol="1270" anchor="ctr" anchorCtr="0">
+        <a:bodyPr spcFirstLastPara="0" vert="horz" wrap="square" lIns="41910" tIns="41910" rIns="41910" bIns="41910" numCol="1" spcCol="1270" anchor="ctr" anchorCtr="0">
           <a:noAutofit/>
         </a:bodyPr>
         <a:lstStyle/>
         <a:p>
-          <a:pPr marL="0" lvl="0" indent="0" algn="ctr" defTabSz="400050" rtl="0">
+          <a:pPr lvl="0" algn="ctr" defTabSz="488950" rtl="0">
             <a:lnSpc>
               <a:spcPct val="90000"/>
             </a:lnSpc>
@@ -5225,29 +5283,28 @@
             <a:spcAft>
               <a:spcPct val="35000"/>
             </a:spcAft>
-            <a:buNone/>
           </a:pPr>
           <a:r>
-            <a:rPr lang="zh-TW" altLang="en-US" sz="900" kern="1200" dirty="0"/>
-            <a:t>形狀、外觀</a:t>
+            <a:rPr lang="en-US" altLang="zh-TW" sz="1100" kern="1200" dirty="0"/>
+            <a:t>Class </a:t>
           </a:r>
-          <a:endParaRPr lang="zh-TW" sz="900" kern="1200" dirty="0"/>
+          <a:endParaRPr lang="zh-TW" sz="1100" kern="1200" dirty="0"/>
         </a:p>
       </dsp:txBody>
       <dsp:txXfrm>
-        <a:off x="7522667" y="2943778"/>
-        <a:ext cx="739762" cy="483153"/>
+        <a:off x="7926643" y="3046158"/>
+        <a:ext cx="898568" cy="586873"/>
       </dsp:txXfrm>
     </dsp:sp>
-    <dsp:sp modelId="{AB4515E4-ACF7-42AA-BAB9-21E4FEBE2CCC}">
+    <dsp:sp modelId="{667E946A-B59B-4D55-9F3E-6C950331C0C2}">
       <dsp:nvSpPr>
         <dsp:cNvPr id="0" name=""/>
         <dsp:cNvSpPr/>
       </dsp:nvSpPr>
       <dsp:spPr>
         <a:xfrm>
-          <a:off x="7846828" y="3441963"/>
-          <a:ext cx="91440" cy="205287"/>
+          <a:off x="9545818" y="2778544"/>
+          <a:ext cx="91440" cy="249355"/>
         </a:xfrm>
         <a:custGeom>
           <a:avLst/>
@@ -5261,7 +5318,7 @@
                 <a:pt x="45720" y="0"/>
               </a:moveTo>
               <a:lnTo>
-                <a:pt x="45720" y="205287"/>
+                <a:pt x="45720" y="249355"/>
               </a:lnTo>
             </a:path>
           </a:pathLst>
@@ -5294,15 +5351,15 @@
         <a:fontRef idx="minor"/>
       </dsp:style>
     </dsp:sp>
-    <dsp:sp modelId="{404F8891-4210-4BB4-9E9F-786FFEFE02B7}">
+    <dsp:sp modelId="{91A4CD14-D253-4A0E-82EE-E52DA2CC6298}">
       <dsp:nvSpPr>
         <dsp:cNvPr id="0" name=""/>
         <dsp:cNvSpPr/>
       </dsp:nvSpPr>
       <dsp:spPr>
         <a:xfrm>
-          <a:off x="7507635" y="3647250"/>
-          <a:ext cx="769826" cy="513217"/>
+          <a:off x="9123996" y="3027900"/>
+          <a:ext cx="935084" cy="623389"/>
         </a:xfrm>
         <a:prstGeom prst="roundRect">
           <a:avLst>
@@ -5346,12 +5403,12 @@
         </a:fontRef>
       </dsp:style>
       <dsp:txBody>
-        <a:bodyPr spcFirstLastPara="0" vert="horz" wrap="square" lIns="34290" tIns="34290" rIns="34290" bIns="34290" numCol="1" spcCol="1270" anchor="ctr" anchorCtr="0">
+        <a:bodyPr spcFirstLastPara="0" vert="horz" wrap="square" lIns="41910" tIns="41910" rIns="41910" bIns="41910" numCol="1" spcCol="1270" anchor="ctr" anchorCtr="0">
           <a:noAutofit/>
         </a:bodyPr>
         <a:lstStyle/>
         <a:p>
-          <a:pPr marL="0" lvl="0" indent="0" algn="ctr" defTabSz="400050">
+          <a:pPr lvl="0" algn="ctr" defTabSz="488950" rtl="0">
             <a:lnSpc>
               <a:spcPct val="90000"/>
             </a:lnSpc>
@@ -5361,29 +5418,28 @@
             <a:spcAft>
               <a:spcPct val="35000"/>
             </a:spcAft>
-            <a:buNone/>
           </a:pPr>
           <a:r>
-            <a:rPr lang="en-US" altLang="zh-TW" sz="900" kern="1200" dirty="0" err="1"/>
-            <a:t>HoG</a:t>
+            <a:rPr lang="en-US" altLang="zh-TW" sz="1100" kern="1200" dirty="0"/>
+            <a:t>Part</a:t>
           </a:r>
-          <a:endParaRPr lang="zh-TW" sz="900" kern="1200" dirty="0"/>
+          <a:endParaRPr lang="zh-TW" sz="1100" kern="1200" dirty="0"/>
         </a:p>
       </dsp:txBody>
       <dsp:txXfrm>
-        <a:off x="7522667" y="3662282"/>
-        <a:ext cx="739762" cy="483153"/>
+        <a:off x="9142254" y="3046158"/>
+        <a:ext cx="898568" cy="586873"/>
       </dsp:txXfrm>
     </dsp:sp>
-    <dsp:sp modelId="{410EEF7A-90FC-453C-88E9-A2A01517F7F6}">
+    <dsp:sp modelId="{6040EDFF-048E-423A-B4DB-BF5C0BECB701}">
       <dsp:nvSpPr>
         <dsp:cNvPr id="0" name=""/>
         <dsp:cNvSpPr/>
       </dsp:nvSpPr>
       <dsp:spPr>
         <a:xfrm>
-          <a:off x="8392936" y="2004953"/>
-          <a:ext cx="1501162" cy="205287"/>
+          <a:off x="9591538" y="2778544"/>
+          <a:ext cx="1215610" cy="249355"/>
         </a:xfrm>
         <a:custGeom>
           <a:avLst/>
@@ -5397,13 +5453,13 @@
                 <a:pt x="0" y="0"/>
               </a:moveTo>
               <a:lnTo>
-                <a:pt x="0" y="102643"/>
+                <a:pt x="0" y="124677"/>
               </a:lnTo>
               <a:lnTo>
-                <a:pt x="1501162" y="102643"/>
+                <a:pt x="1215610" y="124677"/>
               </a:lnTo>
               <a:lnTo>
-                <a:pt x="1501162" y="205287"/>
+                <a:pt x="1215610" y="249355"/>
               </a:lnTo>
             </a:path>
           </a:pathLst>
@@ -5436,15 +5492,15 @@
         <a:fontRef idx="minor"/>
       </dsp:style>
     </dsp:sp>
-    <dsp:sp modelId="{2ED63F3F-A2B2-41A8-8A71-64785FF3A404}">
+    <dsp:sp modelId="{CECF50C2-2FD1-4416-B23A-0084C1906E9B}">
       <dsp:nvSpPr>
         <dsp:cNvPr id="0" name=""/>
         <dsp:cNvSpPr/>
       </dsp:nvSpPr>
       <dsp:spPr>
         <a:xfrm>
-          <a:off x="9509184" y="2210241"/>
-          <a:ext cx="769826" cy="513217"/>
+          <a:off x="10339606" y="3027900"/>
+          <a:ext cx="935084" cy="623389"/>
         </a:xfrm>
         <a:prstGeom prst="roundRect">
           <a:avLst>
@@ -5488,12 +5544,12 @@
         </a:fontRef>
       </dsp:style>
       <dsp:txBody>
-        <a:bodyPr spcFirstLastPara="0" vert="horz" wrap="square" lIns="34290" tIns="34290" rIns="34290" bIns="34290" numCol="1" spcCol="1270" anchor="ctr" anchorCtr="0">
+        <a:bodyPr spcFirstLastPara="0" vert="horz" wrap="square" lIns="41910" tIns="41910" rIns="41910" bIns="41910" numCol="1" spcCol="1270" anchor="ctr" anchorCtr="0">
           <a:noAutofit/>
         </a:bodyPr>
         <a:lstStyle/>
         <a:p>
-          <a:pPr marL="0" lvl="0" indent="0" algn="ctr" defTabSz="400050" rtl="0">
+          <a:pPr lvl="0" algn="ctr" defTabSz="488950" rtl="0">
             <a:lnSpc>
               <a:spcPct val="90000"/>
             </a:lnSpc>
@@ -5503,446 +5559,17 @@
             <a:spcAft>
               <a:spcPct val="35000"/>
             </a:spcAft>
-            <a:buNone/>
           </a:pPr>
           <a:r>
-            <a:rPr lang="en-US" altLang="zh-TW" sz="900" kern="1200" dirty="0"/>
-            <a:t>SVM</a:t>
+            <a:rPr lang="en-US" altLang="zh-TW" sz="1100" kern="1200" dirty="0"/>
+            <a:t>Bounding Box</a:t>
           </a:r>
-          <a:r>
-            <a:rPr lang="zh-TW" altLang="en-US" sz="900" kern="1200" dirty="0"/>
-            <a:t>、</a:t>
-          </a:r>
-          <a:r>
-            <a:rPr lang="en-US" altLang="zh-TW" sz="900" kern="1200" dirty="0"/>
-            <a:t>MLP prediction</a:t>
-          </a:r>
-          <a:endParaRPr lang="zh-TW" sz="900" kern="1200" dirty="0"/>
+          <a:endParaRPr lang="zh-TW" sz="1100" kern="1200" dirty="0"/>
         </a:p>
       </dsp:txBody>
       <dsp:txXfrm>
-        <a:off x="9524216" y="2225273"/>
-        <a:ext cx="739762" cy="483153"/>
-      </dsp:txXfrm>
-    </dsp:sp>
-    <dsp:sp modelId="{87078FB5-C294-4F76-B7A1-21F61C1DCD8A}">
-      <dsp:nvSpPr>
-        <dsp:cNvPr id="0" name=""/>
-        <dsp:cNvSpPr/>
-      </dsp:nvSpPr>
-      <dsp:spPr>
-        <a:xfrm>
-          <a:off x="8893323" y="2723458"/>
-          <a:ext cx="1000774" cy="205287"/>
-        </a:xfrm>
-        <a:custGeom>
-          <a:avLst/>
-          <a:gdLst/>
-          <a:ahLst/>
-          <a:cxnLst/>
-          <a:rect l="0" t="0" r="0" b="0"/>
-          <a:pathLst>
-            <a:path>
-              <a:moveTo>
-                <a:pt x="1000774" y="0"/>
-              </a:moveTo>
-              <a:lnTo>
-                <a:pt x="1000774" y="102643"/>
-              </a:lnTo>
-              <a:lnTo>
-                <a:pt x="0" y="102643"/>
-              </a:lnTo>
-              <a:lnTo>
-                <a:pt x="0" y="205287"/>
-              </a:lnTo>
-            </a:path>
-          </a:pathLst>
-        </a:custGeom>
-        <a:noFill/>
-        <a:ln w="15875" cap="flat" cmpd="sng" algn="ctr">
-          <a:solidFill>
-            <a:schemeClr val="dk1">
-              <a:shade val="80000"/>
-              <a:hueOff val="0"/>
-              <a:satOff val="0"/>
-              <a:lumOff val="0"/>
-              <a:alphaOff val="0"/>
-            </a:schemeClr>
-          </a:solidFill>
-          <a:prstDash val="solid"/>
-        </a:ln>
-        <a:effectLst/>
-      </dsp:spPr>
-      <dsp:style>
-        <a:lnRef idx="2">
-          <a:scrgbClr r="0" g="0" b="0"/>
-        </a:lnRef>
-        <a:fillRef idx="0">
-          <a:scrgbClr r="0" g="0" b="0"/>
-        </a:fillRef>
-        <a:effectRef idx="0">
-          <a:scrgbClr r="0" g="0" b="0"/>
-        </a:effectRef>
-        <a:fontRef idx="minor"/>
-      </dsp:style>
-    </dsp:sp>
-    <dsp:sp modelId="{1BA61F2A-EA46-4316-8527-A43AF2A48B71}">
-      <dsp:nvSpPr>
-        <dsp:cNvPr id="0" name=""/>
-        <dsp:cNvSpPr/>
-      </dsp:nvSpPr>
-      <dsp:spPr>
-        <a:xfrm>
-          <a:off x="8508410" y="2928746"/>
-          <a:ext cx="769826" cy="513217"/>
-        </a:xfrm>
-        <a:prstGeom prst="roundRect">
-          <a:avLst>
-            <a:gd name="adj" fmla="val 10000"/>
-          </a:avLst>
-        </a:prstGeom>
-        <a:solidFill>
-          <a:schemeClr val="lt1">
-            <a:hueOff val="0"/>
-            <a:satOff val="0"/>
-            <a:lumOff val="0"/>
-            <a:alphaOff val="0"/>
-          </a:schemeClr>
-        </a:solidFill>
-        <a:ln w="15875" cap="flat" cmpd="sng" algn="ctr">
-          <a:solidFill>
-            <a:schemeClr val="dk1">
-              <a:shade val="80000"/>
-              <a:hueOff val="0"/>
-              <a:satOff val="0"/>
-              <a:lumOff val="0"/>
-              <a:alphaOff val="0"/>
-            </a:schemeClr>
-          </a:solidFill>
-          <a:prstDash val="solid"/>
-        </a:ln>
-        <a:effectLst/>
-      </dsp:spPr>
-      <dsp:style>
-        <a:lnRef idx="2">
-          <a:scrgbClr r="0" g="0" b="0"/>
-        </a:lnRef>
-        <a:fillRef idx="1">
-          <a:scrgbClr r="0" g="0" b="0"/>
-        </a:fillRef>
-        <a:effectRef idx="0">
-          <a:scrgbClr r="0" g="0" b="0"/>
-        </a:effectRef>
-        <a:fontRef idx="minor">
-          <a:schemeClr val="lt1"/>
-        </a:fontRef>
-      </dsp:style>
-      <dsp:txBody>
-        <a:bodyPr spcFirstLastPara="0" vert="horz" wrap="square" lIns="34290" tIns="34290" rIns="34290" bIns="34290" numCol="1" spcCol="1270" anchor="ctr" anchorCtr="0">
-          <a:noAutofit/>
-        </a:bodyPr>
-        <a:lstStyle/>
-        <a:p>
-          <a:pPr marL="0" lvl="0" indent="0" algn="ctr" defTabSz="400050" rtl="0">
-            <a:lnSpc>
-              <a:spcPct val="90000"/>
-            </a:lnSpc>
-            <a:spcBef>
-              <a:spcPct val="0"/>
-            </a:spcBef>
-            <a:spcAft>
-              <a:spcPct val="35000"/>
-            </a:spcAft>
-            <a:buNone/>
-          </a:pPr>
-          <a:r>
-            <a:rPr lang="en-US" altLang="zh-TW" sz="900" kern="1200" dirty="0"/>
-            <a:t>Class </a:t>
-          </a:r>
-          <a:endParaRPr lang="zh-TW" sz="900" kern="1200" dirty="0"/>
-        </a:p>
-      </dsp:txBody>
-      <dsp:txXfrm>
-        <a:off x="8523442" y="2943778"/>
-        <a:ext cx="739762" cy="483153"/>
-      </dsp:txXfrm>
-    </dsp:sp>
-    <dsp:sp modelId="{667E946A-B59B-4D55-9F3E-6C950331C0C2}">
-      <dsp:nvSpPr>
-        <dsp:cNvPr id="0" name=""/>
-        <dsp:cNvSpPr/>
-      </dsp:nvSpPr>
-      <dsp:spPr>
-        <a:xfrm>
-          <a:off x="9848378" y="2723458"/>
-          <a:ext cx="91440" cy="205287"/>
-        </a:xfrm>
-        <a:custGeom>
-          <a:avLst/>
-          <a:gdLst/>
-          <a:ahLst/>
-          <a:cxnLst/>
-          <a:rect l="0" t="0" r="0" b="0"/>
-          <a:pathLst>
-            <a:path>
-              <a:moveTo>
-                <a:pt x="45720" y="0"/>
-              </a:moveTo>
-              <a:lnTo>
-                <a:pt x="45720" y="205287"/>
-              </a:lnTo>
-            </a:path>
-          </a:pathLst>
-        </a:custGeom>
-        <a:noFill/>
-        <a:ln w="15875" cap="flat" cmpd="sng" algn="ctr">
-          <a:solidFill>
-            <a:schemeClr val="dk1">
-              <a:shade val="80000"/>
-              <a:hueOff val="0"/>
-              <a:satOff val="0"/>
-              <a:lumOff val="0"/>
-              <a:alphaOff val="0"/>
-            </a:schemeClr>
-          </a:solidFill>
-          <a:prstDash val="solid"/>
-        </a:ln>
-        <a:effectLst/>
-      </dsp:spPr>
-      <dsp:style>
-        <a:lnRef idx="2">
-          <a:scrgbClr r="0" g="0" b="0"/>
-        </a:lnRef>
-        <a:fillRef idx="0">
-          <a:scrgbClr r="0" g="0" b="0"/>
-        </a:fillRef>
-        <a:effectRef idx="0">
-          <a:scrgbClr r="0" g="0" b="0"/>
-        </a:effectRef>
-        <a:fontRef idx="minor"/>
-      </dsp:style>
-    </dsp:sp>
-    <dsp:sp modelId="{91A4CD14-D253-4A0E-82EE-E52DA2CC6298}">
-      <dsp:nvSpPr>
-        <dsp:cNvPr id="0" name=""/>
-        <dsp:cNvSpPr/>
-      </dsp:nvSpPr>
-      <dsp:spPr>
-        <a:xfrm>
-          <a:off x="9509184" y="2928746"/>
-          <a:ext cx="769826" cy="513217"/>
-        </a:xfrm>
-        <a:prstGeom prst="roundRect">
-          <a:avLst>
-            <a:gd name="adj" fmla="val 10000"/>
-          </a:avLst>
-        </a:prstGeom>
-        <a:solidFill>
-          <a:schemeClr val="lt1">
-            <a:hueOff val="0"/>
-            <a:satOff val="0"/>
-            <a:lumOff val="0"/>
-            <a:alphaOff val="0"/>
-          </a:schemeClr>
-        </a:solidFill>
-        <a:ln w="15875" cap="flat" cmpd="sng" algn="ctr">
-          <a:solidFill>
-            <a:schemeClr val="dk1">
-              <a:shade val="80000"/>
-              <a:hueOff val="0"/>
-              <a:satOff val="0"/>
-              <a:lumOff val="0"/>
-              <a:alphaOff val="0"/>
-            </a:schemeClr>
-          </a:solidFill>
-          <a:prstDash val="solid"/>
-        </a:ln>
-        <a:effectLst/>
-      </dsp:spPr>
-      <dsp:style>
-        <a:lnRef idx="2">
-          <a:scrgbClr r="0" g="0" b="0"/>
-        </a:lnRef>
-        <a:fillRef idx="1">
-          <a:scrgbClr r="0" g="0" b="0"/>
-        </a:fillRef>
-        <a:effectRef idx="0">
-          <a:scrgbClr r="0" g="0" b="0"/>
-        </a:effectRef>
-        <a:fontRef idx="minor">
-          <a:schemeClr val="lt1"/>
-        </a:fontRef>
-      </dsp:style>
-      <dsp:txBody>
-        <a:bodyPr spcFirstLastPara="0" vert="horz" wrap="square" lIns="34290" tIns="34290" rIns="34290" bIns="34290" numCol="1" spcCol="1270" anchor="ctr" anchorCtr="0">
-          <a:noAutofit/>
-        </a:bodyPr>
-        <a:lstStyle/>
-        <a:p>
-          <a:pPr marL="0" lvl="0" indent="0" algn="ctr" defTabSz="400050" rtl="0">
-            <a:lnSpc>
-              <a:spcPct val="90000"/>
-            </a:lnSpc>
-            <a:spcBef>
-              <a:spcPct val="0"/>
-            </a:spcBef>
-            <a:spcAft>
-              <a:spcPct val="35000"/>
-            </a:spcAft>
-            <a:buNone/>
-          </a:pPr>
-          <a:r>
-            <a:rPr lang="en-US" altLang="zh-TW" sz="900" kern="1200" dirty="0"/>
-            <a:t>Part</a:t>
-          </a:r>
-          <a:endParaRPr lang="zh-TW" sz="900" kern="1200" dirty="0"/>
-        </a:p>
-      </dsp:txBody>
-      <dsp:txXfrm>
-        <a:off x="9524216" y="2943778"/>
-        <a:ext cx="739762" cy="483153"/>
-      </dsp:txXfrm>
-    </dsp:sp>
-    <dsp:sp modelId="{6040EDFF-048E-423A-B4DB-BF5C0BECB701}">
-      <dsp:nvSpPr>
-        <dsp:cNvPr id="0" name=""/>
-        <dsp:cNvSpPr/>
-      </dsp:nvSpPr>
-      <dsp:spPr>
-        <a:xfrm>
-          <a:off x="9894098" y="2723458"/>
-          <a:ext cx="1000774" cy="205287"/>
-        </a:xfrm>
-        <a:custGeom>
-          <a:avLst/>
-          <a:gdLst/>
-          <a:ahLst/>
-          <a:cxnLst/>
-          <a:rect l="0" t="0" r="0" b="0"/>
-          <a:pathLst>
-            <a:path>
-              <a:moveTo>
-                <a:pt x="0" y="0"/>
-              </a:moveTo>
-              <a:lnTo>
-                <a:pt x="0" y="102643"/>
-              </a:lnTo>
-              <a:lnTo>
-                <a:pt x="1000774" y="102643"/>
-              </a:lnTo>
-              <a:lnTo>
-                <a:pt x="1000774" y="205287"/>
-              </a:lnTo>
-            </a:path>
-          </a:pathLst>
-        </a:custGeom>
-        <a:noFill/>
-        <a:ln w="15875" cap="flat" cmpd="sng" algn="ctr">
-          <a:solidFill>
-            <a:schemeClr val="dk1">
-              <a:shade val="80000"/>
-              <a:hueOff val="0"/>
-              <a:satOff val="0"/>
-              <a:lumOff val="0"/>
-              <a:alphaOff val="0"/>
-            </a:schemeClr>
-          </a:solidFill>
-          <a:prstDash val="solid"/>
-        </a:ln>
-        <a:effectLst/>
-      </dsp:spPr>
-      <dsp:style>
-        <a:lnRef idx="2">
-          <a:scrgbClr r="0" g="0" b="0"/>
-        </a:lnRef>
-        <a:fillRef idx="0">
-          <a:scrgbClr r="0" g="0" b="0"/>
-        </a:fillRef>
-        <a:effectRef idx="0">
-          <a:scrgbClr r="0" g="0" b="0"/>
-        </a:effectRef>
-        <a:fontRef idx="minor"/>
-      </dsp:style>
-    </dsp:sp>
-    <dsp:sp modelId="{CECF50C2-2FD1-4416-B23A-0084C1906E9B}">
-      <dsp:nvSpPr>
-        <dsp:cNvPr id="0" name=""/>
-        <dsp:cNvSpPr/>
-      </dsp:nvSpPr>
-      <dsp:spPr>
-        <a:xfrm>
-          <a:off x="10509959" y="2928746"/>
-          <a:ext cx="769826" cy="513217"/>
-        </a:xfrm>
-        <a:prstGeom prst="roundRect">
-          <a:avLst>
-            <a:gd name="adj" fmla="val 10000"/>
-          </a:avLst>
-        </a:prstGeom>
-        <a:solidFill>
-          <a:schemeClr val="lt1">
-            <a:hueOff val="0"/>
-            <a:satOff val="0"/>
-            <a:lumOff val="0"/>
-            <a:alphaOff val="0"/>
-          </a:schemeClr>
-        </a:solidFill>
-        <a:ln w="15875" cap="flat" cmpd="sng" algn="ctr">
-          <a:solidFill>
-            <a:schemeClr val="dk1">
-              <a:shade val="80000"/>
-              <a:hueOff val="0"/>
-              <a:satOff val="0"/>
-              <a:lumOff val="0"/>
-              <a:alphaOff val="0"/>
-            </a:schemeClr>
-          </a:solidFill>
-          <a:prstDash val="solid"/>
-        </a:ln>
-        <a:effectLst/>
-      </dsp:spPr>
-      <dsp:style>
-        <a:lnRef idx="2">
-          <a:scrgbClr r="0" g="0" b="0"/>
-        </a:lnRef>
-        <a:fillRef idx="1">
-          <a:scrgbClr r="0" g="0" b="0"/>
-        </a:fillRef>
-        <a:effectRef idx="0">
-          <a:scrgbClr r="0" g="0" b="0"/>
-        </a:effectRef>
-        <a:fontRef idx="minor">
-          <a:schemeClr val="lt1"/>
-        </a:fontRef>
-      </dsp:style>
-      <dsp:txBody>
-        <a:bodyPr spcFirstLastPara="0" vert="horz" wrap="square" lIns="34290" tIns="34290" rIns="34290" bIns="34290" numCol="1" spcCol="1270" anchor="ctr" anchorCtr="0">
-          <a:noAutofit/>
-        </a:bodyPr>
-        <a:lstStyle/>
-        <a:p>
-          <a:pPr marL="0" lvl="0" indent="0" algn="ctr" defTabSz="400050" rtl="0">
-            <a:lnSpc>
-              <a:spcPct val="90000"/>
-            </a:lnSpc>
-            <a:spcBef>
-              <a:spcPct val="0"/>
-            </a:spcBef>
-            <a:spcAft>
-              <a:spcPct val="35000"/>
-            </a:spcAft>
-            <a:buNone/>
-          </a:pPr>
-          <a:r>
-            <a:rPr lang="en-US" altLang="zh-TW" sz="900" kern="1200" dirty="0"/>
-            <a:t>Bounding Box</a:t>
-          </a:r>
-          <a:endParaRPr lang="zh-TW" sz="900" kern="1200" dirty="0"/>
-        </a:p>
-      </dsp:txBody>
-      <dsp:txXfrm>
-        <a:off x="10524991" y="2943778"/>
-        <a:ext cx="739762" cy="483153"/>
+        <a:off x="10357864" y="3046158"/>
+        <a:ext cx="898568" cy="586873"/>
       </dsp:txXfrm>
     </dsp:sp>
   </dsp:spTree>
@@ -8409,7 +8036,7 @@
           <a:p>
             <a:fld id="{6E057F10-602D-45D8-9CB7-175D6C7EF75B}" type="slidenum">
               <a:rPr lang="zh-TW" altLang="en-US" smtClean="0"/>
-              <a:t>15</a:t>
+              <a:t>18</a:t>
             </a:fld>
             <a:endParaRPr lang="zh-TW" altLang="en-US"/>
           </a:p>
@@ -8418,7 +8045,7 @@
     </p:spTree>
     <p:extLst>
       <p:ext uri="{BB962C8B-B14F-4D97-AF65-F5344CB8AC3E}">
-        <p14:creationId xmlns:p14="http://schemas.microsoft.com/office/powerpoint/2010/main" val="2114721130"/>
+        <p14:creationId xmlns:p14="http://schemas.microsoft.com/office/powerpoint/2010/main" val="2611191388"/>
       </p:ext>
     </p:extLst>
   </p:cSld>
@@ -8472,7 +8099,7 @@
           <a:bodyPr/>
           <a:lstStyle/>
           <a:p>
-            <a:endParaRPr lang="zh-TW" altLang="en-US" dirty="0"/>
+            <a:endParaRPr lang="zh-TW" altLang="en-US"/>
           </a:p>
         </p:txBody>
       </p:sp>
@@ -8493,175 +8120,7 @@
           <a:p>
             <a:fld id="{6E057F10-602D-45D8-9CB7-175D6C7EF75B}" type="slidenum">
               <a:rPr lang="zh-TW" altLang="en-US" smtClean="0"/>
-              <a:t>19</a:t>
-            </a:fld>
-            <a:endParaRPr lang="zh-TW" altLang="en-US"/>
-          </a:p>
-        </p:txBody>
-      </p:sp>
-    </p:spTree>
-    <p:extLst>
-      <p:ext uri="{BB962C8B-B14F-4D97-AF65-F5344CB8AC3E}">
-        <p14:creationId xmlns:p14="http://schemas.microsoft.com/office/powerpoint/2010/main" val="2611191388"/>
-      </p:ext>
-    </p:extLst>
-  </p:cSld>
-  <p:clrMapOvr>
-    <a:masterClrMapping/>
-  </p:clrMapOvr>
-</p:notes>
-</file>
-
-<file path=ppt/notesSlides/notesSlide7.xml><?xml version="1.0" encoding="utf-8"?>
-<p:notes xmlns:a="http://schemas.openxmlformats.org/drawingml/2006/main" xmlns:r="http://schemas.openxmlformats.org/officeDocument/2006/relationships" xmlns:p="http://schemas.openxmlformats.org/presentationml/2006/main">
-  <p:cSld>
-    <p:spTree>
-      <p:nvGrpSpPr>
-        <p:cNvPr id="1" name=""/>
-        <p:cNvGrpSpPr/>
-        <p:nvPr/>
-      </p:nvGrpSpPr>
-      <p:grpSpPr>
-        <a:xfrm>
-          <a:off x="0" y="0"/>
-          <a:ext cx="0" cy="0"/>
-          <a:chOff x="0" y="0"/>
-          <a:chExt cx="0" cy="0"/>
-        </a:xfrm>
-      </p:grpSpPr>
-      <p:sp>
-        <p:nvSpPr>
-          <p:cNvPr id="2" name="投影片圖像版面配置區 1"/>
-          <p:cNvSpPr>
-            <a:spLocks noGrp="1" noRot="1" noChangeAspect="1"/>
-          </p:cNvSpPr>
-          <p:nvPr>
-            <p:ph type="sldImg"/>
-          </p:nvPr>
-        </p:nvSpPr>
-        <p:spPr/>
-      </p:sp>
-      <p:sp>
-        <p:nvSpPr>
-          <p:cNvPr id="3" name="備忘稿版面配置區 2"/>
-          <p:cNvSpPr>
-            <a:spLocks noGrp="1"/>
-          </p:cNvSpPr>
-          <p:nvPr>
-            <p:ph type="body" idx="1"/>
-          </p:nvPr>
-        </p:nvSpPr>
-        <p:spPr/>
-        <p:txBody>
-          <a:bodyPr/>
-          <a:lstStyle/>
-          <a:p>
-            <a:endParaRPr lang="zh-TW" altLang="en-US" dirty="0"/>
-          </a:p>
-        </p:txBody>
-      </p:sp>
-      <p:sp>
-        <p:nvSpPr>
-          <p:cNvPr id="4" name="投影片編號版面配置區 3"/>
-          <p:cNvSpPr>
-            <a:spLocks noGrp="1"/>
-          </p:cNvSpPr>
-          <p:nvPr>
-            <p:ph type="sldNum" sz="quarter" idx="10"/>
-          </p:nvPr>
-        </p:nvSpPr>
-        <p:spPr/>
-        <p:txBody>
-          <a:bodyPr/>
-          <a:lstStyle/>
-          <a:p>
-            <a:fld id="{6E057F10-602D-45D8-9CB7-175D6C7EF75B}" type="slidenum">
-              <a:rPr lang="zh-TW" altLang="en-US" smtClean="0"/>
-              <a:t>21</a:t>
-            </a:fld>
-            <a:endParaRPr lang="zh-TW" altLang="en-US"/>
-          </a:p>
-        </p:txBody>
-      </p:sp>
-    </p:spTree>
-    <p:extLst>
-      <p:ext uri="{BB962C8B-B14F-4D97-AF65-F5344CB8AC3E}">
-        <p14:creationId xmlns:p14="http://schemas.microsoft.com/office/powerpoint/2010/main" val="2015447326"/>
-      </p:ext>
-    </p:extLst>
-  </p:cSld>
-  <p:clrMapOvr>
-    <a:masterClrMapping/>
-  </p:clrMapOvr>
-</p:notes>
-</file>
-
-<file path=ppt/notesSlides/notesSlide8.xml><?xml version="1.0" encoding="utf-8"?>
-<p:notes xmlns:a="http://schemas.openxmlformats.org/drawingml/2006/main" xmlns:r="http://schemas.openxmlformats.org/officeDocument/2006/relationships" xmlns:p="http://schemas.openxmlformats.org/presentationml/2006/main">
-  <p:cSld>
-    <p:spTree>
-      <p:nvGrpSpPr>
-        <p:cNvPr id="1" name=""/>
-        <p:cNvGrpSpPr/>
-        <p:nvPr/>
-      </p:nvGrpSpPr>
-      <p:grpSpPr>
-        <a:xfrm>
-          <a:off x="0" y="0"/>
-          <a:ext cx="0" cy="0"/>
-          <a:chOff x="0" y="0"/>
-          <a:chExt cx="0" cy="0"/>
-        </a:xfrm>
-      </p:grpSpPr>
-      <p:sp>
-        <p:nvSpPr>
-          <p:cNvPr id="2" name="投影片圖像版面配置區 1"/>
-          <p:cNvSpPr>
-            <a:spLocks noGrp="1" noRot="1" noChangeAspect="1"/>
-          </p:cNvSpPr>
-          <p:nvPr>
-            <p:ph type="sldImg"/>
-          </p:nvPr>
-        </p:nvSpPr>
-        <p:spPr/>
-      </p:sp>
-      <p:sp>
-        <p:nvSpPr>
-          <p:cNvPr id="3" name="備忘稿版面配置區 2"/>
-          <p:cNvSpPr>
-            <a:spLocks noGrp="1"/>
-          </p:cNvSpPr>
-          <p:nvPr>
-            <p:ph type="body" idx="1"/>
-          </p:nvPr>
-        </p:nvSpPr>
-        <p:spPr/>
-        <p:txBody>
-          <a:bodyPr/>
-          <a:lstStyle/>
-          <a:p>
-            <a:endParaRPr lang="zh-TW" altLang="en-US"/>
-          </a:p>
-        </p:txBody>
-      </p:sp>
-      <p:sp>
-        <p:nvSpPr>
-          <p:cNvPr id="4" name="投影片編號版面配置區 3"/>
-          <p:cNvSpPr>
-            <a:spLocks noGrp="1"/>
-          </p:cNvSpPr>
-          <p:nvPr>
-            <p:ph type="sldNum" sz="quarter" idx="10"/>
-          </p:nvPr>
-        </p:nvSpPr>
-        <p:spPr/>
-        <p:txBody>
-          <a:bodyPr/>
-          <a:lstStyle/>
-          <a:p>
-            <a:fld id="{6E057F10-602D-45D8-9CB7-175D6C7EF75B}" type="slidenum">
-              <a:rPr lang="zh-TW" altLang="en-US" smtClean="0"/>
-              <a:t>31</a:t>
+              <a:t>29</a:t>
             </a:fld>
             <a:endParaRPr lang="zh-TW" altLang="en-US"/>
           </a:p>
@@ -12868,6 +12327,10 @@
           <a:bodyPr/>
           <a:lstStyle/>
           <a:p>
+            <a:r>
+              <a:rPr lang="en-US" altLang="zh-TW" dirty="0"/>
+              <a:t/>
+            </a:r>
             <a:br>
               <a:rPr lang="en-US" altLang="zh-TW" dirty="0"/>
             </a:br>
@@ -12906,13 +12369,13 @@
           <p:nvPr>
             <p:extLst>
               <p:ext uri="{D42A27DB-BD31-4B8C-83A1-F6EECF244321}">
-                <p14:modId xmlns:p14="http://schemas.microsoft.com/office/powerpoint/2010/main" val="332695945"/>
+                <p14:modId xmlns:p14="http://schemas.microsoft.com/office/powerpoint/2010/main" val="3761207557"/>
               </p:ext>
             </p:extLst>
           </p:nvPr>
         </p:nvGraphicFramePr>
         <p:xfrm>
-          <a:off x="605587" y="1395663"/>
+          <a:off x="485674" y="1390564"/>
           <a:ext cx="11281611" cy="4933700"/>
         </p:xfrm>
         <a:graphic>
@@ -13361,13 +12824,7 @@
       </p:sp>
       <p:pic>
         <p:nvPicPr>
-          <p:cNvPr id="10" name="圖片 9">
-            <a:extLst>
-              <a:ext uri="{FF2B5EF4-FFF2-40B4-BE49-F238E27FC236}">
-                <a16:creationId xmlns:a16="http://schemas.microsoft.com/office/drawing/2014/main" id="{8DEB5142-A7CA-4F4D-8E0F-9F0024CAEA89}"/>
-              </a:ext>
-            </a:extLst>
-          </p:cNvPr>
+          <p:cNvPr id="2" name="圖片 1"/>
           <p:cNvPicPr>
             <a:picLocks noChangeAspect="1"/>
           </p:cNvPicPr>
@@ -13387,42 +12844,12 @@
         </p:blipFill>
         <p:spPr>
           <a:xfrm>
-            <a:off x="4022899" y="86636"/>
-            <a:ext cx="4146201" cy="6175558"/>
+            <a:off x="131884" y="1601795"/>
+            <a:ext cx="11975123" cy="3721814"/>
           </a:xfrm>
           <a:prstGeom prst="rect">
             <a:avLst/>
           </a:prstGeom>
-          <a:solidFill>
-            <a:srgbClr val="FFFFFF">
-              <a:shade val="85000"/>
-            </a:srgbClr>
-          </a:solidFill>
-          <a:ln w="88900" cap="sq">
-            <a:solidFill>
-              <a:srgbClr val="FFFFFF"/>
-            </a:solidFill>
-            <a:miter lim="800000"/>
-          </a:ln>
-          <a:effectLst>
-            <a:outerShdw blurRad="55000" dist="18000" dir="5400000" algn="tl" rotWithShape="0">
-              <a:srgbClr val="000000">
-                <a:alpha val="40000"/>
-              </a:srgbClr>
-            </a:outerShdw>
-          </a:effectLst>
-          <a:scene3d>
-            <a:camera prst="orthographicFront"/>
-            <a:lightRig rig="twoPt" dir="t">
-              <a:rot lat="0" lon="0" rev="7200000"/>
-            </a:lightRig>
-          </a:scene3d>
-          <a:sp3d>
-            <a:bevelT w="25400" h="19050"/>
-            <a:contourClr>
-              <a:srgbClr val="FFFFFF"/>
-            </a:contourClr>
-          </a:sp3d>
         </p:spPr>
       </p:pic>
     </p:spTree>
@@ -13755,11 +13182,533 @@
         </p:nvSpPr>
         <p:spPr/>
         <p:txBody>
+          <a:bodyPr/>
+          <a:lstStyle/>
+          <a:p>
+            <a:r>
+              <a:rPr lang="en-US" altLang="zh-TW" dirty="0" err="1">
+                <a:latin typeface="Comic Sans MS" panose="030F0702030302020204" pitchFamily="66" charset="0"/>
+              </a:rPr>
+              <a:t>Superpixel</a:t>
+            </a:r>
+            <a:endParaRPr lang="en-US" altLang="zh-TW" dirty="0">
+              <a:latin typeface="Comic Sans MS" panose="030F0702030302020204" pitchFamily="66" charset="0"/>
+            </a:endParaRPr>
+          </a:p>
+        </p:txBody>
+      </p:sp>
+      <p:sp>
+        <p:nvSpPr>
+          <p:cNvPr id="3" name="內容版面配置區 2"/>
+          <p:cNvSpPr>
+            <a:spLocks noGrp="1"/>
+          </p:cNvSpPr>
+          <p:nvPr>
+            <p:ph sz="half" idx="1"/>
+          </p:nvPr>
+        </p:nvSpPr>
+        <p:spPr/>
+        <p:txBody>
+          <a:bodyPr numCol="1">
+            <a:normAutofit/>
+          </a:bodyPr>
+          <a:lstStyle/>
+          <a:p>
+            <a:r>
+              <a:rPr lang="en-US" altLang="zh-TW" sz="2800" dirty="0">
+                <a:latin typeface="Comic Sans MS" panose="030F0702030302020204" pitchFamily="66" charset="0"/>
+              </a:rPr>
+              <a:t>Input </a:t>
+            </a:r>
+          </a:p>
+          <a:p>
+            <a:pPr lvl="1"/>
+            <a:r>
+              <a:rPr lang="en-US" altLang="zh-TW" sz="2400" dirty="0" smtClean="0">
+                <a:latin typeface="Comic Sans MS" panose="030F0702030302020204" pitchFamily="66" charset="0"/>
+              </a:rPr>
+              <a:t>data</a:t>
+            </a:r>
+            <a:endParaRPr lang="en-US" altLang="zh-TW" sz="2400" dirty="0">
+              <a:latin typeface="Comic Sans MS" panose="030F0702030302020204" pitchFamily="66" charset="0"/>
+            </a:endParaRPr>
+          </a:p>
+          <a:p>
+            <a:pPr lvl="1"/>
+            <a:endParaRPr lang="en-US" altLang="zh-TW" sz="2800" dirty="0">
+              <a:latin typeface="Comic Sans MS" panose="030F0702030302020204" pitchFamily="66" charset="0"/>
+            </a:endParaRPr>
+          </a:p>
+          <a:p>
+            <a:pPr lvl="1"/>
+            <a:endParaRPr lang="en-US" altLang="zh-TW" sz="2800" dirty="0">
+              <a:latin typeface="Comic Sans MS" panose="030F0702030302020204" pitchFamily="66" charset="0"/>
+            </a:endParaRPr>
+          </a:p>
+          <a:p>
+            <a:r>
+              <a:rPr lang="en-US" altLang="zh-TW" sz="2800" dirty="0">
+                <a:latin typeface="Comic Sans MS" panose="030F0702030302020204" pitchFamily="66" charset="0"/>
+              </a:rPr>
+              <a:t>Output</a:t>
+            </a:r>
+          </a:p>
+          <a:p>
+            <a:pPr lvl="1"/>
+            <a:r>
+              <a:rPr lang="en-US" altLang="zh-TW" sz="2400" dirty="0">
+                <a:latin typeface="Comic Sans MS" panose="030F0702030302020204" pitchFamily="66" charset="0"/>
+              </a:rPr>
+              <a:t>X</a:t>
+            </a:r>
+          </a:p>
+          <a:p>
+            <a:pPr lvl="1"/>
+            <a:r>
+              <a:rPr lang="en-US" altLang="zh-TW" sz="2400" dirty="0">
+                <a:latin typeface="Comic Sans MS" panose="030F0702030302020204" pitchFamily="66" charset="0"/>
+              </a:rPr>
+              <a:t>Y</a:t>
+            </a:r>
+          </a:p>
+          <a:p>
+            <a:pPr lvl="1"/>
+            <a:r>
+              <a:rPr lang="el-GR" altLang="zh-TW" sz="2400" dirty="0">
+                <a:latin typeface="Comic Sans MS" panose="030F0702030302020204" pitchFamily="66" charset="0"/>
+              </a:rPr>
+              <a:t>Δ</a:t>
+            </a:r>
+            <a:r>
+              <a:rPr lang="en-US" altLang="zh-TW" sz="2400" dirty="0">
+                <a:latin typeface="Comic Sans MS" panose="030F0702030302020204" pitchFamily="66" charset="0"/>
+              </a:rPr>
+              <a:t>x</a:t>
+            </a:r>
+          </a:p>
+          <a:p>
+            <a:pPr lvl="1"/>
+            <a:r>
+              <a:rPr lang="el-GR" altLang="zh-TW" sz="2400" dirty="0">
+                <a:latin typeface="Comic Sans MS" panose="030F0702030302020204" pitchFamily="66" charset="0"/>
+              </a:rPr>
+              <a:t>Δ</a:t>
+            </a:r>
+            <a:r>
+              <a:rPr lang="en-US" altLang="zh-TW" sz="2400" dirty="0">
+                <a:latin typeface="Comic Sans MS" panose="030F0702030302020204" pitchFamily="66" charset="0"/>
+              </a:rPr>
+              <a:t>y </a:t>
+            </a:r>
+          </a:p>
+          <a:p>
+            <a:endParaRPr lang="en-US" altLang="zh-TW" sz="2800" dirty="0">
+              <a:latin typeface="Comic Sans MS" panose="030F0702030302020204" pitchFamily="66" charset="0"/>
+            </a:endParaRPr>
+          </a:p>
+        </p:txBody>
+      </p:sp>
+      <p:sp>
+        <p:nvSpPr>
+          <p:cNvPr id="5" name="內容版面配置區 4"/>
+          <p:cNvSpPr>
+            <a:spLocks noGrp="1"/>
+          </p:cNvSpPr>
+          <p:nvPr>
+            <p:ph sz="half" idx="2"/>
+          </p:nvPr>
+        </p:nvSpPr>
+        <p:spPr/>
+        <p:txBody>
           <a:bodyPr>
             <a:normAutofit/>
           </a:bodyPr>
           <a:lstStyle/>
           <a:p>
+            <a:r>
+              <a:rPr lang="en-US" altLang="zh-TW" sz="2800" dirty="0">
+                <a:latin typeface="Comic Sans MS" panose="030F0702030302020204" pitchFamily="66" charset="0"/>
+              </a:rPr>
+              <a:t>Method</a:t>
+            </a:r>
+          </a:p>
+          <a:p>
+            <a:pPr lvl="1"/>
+            <a:r>
+              <a:rPr lang="en-US" altLang="zh-TW" sz="2400" dirty="0">
+                <a:latin typeface="Comic Sans MS" panose="030F0702030302020204" pitchFamily="66" charset="0"/>
+              </a:rPr>
+              <a:t>SLIC</a:t>
+            </a:r>
+          </a:p>
+          <a:p>
+            <a:pPr lvl="1"/>
+            <a:endParaRPr lang="en-US" altLang="zh-TW" sz="2800" dirty="0">
+              <a:latin typeface="Comic Sans MS" panose="030F0702030302020204" pitchFamily="66" charset="0"/>
+            </a:endParaRPr>
+          </a:p>
+          <a:p>
+            <a:pPr lvl="1"/>
+            <a:endParaRPr lang="en-US" altLang="zh-TW" sz="2800" dirty="0">
+              <a:latin typeface="Comic Sans MS" panose="030F0702030302020204" pitchFamily="66" charset="0"/>
+            </a:endParaRPr>
+          </a:p>
+          <a:p>
+            <a:r>
+              <a:rPr lang="en-US" altLang="zh-TW" sz="2800" dirty="0">
+                <a:latin typeface="Comic Sans MS" panose="030F0702030302020204" pitchFamily="66" charset="0"/>
+              </a:rPr>
+              <a:t>Parameter</a:t>
+            </a:r>
+          </a:p>
+          <a:p>
+            <a:pPr lvl="1"/>
+            <a:r>
+              <a:rPr lang="en-US" altLang="zh-TW" sz="2400" dirty="0">
+                <a:latin typeface="Comic Sans MS" panose="030F0702030302020204" pitchFamily="66" charset="0"/>
+              </a:rPr>
+              <a:t>N-segment</a:t>
+            </a:r>
+          </a:p>
+          <a:p>
+            <a:pPr lvl="1"/>
+            <a:r>
+              <a:rPr lang="en-US" altLang="zh-TW" sz="2400" dirty="0">
+                <a:latin typeface="Comic Sans MS" panose="030F0702030302020204" pitchFamily="66" charset="0"/>
+              </a:rPr>
+              <a:t>Compactness ratio</a:t>
+            </a:r>
+          </a:p>
+          <a:p>
+            <a:pPr marL="0" indent="0">
+              <a:buNone/>
+            </a:pPr>
+            <a:endParaRPr lang="en-US" altLang="zh-TW" sz="2800" dirty="0">
+              <a:latin typeface="Comic Sans MS" panose="030F0702030302020204" pitchFamily="66" charset="0"/>
+            </a:endParaRPr>
+          </a:p>
+        </p:txBody>
+      </p:sp>
+      <p:cxnSp>
+        <p:nvCxnSpPr>
+          <p:cNvPr id="10" name="直線接點 9">
+            <a:extLst>
+              <a:ext uri="{FF2B5EF4-FFF2-40B4-BE49-F238E27FC236}">
+                <a16:creationId xmlns:a16="http://schemas.microsoft.com/office/drawing/2014/main" id="{F0821442-BA04-4424-A6CF-19F9E44790C0}"/>
+              </a:ext>
+            </a:extLst>
+          </p:cNvPr>
+          <p:cNvCxnSpPr>
+            <a:cxnSpLocks/>
+          </p:cNvCxnSpPr>
+          <p:nvPr/>
+        </p:nvCxnSpPr>
+        <p:spPr>
+          <a:xfrm flipV="1">
+            <a:off x="5889567" y="2267297"/>
+            <a:ext cx="0" cy="3052848"/>
+          </a:xfrm>
+          <a:prstGeom prst="line">
+            <a:avLst/>
+          </a:prstGeom>
+          <a:ln>
+            <a:solidFill>
+              <a:schemeClr val="bg1">
+                <a:lumMod val="75000"/>
+              </a:schemeClr>
+            </a:solidFill>
+          </a:ln>
+        </p:spPr>
+        <p:style>
+          <a:lnRef idx="1">
+            <a:schemeClr val="accent1"/>
+          </a:lnRef>
+          <a:fillRef idx="0">
+            <a:schemeClr val="accent1"/>
+          </a:fillRef>
+          <a:effectRef idx="0">
+            <a:schemeClr val="accent1"/>
+          </a:effectRef>
+          <a:fontRef idx="minor">
+            <a:schemeClr val="tx1"/>
+          </a:fontRef>
+        </p:style>
+      </p:cxnSp>
+      <p:cxnSp>
+        <p:nvCxnSpPr>
+          <p:cNvPr id="11" name="直線接點 10">
+            <a:extLst>
+              <a:ext uri="{FF2B5EF4-FFF2-40B4-BE49-F238E27FC236}">
+                <a16:creationId xmlns:a16="http://schemas.microsoft.com/office/drawing/2014/main" id="{FE8EE655-7B60-4AC3-9DF1-6856FCB12865}"/>
+              </a:ext>
+            </a:extLst>
+          </p:cNvPr>
+          <p:cNvCxnSpPr>
+            <a:cxnSpLocks/>
+          </p:cNvCxnSpPr>
+          <p:nvPr/>
+        </p:nvCxnSpPr>
+        <p:spPr>
+          <a:xfrm>
+            <a:off x="1765068" y="3408838"/>
+            <a:ext cx="8740141" cy="0"/>
+          </a:xfrm>
+          <a:prstGeom prst="line">
+            <a:avLst/>
+          </a:prstGeom>
+          <a:ln>
+            <a:solidFill>
+              <a:schemeClr val="bg1">
+                <a:lumMod val="75000"/>
+              </a:schemeClr>
+            </a:solidFill>
+          </a:ln>
+        </p:spPr>
+        <p:style>
+          <a:lnRef idx="1">
+            <a:schemeClr val="accent1"/>
+          </a:lnRef>
+          <a:fillRef idx="0">
+            <a:schemeClr val="accent1"/>
+          </a:fillRef>
+          <a:effectRef idx="0">
+            <a:schemeClr val="accent1"/>
+          </a:effectRef>
+          <a:fontRef idx="minor">
+            <a:schemeClr val="tx1"/>
+          </a:fontRef>
+        </p:style>
+      </p:cxnSp>
+      <p:grpSp>
+        <p:nvGrpSpPr>
+          <p:cNvPr id="12" name="群組 11">
+            <a:extLst>
+              <a:ext uri="{FF2B5EF4-FFF2-40B4-BE49-F238E27FC236}">
+                <a16:creationId xmlns:a16="http://schemas.microsoft.com/office/drawing/2014/main" id="{62C7E013-CEE0-4BCA-9C8F-94E8934D2665}"/>
+              </a:ext>
+            </a:extLst>
+          </p:cNvPr>
+          <p:cNvGrpSpPr/>
+          <p:nvPr/>
+        </p:nvGrpSpPr>
+        <p:grpSpPr>
+          <a:xfrm>
+            <a:off x="10932000" y="0"/>
+            <a:ext cx="1260000" cy="1260000"/>
+            <a:chOff x="8555073" y="665432"/>
+            <a:chExt cx="1260000" cy="1260000"/>
+          </a:xfrm>
+        </p:grpSpPr>
+        <p:sp>
+          <p:nvSpPr>
+            <p:cNvPr id="13" name="矩形 12">
+              <a:extLst>
+                <a:ext uri="{FF2B5EF4-FFF2-40B4-BE49-F238E27FC236}">
+                  <a16:creationId xmlns:a16="http://schemas.microsoft.com/office/drawing/2014/main" id="{898AA730-A64F-4CA0-AF41-72C816458094}"/>
+                </a:ext>
+              </a:extLst>
+            </p:cNvPr>
+            <p:cNvSpPr/>
+            <p:nvPr/>
+          </p:nvSpPr>
+          <p:spPr>
+            <a:xfrm>
+              <a:off x="8555073" y="665432"/>
+              <a:ext cx="1260000" cy="1260000"/>
+            </a:xfrm>
+            <a:prstGeom prst="rect">
+              <a:avLst/>
+            </a:prstGeom>
+            <a:solidFill>
+              <a:srgbClr val="FF0000"/>
+            </a:solidFill>
+            <a:ln>
+              <a:noFill/>
+            </a:ln>
+          </p:spPr>
+          <p:style>
+            <a:lnRef idx="2">
+              <a:schemeClr val="accent1">
+                <a:shade val="50000"/>
+              </a:schemeClr>
+            </a:lnRef>
+            <a:fillRef idx="1">
+              <a:schemeClr val="accent1"/>
+            </a:fillRef>
+            <a:effectRef idx="0">
+              <a:schemeClr val="accent1"/>
+            </a:effectRef>
+            <a:fontRef idx="minor">
+              <a:schemeClr val="lt1"/>
+            </a:fontRef>
+          </p:style>
+          <p:txBody>
+            <a:bodyPr rtlCol="0" anchor="ctr"/>
+            <a:lstStyle/>
+            <a:p>
+              <a:pPr algn="ctr"/>
+              <a:endParaRPr lang="zh-TW" altLang="en-US"/>
+            </a:p>
+          </p:txBody>
+        </p:sp>
+        <p:sp>
+          <p:nvSpPr>
+            <p:cNvPr id="14" name="矩形 13">
+              <a:extLst>
+                <a:ext uri="{FF2B5EF4-FFF2-40B4-BE49-F238E27FC236}">
+                  <a16:creationId xmlns:a16="http://schemas.microsoft.com/office/drawing/2014/main" id="{C71C071F-1326-435A-BA95-BC2FE392C146}"/>
+                </a:ext>
+              </a:extLst>
+            </p:cNvPr>
+            <p:cNvSpPr/>
+            <p:nvPr/>
+          </p:nvSpPr>
+          <p:spPr>
+            <a:xfrm>
+              <a:off x="8837299" y="665432"/>
+              <a:ext cx="977774" cy="979200"/>
+            </a:xfrm>
+            <a:prstGeom prst="rect">
+              <a:avLst/>
+            </a:prstGeom>
+            <a:solidFill>
+              <a:srgbClr val="00B050"/>
+            </a:solidFill>
+            <a:ln w="12700">
+              <a:noFill/>
+            </a:ln>
+          </p:spPr>
+          <p:style>
+            <a:lnRef idx="2">
+              <a:schemeClr val="accent1">
+                <a:shade val="50000"/>
+              </a:schemeClr>
+            </a:lnRef>
+            <a:fillRef idx="1">
+              <a:schemeClr val="accent1"/>
+            </a:fillRef>
+            <a:effectRef idx="0">
+              <a:schemeClr val="accent1"/>
+            </a:effectRef>
+            <a:fontRef idx="minor">
+              <a:schemeClr val="lt1"/>
+            </a:fontRef>
+          </p:style>
+          <p:txBody>
+            <a:bodyPr rtlCol="0" anchor="ctr"/>
+            <a:lstStyle/>
+            <a:p>
+              <a:pPr algn="ctr"/>
+              <a:endParaRPr lang="zh-TW" altLang="en-US"/>
+            </a:p>
+          </p:txBody>
+        </p:sp>
+        <p:sp>
+          <p:nvSpPr>
+            <p:cNvPr id="15" name="矩形 14">
+              <a:extLst>
+                <a:ext uri="{FF2B5EF4-FFF2-40B4-BE49-F238E27FC236}">
+                  <a16:creationId xmlns:a16="http://schemas.microsoft.com/office/drawing/2014/main" id="{D3290E37-156B-41E1-847E-B0D045979DD2}"/>
+                </a:ext>
+              </a:extLst>
+            </p:cNvPr>
+            <p:cNvSpPr/>
+            <p:nvPr/>
+          </p:nvSpPr>
+          <p:spPr>
+            <a:xfrm>
+              <a:off x="9156682" y="675823"/>
+              <a:ext cx="648000" cy="648000"/>
+            </a:xfrm>
+            <a:prstGeom prst="rect">
+              <a:avLst/>
+            </a:prstGeom>
+            <a:solidFill>
+              <a:srgbClr val="FF0000"/>
+            </a:solidFill>
+            <a:ln>
+              <a:noFill/>
+            </a:ln>
+          </p:spPr>
+          <p:style>
+            <a:lnRef idx="2">
+              <a:schemeClr val="accent1">
+                <a:shade val="50000"/>
+              </a:schemeClr>
+            </a:lnRef>
+            <a:fillRef idx="1">
+              <a:schemeClr val="accent1"/>
+            </a:fillRef>
+            <a:effectRef idx="0">
+              <a:schemeClr val="accent1"/>
+            </a:effectRef>
+            <a:fontRef idx="minor">
+              <a:schemeClr val="lt1"/>
+            </a:fontRef>
+          </p:style>
+          <p:txBody>
+            <a:bodyPr rtlCol="0" anchor="ctr"/>
+            <a:lstStyle/>
+            <a:p>
+              <a:pPr algn="ctr"/>
+              <a:endParaRPr lang="zh-TW" altLang="en-US"/>
+            </a:p>
+          </p:txBody>
+        </p:sp>
+      </p:grpSp>
+    </p:spTree>
+    <p:extLst>
+      <p:ext uri="{BB962C8B-B14F-4D97-AF65-F5344CB8AC3E}">
+        <p14:creationId xmlns:p14="http://schemas.microsoft.com/office/powerpoint/2010/main" val="3568567651"/>
+      </p:ext>
+    </p:extLst>
+  </p:cSld>
+  <p:clrMapOvr>
+    <a:masterClrMapping/>
+  </p:clrMapOvr>
+</p:sld>
+</file>
+
+<file path=ppt/slides/slide15.xml><?xml version="1.0" encoding="utf-8"?>
+<p:sld xmlns:a="http://schemas.openxmlformats.org/drawingml/2006/main" xmlns:r="http://schemas.openxmlformats.org/officeDocument/2006/relationships" xmlns:p="http://schemas.openxmlformats.org/presentationml/2006/main">
+  <p:cSld>
+    <p:spTree>
+      <p:nvGrpSpPr>
+        <p:cNvPr id="1" name=""/>
+        <p:cNvGrpSpPr/>
+        <p:nvPr/>
+      </p:nvGrpSpPr>
+      <p:grpSpPr>
+        <a:xfrm>
+          <a:off x="0" y="0"/>
+          <a:ext cx="0" cy="0"/>
+          <a:chOff x="0" y="0"/>
+          <a:chExt cx="0" cy="0"/>
+        </a:xfrm>
+      </p:grpSpPr>
+      <p:sp>
+        <p:nvSpPr>
+          <p:cNvPr id="2" name="標題 1"/>
+          <p:cNvSpPr>
+            <a:spLocks noGrp="1"/>
+          </p:cNvSpPr>
+          <p:nvPr>
+            <p:ph type="title"/>
+          </p:nvPr>
+        </p:nvSpPr>
+        <p:spPr/>
+        <p:txBody>
+          <a:bodyPr>
+            <a:normAutofit/>
+          </a:bodyPr>
+          <a:lstStyle/>
+          <a:p>
+            <a:r>
+              <a:rPr lang="en-US" altLang="zh-TW" dirty="0">
+                <a:latin typeface="Comic Sans MS" panose="030F0702030302020204" pitchFamily="66" charset="0"/>
+              </a:rPr>
+              <a:t/>
+            </a:r>
             <a:br>
               <a:rPr lang="en-US" altLang="zh-TW" dirty="0">
                 <a:latin typeface="Comic Sans MS" panose="030F0702030302020204" pitchFamily="66" charset="0"/>
@@ -13792,7 +13741,7 @@
         </p:spPr>
         <p:txBody>
           <a:bodyPr>
-            <a:normAutofit/>
+            <a:normAutofit lnSpcReduction="10000"/>
           </a:bodyPr>
           <a:lstStyle/>
           <a:p>
@@ -13806,14 +13755,11 @@
           <a:p>
             <a:pPr lvl="1"/>
             <a:r>
-              <a:rPr lang="en-US" altLang="zh-TW" sz="2400" dirty="0" err="1">
-                <a:latin typeface="Comic Sans MS" panose="030F0702030302020204" pitchFamily="66" charset="0"/>
-              </a:rPr>
-              <a:t>Sample_Image</a:t>
-            </a:r>
-            <a:endParaRPr lang="en-US" altLang="zh-TW" sz="2400" dirty="0">
-              <a:latin typeface="Comic Sans MS" panose="030F0702030302020204" pitchFamily="66" charset="0"/>
-            </a:endParaRPr>
+              <a:rPr lang="en-US" altLang="zh-TW" sz="2400" dirty="0">
+                <a:latin typeface="Comic Sans MS" panose="030F0702030302020204" pitchFamily="66" charset="0"/>
+              </a:rPr>
+              <a:t>data</a:t>
+            </a:r>
           </a:p>
           <a:p>
             <a:pPr lvl="1"/>
@@ -13837,6 +13783,36 @@
           <a:p>
             <a:pPr lvl="1"/>
             <a:r>
+              <a:rPr lang="en-US" altLang="zh-TW" sz="2400" dirty="0" smtClean="0">
+                <a:latin typeface="Comic Sans MS" panose="030F0702030302020204" pitchFamily="66" charset="0"/>
+              </a:rPr>
+              <a:t>X</a:t>
+            </a:r>
+            <a:endParaRPr lang="en-US" altLang="zh-TW" sz="2400" dirty="0">
+              <a:latin typeface="Comic Sans MS" panose="030F0702030302020204" pitchFamily="66" charset="0"/>
+            </a:endParaRPr>
+          </a:p>
+          <a:p>
+            <a:pPr lvl="1"/>
+            <a:r>
+              <a:rPr lang="en-US" altLang="zh-TW" sz="2400" dirty="0" smtClean="0">
+                <a:latin typeface="Comic Sans MS" panose="030F0702030302020204" pitchFamily="66" charset="0"/>
+              </a:rPr>
+              <a:t>Y</a:t>
+            </a:r>
+            <a:endParaRPr lang="en-US" altLang="zh-TW" sz="2400" dirty="0">
+              <a:latin typeface="Comic Sans MS" panose="030F0702030302020204" pitchFamily="66" charset="0"/>
+            </a:endParaRPr>
+          </a:p>
+          <a:p>
+            <a:pPr lvl="1"/>
+            <a:r>
+              <a:rPr lang="el-GR" altLang="zh-TW" sz="2400" dirty="0">
+                <a:latin typeface="Comic Sans MS" panose="030F0702030302020204" pitchFamily="66" charset="0"/>
+              </a:rPr>
+              <a:t>Δ</a:t>
+            </a:r>
+            <a:r>
               <a:rPr lang="en-US" altLang="zh-TW" sz="2400" dirty="0">
                 <a:latin typeface="Comic Sans MS" panose="030F0702030302020204" pitchFamily="66" charset="0"/>
               </a:rPr>
@@ -13846,40 +13822,34 @@
           <a:p>
             <a:pPr lvl="1"/>
             <a:r>
+              <a:rPr lang="el-GR" altLang="zh-TW" sz="2400" dirty="0">
+                <a:latin typeface="Comic Sans MS" panose="030F0702030302020204" pitchFamily="66" charset="0"/>
+              </a:rPr>
+              <a:t>Δ</a:t>
+            </a:r>
+            <a:r>
               <a:rPr lang="en-US" altLang="zh-TW" sz="2400" dirty="0">
                 <a:latin typeface="Comic Sans MS" panose="030F0702030302020204" pitchFamily="66" charset="0"/>
               </a:rPr>
-              <a:t>y</a:t>
-            </a:r>
+              <a:t>y </a:t>
+            </a:r>
+            <a:endParaRPr lang="en-US" altLang="zh-TW" sz="2400" dirty="0" smtClean="0">
+              <a:latin typeface="Comic Sans MS" panose="030F0702030302020204" pitchFamily="66" charset="0"/>
+            </a:endParaRPr>
           </a:p>
           <a:p>
             <a:pPr lvl="1"/>
             <a:r>
-              <a:rPr lang="el-GR" altLang="zh-TW" sz="2400" dirty="0">
-                <a:latin typeface="Comic Sans MS" panose="030F0702030302020204" pitchFamily="66" charset="0"/>
-              </a:rPr>
-              <a:t>Δ</a:t>
-            </a:r>
-            <a:r>
-              <a:rPr lang="en-US" altLang="zh-TW" sz="2400" dirty="0">
-                <a:latin typeface="Comic Sans MS" panose="030F0702030302020204" pitchFamily="66" charset="0"/>
-              </a:rPr>
-              <a:t>x</a:t>
-            </a:r>
-          </a:p>
-          <a:p>
-            <a:pPr lvl="1"/>
-            <a:r>
-              <a:rPr lang="el-GR" altLang="zh-TW" sz="2400" dirty="0">
-                <a:latin typeface="Comic Sans MS" panose="030F0702030302020204" pitchFamily="66" charset="0"/>
-              </a:rPr>
-              <a:t>Δ</a:t>
-            </a:r>
-            <a:r>
-              <a:rPr lang="en-US" altLang="zh-TW" sz="2400" dirty="0">
-                <a:latin typeface="Comic Sans MS" panose="030F0702030302020204" pitchFamily="66" charset="0"/>
-              </a:rPr>
-              <a:t>y </a:t>
+              <a:rPr lang="en-US" altLang="zh-TW" sz="2400" dirty="0" err="1">
+                <a:latin typeface="Comic Sans MS" panose="030F0702030302020204" pitchFamily="66" charset="0"/>
+              </a:rPr>
+              <a:t>o</a:t>
+            </a:r>
+            <a:r>
+              <a:rPr lang="en-US" altLang="zh-TW" sz="2400" dirty="0" err="1" smtClean="0">
+                <a:latin typeface="Comic Sans MS" panose="030F0702030302020204" pitchFamily="66" charset="0"/>
+              </a:rPr>
+              <a:t>bject_class</a:t>
             </a:r>
             <a:endParaRPr lang="zh-TW" altLang="zh-TW" sz="2400" dirty="0">
               <a:latin typeface="Comic Sans MS" panose="030F0702030302020204" pitchFamily="66" charset="0"/>
@@ -13903,7 +13873,7 @@
         <p:spPr/>
         <p:txBody>
           <a:bodyPr>
-            <a:normAutofit/>
+            <a:normAutofit lnSpcReduction="10000"/>
           </a:bodyPr>
           <a:lstStyle/>
           <a:p>
@@ -14256,483 +14226,6 @@
 </p:sld>
 </file>
 
-<file path=ppt/slides/slide15.xml><?xml version="1.0" encoding="utf-8"?>
-<p:sld xmlns:a="http://schemas.openxmlformats.org/drawingml/2006/main" xmlns:r="http://schemas.openxmlformats.org/officeDocument/2006/relationships" xmlns:p="http://schemas.openxmlformats.org/presentationml/2006/main">
-  <p:cSld>
-    <p:spTree>
-      <p:nvGrpSpPr>
-        <p:cNvPr id="1" name=""/>
-        <p:cNvGrpSpPr/>
-        <p:nvPr/>
-      </p:nvGrpSpPr>
-      <p:grpSpPr>
-        <a:xfrm>
-          <a:off x="0" y="0"/>
-          <a:ext cx="0" cy="0"/>
-          <a:chOff x="0" y="0"/>
-          <a:chExt cx="0" cy="0"/>
-        </a:xfrm>
-      </p:grpSpPr>
-      <p:sp>
-        <p:nvSpPr>
-          <p:cNvPr id="2" name="標題 1"/>
-          <p:cNvSpPr>
-            <a:spLocks noGrp="1"/>
-          </p:cNvSpPr>
-          <p:nvPr>
-            <p:ph type="title"/>
-          </p:nvPr>
-        </p:nvSpPr>
-        <p:spPr/>
-        <p:txBody>
-          <a:bodyPr/>
-          <a:lstStyle/>
-          <a:p>
-            <a:r>
-              <a:rPr lang="en-US" altLang="zh-TW" dirty="0">
-                <a:latin typeface="Comic Sans MS" panose="030F0702030302020204" pitchFamily="66" charset="0"/>
-              </a:rPr>
-              <a:t>Image Pre-processing</a:t>
-            </a:r>
-          </a:p>
-        </p:txBody>
-      </p:sp>
-      <p:sp>
-        <p:nvSpPr>
-          <p:cNvPr id="5" name="內容版面配置區 4"/>
-          <p:cNvSpPr>
-            <a:spLocks noGrp="1"/>
-          </p:cNvSpPr>
-          <p:nvPr>
-            <p:ph sz="half" idx="1"/>
-          </p:nvPr>
-        </p:nvSpPr>
-        <p:spPr/>
-        <p:txBody>
-          <a:bodyPr>
-            <a:normAutofit/>
-          </a:bodyPr>
-          <a:lstStyle/>
-          <a:p>
-            <a:r>
-              <a:rPr lang="en-US" altLang="zh-TW" sz="2800" dirty="0">
-                <a:latin typeface="Comic Sans MS" panose="030F0702030302020204" pitchFamily="66" charset="0"/>
-              </a:rPr>
-              <a:t>Input</a:t>
-            </a:r>
-          </a:p>
-          <a:p>
-            <a:pPr lvl="1"/>
-            <a:r>
-              <a:rPr lang="en-US" altLang="zh-TW" sz="2400" dirty="0" err="1">
-                <a:latin typeface="Comic Sans MS" panose="030F0702030302020204" pitchFamily="66" charset="0"/>
-              </a:rPr>
-              <a:t>Sample_Image</a:t>
-            </a:r>
-            <a:endParaRPr lang="en-US" altLang="zh-TW" sz="2400" dirty="0">
-              <a:latin typeface="Comic Sans MS" panose="030F0702030302020204" pitchFamily="66" charset="0"/>
-            </a:endParaRPr>
-          </a:p>
-          <a:p>
-            <a:pPr marL="201168" lvl="1" indent="0">
-              <a:buNone/>
-            </a:pPr>
-            <a:endParaRPr lang="en-US" altLang="zh-TW" sz="2800" dirty="0">
-              <a:latin typeface="Comic Sans MS" panose="030F0702030302020204" pitchFamily="66" charset="0"/>
-            </a:endParaRPr>
-          </a:p>
-          <a:p>
-            <a:r>
-              <a:rPr lang="en-US" altLang="zh-TW" sz="2800" dirty="0">
-                <a:latin typeface="Comic Sans MS" panose="030F0702030302020204" pitchFamily="66" charset="0"/>
-              </a:rPr>
-              <a:t>Output</a:t>
-            </a:r>
-          </a:p>
-          <a:p>
-            <a:pPr lvl="1"/>
-            <a:r>
-              <a:rPr lang="en-US" altLang="zh-TW" sz="2400" dirty="0" err="1">
-                <a:latin typeface="Comic Sans MS" panose="030F0702030302020204" pitchFamily="66" charset="0"/>
-              </a:rPr>
-              <a:t>Super_Image_h</a:t>
-            </a:r>
-            <a:endParaRPr lang="en-US" altLang="zh-TW" sz="2400" dirty="0">
-              <a:latin typeface="Comic Sans MS" panose="030F0702030302020204" pitchFamily="66" charset="0"/>
-            </a:endParaRPr>
-          </a:p>
-        </p:txBody>
-      </p:sp>
-      <p:sp>
-        <p:nvSpPr>
-          <p:cNvPr id="3" name="內容版面配置區 2"/>
-          <p:cNvSpPr>
-            <a:spLocks noGrp="1"/>
-          </p:cNvSpPr>
-          <p:nvPr>
-            <p:ph sz="half" idx="2"/>
-          </p:nvPr>
-        </p:nvSpPr>
-        <p:spPr/>
-        <p:txBody>
-          <a:bodyPr/>
-          <a:lstStyle/>
-          <a:p>
-            <a:r>
-              <a:rPr lang="en-US" altLang="zh-TW" sz="2800" dirty="0">
-                <a:latin typeface="Comic Sans MS" panose="030F0702030302020204" pitchFamily="66" charset="0"/>
-              </a:rPr>
-              <a:t>Method</a:t>
-            </a:r>
-          </a:p>
-          <a:p>
-            <a:pPr marL="914400" lvl="1" indent="-457200">
-              <a:buFont typeface="+mj-lt"/>
-              <a:buAutoNum type="arabicPeriod"/>
-            </a:pPr>
-            <a:r>
-              <a:rPr lang="en-US" altLang="zh-TW" sz="2400" dirty="0">
-                <a:latin typeface="Comic Sans MS" panose="030F0702030302020204" pitchFamily="66" charset="0"/>
-              </a:rPr>
-              <a:t>Blur</a:t>
-            </a:r>
-          </a:p>
-          <a:p>
-            <a:pPr marL="914400" lvl="1" indent="-457200">
-              <a:buFont typeface="+mj-lt"/>
-              <a:buAutoNum type="arabicPeriod"/>
-            </a:pPr>
-            <a:r>
-              <a:rPr lang="en-US" altLang="zh-TW" sz="2400" dirty="0">
-                <a:latin typeface="Comic Sans MS" panose="030F0702030302020204" pitchFamily="66" charset="0"/>
-              </a:rPr>
-              <a:t>Color</a:t>
-            </a:r>
-            <a:r>
-              <a:rPr lang="zh-TW" altLang="en-US" sz="2400" dirty="0">
-                <a:latin typeface="Comic Sans MS" panose="030F0702030302020204" pitchFamily="66" charset="0"/>
-              </a:rPr>
-              <a:t> </a:t>
-            </a:r>
-            <a:r>
-              <a:rPr lang="en-US" altLang="zh-TW" sz="2400" dirty="0">
-                <a:latin typeface="Comic Sans MS" panose="030F0702030302020204" pitchFamily="66" charset="0"/>
-              </a:rPr>
-              <a:t>balance</a:t>
-            </a:r>
-          </a:p>
-          <a:p>
-            <a:pPr marL="914400" lvl="1" indent="-457200">
-              <a:buFont typeface="+mj-lt"/>
-              <a:buAutoNum type="arabicPeriod"/>
-            </a:pPr>
-            <a:r>
-              <a:rPr lang="en-US" altLang="zh-TW" sz="2400" dirty="0">
-                <a:latin typeface="Comic Sans MS" panose="030F0702030302020204" pitchFamily="66" charset="0"/>
-              </a:rPr>
-              <a:t>Deblur</a:t>
-            </a:r>
-          </a:p>
-          <a:p>
-            <a:pPr marL="914400" lvl="1" indent="-457200">
-              <a:buFont typeface="+mj-lt"/>
-              <a:buAutoNum type="arabicPeriod"/>
-            </a:pPr>
-            <a:r>
-              <a:rPr lang="en-US" altLang="zh-TW" sz="2400" dirty="0">
-                <a:latin typeface="Comic Sans MS" panose="030F0702030302020204" pitchFamily="66" charset="0"/>
-              </a:rPr>
-              <a:t>Sharp</a:t>
-            </a:r>
-            <a:endParaRPr lang="zh-TW" altLang="en-US" sz="2400" dirty="0">
-              <a:latin typeface="Comic Sans MS" panose="030F0702030302020204" pitchFamily="66" charset="0"/>
-            </a:endParaRPr>
-          </a:p>
-          <a:p>
-            <a:endParaRPr lang="zh-TW" altLang="en-US" dirty="0"/>
-          </a:p>
-        </p:txBody>
-      </p:sp>
-      <p:cxnSp>
-        <p:nvCxnSpPr>
-          <p:cNvPr id="10" name="直線接點 9">
-            <a:extLst>
-              <a:ext uri="{FF2B5EF4-FFF2-40B4-BE49-F238E27FC236}">
-                <a16:creationId xmlns:a16="http://schemas.microsoft.com/office/drawing/2014/main" id="{33B8D5D5-74B2-4E29-8890-C9719E82B277}"/>
-              </a:ext>
-            </a:extLst>
-          </p:cNvPr>
-          <p:cNvCxnSpPr>
-            <a:cxnSpLocks/>
-          </p:cNvCxnSpPr>
-          <p:nvPr/>
-        </p:nvCxnSpPr>
-        <p:spPr>
-          <a:xfrm flipV="1">
-            <a:off x="5889567" y="2267297"/>
-            <a:ext cx="0" cy="3052848"/>
-          </a:xfrm>
-          <a:prstGeom prst="line">
-            <a:avLst/>
-          </a:prstGeom>
-          <a:ln>
-            <a:solidFill>
-              <a:schemeClr val="bg1">
-                <a:lumMod val="75000"/>
-              </a:schemeClr>
-            </a:solidFill>
-          </a:ln>
-        </p:spPr>
-        <p:style>
-          <a:lnRef idx="1">
-            <a:schemeClr val="accent1"/>
-          </a:lnRef>
-          <a:fillRef idx="0">
-            <a:schemeClr val="accent1"/>
-          </a:fillRef>
-          <a:effectRef idx="0">
-            <a:schemeClr val="accent1"/>
-          </a:effectRef>
-          <a:fontRef idx="minor">
-            <a:schemeClr val="tx1"/>
-          </a:fontRef>
-        </p:style>
-      </p:cxnSp>
-      <p:cxnSp>
-        <p:nvCxnSpPr>
-          <p:cNvPr id="11" name="直線接點 10">
-            <a:extLst>
-              <a:ext uri="{FF2B5EF4-FFF2-40B4-BE49-F238E27FC236}">
-                <a16:creationId xmlns:a16="http://schemas.microsoft.com/office/drawing/2014/main" id="{90A05C72-5A2F-43BA-BEC4-0D49AE65DB49}"/>
-              </a:ext>
-            </a:extLst>
-          </p:cNvPr>
-          <p:cNvCxnSpPr>
-            <a:cxnSpLocks/>
-          </p:cNvCxnSpPr>
-          <p:nvPr/>
-        </p:nvCxnSpPr>
-        <p:spPr>
-          <a:xfrm>
-            <a:off x="1765068" y="3045156"/>
-            <a:ext cx="4124499" cy="0"/>
-          </a:xfrm>
-          <a:prstGeom prst="line">
-            <a:avLst/>
-          </a:prstGeom>
-          <a:ln>
-            <a:solidFill>
-              <a:schemeClr val="bg1">
-                <a:lumMod val="75000"/>
-              </a:schemeClr>
-            </a:solidFill>
-          </a:ln>
-        </p:spPr>
-        <p:style>
-          <a:lnRef idx="1">
-            <a:schemeClr val="accent1"/>
-          </a:lnRef>
-          <a:fillRef idx="0">
-            <a:schemeClr val="accent1"/>
-          </a:fillRef>
-          <a:effectRef idx="0">
-            <a:schemeClr val="accent1"/>
-          </a:effectRef>
-          <a:fontRef idx="minor">
-            <a:schemeClr val="tx1"/>
-          </a:fontRef>
-        </p:style>
-      </p:cxnSp>
-      <p:grpSp>
-        <p:nvGrpSpPr>
-          <p:cNvPr id="12" name="群組 11">
-            <a:extLst>
-              <a:ext uri="{FF2B5EF4-FFF2-40B4-BE49-F238E27FC236}">
-                <a16:creationId xmlns:a16="http://schemas.microsoft.com/office/drawing/2014/main" id="{62C7E013-CEE0-4BCA-9C8F-94E8934D2665}"/>
-              </a:ext>
-            </a:extLst>
-          </p:cNvPr>
-          <p:cNvGrpSpPr/>
-          <p:nvPr/>
-        </p:nvGrpSpPr>
-        <p:grpSpPr>
-          <a:xfrm>
-            <a:off x="10932000" y="0"/>
-            <a:ext cx="1260000" cy="1260000"/>
-            <a:chOff x="8555073" y="665432"/>
-            <a:chExt cx="1260000" cy="1260000"/>
-          </a:xfrm>
-        </p:grpSpPr>
-        <p:sp>
-          <p:nvSpPr>
-            <p:cNvPr id="13" name="矩形 12">
-              <a:extLst>
-                <a:ext uri="{FF2B5EF4-FFF2-40B4-BE49-F238E27FC236}">
-                  <a16:creationId xmlns:a16="http://schemas.microsoft.com/office/drawing/2014/main" id="{898AA730-A64F-4CA0-AF41-72C816458094}"/>
-                </a:ext>
-              </a:extLst>
-            </p:cNvPr>
-            <p:cNvSpPr/>
-            <p:nvPr/>
-          </p:nvSpPr>
-          <p:spPr>
-            <a:xfrm>
-              <a:off x="8555073" y="665432"/>
-              <a:ext cx="1260000" cy="1260000"/>
-            </a:xfrm>
-            <a:prstGeom prst="rect">
-              <a:avLst/>
-            </a:prstGeom>
-            <a:solidFill>
-              <a:srgbClr val="FF0000"/>
-            </a:solidFill>
-            <a:ln>
-              <a:noFill/>
-            </a:ln>
-          </p:spPr>
-          <p:style>
-            <a:lnRef idx="2">
-              <a:schemeClr val="accent1">
-                <a:shade val="50000"/>
-              </a:schemeClr>
-            </a:lnRef>
-            <a:fillRef idx="1">
-              <a:schemeClr val="accent1"/>
-            </a:fillRef>
-            <a:effectRef idx="0">
-              <a:schemeClr val="accent1"/>
-            </a:effectRef>
-            <a:fontRef idx="minor">
-              <a:schemeClr val="lt1"/>
-            </a:fontRef>
-          </p:style>
-          <p:txBody>
-            <a:bodyPr rtlCol="0" anchor="ctr"/>
-            <a:lstStyle/>
-            <a:p>
-              <a:pPr algn="ctr"/>
-              <a:endParaRPr lang="zh-TW" altLang="en-US"/>
-            </a:p>
-          </p:txBody>
-        </p:sp>
-        <p:sp>
-          <p:nvSpPr>
-            <p:cNvPr id="14" name="矩形 13">
-              <a:extLst>
-                <a:ext uri="{FF2B5EF4-FFF2-40B4-BE49-F238E27FC236}">
-                  <a16:creationId xmlns:a16="http://schemas.microsoft.com/office/drawing/2014/main" id="{C71C071F-1326-435A-BA95-BC2FE392C146}"/>
-                </a:ext>
-              </a:extLst>
-            </p:cNvPr>
-            <p:cNvSpPr/>
-            <p:nvPr/>
-          </p:nvSpPr>
-          <p:spPr>
-            <a:xfrm>
-              <a:off x="8837299" y="665432"/>
-              <a:ext cx="977774" cy="979200"/>
-            </a:xfrm>
-            <a:prstGeom prst="rect">
-              <a:avLst/>
-            </a:prstGeom>
-            <a:solidFill>
-              <a:srgbClr val="00B0F0"/>
-            </a:solidFill>
-            <a:ln w="12700">
-              <a:noFill/>
-            </a:ln>
-          </p:spPr>
-          <p:style>
-            <a:lnRef idx="2">
-              <a:schemeClr val="accent1">
-                <a:shade val="50000"/>
-              </a:schemeClr>
-            </a:lnRef>
-            <a:fillRef idx="1">
-              <a:schemeClr val="accent1"/>
-            </a:fillRef>
-            <a:effectRef idx="0">
-              <a:schemeClr val="accent1"/>
-            </a:effectRef>
-            <a:fontRef idx="minor">
-              <a:schemeClr val="lt1"/>
-            </a:fontRef>
-          </p:style>
-          <p:txBody>
-            <a:bodyPr rtlCol="0" anchor="ctr"/>
-            <a:lstStyle/>
-            <a:p>
-              <a:pPr algn="ctr"/>
-              <a:endParaRPr lang="zh-TW" altLang="en-US"/>
-            </a:p>
-          </p:txBody>
-        </p:sp>
-        <p:sp>
-          <p:nvSpPr>
-            <p:cNvPr id="15" name="矩形 14">
-              <a:extLst>
-                <a:ext uri="{FF2B5EF4-FFF2-40B4-BE49-F238E27FC236}">
-                  <a16:creationId xmlns:a16="http://schemas.microsoft.com/office/drawing/2014/main" id="{D3290E37-156B-41E1-847E-B0D045979DD2}"/>
-                </a:ext>
-              </a:extLst>
-            </p:cNvPr>
-            <p:cNvSpPr/>
-            <p:nvPr/>
-          </p:nvSpPr>
-          <p:spPr>
-            <a:xfrm>
-              <a:off x="9156682" y="675823"/>
-              <a:ext cx="648000" cy="648000"/>
-            </a:xfrm>
-            <a:prstGeom prst="rect">
-              <a:avLst/>
-            </a:prstGeom>
-            <a:solidFill>
-              <a:srgbClr val="FF0000"/>
-            </a:solidFill>
-            <a:ln>
-              <a:noFill/>
-            </a:ln>
-          </p:spPr>
-          <p:style>
-            <a:lnRef idx="2">
-              <a:schemeClr val="accent1">
-                <a:shade val="50000"/>
-              </a:schemeClr>
-            </a:lnRef>
-            <a:fillRef idx="1">
-              <a:schemeClr val="accent1"/>
-            </a:fillRef>
-            <a:effectRef idx="0">
-              <a:schemeClr val="accent1"/>
-            </a:effectRef>
-            <a:fontRef idx="minor">
-              <a:schemeClr val="lt1"/>
-            </a:fontRef>
-          </p:style>
-          <p:txBody>
-            <a:bodyPr rtlCol="0" anchor="ctr"/>
-            <a:lstStyle/>
-            <a:p>
-              <a:pPr algn="ctr"/>
-              <a:endParaRPr lang="zh-TW" altLang="en-US"/>
-            </a:p>
-          </p:txBody>
-        </p:sp>
-      </p:grpSp>
-    </p:spTree>
-    <p:extLst>
-      <p:ext uri="{BB962C8B-B14F-4D97-AF65-F5344CB8AC3E}">
-        <p14:creationId xmlns:p14="http://schemas.microsoft.com/office/powerpoint/2010/main" val="1555486697"/>
-      </p:ext>
-    </p:extLst>
-  </p:cSld>
-  <p:clrMapOvr>
-    <a:masterClrMapping/>
-  </p:clrMapOvr>
-</p:sld>
-</file>
-
 <file path=ppt/slides/slide16.xml><?xml version="1.0" encoding="utf-8"?>
 <p:sld xmlns:a="http://schemas.openxmlformats.org/drawingml/2006/main" xmlns:r="http://schemas.openxmlformats.org/officeDocument/2006/relationships" xmlns:p="http://schemas.openxmlformats.org/presentationml/2006/main">
   <p:cSld>
@@ -14806,19 +14299,62 @@
           <a:p>
             <a:pPr lvl="1"/>
             <a:r>
-              <a:rPr lang="en-US" altLang="zh-TW" sz="2400" dirty="0" err="1">
-                <a:latin typeface="Comic Sans MS" panose="030F0702030302020204" pitchFamily="66" charset="0"/>
-              </a:rPr>
-              <a:t>Super_Image_h</a:t>
-            </a:r>
-            <a:endParaRPr lang="en-US" altLang="zh-TW" sz="2400" dirty="0">
-              <a:latin typeface="Comic Sans MS" panose="030F0702030302020204" pitchFamily="66" charset="0"/>
-            </a:endParaRPr>
-          </a:p>
-          <a:p>
-            <a:pPr marL="201168" lvl="1" indent="0">
-              <a:buNone/>
-            </a:pPr>
+              <a:rPr lang="en-US" altLang="zh-TW" sz="2400" dirty="0">
+                <a:latin typeface="Comic Sans MS" panose="030F0702030302020204" pitchFamily="66" charset="0"/>
+              </a:rPr>
+              <a:t>X</a:t>
+            </a:r>
+            <a:r>
+              <a:rPr lang="zh-TW" altLang="en-US" sz="2400" dirty="0">
+                <a:latin typeface="Comic Sans MS" panose="030F0702030302020204" pitchFamily="66" charset="0"/>
+              </a:rPr>
+              <a:t>、</a:t>
+            </a:r>
+            <a:r>
+              <a:rPr lang="en-US" altLang="zh-TW" sz="2400" dirty="0">
+                <a:latin typeface="Comic Sans MS" panose="030F0702030302020204" pitchFamily="66" charset="0"/>
+              </a:rPr>
+              <a:t>Y</a:t>
+            </a:r>
+            <a:r>
+              <a:rPr lang="zh-TW" altLang="en-US" sz="2400" dirty="0">
+                <a:latin typeface="Comic Sans MS" panose="030F0702030302020204" pitchFamily="66" charset="0"/>
+              </a:rPr>
+              <a:t>、</a:t>
+            </a:r>
+            <a:r>
+              <a:rPr lang="el-GR" altLang="zh-TW" sz="2400" dirty="0">
+                <a:latin typeface="Comic Sans MS" panose="030F0702030302020204" pitchFamily="66" charset="0"/>
+              </a:rPr>
+              <a:t>Δ</a:t>
+            </a:r>
+            <a:r>
+              <a:rPr lang="en-US" altLang="zh-TW" sz="2400" dirty="0">
+                <a:latin typeface="Comic Sans MS" panose="030F0702030302020204" pitchFamily="66" charset="0"/>
+              </a:rPr>
+              <a:t>x</a:t>
+            </a:r>
+            <a:r>
+              <a:rPr lang="zh-TW" altLang="en-US" sz="2400" dirty="0">
+                <a:latin typeface="Comic Sans MS" panose="030F0702030302020204" pitchFamily="66" charset="0"/>
+              </a:rPr>
+              <a:t>、</a:t>
+            </a:r>
+            <a:r>
+              <a:rPr lang="el-GR" altLang="zh-TW" sz="2400" dirty="0">
+                <a:latin typeface="Comic Sans MS" panose="030F0702030302020204" pitchFamily="66" charset="0"/>
+              </a:rPr>
+              <a:t>Δ</a:t>
+            </a:r>
+            <a:r>
+              <a:rPr lang="en-US" altLang="zh-TW" sz="2400" dirty="0" smtClean="0">
+                <a:latin typeface="Comic Sans MS" panose="030F0702030302020204" pitchFamily="66" charset="0"/>
+              </a:rPr>
+              <a:t>y</a:t>
+            </a:r>
+          </a:p>
+          <a:p>
+            <a:pPr lvl="1"/>
             <a:endParaRPr lang="en-US" altLang="zh-TW" sz="2800" dirty="0">
               <a:latin typeface="Comic Sans MS" panose="030F0702030302020204" pitchFamily="66" charset="0"/>
             </a:endParaRPr>
@@ -14844,7 +14380,7 @@
               <a:rPr lang="en-US" altLang="zh-TW" sz="2400" dirty="0" err="1">
                 <a:latin typeface="Comic Sans MS" panose="030F0702030302020204" pitchFamily="66" charset="0"/>
               </a:rPr>
-              <a:t>Sample_feature_data</a:t>
+              <a:t>trainSet</a:t>
             </a:r>
             <a:endParaRPr lang="en-US" altLang="zh-TW" sz="2400" dirty="0">
               <a:latin typeface="Comic Sans MS" panose="030F0702030302020204" pitchFamily="66" charset="0"/>
@@ -14877,10 +14413,10 @@
           <a:p>
             <a:pPr lvl="1"/>
             <a:r>
-              <a:rPr lang="en-US" altLang="zh-TW" sz="2400" dirty="0" err="1">
-                <a:latin typeface="Comic Sans MS" panose="030F0702030302020204" pitchFamily="66" charset="0"/>
-              </a:rPr>
-              <a:t>HoG</a:t>
+              <a:rPr lang="en-US" altLang="zh-TW" sz="2400" dirty="0" smtClean="0">
+                <a:latin typeface="Comic Sans MS" panose="030F0702030302020204" pitchFamily="66" charset="0"/>
+              </a:rPr>
+              <a:t>LBP</a:t>
             </a:r>
             <a:endParaRPr lang="zh-TW" altLang="zh-TW" sz="2400" dirty="0">
               <a:latin typeface="Comic Sans MS" panose="030F0702030302020204" pitchFamily="66" charset="0"/>
@@ -15250,7 +14786,7 @@
               <a:rPr lang="en-US" altLang="zh-TW" sz="2400" dirty="0" err="1">
                 <a:latin typeface="Comic Sans MS" panose="030F0702030302020204" pitchFamily="66" charset="0"/>
               </a:rPr>
-              <a:t>Sample_feature_data</a:t>
+              <a:t>trainSet</a:t>
             </a:r>
             <a:r>
               <a:rPr lang="en-US" altLang="zh-TW" sz="2400" dirty="0">
@@ -15258,12 +14794,79 @@
               </a:rPr>
               <a:t> </a:t>
             </a:r>
-          </a:p>
-          <a:p>
-            <a:pPr marL="201168" lvl="1" indent="0">
-              <a:buNone/>
-            </a:pPr>
-            <a:endParaRPr lang="en-US" altLang="zh-TW" sz="2800" dirty="0">
+            <a:endParaRPr lang="en-US" altLang="zh-TW" sz="2400" dirty="0" smtClean="0">
+              <a:latin typeface="Comic Sans MS" panose="030F0702030302020204" pitchFamily="66" charset="0"/>
+            </a:endParaRPr>
+          </a:p>
+          <a:p>
+            <a:pPr lvl="1"/>
+            <a:r>
+              <a:rPr lang="en-US" altLang="zh-TW" sz="2400" dirty="0" smtClean="0">
+                <a:latin typeface="Comic Sans MS" panose="030F0702030302020204" pitchFamily="66" charset="0"/>
+              </a:rPr>
+              <a:t>X</a:t>
+            </a:r>
+            <a:r>
+              <a:rPr lang="zh-TW" altLang="en-US" sz="2400" dirty="0" smtClean="0">
+                <a:latin typeface="Comic Sans MS" panose="030F0702030302020204" pitchFamily="66" charset="0"/>
+              </a:rPr>
+              <a:t>、</a:t>
+            </a:r>
+            <a:r>
+              <a:rPr lang="en-US" altLang="zh-TW" sz="2400" dirty="0" smtClean="0">
+                <a:latin typeface="Comic Sans MS" panose="030F0702030302020204" pitchFamily="66" charset="0"/>
+              </a:rPr>
+              <a:t>Y</a:t>
+            </a:r>
+            <a:r>
+              <a:rPr lang="zh-TW" altLang="en-US" sz="2400" dirty="0" smtClean="0">
+                <a:latin typeface="Comic Sans MS" panose="030F0702030302020204" pitchFamily="66" charset="0"/>
+              </a:rPr>
+              <a:t>、</a:t>
+            </a:r>
+            <a:r>
+              <a:rPr lang="el-GR" altLang="zh-TW" sz="2400" dirty="0" smtClean="0">
+                <a:latin typeface="Comic Sans MS" panose="030F0702030302020204" pitchFamily="66" charset="0"/>
+              </a:rPr>
+              <a:t>Δ</a:t>
+            </a:r>
+            <a:r>
+              <a:rPr lang="en-US" altLang="zh-TW" sz="2400" dirty="0" smtClean="0">
+                <a:latin typeface="Comic Sans MS" panose="030F0702030302020204" pitchFamily="66" charset="0"/>
+              </a:rPr>
+              <a:t>x</a:t>
+            </a:r>
+            <a:r>
+              <a:rPr lang="zh-TW" altLang="en-US" sz="2400" dirty="0" smtClean="0">
+                <a:latin typeface="Comic Sans MS" panose="030F0702030302020204" pitchFamily="66" charset="0"/>
+              </a:rPr>
+              <a:t>、</a:t>
+            </a:r>
+            <a:r>
+              <a:rPr lang="el-GR" altLang="zh-TW" sz="2400" dirty="0" smtClean="0">
+                <a:latin typeface="Comic Sans MS" panose="030F0702030302020204" pitchFamily="66" charset="0"/>
+              </a:rPr>
+              <a:t>Δ</a:t>
+            </a:r>
+            <a:r>
+              <a:rPr lang="en-US" altLang="zh-TW" sz="2400" dirty="0" smtClean="0">
+                <a:latin typeface="Comic Sans MS" panose="030F0702030302020204" pitchFamily="66" charset="0"/>
+              </a:rPr>
+              <a:t>y </a:t>
+            </a:r>
+            <a:r>
+              <a:rPr lang="zh-TW" altLang="en-US" sz="2400" dirty="0" smtClean="0">
+                <a:latin typeface="Comic Sans MS" panose="030F0702030302020204" pitchFamily="66" charset="0"/>
+              </a:rPr>
+              <a:t>、</a:t>
+            </a:r>
+            <a:r>
+              <a:rPr lang="en-US" altLang="zh-TW" sz="2400" dirty="0" err="1" smtClean="0">
+                <a:latin typeface="Comic Sans MS" panose="030F0702030302020204" pitchFamily="66" charset="0"/>
+              </a:rPr>
+              <a:t>object_class</a:t>
+            </a:r>
+            <a:endParaRPr lang="zh-TW" altLang="zh-TW" sz="2400" dirty="0" smtClean="0">
               <a:latin typeface="Comic Sans MS" panose="030F0702030302020204" pitchFamily="66" charset="0"/>
             </a:endParaRPr>
           </a:p>
@@ -15327,20 +14930,22 @@
           <a:p>
             <a:pPr lvl="1"/>
             <a:r>
-              <a:rPr lang="en-US" altLang="zh-TW" sz="2400" dirty="0">
-                <a:latin typeface="Comic Sans MS" panose="030F0702030302020204" pitchFamily="66" charset="0"/>
-              </a:rPr>
-              <a:t>SVM</a:t>
-            </a:r>
-          </a:p>
-          <a:p>
-            <a:pPr lvl="1"/>
-            <a:r>
-              <a:rPr lang="en-US" altLang="zh-TW" sz="2400" dirty="0">
+              <a:rPr lang="en-US" altLang="zh-TW" sz="2400" dirty="0" smtClean="0">
                 <a:latin typeface="Comic Sans MS" panose="030F0702030302020204" pitchFamily="66" charset="0"/>
               </a:rPr>
               <a:t>MLP</a:t>
             </a:r>
+            <a:endParaRPr lang="en-US" altLang="zh-TW" sz="2400" dirty="0">
+              <a:latin typeface="Comic Sans MS" panose="030F0702030302020204" pitchFamily="66" charset="0"/>
+            </a:endParaRPr>
+          </a:p>
+          <a:p>
+            <a:pPr marL="201168" lvl="1" indent="0">
+              <a:buNone/>
+            </a:pPr>
+            <a:endParaRPr lang="en-US" altLang="zh-TW" sz="2800" dirty="0" smtClean="0">
+              <a:latin typeface="Comic Sans MS" panose="030F0702030302020204" pitchFamily="66" charset="0"/>
+            </a:endParaRPr>
           </a:p>
           <a:p>
             <a:pPr marL="201168" lvl="1" indent="0">
@@ -15361,19 +14966,16 @@
           <a:p>
             <a:pPr lvl="1"/>
             <a:r>
+              <a:rPr lang="en-US" altLang="zh-TW" sz="2400" dirty="0" smtClean="0">
+                <a:latin typeface="Comic Sans MS" panose="030F0702030302020204" pitchFamily="66" charset="0"/>
+              </a:rPr>
+              <a:t>MLP </a:t>
+            </a:r>
+            <a:r>
               <a:rPr lang="en-US" altLang="zh-TW" sz="2400" dirty="0">
                 <a:latin typeface="Comic Sans MS" panose="030F0702030302020204" pitchFamily="66" charset="0"/>
               </a:rPr>
-              <a:t>SVM : Support vector</a:t>
-            </a:r>
-          </a:p>
-          <a:p>
-            <a:pPr lvl="1"/>
-            <a:r>
-              <a:rPr lang="en-US" altLang="zh-TW" sz="2400" dirty="0">
-                <a:latin typeface="Comic Sans MS" panose="030F0702030302020204" pitchFamily="66" charset="0"/>
-              </a:rPr>
-              <a:t>MLP : hidden node</a:t>
+              <a:t>: hidden node</a:t>
             </a:r>
           </a:p>
           <a:p>
@@ -15696,873 +15298,6 @@
             <p:ph type="title"/>
           </p:nvPr>
         </p:nvSpPr>
-        <p:spPr/>
-        <p:txBody>
-          <a:bodyPr>
-            <a:normAutofit/>
-          </a:bodyPr>
-          <a:lstStyle/>
-          <a:p>
-            <a:r>
-              <a:rPr lang="en-US" altLang="zh-TW" dirty="0">
-                <a:latin typeface="Comic Sans MS" panose="030F0702030302020204" pitchFamily="66" charset="0"/>
-              </a:rPr>
-              <a:t>Anchor box</a:t>
-            </a:r>
-          </a:p>
-        </p:txBody>
-      </p:sp>
-      <mc:AlternateContent xmlns:mc="http://schemas.openxmlformats.org/markup-compatibility/2006" xmlns:a14="http://schemas.microsoft.com/office/drawing/2010/main">
-        <mc:Choice Requires="a14">
-          <p:sp>
-            <p:nvSpPr>
-              <p:cNvPr id="3" name="內容版面配置區 2"/>
-              <p:cNvSpPr>
-                <a:spLocks noGrp="1"/>
-              </p:cNvSpPr>
-              <p:nvPr>
-                <p:ph sz="half" idx="1"/>
-              </p:nvPr>
-            </p:nvSpPr>
-            <p:spPr>
-              <a:xfrm>
-                <a:off x="1097279" y="1845734"/>
-                <a:ext cx="5469776" cy="4023360"/>
-              </a:xfrm>
-            </p:spPr>
-            <p:txBody>
-              <a:bodyPr>
-                <a:noAutofit/>
-              </a:bodyPr>
-              <a:lstStyle/>
-              <a:p>
-                <a:r>
-                  <a:rPr lang="en-US" altLang="zh-TW" sz="2800" dirty="0">
-                    <a:latin typeface="Comic Sans MS" panose="030F0702030302020204" pitchFamily="66" charset="0"/>
-                  </a:rPr>
-                  <a:t>Input</a:t>
-                </a:r>
-              </a:p>
-              <a:p>
-                <a:pPr lvl="1"/>
-                <a:r>
-                  <a:rPr lang="en-US" altLang="zh-TW" sz="2400" dirty="0" err="1">
-                    <a:latin typeface="Comic Sans MS" panose="030F0702030302020204" pitchFamily="66" charset="0"/>
-                  </a:rPr>
-                  <a:t>Sample_Image_h</a:t>
-                </a:r>
-                <a:endParaRPr lang="en-US" altLang="zh-TW" sz="2400" dirty="0">
-                  <a:latin typeface="Comic Sans MS" panose="030F0702030302020204" pitchFamily="66" charset="0"/>
-                </a:endParaRPr>
-              </a:p>
-              <a:p>
-                <a:pPr lvl="1"/>
-                <a:endParaRPr lang="en-US" altLang="zh-TW" sz="2800" dirty="0">
-                  <a:latin typeface="Comic Sans MS" panose="030F0702030302020204" pitchFamily="66" charset="0"/>
-                </a:endParaRPr>
-              </a:p>
-              <a:p>
-                <a:pPr marL="201168" lvl="1" indent="0">
-                  <a:buNone/>
-                </a:pPr>
-                <a:endParaRPr lang="en-US" altLang="zh-TW" sz="2800" dirty="0">
-                  <a:latin typeface="Comic Sans MS" panose="030F0702030302020204" pitchFamily="66" charset="0"/>
-                </a:endParaRPr>
-              </a:p>
-              <a:p>
-                <a:r>
-                  <a:rPr lang="en-US" altLang="zh-TW" sz="2800" dirty="0">
-                    <a:latin typeface="Comic Sans MS" panose="030F0702030302020204" pitchFamily="66" charset="0"/>
-                  </a:rPr>
-                  <a:t>Output</a:t>
-                </a:r>
-              </a:p>
-              <a:p>
-                <a:pPr lvl="1"/>
-                <a:r>
-                  <a:rPr lang="en-US" altLang="zh-TW" sz="2400" dirty="0">
-                    <a:latin typeface="Comic Sans MS" panose="030F0702030302020204" pitchFamily="66" charset="0"/>
-                  </a:rPr>
-                  <a:t>anchor_1</a:t>
-                </a:r>
-                <a14:m>
-                  <m:oMath xmlns:m="http://schemas.openxmlformats.org/officeDocument/2006/math">
-                    <m:d>
-                      <m:dPr>
-                        <m:begChr m:val="["/>
-                        <m:endChr m:val="]"/>
-                        <m:ctrlPr>
-                          <a:rPr lang="en-US" altLang="zh-TW" sz="2400" i="1" dirty="0">
-                            <a:latin typeface="Cambria Math" panose="02040503050406030204" pitchFamily="18" charset="0"/>
-                          </a:rPr>
-                        </m:ctrlPr>
-                      </m:dPr>
-                      <m:e>
-                        <m:acc>
-                          <m:accPr>
-                            <m:chr m:val="̂"/>
-                            <m:ctrlPr>
-                              <a:rPr lang="en-US" altLang="zh-TW" sz="2400" i="1" dirty="0">
-                                <a:latin typeface="Cambria Math" panose="02040503050406030204" pitchFamily="18" charset="0"/>
-                              </a:rPr>
-                            </m:ctrlPr>
-                          </m:accPr>
-                          <m:e>
-                            <m:r>
-                              <a:rPr lang="en-US" altLang="zh-TW" sz="2400" i="1" dirty="0">
-                                <a:latin typeface="Cambria Math" panose="02040503050406030204" pitchFamily="18" charset="0"/>
-                              </a:rPr>
-                              <m:t>𝑥</m:t>
-                            </m:r>
-                          </m:e>
-                        </m:acc>
-                        <m:r>
-                          <a:rPr lang="en-US" altLang="zh-TW" sz="2400" i="1" dirty="0">
-                            <a:latin typeface="Cambria Math" panose="02040503050406030204" pitchFamily="18" charset="0"/>
-                          </a:rPr>
-                          <m:t>,</m:t>
-                        </m:r>
-                        <m:acc>
-                          <m:accPr>
-                            <m:chr m:val="̂"/>
-                            <m:ctrlPr>
-                              <a:rPr lang="en-US" altLang="zh-TW" sz="2400" i="1" dirty="0">
-                                <a:latin typeface="Cambria Math" panose="02040503050406030204" pitchFamily="18" charset="0"/>
-                              </a:rPr>
-                            </m:ctrlPr>
-                          </m:accPr>
-                          <m:e>
-                            <m:r>
-                              <a:rPr lang="en-US" altLang="zh-TW" sz="2400" i="1" dirty="0">
-                                <a:latin typeface="Cambria Math" panose="02040503050406030204" pitchFamily="18" charset="0"/>
-                              </a:rPr>
-                              <m:t>𝑦</m:t>
-                            </m:r>
-                          </m:e>
-                        </m:acc>
-                        <m:r>
-                          <a:rPr lang="en-US" altLang="zh-TW" sz="2400" i="1" dirty="0">
-                            <a:latin typeface="Cambria Math" panose="02040503050406030204" pitchFamily="18" charset="0"/>
-                          </a:rPr>
-                          <m:t>,</m:t>
-                        </m:r>
-                        <m:r>
-                          <m:rPr>
-                            <m:nor/>
-                          </m:rPr>
-                          <a:rPr lang="el-GR" altLang="zh-TW" sz="2400" dirty="0">
-                            <a:latin typeface="Comic Sans MS" panose="030F0702030302020204" pitchFamily="66" charset="0"/>
-                          </a:rPr>
-                          <m:t>Δ</m:t>
-                        </m:r>
-                        <m:acc>
-                          <m:accPr>
-                            <m:chr m:val="̂"/>
-                            <m:ctrlPr>
-                              <a:rPr lang="en-US" altLang="zh-TW" sz="2400" i="1" dirty="0">
-                                <a:latin typeface="Cambria Math" panose="02040503050406030204" pitchFamily="18" charset="0"/>
-                              </a:rPr>
-                            </m:ctrlPr>
-                          </m:accPr>
-                          <m:e>
-                            <m:r>
-                              <m:rPr>
-                                <m:nor/>
-                              </m:rPr>
-                              <a:rPr lang="en-US" altLang="zh-TW" sz="2400" dirty="0">
-                                <a:latin typeface="Comic Sans MS" panose="030F0702030302020204" pitchFamily="66" charset="0"/>
-                              </a:rPr>
-                              <m:t>x</m:t>
-                            </m:r>
-                          </m:e>
-                        </m:acc>
-                        <m:r>
-                          <m:rPr>
-                            <m:nor/>
-                          </m:rPr>
-                          <a:rPr lang="en-US" altLang="zh-TW" sz="2400" dirty="0">
-                            <a:latin typeface="Comic Sans MS" panose="030F0702030302020204" pitchFamily="66" charset="0"/>
-                          </a:rPr>
-                          <m:t>,</m:t>
-                        </m:r>
-                        <m:r>
-                          <m:rPr>
-                            <m:nor/>
-                          </m:rPr>
-                          <a:rPr lang="el-GR" altLang="zh-TW" sz="2400" dirty="0">
-                            <a:latin typeface="Comic Sans MS" panose="030F0702030302020204" pitchFamily="66" charset="0"/>
-                          </a:rPr>
-                          <m:t>Δ</m:t>
-                        </m:r>
-                        <m:acc>
-                          <m:accPr>
-                            <m:chr m:val="̂"/>
-                            <m:ctrlPr>
-                              <a:rPr lang="en-US" altLang="zh-TW" sz="2400" i="1" dirty="0">
-                                <a:latin typeface="Cambria Math" panose="02040503050406030204" pitchFamily="18" charset="0"/>
-                              </a:rPr>
-                            </m:ctrlPr>
-                          </m:accPr>
-                          <m:e>
-                            <m:r>
-                              <m:rPr>
-                                <m:nor/>
-                              </m:rPr>
-                              <a:rPr lang="en-US" altLang="zh-TW" sz="2400" dirty="0">
-                                <a:latin typeface="Comic Sans MS" panose="030F0702030302020204" pitchFamily="66" charset="0"/>
-                              </a:rPr>
-                              <m:t>y</m:t>
-                            </m:r>
-                          </m:e>
-                        </m:acc>
-                        <m:r>
-                          <m:rPr>
-                            <m:nor/>
-                          </m:rPr>
-                          <a:rPr lang="en-US" altLang="zh-TW" sz="2400" dirty="0">
-                            <a:latin typeface="Comic Sans MS" panose="030F0702030302020204" pitchFamily="66" charset="0"/>
-                          </a:rPr>
-                          <m:t>,</m:t>
-                        </m:r>
-                        <m:r>
-                          <m:rPr>
-                            <m:nor/>
-                          </m:rPr>
-                          <a:rPr lang="en-US" altLang="zh-TW" sz="2400" dirty="0">
-                            <a:latin typeface="Comic Sans MS" panose="030F0702030302020204" pitchFamily="66" charset="0"/>
-                          </a:rPr>
-                          <m:t>IoU</m:t>
-                        </m:r>
-                        <m:r>
-                          <a:rPr lang="en-US" altLang="zh-TW" sz="2400" b="0" i="1" dirty="0" smtClean="0">
-                            <a:latin typeface="Cambria Math" panose="02040503050406030204" pitchFamily="18" charset="0"/>
-                          </a:rPr>
-                          <m:t>,</m:t>
-                        </m:r>
-                        <m:r>
-                          <m:rPr>
-                            <m:nor/>
-                          </m:rPr>
-                          <a:rPr lang="en-US" altLang="zh-TW" sz="2400" dirty="0">
-                            <a:latin typeface="Comic Sans MS" panose="030F0702030302020204" pitchFamily="66" charset="0"/>
-                          </a:rPr>
-                          <m:t>object</m:t>
-                        </m:r>
-                        <m:r>
-                          <m:rPr>
-                            <m:nor/>
-                          </m:rPr>
-                          <a:rPr lang="en-US" altLang="zh-TW" sz="2400" dirty="0">
-                            <a:latin typeface="Comic Sans MS" panose="030F0702030302020204" pitchFamily="66" charset="0"/>
-                          </a:rPr>
-                          <m:t>_</m:t>
-                        </m:r>
-                        <m:r>
-                          <m:rPr>
-                            <m:nor/>
-                          </m:rPr>
-                          <a:rPr lang="en-US" altLang="zh-TW" sz="2400" dirty="0">
-                            <a:latin typeface="Comic Sans MS" panose="030F0702030302020204" pitchFamily="66" charset="0"/>
-                          </a:rPr>
-                          <m:t>class</m:t>
-                        </m:r>
-                      </m:e>
-                    </m:d>
-                  </m:oMath>
-                </a14:m>
-                <a:endParaRPr lang="en-US" altLang="zh-TW" sz="2400" dirty="0">
-                  <a:latin typeface="Comic Sans MS" panose="030F0702030302020204" pitchFamily="66" charset="0"/>
-                </a:endParaRPr>
-              </a:p>
-              <a:p>
-                <a:pPr lvl="1"/>
-                <a:r>
-                  <a:rPr lang="en-US" altLang="zh-TW" sz="2400" dirty="0">
-                    <a:latin typeface="Comic Sans MS" panose="030F0702030302020204" pitchFamily="66" charset="0"/>
-                  </a:rPr>
-                  <a:t>anchor_2</a:t>
-                </a:r>
-                <a14:m>
-                  <m:oMath xmlns:m="http://schemas.openxmlformats.org/officeDocument/2006/math">
-                    <m:d>
-                      <m:dPr>
-                        <m:begChr m:val="["/>
-                        <m:endChr m:val="]"/>
-                        <m:ctrlPr>
-                          <a:rPr lang="en-US" altLang="zh-TW" sz="2400" i="1" dirty="0">
-                            <a:latin typeface="Cambria Math" panose="02040503050406030204" pitchFamily="18" charset="0"/>
-                          </a:rPr>
-                        </m:ctrlPr>
-                      </m:dPr>
-                      <m:e>
-                        <m:acc>
-                          <m:accPr>
-                            <m:chr m:val="̂"/>
-                            <m:ctrlPr>
-                              <a:rPr lang="en-US" altLang="zh-TW" sz="2400" i="1" dirty="0">
-                                <a:latin typeface="Cambria Math" panose="02040503050406030204" pitchFamily="18" charset="0"/>
-                              </a:rPr>
-                            </m:ctrlPr>
-                          </m:accPr>
-                          <m:e>
-                            <m:r>
-                              <a:rPr lang="en-US" altLang="zh-TW" sz="2400" i="1" dirty="0">
-                                <a:latin typeface="Cambria Math" panose="02040503050406030204" pitchFamily="18" charset="0"/>
-                              </a:rPr>
-                              <m:t>𝑥</m:t>
-                            </m:r>
-                          </m:e>
-                        </m:acc>
-                        <m:r>
-                          <a:rPr lang="en-US" altLang="zh-TW" sz="2400" i="1" dirty="0">
-                            <a:latin typeface="Cambria Math" panose="02040503050406030204" pitchFamily="18" charset="0"/>
-                          </a:rPr>
-                          <m:t>,</m:t>
-                        </m:r>
-                        <m:acc>
-                          <m:accPr>
-                            <m:chr m:val="̂"/>
-                            <m:ctrlPr>
-                              <a:rPr lang="en-US" altLang="zh-TW" sz="2400" i="1" dirty="0">
-                                <a:latin typeface="Cambria Math" panose="02040503050406030204" pitchFamily="18" charset="0"/>
-                              </a:rPr>
-                            </m:ctrlPr>
-                          </m:accPr>
-                          <m:e>
-                            <m:r>
-                              <a:rPr lang="en-US" altLang="zh-TW" sz="2400" i="1" dirty="0">
-                                <a:latin typeface="Cambria Math" panose="02040503050406030204" pitchFamily="18" charset="0"/>
-                              </a:rPr>
-                              <m:t>𝑦</m:t>
-                            </m:r>
-                          </m:e>
-                        </m:acc>
-                        <m:r>
-                          <a:rPr lang="en-US" altLang="zh-TW" sz="2400" i="1" dirty="0">
-                            <a:latin typeface="Cambria Math" panose="02040503050406030204" pitchFamily="18" charset="0"/>
-                          </a:rPr>
-                          <m:t>,</m:t>
-                        </m:r>
-                        <m:r>
-                          <m:rPr>
-                            <m:nor/>
-                          </m:rPr>
-                          <a:rPr lang="el-GR" altLang="zh-TW" sz="2400" dirty="0">
-                            <a:latin typeface="Comic Sans MS" panose="030F0702030302020204" pitchFamily="66" charset="0"/>
-                          </a:rPr>
-                          <m:t>Δ</m:t>
-                        </m:r>
-                        <m:acc>
-                          <m:accPr>
-                            <m:chr m:val="̂"/>
-                            <m:ctrlPr>
-                              <a:rPr lang="en-US" altLang="zh-TW" sz="2400" i="1" dirty="0">
-                                <a:latin typeface="Cambria Math" panose="02040503050406030204" pitchFamily="18" charset="0"/>
-                              </a:rPr>
-                            </m:ctrlPr>
-                          </m:accPr>
-                          <m:e>
-                            <m:r>
-                              <m:rPr>
-                                <m:nor/>
-                              </m:rPr>
-                              <a:rPr lang="en-US" altLang="zh-TW" sz="2400" dirty="0">
-                                <a:latin typeface="Comic Sans MS" panose="030F0702030302020204" pitchFamily="66" charset="0"/>
-                              </a:rPr>
-                              <m:t>x</m:t>
-                            </m:r>
-                          </m:e>
-                        </m:acc>
-                        <m:r>
-                          <m:rPr>
-                            <m:nor/>
-                          </m:rPr>
-                          <a:rPr lang="en-US" altLang="zh-TW" sz="2400" dirty="0">
-                            <a:latin typeface="Comic Sans MS" panose="030F0702030302020204" pitchFamily="66" charset="0"/>
-                          </a:rPr>
-                          <m:t>,</m:t>
-                        </m:r>
-                        <m:r>
-                          <m:rPr>
-                            <m:nor/>
-                          </m:rPr>
-                          <a:rPr lang="el-GR" altLang="zh-TW" sz="2400" dirty="0">
-                            <a:latin typeface="Comic Sans MS" panose="030F0702030302020204" pitchFamily="66" charset="0"/>
-                          </a:rPr>
-                          <m:t>Δ</m:t>
-                        </m:r>
-                        <m:acc>
-                          <m:accPr>
-                            <m:chr m:val="̂"/>
-                            <m:ctrlPr>
-                              <a:rPr lang="en-US" altLang="zh-TW" sz="2400" i="1" dirty="0">
-                                <a:latin typeface="Cambria Math" panose="02040503050406030204" pitchFamily="18" charset="0"/>
-                              </a:rPr>
-                            </m:ctrlPr>
-                          </m:accPr>
-                          <m:e>
-                            <m:r>
-                              <m:rPr>
-                                <m:nor/>
-                              </m:rPr>
-                              <a:rPr lang="en-US" altLang="zh-TW" sz="2400" dirty="0">
-                                <a:latin typeface="Comic Sans MS" panose="030F0702030302020204" pitchFamily="66" charset="0"/>
-                              </a:rPr>
-                              <m:t>y</m:t>
-                            </m:r>
-                          </m:e>
-                        </m:acc>
-                        <m:r>
-                          <m:rPr>
-                            <m:nor/>
-                          </m:rPr>
-                          <a:rPr lang="en-US" altLang="zh-TW" sz="2400" dirty="0">
-                            <a:latin typeface="Comic Sans MS" panose="030F0702030302020204" pitchFamily="66" charset="0"/>
-                          </a:rPr>
-                          <m:t>,</m:t>
-                        </m:r>
-                        <m:r>
-                          <m:rPr>
-                            <m:nor/>
-                          </m:rPr>
-                          <a:rPr lang="en-US" altLang="zh-TW" sz="2400" dirty="0">
-                            <a:latin typeface="Comic Sans MS" panose="030F0702030302020204" pitchFamily="66" charset="0"/>
-                          </a:rPr>
-                          <m:t>IoU</m:t>
-                        </m:r>
-                        <m:r>
-                          <a:rPr lang="en-US" altLang="zh-TW" sz="2400" i="1" dirty="0">
-                            <a:latin typeface="Cambria Math" panose="02040503050406030204" pitchFamily="18" charset="0"/>
-                          </a:rPr>
-                          <m:t>,</m:t>
-                        </m:r>
-                        <m:r>
-                          <m:rPr>
-                            <m:nor/>
-                          </m:rPr>
-                          <a:rPr lang="en-US" altLang="zh-TW" sz="2400" dirty="0">
-                            <a:latin typeface="Comic Sans MS" panose="030F0702030302020204" pitchFamily="66" charset="0"/>
-                          </a:rPr>
-                          <m:t>object</m:t>
-                        </m:r>
-                        <m:r>
-                          <m:rPr>
-                            <m:nor/>
-                          </m:rPr>
-                          <a:rPr lang="en-US" altLang="zh-TW" sz="2400" dirty="0">
-                            <a:latin typeface="Comic Sans MS" panose="030F0702030302020204" pitchFamily="66" charset="0"/>
-                          </a:rPr>
-                          <m:t>_</m:t>
-                        </m:r>
-                        <m:r>
-                          <m:rPr>
-                            <m:nor/>
-                          </m:rPr>
-                          <a:rPr lang="en-US" altLang="zh-TW" sz="2400" dirty="0">
-                            <a:latin typeface="Comic Sans MS" panose="030F0702030302020204" pitchFamily="66" charset="0"/>
-                          </a:rPr>
-                          <m:t>class</m:t>
-                        </m:r>
-                      </m:e>
-                    </m:d>
-                  </m:oMath>
-                </a14:m>
-                <a:endParaRPr lang="en-US" altLang="zh-TW" sz="2400" dirty="0">
-                  <a:latin typeface="Comic Sans MS" panose="030F0702030302020204" pitchFamily="66" charset="0"/>
-                </a:endParaRPr>
-              </a:p>
-              <a:p>
-                <a:pPr lvl="1"/>
-                <a:endParaRPr lang="en-US" altLang="zh-TW" sz="2800" dirty="0">
-                  <a:latin typeface="Comic Sans MS" panose="030F0702030302020204" pitchFamily="66" charset="0"/>
-                </a:endParaRPr>
-              </a:p>
-            </p:txBody>
-          </p:sp>
-        </mc:Choice>
-        <mc:Fallback xmlns="">
-          <p:sp>
-            <p:nvSpPr>
-              <p:cNvPr id="3" name="內容版面配置區 2"/>
-              <p:cNvSpPr>
-                <a:spLocks noGrp="1" noRot="1" noChangeAspect="1" noMove="1" noResize="1" noEditPoints="1" noAdjustHandles="1" noChangeArrowheads="1" noChangeShapeType="1" noTextEdit="1"/>
-              </p:cNvSpPr>
-              <p:nvPr>
-                <p:ph sz="half" idx="1"/>
-              </p:nvPr>
-            </p:nvSpPr>
-            <p:spPr>
-              <a:xfrm>
-                <a:off x="1097279" y="1845734"/>
-                <a:ext cx="5469776" cy="4023360"/>
-              </a:xfrm>
-              <a:blipFill>
-                <a:blip r:embed="rId2"/>
-                <a:stretch>
-                  <a:fillRect l="-2007" t="-2727"/>
-                </a:stretch>
-              </a:blipFill>
-            </p:spPr>
-            <p:txBody>
-              <a:bodyPr/>
-              <a:lstStyle/>
-              <a:p>
-                <a:r>
-                  <a:rPr lang="zh-TW" altLang="en-US">
-                    <a:noFill/>
-                  </a:rPr>
-                  <a:t> </a:t>
-                </a:r>
-              </a:p>
-            </p:txBody>
-          </p:sp>
-        </mc:Fallback>
-      </mc:AlternateContent>
-      <p:sp>
-        <p:nvSpPr>
-          <p:cNvPr id="5" name="內容版面配置區 4"/>
-          <p:cNvSpPr>
-            <a:spLocks noGrp="1"/>
-          </p:cNvSpPr>
-          <p:nvPr>
-            <p:ph sz="half" idx="2"/>
-          </p:nvPr>
-        </p:nvSpPr>
-        <p:spPr/>
-        <p:txBody>
-          <a:bodyPr>
-            <a:normAutofit/>
-          </a:bodyPr>
-          <a:lstStyle/>
-          <a:p>
-            <a:r>
-              <a:rPr lang="en-US" altLang="zh-TW" sz="2800" dirty="0">
-                <a:latin typeface="Comic Sans MS" panose="030F0702030302020204" pitchFamily="66" charset="0"/>
-              </a:rPr>
-              <a:t>Method</a:t>
-            </a:r>
-          </a:p>
-          <a:p>
-            <a:pPr lvl="1"/>
-            <a:r>
-              <a:rPr lang="en-US" altLang="zh-TW" sz="2400" dirty="0">
-                <a:latin typeface="Comic Sans MS" panose="030F0702030302020204" pitchFamily="66" charset="0"/>
-              </a:rPr>
-              <a:t>Use the SLIC to find out the prospect, then enclose the objects which might be the targets with anchor box.</a:t>
-            </a:r>
-            <a:endParaRPr lang="zh-TW" altLang="en-US" sz="2400" dirty="0">
-              <a:latin typeface="Comic Sans MS" panose="030F0702030302020204" pitchFamily="66" charset="0"/>
-            </a:endParaRPr>
-          </a:p>
-        </p:txBody>
-      </p:sp>
-      <p:cxnSp>
-        <p:nvCxnSpPr>
-          <p:cNvPr id="12" name="直線接點 11">
-            <a:extLst>
-              <a:ext uri="{FF2B5EF4-FFF2-40B4-BE49-F238E27FC236}">
-                <a16:creationId xmlns:a16="http://schemas.microsoft.com/office/drawing/2014/main" id="{0F695068-5FC5-44C6-8BC5-6E353D50A837}"/>
-              </a:ext>
-            </a:extLst>
-          </p:cNvPr>
-          <p:cNvCxnSpPr>
-            <a:cxnSpLocks/>
-          </p:cNvCxnSpPr>
-          <p:nvPr/>
-        </p:nvCxnSpPr>
-        <p:spPr>
-          <a:xfrm flipV="1">
-            <a:off x="6096000" y="2287460"/>
-            <a:ext cx="0" cy="2918385"/>
-          </a:xfrm>
-          <a:prstGeom prst="line">
-            <a:avLst/>
-          </a:prstGeom>
-          <a:ln>
-            <a:solidFill>
-              <a:schemeClr val="bg1">
-                <a:lumMod val="75000"/>
-              </a:schemeClr>
-            </a:solidFill>
-          </a:ln>
-        </p:spPr>
-        <p:style>
-          <a:lnRef idx="1">
-            <a:schemeClr val="accent1"/>
-          </a:lnRef>
-          <a:fillRef idx="0">
-            <a:schemeClr val="accent1"/>
-          </a:fillRef>
-          <a:effectRef idx="0">
-            <a:schemeClr val="accent1"/>
-          </a:effectRef>
-          <a:fontRef idx="minor">
-            <a:schemeClr val="tx1"/>
-          </a:fontRef>
-        </p:style>
-      </p:cxnSp>
-      <p:cxnSp>
-        <p:nvCxnSpPr>
-          <p:cNvPr id="13" name="直線接點 12">
-            <a:extLst>
-              <a:ext uri="{FF2B5EF4-FFF2-40B4-BE49-F238E27FC236}">
-                <a16:creationId xmlns:a16="http://schemas.microsoft.com/office/drawing/2014/main" id="{0B59FA7E-E6D9-41BD-A9D1-7529235EF974}"/>
-              </a:ext>
-            </a:extLst>
-          </p:cNvPr>
-          <p:cNvCxnSpPr>
-            <a:cxnSpLocks/>
-          </p:cNvCxnSpPr>
-          <p:nvPr/>
-        </p:nvCxnSpPr>
-        <p:spPr>
-          <a:xfrm>
-            <a:off x="1765068" y="3408838"/>
-            <a:ext cx="4330932" cy="20162"/>
-          </a:xfrm>
-          <a:prstGeom prst="line">
-            <a:avLst/>
-          </a:prstGeom>
-          <a:ln>
-            <a:solidFill>
-              <a:schemeClr val="bg1">
-                <a:lumMod val="75000"/>
-              </a:schemeClr>
-            </a:solidFill>
-          </a:ln>
-        </p:spPr>
-        <p:style>
-          <a:lnRef idx="1">
-            <a:schemeClr val="accent1"/>
-          </a:lnRef>
-          <a:fillRef idx="0">
-            <a:schemeClr val="accent1"/>
-          </a:fillRef>
-          <a:effectRef idx="0">
-            <a:schemeClr val="accent1"/>
-          </a:effectRef>
-          <a:fontRef idx="minor">
-            <a:schemeClr val="tx1"/>
-          </a:fontRef>
-        </p:style>
-      </p:cxnSp>
-      <p:grpSp>
-        <p:nvGrpSpPr>
-          <p:cNvPr id="11" name="群組 10">
-            <a:extLst>
-              <a:ext uri="{FF2B5EF4-FFF2-40B4-BE49-F238E27FC236}">
-                <a16:creationId xmlns:a16="http://schemas.microsoft.com/office/drawing/2014/main" id="{62C7E013-CEE0-4BCA-9C8F-94E8934D2665}"/>
-              </a:ext>
-            </a:extLst>
-          </p:cNvPr>
-          <p:cNvGrpSpPr/>
-          <p:nvPr/>
-        </p:nvGrpSpPr>
-        <p:grpSpPr>
-          <a:xfrm>
-            <a:off x="10932000" y="0"/>
-            <a:ext cx="1260000" cy="1260000"/>
-            <a:chOff x="8555073" y="665432"/>
-            <a:chExt cx="1260000" cy="1260000"/>
-          </a:xfrm>
-        </p:grpSpPr>
-        <p:sp>
-          <p:nvSpPr>
-            <p:cNvPr id="14" name="矩形 13">
-              <a:extLst>
-                <a:ext uri="{FF2B5EF4-FFF2-40B4-BE49-F238E27FC236}">
-                  <a16:creationId xmlns:a16="http://schemas.microsoft.com/office/drawing/2014/main" id="{898AA730-A64F-4CA0-AF41-72C816458094}"/>
-                </a:ext>
-              </a:extLst>
-            </p:cNvPr>
-            <p:cNvSpPr/>
-            <p:nvPr/>
-          </p:nvSpPr>
-          <p:spPr>
-            <a:xfrm>
-              <a:off x="8555073" y="665432"/>
-              <a:ext cx="1260000" cy="1260000"/>
-            </a:xfrm>
-            <a:prstGeom prst="rect">
-              <a:avLst/>
-            </a:prstGeom>
-            <a:solidFill>
-              <a:srgbClr val="FF0000"/>
-            </a:solidFill>
-            <a:ln>
-              <a:noFill/>
-            </a:ln>
-          </p:spPr>
-          <p:style>
-            <a:lnRef idx="2">
-              <a:schemeClr val="accent1">
-                <a:shade val="50000"/>
-              </a:schemeClr>
-            </a:lnRef>
-            <a:fillRef idx="1">
-              <a:schemeClr val="accent1"/>
-            </a:fillRef>
-            <a:effectRef idx="0">
-              <a:schemeClr val="accent1"/>
-            </a:effectRef>
-            <a:fontRef idx="minor">
-              <a:schemeClr val="lt1"/>
-            </a:fontRef>
-          </p:style>
-          <p:txBody>
-            <a:bodyPr rtlCol="0" anchor="ctr"/>
-            <a:lstStyle/>
-            <a:p>
-              <a:pPr algn="ctr"/>
-              <a:endParaRPr lang="zh-TW" altLang="en-US"/>
-            </a:p>
-          </p:txBody>
-        </p:sp>
-        <p:sp>
-          <p:nvSpPr>
-            <p:cNvPr id="15" name="矩形 14">
-              <a:extLst>
-                <a:ext uri="{FF2B5EF4-FFF2-40B4-BE49-F238E27FC236}">
-                  <a16:creationId xmlns:a16="http://schemas.microsoft.com/office/drawing/2014/main" id="{C71C071F-1326-435A-BA95-BC2FE392C146}"/>
-                </a:ext>
-              </a:extLst>
-            </p:cNvPr>
-            <p:cNvSpPr/>
-            <p:nvPr/>
-          </p:nvSpPr>
-          <p:spPr>
-            <a:xfrm>
-              <a:off x="8837299" y="665432"/>
-              <a:ext cx="977774" cy="979200"/>
-            </a:xfrm>
-            <a:prstGeom prst="rect">
-              <a:avLst/>
-            </a:prstGeom>
-            <a:solidFill>
-              <a:srgbClr val="00B0F0"/>
-            </a:solidFill>
-            <a:ln w="12700">
-              <a:noFill/>
-            </a:ln>
-          </p:spPr>
-          <p:style>
-            <a:lnRef idx="2">
-              <a:schemeClr val="accent1">
-                <a:shade val="50000"/>
-              </a:schemeClr>
-            </a:lnRef>
-            <a:fillRef idx="1">
-              <a:schemeClr val="accent1"/>
-            </a:fillRef>
-            <a:effectRef idx="0">
-              <a:schemeClr val="accent1"/>
-            </a:effectRef>
-            <a:fontRef idx="minor">
-              <a:schemeClr val="lt1"/>
-            </a:fontRef>
-          </p:style>
-          <p:txBody>
-            <a:bodyPr rtlCol="0" anchor="ctr"/>
-            <a:lstStyle/>
-            <a:p>
-              <a:pPr algn="ctr"/>
-              <a:endParaRPr lang="zh-TW" altLang="en-US"/>
-            </a:p>
-          </p:txBody>
-        </p:sp>
-        <p:sp>
-          <p:nvSpPr>
-            <p:cNvPr id="16" name="矩形 15">
-              <a:extLst>
-                <a:ext uri="{FF2B5EF4-FFF2-40B4-BE49-F238E27FC236}">
-                  <a16:creationId xmlns:a16="http://schemas.microsoft.com/office/drawing/2014/main" id="{D3290E37-156B-41E1-847E-B0D045979DD2}"/>
-                </a:ext>
-              </a:extLst>
-            </p:cNvPr>
-            <p:cNvSpPr/>
-            <p:nvPr/>
-          </p:nvSpPr>
-          <p:spPr>
-            <a:xfrm>
-              <a:off x="9156682" y="675823"/>
-              <a:ext cx="648000" cy="648000"/>
-            </a:xfrm>
-            <a:prstGeom prst="rect">
-              <a:avLst/>
-            </a:prstGeom>
-            <a:solidFill>
-              <a:srgbClr val="FF0000"/>
-            </a:solidFill>
-            <a:ln>
-              <a:noFill/>
-            </a:ln>
-          </p:spPr>
-          <p:style>
-            <a:lnRef idx="2">
-              <a:schemeClr val="accent1">
-                <a:shade val="50000"/>
-              </a:schemeClr>
-            </a:lnRef>
-            <a:fillRef idx="1">
-              <a:schemeClr val="accent1"/>
-            </a:fillRef>
-            <a:effectRef idx="0">
-              <a:schemeClr val="accent1"/>
-            </a:effectRef>
-            <a:fontRef idx="minor">
-              <a:schemeClr val="lt1"/>
-            </a:fontRef>
-          </p:style>
-          <p:txBody>
-            <a:bodyPr rtlCol="0" anchor="ctr"/>
-            <a:lstStyle/>
-            <a:p>
-              <a:pPr algn="ctr"/>
-              <a:endParaRPr lang="zh-TW" altLang="en-US"/>
-            </a:p>
-          </p:txBody>
-        </p:sp>
-      </p:grpSp>
-    </p:spTree>
-    <p:extLst>
-      <p:ext uri="{BB962C8B-B14F-4D97-AF65-F5344CB8AC3E}">
-        <p14:creationId xmlns:p14="http://schemas.microsoft.com/office/powerpoint/2010/main" val="1225864270"/>
-      </p:ext>
-    </p:extLst>
-  </p:cSld>
-  <p:clrMapOvr>
-    <a:masterClrMapping/>
-  </p:clrMapOvr>
-</p:sld>
-</file>
-
-<file path=ppt/slides/slide19.xml><?xml version="1.0" encoding="utf-8"?>
-<p:sld xmlns:a="http://schemas.openxmlformats.org/drawingml/2006/main" xmlns:r="http://schemas.openxmlformats.org/officeDocument/2006/relationships" xmlns:p="http://schemas.openxmlformats.org/presentationml/2006/main">
-  <p:cSld>
-    <p:spTree>
-      <p:nvGrpSpPr>
-        <p:cNvPr id="1" name=""/>
-        <p:cNvGrpSpPr/>
-        <p:nvPr/>
-      </p:nvGrpSpPr>
-      <p:grpSpPr>
-        <a:xfrm>
-          <a:off x="0" y="0"/>
-          <a:ext cx="0" cy="0"/>
-          <a:chOff x="0" y="0"/>
-          <a:chExt cx="0" cy="0"/>
-        </a:xfrm>
-      </p:grpSpPr>
-      <p:sp>
-        <p:nvSpPr>
-          <p:cNvPr id="2" name="標題 1"/>
-          <p:cNvSpPr>
-            <a:spLocks noGrp="1"/>
-          </p:cNvSpPr>
-          <p:nvPr>
-            <p:ph type="title"/>
-          </p:nvPr>
-        </p:nvSpPr>
         <p:spPr>
           <a:xfrm>
             <a:off x="1097280" y="2971800"/>
@@ -16824,7 +15559,7 @@
 </p:sld>
 </file>
 
-<file path=ppt/slides/slide2.xml><?xml version="1.0" encoding="utf-8"?>
+<file path=ppt/slides/slide19.xml><?xml version="1.0" encoding="utf-8"?>
 <p:sld xmlns:a="http://schemas.openxmlformats.org/drawingml/2006/main" xmlns:r="http://schemas.openxmlformats.org/officeDocument/2006/relationships" xmlns:p="http://schemas.openxmlformats.org/presentationml/2006/main">
   <p:cSld>
     <p:spTree>
@@ -16857,276 +15592,6 @@
           <a:lstStyle/>
           <a:p>
             <a:r>
-              <a:rPr lang="en-US" altLang="zh-TW" dirty="0">
-                <a:latin typeface="Comic Sans MS" panose="030F0702030302020204" pitchFamily="66" charset="0"/>
-              </a:rPr>
-              <a:t>Contents</a:t>
-            </a:r>
-            <a:endParaRPr lang="zh-TW" altLang="en-US" dirty="0">
-              <a:latin typeface="Comic Sans MS" panose="030F0702030302020204" pitchFamily="66" charset="0"/>
-            </a:endParaRPr>
-          </a:p>
-        </p:txBody>
-      </p:sp>
-      <p:sp>
-        <p:nvSpPr>
-          <p:cNvPr id="3" name="內容版面配置區 2"/>
-          <p:cNvSpPr>
-            <a:spLocks noGrp="1"/>
-          </p:cNvSpPr>
-          <p:nvPr>
-            <p:ph idx="1"/>
-          </p:nvPr>
-        </p:nvSpPr>
-        <p:spPr/>
-        <p:txBody>
-          <a:bodyPr numCol="2">
-            <a:normAutofit/>
-          </a:bodyPr>
-          <a:lstStyle/>
-          <a:p>
-            <a:pPr>
-              <a:buFont typeface="Wingdings" panose="05000000000000000000" pitchFamily="2" charset="2"/>
-              <a:buChar char="u"/>
-            </a:pPr>
-            <a:r>
-              <a:rPr lang="en-US" altLang="zh-TW" sz="2800" dirty="0">
-                <a:solidFill>
-                  <a:srgbClr val="6666FF"/>
-                </a:solidFill>
-                <a:latin typeface="Comic Sans MS" panose="030F0702030302020204" pitchFamily="66" charset="0"/>
-              </a:rPr>
-              <a:t>Requirements</a:t>
-            </a:r>
-          </a:p>
-          <a:p>
-            <a:pPr>
-              <a:buFont typeface="Wingdings" panose="05000000000000000000" pitchFamily="2" charset="2"/>
-              <a:buChar char="u"/>
-            </a:pPr>
-            <a:r>
-              <a:rPr lang="en-US" altLang="zh-TW" sz="2800" dirty="0">
-                <a:solidFill>
-                  <a:srgbClr val="00B050"/>
-                </a:solidFill>
-                <a:latin typeface="Comic Sans MS" panose="030F0702030302020204" pitchFamily="66" charset="0"/>
-              </a:rPr>
-              <a:t>Analysis</a:t>
-            </a:r>
-          </a:p>
-          <a:p>
-            <a:pPr>
-              <a:buFont typeface="Wingdings" panose="05000000000000000000" pitchFamily="2" charset="2"/>
-              <a:buChar char="u"/>
-            </a:pPr>
-            <a:r>
-              <a:rPr lang="en-US" altLang="zh-TW" sz="2800" dirty="0">
-                <a:solidFill>
-                  <a:srgbClr val="FF0000"/>
-                </a:solidFill>
-                <a:latin typeface="Comic Sans MS" panose="030F0702030302020204" pitchFamily="66" charset="0"/>
-              </a:rPr>
-              <a:t>Design</a:t>
-            </a:r>
-          </a:p>
-          <a:p>
-            <a:pPr>
-              <a:buFont typeface="Wingdings" panose="05000000000000000000" pitchFamily="2" charset="2"/>
-              <a:buChar char="u"/>
-            </a:pPr>
-            <a:r>
-              <a:rPr lang="en-US" altLang="zh-TW" sz="2800" dirty="0">
-                <a:solidFill>
-                  <a:schemeClr val="accent6">
-                    <a:lumMod val="75000"/>
-                  </a:schemeClr>
-                </a:solidFill>
-                <a:latin typeface="Comic Sans MS" panose="030F0702030302020204" pitchFamily="66" charset="0"/>
-              </a:rPr>
-              <a:t>Coding &amp; Refine</a:t>
-            </a:r>
-          </a:p>
-          <a:p>
-            <a:pPr>
-              <a:buFont typeface="Wingdings" panose="05000000000000000000" pitchFamily="2" charset="2"/>
-              <a:buChar char="u"/>
-            </a:pPr>
-            <a:r>
-              <a:rPr lang="en-US" altLang="zh-TW" sz="2800" dirty="0">
-                <a:solidFill>
-                  <a:srgbClr val="FF66FF"/>
-                </a:solidFill>
-                <a:latin typeface="Comic Sans MS" panose="030F0702030302020204" pitchFamily="66" charset="0"/>
-              </a:rPr>
-              <a:t>Verification</a:t>
-            </a:r>
-          </a:p>
-          <a:p>
-            <a:pPr>
-              <a:buFont typeface="Wingdings" panose="05000000000000000000" pitchFamily="2" charset="2"/>
-              <a:buChar char="u"/>
-            </a:pPr>
-            <a:r>
-              <a:rPr lang="en-US" altLang="zh-TW" sz="2800" dirty="0">
-                <a:latin typeface="Comic Sans MS" panose="030F0702030302020204" pitchFamily="66" charset="0"/>
-              </a:rPr>
-              <a:t>Work distribution chart</a:t>
-            </a:r>
-          </a:p>
-        </p:txBody>
-      </p:sp>
-      <p:sp>
-        <p:nvSpPr>
-          <p:cNvPr id="7" name="Rectangle 2">
-            <a:extLst>
-              <a:ext uri="{FF2B5EF4-FFF2-40B4-BE49-F238E27FC236}">
-                <a16:creationId xmlns:a16="http://schemas.microsoft.com/office/drawing/2014/main" id="{5140694A-3D9D-4C5D-8809-0E4D94F5BB7A}"/>
-              </a:ext>
-            </a:extLst>
-          </p:cNvPr>
-          <p:cNvSpPr>
-            <a:spLocks noChangeArrowheads="1"/>
-          </p:cNvSpPr>
-          <p:nvPr/>
-        </p:nvSpPr>
-        <p:spPr bwMode="auto">
-          <a:xfrm>
-            <a:off x="3624263" y="3659188"/>
-            <a:ext cx="12192000" cy="0"/>
-          </a:xfrm>
-          <a:prstGeom prst="rect">
-            <a:avLst/>
-          </a:prstGeom>
-          <a:noFill/>
-          <a:ln>
-            <a:noFill/>
-          </a:ln>
-          <a:effectLst/>
-          <a:extLst>
-            <a:ext uri="{909E8E84-426E-40DD-AFC4-6F175D3DCCD1}">
-              <a14:hiddenFill xmlns:a14="http://schemas.microsoft.com/office/drawing/2010/main">
-                <a:solidFill>
-                  <a:schemeClr val="accent1"/>
-                </a:solidFill>
-              </a14:hiddenFill>
-            </a:ext>
-            <a:ext uri="{91240B29-F687-4F45-9708-019B960494DF}">
-              <a14:hiddenLine xmlns:a14="http://schemas.microsoft.com/office/drawing/2010/main" w="9525">
-                <a:solidFill>
-                  <a:schemeClr val="tx1"/>
-                </a:solidFill>
-                <a:miter lim="800000"/>
-                <a:headEnd/>
-                <a:tailEnd/>
-              </a14:hiddenLine>
-            </a:ext>
-            <a:ext uri="{AF507438-7753-43E0-B8FC-AC1667EBCBE1}">
-              <a14:hiddenEffects xmlns:a14="http://schemas.microsoft.com/office/drawing/2010/main">
-                <a:effectLst>
-                  <a:outerShdw dist="35921" dir="2700000" algn="ctr" rotWithShape="0">
-                    <a:schemeClr val="bg2"/>
-                  </a:outerShdw>
-                </a:effectLst>
-              </a14:hiddenEffects>
-            </a:ext>
-          </a:extLst>
-        </p:spPr>
-        <p:txBody>
-          <a:bodyPr vert="horz" wrap="none" lIns="91440" tIns="45720" rIns="91440" bIns="45720" numCol="1" anchor="ctr" anchorCtr="0" compatLnSpc="1">
-            <a:prstTxWarp prst="textNoShape">
-              <a:avLst/>
-            </a:prstTxWarp>
-            <a:spAutoFit/>
-          </a:bodyPr>
-          <a:lstStyle/>
-          <a:p>
-            <a:pPr marL="0" marR="0" lvl="0" indent="0" algn="l" defTabSz="914400" rtl="0" eaLnBrk="0" fontAlgn="base" latinLnBrk="0" hangingPunct="0">
-              <a:lnSpc>
-                <a:spcPct val="100000"/>
-              </a:lnSpc>
-              <a:spcBef>
-                <a:spcPct val="0"/>
-              </a:spcBef>
-              <a:spcAft>
-                <a:spcPct val="0"/>
-              </a:spcAft>
-              <a:buClrTx/>
-              <a:buSzTx/>
-              <a:buFontTx/>
-              <a:buNone/>
-              <a:tabLst/>
-            </a:pPr>
-            <a:br>
-              <a:rPr kumimoji="0" lang="zh-TW" altLang="zh-TW" sz="1800" b="0" i="0" u="none" strike="noStrike" cap="none" normalizeH="0" baseline="0">
-                <a:ln>
-                  <a:noFill/>
-                </a:ln>
-                <a:solidFill>
-                  <a:schemeClr val="tx1"/>
-                </a:solidFill>
-                <a:effectLst/>
-                <a:latin typeface="Arial" panose="020B0604020202020204" pitchFamily="34" charset="0"/>
-              </a:rPr>
-            </a:br>
-            <a:endParaRPr kumimoji="0" lang="zh-TW" altLang="zh-TW" sz="1800" b="0" i="0" u="none" strike="noStrike" cap="none" normalizeH="0" baseline="0">
-              <a:ln>
-                <a:noFill/>
-              </a:ln>
-              <a:solidFill>
-                <a:schemeClr val="tx1"/>
-              </a:solidFill>
-              <a:effectLst/>
-              <a:latin typeface="Arial" panose="020B0604020202020204" pitchFamily="34" charset="0"/>
-            </a:endParaRPr>
-          </a:p>
-        </p:txBody>
-      </p:sp>
-    </p:spTree>
-    <p:extLst>
-      <p:ext uri="{BB962C8B-B14F-4D97-AF65-F5344CB8AC3E}">
-        <p14:creationId xmlns:p14="http://schemas.microsoft.com/office/powerpoint/2010/main" val="821990858"/>
-      </p:ext>
-    </p:extLst>
-  </p:cSld>
-  <p:clrMapOvr>
-    <a:masterClrMapping/>
-  </p:clrMapOvr>
-</p:sld>
-</file>
-
-<file path=ppt/slides/slide20.xml><?xml version="1.0" encoding="utf-8"?>
-<p:sld xmlns:a="http://schemas.openxmlformats.org/drawingml/2006/main" xmlns:r="http://schemas.openxmlformats.org/officeDocument/2006/relationships" xmlns:p="http://schemas.openxmlformats.org/presentationml/2006/main">
-  <p:cSld>
-    <p:spTree>
-      <p:nvGrpSpPr>
-        <p:cNvPr id="1" name=""/>
-        <p:cNvGrpSpPr/>
-        <p:nvPr/>
-      </p:nvGrpSpPr>
-      <p:grpSpPr>
-        <a:xfrm>
-          <a:off x="0" y="0"/>
-          <a:ext cx="0" cy="0"/>
-          <a:chOff x="0" y="0"/>
-          <a:chExt cx="0" cy="0"/>
-        </a:xfrm>
-      </p:grpSpPr>
-      <p:sp>
-        <p:nvSpPr>
-          <p:cNvPr id="2" name="標題 1"/>
-          <p:cNvSpPr>
-            <a:spLocks noGrp="1"/>
-          </p:cNvSpPr>
-          <p:nvPr>
-            <p:ph type="title"/>
-          </p:nvPr>
-        </p:nvSpPr>
-        <p:spPr/>
-        <p:txBody>
-          <a:bodyPr/>
-          <a:lstStyle/>
-          <a:p>
-            <a:r>
               <a:rPr lang="en-US" altLang="zh-TW" dirty="0" err="1">
                 <a:latin typeface="Comic Sans MS" panose="030F0702030302020204" pitchFamily="66" charset="0"/>
               </a:rPr>
@@ -17165,11 +15630,14 @@
           <a:p>
             <a:pPr lvl="1"/>
             <a:r>
-              <a:rPr lang="en-US" altLang="zh-TW" sz="2400" dirty="0">
-                <a:latin typeface="Comic Sans MS" panose="030F0702030302020204" pitchFamily="66" charset="0"/>
-              </a:rPr>
-              <a:t>Image</a:t>
-            </a:r>
+              <a:rPr lang="en-US" altLang="zh-TW" sz="2400" dirty="0" err="1" smtClean="0">
+                <a:latin typeface="Comic Sans MS" panose="030F0702030302020204" pitchFamily="66" charset="0"/>
+              </a:rPr>
+              <a:t>test_data</a:t>
+            </a:r>
+            <a:endParaRPr lang="en-US" altLang="zh-TW" sz="2400" dirty="0">
+              <a:latin typeface="Comic Sans MS" panose="030F0702030302020204" pitchFamily="66" charset="0"/>
+            </a:endParaRPr>
           </a:p>
           <a:p>
             <a:pPr lvl="1"/>
@@ -17194,14 +15662,68 @@
           <a:p>
             <a:pPr lvl="1"/>
             <a:r>
-              <a:rPr lang="en-US" altLang="zh-TW" sz="2400" dirty="0" err="1">
-                <a:latin typeface="Comic Sans MS" panose="030F0702030302020204" pitchFamily="66" charset="0"/>
-              </a:rPr>
-              <a:t>Super_Image</a:t>
+              <a:rPr lang="en-US" altLang="zh-TW" sz="2400" dirty="0" err="1" smtClean="0">
+                <a:latin typeface="Comic Sans MS" panose="030F0702030302020204" pitchFamily="66" charset="0"/>
+              </a:rPr>
+              <a:t>test_X</a:t>
             </a:r>
             <a:endParaRPr lang="en-US" altLang="zh-TW" sz="2400" dirty="0">
               <a:latin typeface="Comic Sans MS" panose="030F0702030302020204" pitchFamily="66" charset="0"/>
             </a:endParaRPr>
+          </a:p>
+          <a:p>
+            <a:pPr lvl="1"/>
+            <a:r>
+              <a:rPr lang="en-US" altLang="zh-TW" sz="2400" dirty="0" err="1">
+                <a:latin typeface="Comic Sans MS" panose="030F0702030302020204" pitchFamily="66" charset="0"/>
+              </a:rPr>
+              <a:t>test_Y</a:t>
+            </a:r>
+            <a:endParaRPr lang="en-US" altLang="zh-TW" sz="2400" dirty="0">
+              <a:latin typeface="Comic Sans MS" panose="030F0702030302020204" pitchFamily="66" charset="0"/>
+            </a:endParaRPr>
+          </a:p>
+          <a:p>
+            <a:pPr lvl="1"/>
+            <a:r>
+              <a:rPr lang="en-US" altLang="zh-TW" sz="2400" dirty="0">
+                <a:latin typeface="Comic Sans MS" panose="030F0702030302020204" pitchFamily="66" charset="0"/>
+              </a:rPr>
+              <a:t>test_</a:t>
+            </a:r>
+            <a:r>
+              <a:rPr lang="el-GR" altLang="zh-TW" sz="2400" dirty="0" smtClean="0">
+                <a:latin typeface="Comic Sans MS" panose="030F0702030302020204" pitchFamily="66" charset="0"/>
+              </a:rPr>
+              <a:t>Δ</a:t>
+            </a:r>
+            <a:r>
+              <a:rPr lang="en-US" altLang="zh-TW" sz="2400" dirty="0">
+                <a:latin typeface="Comic Sans MS" panose="030F0702030302020204" pitchFamily="66" charset="0"/>
+              </a:rPr>
+              <a:t>x</a:t>
+            </a:r>
+          </a:p>
+          <a:p>
+            <a:pPr lvl="1"/>
+            <a:r>
+              <a:rPr lang="en-US" altLang="zh-TW" sz="2400" dirty="0">
+                <a:latin typeface="Comic Sans MS" panose="030F0702030302020204" pitchFamily="66" charset="0"/>
+              </a:rPr>
+              <a:t>test_</a:t>
+            </a:r>
+            <a:r>
+              <a:rPr lang="el-GR" altLang="zh-TW" sz="2400" dirty="0" smtClean="0">
+                <a:latin typeface="Comic Sans MS" panose="030F0702030302020204" pitchFamily="66" charset="0"/>
+              </a:rPr>
+              <a:t>Δ</a:t>
+            </a:r>
+            <a:r>
+              <a:rPr lang="en-US" altLang="zh-TW" sz="2400" dirty="0">
+                <a:latin typeface="Comic Sans MS" panose="030F0702030302020204" pitchFamily="66" charset="0"/>
+              </a:rPr>
+              <a:t>y </a:t>
+            </a:r>
           </a:p>
           <a:p>
             <a:endParaRPr lang="en-US" altLang="zh-TW" sz="2800" dirty="0">
@@ -17561,7 +16083,7 @@
     </p:spTree>
     <p:extLst>
       <p:ext uri="{BB962C8B-B14F-4D97-AF65-F5344CB8AC3E}">
-        <p14:creationId xmlns:p14="http://schemas.microsoft.com/office/powerpoint/2010/main" val="3568567651"/>
+        <p14:creationId xmlns:p14="http://schemas.microsoft.com/office/powerpoint/2010/main" val="1596980007"/>
       </p:ext>
     </p:extLst>
   </p:cSld>
@@ -17571,7 +16093,7 @@
 </p:sld>
 </file>
 
-<file path=ppt/slides/slide21.xml><?xml version="1.0" encoding="utf-8"?>
+<file path=ppt/slides/slide2.xml><?xml version="1.0" encoding="utf-8"?>
 <p:sld xmlns:a="http://schemas.openxmlformats.org/drawingml/2006/main" xmlns:r="http://schemas.openxmlformats.org/officeDocument/2006/relationships" xmlns:p="http://schemas.openxmlformats.org/presentationml/2006/main">
   <p:cSld>
     <p:spTree>
@@ -17607,73 +16129,9 @@
               <a:rPr lang="en-US" altLang="zh-TW" dirty="0">
                 <a:latin typeface="Comic Sans MS" panose="030F0702030302020204" pitchFamily="66" charset="0"/>
               </a:rPr>
-              <a:t>Image Pre-processing</a:t>
-            </a:r>
-          </a:p>
-        </p:txBody>
-      </p:sp>
-      <p:sp>
-        <p:nvSpPr>
-          <p:cNvPr id="5" name="內容版面配置區 4"/>
-          <p:cNvSpPr>
-            <a:spLocks noGrp="1"/>
-          </p:cNvSpPr>
-          <p:nvPr>
-            <p:ph sz="half" idx="1"/>
-          </p:nvPr>
-        </p:nvSpPr>
-        <p:spPr/>
-        <p:txBody>
-          <a:bodyPr>
-            <a:normAutofit/>
-          </a:bodyPr>
-          <a:lstStyle/>
-          <a:p>
-            <a:r>
-              <a:rPr lang="en-US" altLang="zh-TW" sz="2800" dirty="0">
-                <a:latin typeface="Comic Sans MS" panose="030F0702030302020204" pitchFamily="66" charset="0"/>
-              </a:rPr>
-              <a:t>Input</a:t>
-            </a:r>
-          </a:p>
-          <a:p>
-            <a:pPr lvl="1"/>
-            <a:r>
-              <a:rPr lang="en-US" altLang="zh-TW" sz="2400" dirty="0">
-                <a:latin typeface="Comic Sans MS" panose="030F0702030302020204" pitchFamily="66" charset="0"/>
-              </a:rPr>
-              <a:t>Image</a:t>
-            </a:r>
-          </a:p>
-          <a:p>
-            <a:pPr lvl="1"/>
-            <a:endParaRPr lang="en-US" altLang="zh-TW" sz="2800" dirty="0">
-              <a:latin typeface="Comic Sans MS" panose="030F0702030302020204" pitchFamily="66" charset="0"/>
-            </a:endParaRPr>
-          </a:p>
-          <a:p>
-            <a:pPr lvl="1"/>
-            <a:endParaRPr lang="en-US" altLang="zh-TW" sz="2800" dirty="0">
-              <a:latin typeface="Comic Sans MS" panose="030F0702030302020204" pitchFamily="66" charset="0"/>
-            </a:endParaRPr>
-          </a:p>
-          <a:p>
-            <a:r>
-              <a:rPr lang="en-US" altLang="zh-TW" sz="2800" dirty="0">
-                <a:latin typeface="Comic Sans MS" panose="030F0702030302020204" pitchFamily="66" charset="0"/>
-              </a:rPr>
-              <a:t>Output</a:t>
-            </a:r>
-          </a:p>
-          <a:p>
-            <a:pPr lvl="1"/>
-            <a:r>
-              <a:rPr lang="en-US" altLang="zh-TW" sz="2400" dirty="0" err="1">
-                <a:latin typeface="Comic Sans MS" panose="030F0702030302020204" pitchFamily="66" charset="0"/>
-              </a:rPr>
-              <a:t>Image_h</a:t>
-            </a:r>
-            <a:endParaRPr lang="en-US" altLang="zh-TW" sz="2400" dirty="0">
+              <a:t>Contents</a:t>
+            </a:r>
+            <a:endParaRPr lang="zh-TW" altLang="en-US" dirty="0">
               <a:latin typeface="Comic Sans MS" panose="030F0702030302020204" pitchFamily="66" charset="0"/>
             </a:endParaRPr>
           </a:p>
@@ -17686,360 +16144,229 @@
             <a:spLocks noGrp="1"/>
           </p:cNvSpPr>
           <p:nvPr>
-            <p:ph sz="half" idx="2"/>
+            <p:ph idx="1"/>
           </p:nvPr>
         </p:nvSpPr>
         <p:spPr/>
         <p:txBody>
-          <a:bodyPr/>
+          <a:bodyPr numCol="2">
+            <a:normAutofit/>
+          </a:bodyPr>
           <a:lstStyle/>
           <a:p>
+            <a:pPr>
+              <a:buFont typeface="Wingdings" panose="05000000000000000000" pitchFamily="2" charset="2"/>
+              <a:buChar char="u"/>
+            </a:pPr>
             <a:r>
               <a:rPr lang="en-US" altLang="zh-TW" sz="2800" dirty="0">
-                <a:latin typeface="Comic Sans MS" panose="030F0702030302020204" pitchFamily="66" charset="0"/>
-              </a:rPr>
-              <a:t>Method</a:t>
-            </a:r>
-          </a:p>
-          <a:p>
-            <a:pPr marL="914400" lvl="1" indent="-457200">
-              <a:buFont typeface="+mj-lt"/>
-              <a:buAutoNum type="arabicPeriod"/>
+                <a:solidFill>
+                  <a:srgbClr val="6666FF"/>
+                </a:solidFill>
+                <a:latin typeface="Comic Sans MS" panose="030F0702030302020204" pitchFamily="66" charset="0"/>
+              </a:rPr>
+              <a:t>Requirements</a:t>
+            </a:r>
+          </a:p>
+          <a:p>
+            <a:pPr>
+              <a:buFont typeface="Wingdings" panose="05000000000000000000" pitchFamily="2" charset="2"/>
+              <a:buChar char="u"/>
             </a:pPr>
             <a:r>
-              <a:rPr lang="en-US" altLang="zh-TW" sz="2400" dirty="0">
-                <a:latin typeface="Comic Sans MS" panose="030F0702030302020204" pitchFamily="66" charset="0"/>
-              </a:rPr>
-              <a:t>Blur</a:t>
-            </a:r>
-          </a:p>
-          <a:p>
-            <a:pPr marL="914400" lvl="1" indent="-457200">
-              <a:buFont typeface="+mj-lt"/>
-              <a:buAutoNum type="arabicPeriod"/>
+              <a:rPr lang="en-US" altLang="zh-TW" sz="2800" dirty="0">
+                <a:solidFill>
+                  <a:srgbClr val="00B050"/>
+                </a:solidFill>
+                <a:latin typeface="Comic Sans MS" panose="030F0702030302020204" pitchFamily="66" charset="0"/>
+              </a:rPr>
+              <a:t>Analysis</a:t>
+            </a:r>
+          </a:p>
+          <a:p>
+            <a:pPr>
+              <a:buFont typeface="Wingdings" panose="05000000000000000000" pitchFamily="2" charset="2"/>
+              <a:buChar char="u"/>
             </a:pPr>
             <a:r>
-              <a:rPr lang="en-US" altLang="zh-TW" sz="2400" dirty="0">
-                <a:latin typeface="Comic Sans MS" panose="030F0702030302020204" pitchFamily="66" charset="0"/>
-              </a:rPr>
-              <a:t>Color</a:t>
-            </a:r>
-            <a:r>
-              <a:rPr lang="zh-TW" altLang="en-US" sz="2400" dirty="0">
-                <a:latin typeface="Comic Sans MS" panose="030F0702030302020204" pitchFamily="66" charset="0"/>
-              </a:rPr>
-              <a:t> </a:t>
-            </a:r>
-            <a:r>
-              <a:rPr lang="en-US" altLang="zh-TW" sz="2400" dirty="0">
-                <a:latin typeface="Comic Sans MS" panose="030F0702030302020204" pitchFamily="66" charset="0"/>
-              </a:rPr>
-              <a:t>balance</a:t>
-            </a:r>
-          </a:p>
-          <a:p>
-            <a:pPr marL="914400" lvl="1" indent="-457200">
-              <a:buFont typeface="+mj-lt"/>
-              <a:buAutoNum type="arabicPeriod"/>
+              <a:rPr lang="en-US" altLang="zh-TW" sz="2800" dirty="0">
+                <a:solidFill>
+                  <a:srgbClr val="FF0000"/>
+                </a:solidFill>
+                <a:latin typeface="Comic Sans MS" panose="030F0702030302020204" pitchFamily="66" charset="0"/>
+              </a:rPr>
+              <a:t>Design</a:t>
+            </a:r>
+          </a:p>
+          <a:p>
+            <a:pPr>
+              <a:buFont typeface="Wingdings" panose="05000000000000000000" pitchFamily="2" charset="2"/>
+              <a:buChar char="u"/>
             </a:pPr>
             <a:r>
-              <a:rPr lang="en-US" altLang="zh-TW" sz="2400" dirty="0">
-                <a:latin typeface="Comic Sans MS" panose="030F0702030302020204" pitchFamily="66" charset="0"/>
-              </a:rPr>
-              <a:t>Deblur</a:t>
-            </a:r>
-          </a:p>
-          <a:p>
-            <a:pPr marL="914400" lvl="1" indent="-457200">
-              <a:buFont typeface="+mj-lt"/>
-              <a:buAutoNum type="arabicPeriod"/>
+              <a:rPr lang="en-US" altLang="zh-TW" sz="2800" dirty="0">
+                <a:solidFill>
+                  <a:schemeClr val="accent6">
+                    <a:lumMod val="75000"/>
+                  </a:schemeClr>
+                </a:solidFill>
+                <a:latin typeface="Comic Sans MS" panose="030F0702030302020204" pitchFamily="66" charset="0"/>
+              </a:rPr>
+              <a:t>Coding &amp; Refine</a:t>
+            </a:r>
+          </a:p>
+          <a:p>
+            <a:pPr>
+              <a:buFont typeface="Wingdings" panose="05000000000000000000" pitchFamily="2" charset="2"/>
+              <a:buChar char="u"/>
             </a:pPr>
             <a:r>
-              <a:rPr lang="en-US" altLang="zh-TW" sz="2400" dirty="0">
-                <a:latin typeface="Comic Sans MS" panose="030F0702030302020204" pitchFamily="66" charset="0"/>
-              </a:rPr>
-              <a:t>Sharp</a:t>
-            </a:r>
-            <a:endParaRPr lang="zh-TW" altLang="en-US" sz="2400" dirty="0">
-              <a:latin typeface="Comic Sans MS" panose="030F0702030302020204" pitchFamily="66" charset="0"/>
-            </a:endParaRPr>
-          </a:p>
-          <a:p>
-            <a:endParaRPr lang="zh-TW" altLang="en-US" dirty="0"/>
+              <a:rPr lang="en-US" altLang="zh-TW" sz="2800" dirty="0">
+                <a:solidFill>
+                  <a:srgbClr val="FF66FF"/>
+                </a:solidFill>
+                <a:latin typeface="Comic Sans MS" panose="030F0702030302020204" pitchFamily="66" charset="0"/>
+              </a:rPr>
+              <a:t>Verification</a:t>
+            </a:r>
+          </a:p>
+          <a:p>
+            <a:pPr>
+              <a:buFont typeface="Wingdings" panose="05000000000000000000" pitchFamily="2" charset="2"/>
+              <a:buChar char="u"/>
+            </a:pPr>
+            <a:r>
+              <a:rPr lang="en-US" altLang="zh-TW" sz="2800" dirty="0">
+                <a:latin typeface="Comic Sans MS" panose="030F0702030302020204" pitchFamily="66" charset="0"/>
+              </a:rPr>
+              <a:t>Work distribution chart</a:t>
+            </a:r>
           </a:p>
         </p:txBody>
       </p:sp>
-      <p:cxnSp>
-        <p:nvCxnSpPr>
-          <p:cNvPr id="10" name="直線接點 9">
+      <p:sp>
+        <p:nvSpPr>
+          <p:cNvPr id="7" name="Rectangle 2">
             <a:extLst>
               <a:ext uri="{FF2B5EF4-FFF2-40B4-BE49-F238E27FC236}">
-                <a16:creationId xmlns:a16="http://schemas.microsoft.com/office/drawing/2014/main" id="{C11A838E-F459-4036-B037-562D840302BD}"/>
+                <a16:creationId xmlns:a16="http://schemas.microsoft.com/office/drawing/2014/main" id="{5140694A-3D9D-4C5D-8809-0E4D94F5BB7A}"/>
               </a:ext>
             </a:extLst>
           </p:cNvPr>
-          <p:cNvCxnSpPr>
-            <a:cxnSpLocks/>
-          </p:cNvCxnSpPr>
+          <p:cNvSpPr>
+            <a:spLocks noChangeArrowheads="1"/>
+          </p:cNvSpPr>
           <p:nvPr/>
-        </p:nvCxnSpPr>
-        <p:spPr>
-          <a:xfrm flipV="1">
-            <a:off x="5889567" y="2267297"/>
-            <a:ext cx="0" cy="3052848"/>
+        </p:nvSpPr>
+        <p:spPr bwMode="auto">
+          <a:xfrm>
+            <a:off x="3624263" y="3659188"/>
+            <a:ext cx="12192000" cy="0"/>
           </a:xfrm>
-          <a:prstGeom prst="line">
+          <a:prstGeom prst="rect">
             <a:avLst/>
           </a:prstGeom>
+          <a:noFill/>
           <a:ln>
-            <a:solidFill>
-              <a:schemeClr val="bg1">
-                <a:lumMod val="75000"/>
-              </a:schemeClr>
-            </a:solidFill>
+            <a:noFill/>
           </a:ln>
+          <a:effectLst/>
+          <a:extLst>
+            <a:ext uri="{909E8E84-426E-40DD-AFC4-6F175D3DCCD1}">
+              <a14:hiddenFill xmlns:a14="http://schemas.microsoft.com/office/drawing/2010/main">
+                <a:solidFill>
+                  <a:schemeClr val="accent1"/>
+                </a:solidFill>
+              </a14:hiddenFill>
+            </a:ext>
+            <a:ext uri="{91240B29-F687-4F45-9708-019B960494DF}">
+              <a14:hiddenLine xmlns:a14="http://schemas.microsoft.com/office/drawing/2010/main" w="9525">
+                <a:solidFill>
+                  <a:schemeClr val="tx1"/>
+                </a:solidFill>
+                <a:miter lim="800000"/>
+                <a:headEnd/>
+                <a:tailEnd/>
+              </a14:hiddenLine>
+            </a:ext>
+            <a:ext uri="{AF507438-7753-43E0-B8FC-AC1667EBCBE1}">
+              <a14:hiddenEffects xmlns:a14="http://schemas.microsoft.com/office/drawing/2010/main">
+                <a:effectLst>
+                  <a:outerShdw dist="35921" dir="2700000" algn="ctr" rotWithShape="0">
+                    <a:schemeClr val="bg2"/>
+                  </a:outerShdw>
+                </a:effectLst>
+              </a14:hiddenEffects>
+            </a:ext>
+          </a:extLst>
         </p:spPr>
-        <p:style>
-          <a:lnRef idx="1">
-            <a:schemeClr val="accent1"/>
-          </a:lnRef>
-          <a:fillRef idx="0">
-            <a:schemeClr val="accent1"/>
-          </a:fillRef>
-          <a:effectRef idx="0">
-            <a:schemeClr val="accent1"/>
-          </a:effectRef>
-          <a:fontRef idx="minor">
-            <a:schemeClr val="tx1"/>
-          </a:fontRef>
-        </p:style>
-      </p:cxnSp>
-      <p:cxnSp>
-        <p:nvCxnSpPr>
-          <p:cNvPr id="11" name="直線接點 10">
-            <a:extLst>
-              <a:ext uri="{FF2B5EF4-FFF2-40B4-BE49-F238E27FC236}">
-                <a16:creationId xmlns:a16="http://schemas.microsoft.com/office/drawing/2014/main" id="{1F184544-6C3B-4FF1-AA39-132BBD1B2A94}"/>
-              </a:ext>
-            </a:extLst>
-          </p:cNvPr>
-          <p:cNvCxnSpPr>
-            <a:cxnSpLocks/>
-          </p:cNvCxnSpPr>
-          <p:nvPr/>
-        </p:nvCxnSpPr>
-        <p:spPr>
-          <a:xfrm>
-            <a:off x="1765068" y="3408838"/>
-            <a:ext cx="4124499" cy="20162"/>
-          </a:xfrm>
-          <a:prstGeom prst="line">
-            <a:avLst/>
-          </a:prstGeom>
-          <a:ln>
-            <a:solidFill>
-              <a:schemeClr val="bg1">
-                <a:lumMod val="75000"/>
-              </a:schemeClr>
-            </a:solidFill>
-          </a:ln>
-        </p:spPr>
-        <p:style>
-          <a:lnRef idx="1">
-            <a:schemeClr val="accent1"/>
-          </a:lnRef>
-          <a:fillRef idx="0">
-            <a:schemeClr val="accent1"/>
-          </a:fillRef>
-          <a:effectRef idx="0">
-            <a:schemeClr val="accent1"/>
-          </a:effectRef>
-          <a:fontRef idx="minor">
-            <a:schemeClr val="tx1"/>
-          </a:fontRef>
-        </p:style>
-      </p:cxnSp>
-      <p:grpSp>
-        <p:nvGrpSpPr>
-          <p:cNvPr id="12" name="群組 11">
-            <a:extLst>
-              <a:ext uri="{FF2B5EF4-FFF2-40B4-BE49-F238E27FC236}">
-                <a16:creationId xmlns:a16="http://schemas.microsoft.com/office/drawing/2014/main" id="{62C7E013-CEE0-4BCA-9C8F-94E8934D2665}"/>
-              </a:ext>
-            </a:extLst>
-          </p:cNvPr>
-          <p:cNvGrpSpPr/>
-          <p:nvPr/>
-        </p:nvGrpSpPr>
-        <p:grpSpPr>
-          <a:xfrm>
-            <a:off x="10932000" y="0"/>
-            <a:ext cx="1260000" cy="1260000"/>
-            <a:chOff x="8555073" y="665432"/>
-            <a:chExt cx="1260000" cy="1260000"/>
-          </a:xfrm>
-        </p:grpSpPr>
-        <p:sp>
-          <p:nvSpPr>
-            <p:cNvPr id="13" name="矩形 12">
-              <a:extLst>
-                <a:ext uri="{FF2B5EF4-FFF2-40B4-BE49-F238E27FC236}">
-                  <a16:creationId xmlns:a16="http://schemas.microsoft.com/office/drawing/2014/main" id="{898AA730-A64F-4CA0-AF41-72C816458094}"/>
-                </a:ext>
-              </a:extLst>
-            </p:cNvPr>
-            <p:cNvSpPr/>
-            <p:nvPr/>
-          </p:nvSpPr>
-          <p:spPr>
-            <a:xfrm>
-              <a:off x="8555073" y="665432"/>
-              <a:ext cx="1260000" cy="1260000"/>
-            </a:xfrm>
-            <a:prstGeom prst="rect">
+        <p:txBody>
+          <a:bodyPr vert="horz" wrap="none" lIns="91440" tIns="45720" rIns="91440" bIns="45720" numCol="1" anchor="ctr" anchorCtr="0" compatLnSpc="1">
+            <a:prstTxWarp prst="textNoShape">
               <a:avLst/>
-            </a:prstGeom>
-            <a:solidFill>
-              <a:srgbClr val="FF0000"/>
-            </a:solidFill>
-            <a:ln>
-              <a:noFill/>
-            </a:ln>
-          </p:spPr>
-          <p:style>
-            <a:lnRef idx="2">
-              <a:schemeClr val="accent1">
-                <a:shade val="50000"/>
-              </a:schemeClr>
-            </a:lnRef>
-            <a:fillRef idx="1">
-              <a:schemeClr val="accent1"/>
-            </a:fillRef>
-            <a:effectRef idx="0">
-              <a:schemeClr val="accent1"/>
-            </a:effectRef>
-            <a:fontRef idx="minor">
-              <a:schemeClr val="lt1"/>
-            </a:fontRef>
-          </p:style>
-          <p:txBody>
-            <a:bodyPr rtlCol="0" anchor="ctr"/>
-            <a:lstStyle/>
-            <a:p>
-              <a:pPr algn="ctr"/>
-              <a:endParaRPr lang="zh-TW" altLang="en-US"/>
-            </a:p>
-          </p:txBody>
-        </p:sp>
-        <p:sp>
-          <p:nvSpPr>
-            <p:cNvPr id="14" name="矩形 13">
-              <a:extLst>
-                <a:ext uri="{FF2B5EF4-FFF2-40B4-BE49-F238E27FC236}">
-                  <a16:creationId xmlns:a16="http://schemas.microsoft.com/office/drawing/2014/main" id="{C71C071F-1326-435A-BA95-BC2FE392C146}"/>
-                </a:ext>
-              </a:extLst>
-            </p:cNvPr>
-            <p:cNvSpPr/>
-            <p:nvPr/>
-          </p:nvSpPr>
-          <p:spPr>
-            <a:xfrm>
-              <a:off x="8837299" y="665432"/>
-              <a:ext cx="977774" cy="979200"/>
-            </a:xfrm>
-            <a:prstGeom prst="rect">
-              <a:avLst/>
-            </a:prstGeom>
-            <a:solidFill>
-              <a:srgbClr val="00B050"/>
-            </a:solidFill>
-            <a:ln w="12700">
-              <a:noFill/>
-            </a:ln>
-          </p:spPr>
-          <p:style>
-            <a:lnRef idx="2">
-              <a:schemeClr val="accent1">
-                <a:shade val="50000"/>
-              </a:schemeClr>
-            </a:lnRef>
-            <a:fillRef idx="1">
-              <a:schemeClr val="accent1"/>
-            </a:fillRef>
-            <a:effectRef idx="0">
-              <a:schemeClr val="accent1"/>
-            </a:effectRef>
-            <a:fontRef idx="minor">
-              <a:schemeClr val="lt1"/>
-            </a:fontRef>
-          </p:style>
-          <p:txBody>
-            <a:bodyPr rtlCol="0" anchor="ctr"/>
-            <a:lstStyle/>
-            <a:p>
-              <a:pPr algn="ctr"/>
-              <a:endParaRPr lang="zh-TW" altLang="en-US"/>
-            </a:p>
-          </p:txBody>
-        </p:sp>
-        <p:sp>
-          <p:nvSpPr>
-            <p:cNvPr id="15" name="矩形 14">
-              <a:extLst>
-                <a:ext uri="{FF2B5EF4-FFF2-40B4-BE49-F238E27FC236}">
-                  <a16:creationId xmlns:a16="http://schemas.microsoft.com/office/drawing/2014/main" id="{D3290E37-156B-41E1-847E-B0D045979DD2}"/>
-                </a:ext>
-              </a:extLst>
-            </p:cNvPr>
-            <p:cNvSpPr/>
-            <p:nvPr/>
-          </p:nvSpPr>
-          <p:spPr>
-            <a:xfrm>
-              <a:off x="9156682" y="675823"/>
-              <a:ext cx="648000" cy="648000"/>
-            </a:xfrm>
-            <a:prstGeom prst="rect">
-              <a:avLst/>
-            </a:prstGeom>
-            <a:solidFill>
-              <a:srgbClr val="FF0000"/>
-            </a:solidFill>
-            <a:ln>
-              <a:noFill/>
-            </a:ln>
-          </p:spPr>
-          <p:style>
-            <a:lnRef idx="2">
-              <a:schemeClr val="accent1">
-                <a:shade val="50000"/>
-              </a:schemeClr>
-            </a:lnRef>
-            <a:fillRef idx="1">
-              <a:schemeClr val="accent1"/>
-            </a:fillRef>
-            <a:effectRef idx="0">
-              <a:schemeClr val="accent1"/>
-            </a:effectRef>
-            <a:fontRef idx="minor">
-              <a:schemeClr val="lt1"/>
-            </a:fontRef>
-          </p:style>
-          <p:txBody>
-            <a:bodyPr rtlCol="0" anchor="ctr"/>
-            <a:lstStyle/>
-            <a:p>
-              <a:pPr algn="ctr"/>
-              <a:endParaRPr lang="zh-TW" altLang="en-US"/>
-            </a:p>
-          </p:txBody>
-        </p:sp>
-      </p:grpSp>
+            </a:prstTxWarp>
+            <a:spAutoFit/>
+          </a:bodyPr>
+          <a:lstStyle/>
+          <a:p>
+            <a:pPr marL="0" marR="0" lvl="0" indent="0" algn="l" defTabSz="914400" rtl="0" eaLnBrk="0" fontAlgn="base" latinLnBrk="0" hangingPunct="0">
+              <a:lnSpc>
+                <a:spcPct val="100000"/>
+              </a:lnSpc>
+              <a:spcBef>
+                <a:spcPct val="0"/>
+              </a:spcBef>
+              <a:spcAft>
+                <a:spcPct val="0"/>
+              </a:spcAft>
+              <a:buClrTx/>
+              <a:buSzTx/>
+              <a:buFontTx/>
+              <a:buNone/>
+              <a:tabLst/>
+            </a:pPr>
+            <a:r>
+              <a:rPr kumimoji="0" lang="zh-TW" altLang="zh-TW" sz="1800" b="0" i="0" u="none" strike="noStrike" cap="none" normalizeH="0" baseline="0">
+                <a:ln>
+                  <a:noFill/>
+                </a:ln>
+                <a:solidFill>
+                  <a:schemeClr val="tx1"/>
+                </a:solidFill>
+                <a:effectLst/>
+                <a:latin typeface="Arial" panose="020B0604020202020204" pitchFamily="34" charset="0"/>
+              </a:rPr>
+              <a:t/>
+            </a:r>
+            <a:br>
+              <a:rPr kumimoji="0" lang="zh-TW" altLang="zh-TW" sz="1800" b="0" i="0" u="none" strike="noStrike" cap="none" normalizeH="0" baseline="0">
+                <a:ln>
+                  <a:noFill/>
+                </a:ln>
+                <a:solidFill>
+                  <a:schemeClr val="tx1"/>
+                </a:solidFill>
+                <a:effectLst/>
+                <a:latin typeface="Arial" panose="020B0604020202020204" pitchFamily="34" charset="0"/>
+              </a:rPr>
+            </a:br>
+            <a:endParaRPr kumimoji="0" lang="zh-TW" altLang="zh-TW" sz="1800" b="0" i="0" u="none" strike="noStrike" cap="none" normalizeH="0" baseline="0">
+              <a:ln>
+                <a:noFill/>
+              </a:ln>
+              <a:solidFill>
+                <a:schemeClr val="tx1"/>
+              </a:solidFill>
+              <a:effectLst/>
+              <a:latin typeface="Arial" panose="020B0604020202020204" pitchFamily="34" charset="0"/>
+            </a:endParaRPr>
+          </a:p>
+        </p:txBody>
+      </p:sp>
     </p:spTree>
     <p:extLst>
       <p:ext uri="{BB962C8B-B14F-4D97-AF65-F5344CB8AC3E}">
-        <p14:creationId xmlns:p14="http://schemas.microsoft.com/office/powerpoint/2010/main" val="252443675"/>
+        <p14:creationId xmlns:p14="http://schemas.microsoft.com/office/powerpoint/2010/main" val="821990858"/>
       </p:ext>
     </p:extLst>
   </p:cSld>
@@ -18049,7 +16376,7 @@
 </p:sld>
 </file>
 
-<file path=ppt/slides/slide22.xml><?xml version="1.0" encoding="utf-8"?>
+<file path=ppt/slides/slide20.xml><?xml version="1.0" encoding="utf-8"?>
 <p:sld xmlns:a="http://schemas.openxmlformats.org/drawingml/2006/main" xmlns:r="http://schemas.openxmlformats.org/officeDocument/2006/relationships" xmlns:p="http://schemas.openxmlformats.org/presentationml/2006/main">
   <p:cSld>
     <p:spTree>
@@ -18122,14 +16449,71 @@
           <a:p>
             <a:pPr lvl="1"/>
             <a:r>
-              <a:rPr lang="en-US" altLang="zh-TW" sz="2400" dirty="0" err="1">
-                <a:latin typeface="Comic Sans MS" panose="030F0702030302020204" pitchFamily="66" charset="0"/>
-              </a:rPr>
-              <a:t>Surper_Image_h</a:t>
-            </a:r>
-            <a:endParaRPr lang="en-US" altLang="zh-TW" sz="2400" dirty="0">
-              <a:latin typeface="Comic Sans MS" panose="030F0702030302020204" pitchFamily="66" charset="0"/>
-            </a:endParaRPr>
+              <a:rPr lang="en-US" altLang="zh-TW" sz="2400" dirty="0" err="1" smtClean="0">
+                <a:latin typeface="Comic Sans MS" panose="030F0702030302020204" pitchFamily="66" charset="0"/>
+              </a:rPr>
+              <a:t>test_X</a:t>
+            </a:r>
+            <a:r>
+              <a:rPr lang="zh-TW" altLang="en-US" sz="2400" dirty="0" smtClean="0">
+                <a:latin typeface="Comic Sans MS" panose="030F0702030302020204" pitchFamily="66" charset="0"/>
+              </a:rPr>
+              <a:t>、</a:t>
+            </a:r>
+            <a:r>
+              <a:rPr lang="en-US" altLang="zh-TW" sz="2400" dirty="0" err="1" smtClean="0">
+                <a:latin typeface="Comic Sans MS" panose="030F0702030302020204" pitchFamily="66" charset="0"/>
+              </a:rPr>
+              <a:t>test_Y</a:t>
+            </a:r>
+            <a:r>
+              <a:rPr lang="zh-TW" altLang="en-US" sz="2400" dirty="0" smtClean="0">
+                <a:latin typeface="Comic Sans MS" panose="030F0702030302020204" pitchFamily="66" charset="0"/>
+              </a:rPr>
+              <a:t>、</a:t>
+            </a:r>
+            <a:r>
+              <a:rPr lang="en-US" altLang="zh-TW" sz="2400" dirty="0" smtClean="0">
+                <a:latin typeface="Comic Sans MS" panose="030F0702030302020204" pitchFamily="66" charset="0"/>
+              </a:rPr>
+              <a:t>test_</a:t>
+            </a:r>
+            <a:r>
+              <a:rPr lang="el-GR" altLang="zh-TW" sz="2400" dirty="0">
+                <a:latin typeface="Comic Sans MS" panose="030F0702030302020204" pitchFamily="66" charset="0"/>
+              </a:rPr>
+              <a:t>Δ</a:t>
+            </a:r>
+            <a:r>
+              <a:rPr lang="en-US" altLang="zh-TW" sz="2400" dirty="0" smtClean="0">
+                <a:latin typeface="Comic Sans MS" panose="030F0702030302020204" pitchFamily="66" charset="0"/>
+              </a:rPr>
+              <a:t>x</a:t>
+            </a:r>
+            <a:r>
+              <a:rPr lang="zh-TW" altLang="en-US" sz="2400" dirty="0" smtClean="0">
+                <a:latin typeface="Comic Sans MS" panose="030F0702030302020204" pitchFamily="66" charset="0"/>
+              </a:rPr>
+              <a:t>、</a:t>
+            </a:r>
+            <a:r>
+              <a:rPr lang="en-US" altLang="zh-TW" sz="2400" dirty="0" smtClean="0">
+                <a:latin typeface="Comic Sans MS" panose="030F0702030302020204" pitchFamily="66" charset="0"/>
+              </a:rPr>
+              <a:t>test_</a:t>
+            </a:r>
+            <a:r>
+              <a:rPr lang="el-GR" altLang="zh-TW" sz="2400" dirty="0">
+                <a:latin typeface="Comic Sans MS" panose="030F0702030302020204" pitchFamily="66" charset="0"/>
+              </a:rPr>
+              <a:t>Δ</a:t>
+            </a:r>
+            <a:r>
+              <a:rPr lang="en-US" altLang="zh-TW" sz="2400" dirty="0">
+                <a:latin typeface="Comic Sans MS" panose="030F0702030302020204" pitchFamily="66" charset="0"/>
+              </a:rPr>
+              <a:t>y </a:t>
+            </a:r>
           </a:p>
           <a:p>
             <a:pPr lvl="1"/>
@@ -18161,10 +16545,10 @@
           <a:p>
             <a:pPr lvl="1"/>
             <a:r>
-              <a:rPr lang="en-US" altLang="zh-TW" sz="2400" dirty="0" err="1">
-                <a:latin typeface="Comic Sans MS" panose="030F0702030302020204" pitchFamily="66" charset="0"/>
-              </a:rPr>
-              <a:t>SurperPixel_feature_data</a:t>
+              <a:rPr lang="en-US" altLang="zh-TW" sz="2400" dirty="0" err="1" smtClean="0">
+                <a:latin typeface="Comic Sans MS" panose="030F0702030302020204" pitchFamily="66" charset="0"/>
+              </a:rPr>
+              <a:t>testSet</a:t>
             </a:r>
             <a:endParaRPr lang="en-US" altLang="zh-TW" sz="2400" dirty="0">
               <a:latin typeface="Comic Sans MS" panose="030F0702030302020204" pitchFamily="66" charset="0"/>
@@ -18204,10 +16588,10 @@
           <a:p>
             <a:pPr lvl="1"/>
             <a:r>
-              <a:rPr lang="en-US" altLang="zh-TW" sz="2400" dirty="0" err="1">
-                <a:latin typeface="Comic Sans MS" panose="030F0702030302020204" pitchFamily="66" charset="0"/>
-              </a:rPr>
-              <a:t>HoG</a:t>
+              <a:rPr lang="en-US" altLang="zh-TW" sz="2400" dirty="0" smtClean="0">
+                <a:latin typeface="Comic Sans MS" panose="030F0702030302020204" pitchFamily="66" charset="0"/>
+              </a:rPr>
+              <a:t>LBP</a:t>
             </a:r>
             <a:endParaRPr lang="zh-TW" altLang="zh-TW" sz="2400" dirty="0">
               <a:latin typeface="Comic Sans MS" panose="030F0702030302020204" pitchFamily="66" charset="0"/>
@@ -18495,7 +16879,7 @@
 </p:sld>
 </file>
 
-<file path=ppt/slides/slide23.xml><?xml version="1.0" encoding="utf-8"?>
+<file path=ppt/slides/slide21.xml><?xml version="1.0" encoding="utf-8"?>
 <p:sld xmlns:a="http://schemas.openxmlformats.org/drawingml/2006/main" xmlns:r="http://schemas.openxmlformats.org/officeDocument/2006/relationships" xmlns:p="http://schemas.openxmlformats.org/presentationml/2006/main">
   <p:cSld>
     <p:spTree>
@@ -18586,7 +16970,7 @@
               <a:rPr lang="en-US" altLang="zh-TW" sz="2400" dirty="0" err="1">
                 <a:latin typeface="Comic Sans MS" panose="030F0702030302020204" pitchFamily="66" charset="0"/>
               </a:rPr>
-              <a:t>SurperPixel_feature_data</a:t>
+              <a:t>testSet</a:t>
             </a:r>
             <a:endParaRPr lang="en-US" altLang="zh-TW" sz="2400" dirty="0">
               <a:latin typeface="Comic Sans MS" panose="030F0702030302020204" pitchFamily="66" charset="0"/>
@@ -18594,28 +16978,82 @@
           </a:p>
           <a:p>
             <a:pPr lvl="1"/>
+            <a:r>
+              <a:rPr lang="en-US" altLang="zh-TW" sz="2400" dirty="0">
+                <a:latin typeface="Comic Sans MS" panose="030F0702030302020204" pitchFamily="66" charset="0"/>
+              </a:rPr>
+              <a:t>X</a:t>
+            </a:r>
+            <a:r>
+              <a:rPr lang="zh-TW" altLang="en-US" sz="2400" dirty="0">
+                <a:latin typeface="Comic Sans MS" panose="030F0702030302020204" pitchFamily="66" charset="0"/>
+              </a:rPr>
+              <a:t>、</a:t>
+            </a:r>
+            <a:r>
+              <a:rPr lang="en-US" altLang="zh-TW" sz="2400" dirty="0">
+                <a:latin typeface="Comic Sans MS" panose="030F0702030302020204" pitchFamily="66" charset="0"/>
+              </a:rPr>
+              <a:t>Y</a:t>
+            </a:r>
+            <a:r>
+              <a:rPr lang="zh-TW" altLang="en-US" sz="2400" dirty="0">
+                <a:latin typeface="Comic Sans MS" panose="030F0702030302020204" pitchFamily="66" charset="0"/>
+              </a:rPr>
+              <a:t>、</a:t>
+            </a:r>
+            <a:r>
+              <a:rPr lang="el-GR" altLang="zh-TW" sz="2400" dirty="0">
+                <a:latin typeface="Comic Sans MS" panose="030F0702030302020204" pitchFamily="66" charset="0"/>
+              </a:rPr>
+              <a:t>Δ</a:t>
+            </a:r>
+            <a:r>
+              <a:rPr lang="en-US" altLang="zh-TW" sz="2400" dirty="0">
+                <a:latin typeface="Comic Sans MS" panose="030F0702030302020204" pitchFamily="66" charset="0"/>
+              </a:rPr>
+              <a:t>x</a:t>
+            </a:r>
+            <a:r>
+              <a:rPr lang="zh-TW" altLang="en-US" sz="2400" dirty="0">
+                <a:latin typeface="Comic Sans MS" panose="030F0702030302020204" pitchFamily="66" charset="0"/>
+              </a:rPr>
+              <a:t>、</a:t>
+            </a:r>
+            <a:r>
+              <a:rPr lang="el-GR" altLang="zh-TW" sz="2400" dirty="0">
+                <a:latin typeface="Comic Sans MS" panose="030F0702030302020204" pitchFamily="66" charset="0"/>
+              </a:rPr>
+              <a:t>Δ</a:t>
+            </a:r>
+            <a:r>
+              <a:rPr lang="en-US" altLang="zh-TW" sz="2400" dirty="0">
+                <a:latin typeface="Comic Sans MS" panose="030F0702030302020204" pitchFamily="66" charset="0"/>
+              </a:rPr>
+              <a:t>y</a:t>
+            </a:r>
+            <a:endParaRPr lang="zh-TW" altLang="zh-TW" sz="2400" dirty="0">
+              <a:latin typeface="Comic Sans MS" panose="030F0702030302020204" pitchFamily="66" charset="0"/>
+            </a:endParaRPr>
+          </a:p>
+          <a:p>
+            <a:r>
+              <a:rPr lang="en-US" altLang="zh-TW" sz="2800" dirty="0">
+                <a:latin typeface="Comic Sans MS" panose="030F0702030302020204" pitchFamily="66" charset="0"/>
+              </a:rPr>
+              <a:t>Output</a:t>
+            </a:r>
             <a:endParaRPr lang="zh-TW" altLang="zh-TW" sz="2800" dirty="0">
               <a:latin typeface="Comic Sans MS" panose="030F0702030302020204" pitchFamily="66" charset="0"/>
             </a:endParaRPr>
           </a:p>
           <a:p>
-            <a:r>
-              <a:rPr lang="en-US" altLang="zh-TW" sz="2800" dirty="0">
-                <a:latin typeface="Comic Sans MS" panose="030F0702030302020204" pitchFamily="66" charset="0"/>
-              </a:rPr>
-              <a:t>Output</a:t>
-            </a:r>
-            <a:endParaRPr lang="zh-TW" altLang="zh-TW" sz="2800" dirty="0">
-              <a:latin typeface="Comic Sans MS" panose="030F0702030302020204" pitchFamily="66" charset="0"/>
-            </a:endParaRPr>
-          </a:p>
-          <a:p>
             <a:pPr lvl="1"/>
             <a:r>
               <a:rPr lang="en-US" altLang="zh-TW" sz="2400" dirty="0" err="1">
                 <a:latin typeface="Comic Sans MS" panose="030F0702030302020204" pitchFamily="66" charset="0"/>
               </a:rPr>
-              <a:t>object_class</a:t>
+              <a:t>pred_x</a:t>
             </a:r>
             <a:endParaRPr lang="en-US" altLang="zh-TW" sz="2400" dirty="0">
               <a:latin typeface="Comic Sans MS" panose="030F0702030302020204" pitchFamily="66" charset="0"/>
@@ -18624,50 +17062,92 @@
           <a:p>
             <a:pPr lvl="1"/>
             <a:r>
+              <a:rPr lang="en-US" altLang="zh-TW" sz="2400" dirty="0" err="1">
+                <a:latin typeface="Comic Sans MS" panose="030F0702030302020204" pitchFamily="66" charset="0"/>
+              </a:rPr>
+              <a:t>pred_y</a:t>
+            </a:r>
+            <a:endParaRPr lang="en-US" altLang="zh-TW" sz="2400" dirty="0">
+              <a:latin typeface="Comic Sans MS" panose="030F0702030302020204" pitchFamily="66" charset="0"/>
+            </a:endParaRPr>
+          </a:p>
+          <a:p>
+            <a:pPr lvl="1"/>
+            <a:r>
+              <a:rPr lang="en-US" altLang="zh-TW" sz="2400" dirty="0" err="1">
+                <a:latin typeface="Comic Sans MS" panose="030F0702030302020204" pitchFamily="66" charset="0"/>
+              </a:rPr>
+              <a:t>pred</a:t>
+            </a:r>
+            <a:r>
               <a:rPr lang="en-US" altLang="zh-TW" sz="2400" dirty="0">
                 <a:latin typeface="Comic Sans MS" panose="030F0702030302020204" pitchFamily="66" charset="0"/>
               </a:rPr>
+              <a:t>_</a:t>
+            </a:r>
+            <a:r>
+              <a:rPr lang="el-GR" altLang="zh-TW" sz="2400" dirty="0">
+                <a:latin typeface="Comic Sans MS" panose="030F0702030302020204" pitchFamily="66" charset="0"/>
+              </a:rPr>
+              <a:t>Δ</a:t>
+            </a:r>
+            <a:r>
+              <a:rPr lang="en-US" altLang="zh-TW" sz="2400" dirty="0">
+                <a:latin typeface="Comic Sans MS" panose="030F0702030302020204" pitchFamily="66" charset="0"/>
+              </a:rPr>
               <a:t>x</a:t>
             </a:r>
           </a:p>
           <a:p>
             <a:pPr lvl="1"/>
             <a:r>
+              <a:rPr lang="en-US" altLang="zh-TW" sz="2400" dirty="0" err="1">
+                <a:latin typeface="Comic Sans MS" panose="030F0702030302020204" pitchFamily="66" charset="0"/>
+              </a:rPr>
+              <a:t>pred</a:t>
+            </a:r>
+            <a:r>
               <a:rPr lang="en-US" altLang="zh-TW" sz="2400" dirty="0">
                 <a:latin typeface="Comic Sans MS" panose="030F0702030302020204" pitchFamily="66" charset="0"/>
               </a:rPr>
+              <a:t>_</a:t>
+            </a:r>
+            <a:r>
+              <a:rPr lang="el-GR" altLang="zh-TW" sz="2400" dirty="0">
+                <a:latin typeface="Comic Sans MS" panose="030F0702030302020204" pitchFamily="66" charset="0"/>
+              </a:rPr>
+              <a:t>Δ</a:t>
+            </a:r>
+            <a:r>
+              <a:rPr lang="en-US" altLang="zh-TW" sz="2400" dirty="0">
+                <a:latin typeface="Comic Sans MS" panose="030F0702030302020204" pitchFamily="66" charset="0"/>
+              </a:rPr>
               <a:t>y</a:t>
             </a:r>
           </a:p>
           <a:p>
             <a:pPr lvl="1"/>
             <a:r>
-              <a:rPr lang="el-GR" altLang="zh-TW" sz="2400" dirty="0">
-                <a:latin typeface="Comic Sans MS" panose="030F0702030302020204" pitchFamily="66" charset="0"/>
-              </a:rPr>
-              <a:t>Δ</a:t>
+              <a:rPr lang="en-US" altLang="zh-TW" sz="2400" dirty="0" err="1">
+                <a:latin typeface="Comic Sans MS" panose="030F0702030302020204" pitchFamily="66" charset="0"/>
+              </a:rPr>
+              <a:t>pred</a:t>
             </a:r>
             <a:r>
               <a:rPr lang="en-US" altLang="zh-TW" sz="2400" dirty="0">
                 <a:latin typeface="Comic Sans MS" panose="030F0702030302020204" pitchFamily="66" charset="0"/>
               </a:rPr>
-              <a:t>x</a:t>
-            </a:r>
-          </a:p>
-          <a:p>
-            <a:pPr lvl="1"/>
-            <a:r>
-              <a:rPr lang="el-GR" altLang="zh-TW" sz="2400" dirty="0">
-                <a:latin typeface="Comic Sans MS" panose="030F0702030302020204" pitchFamily="66" charset="0"/>
-              </a:rPr>
-              <a:t>Δ</a:t>
-            </a:r>
-            <a:r>
-              <a:rPr lang="en-US" altLang="zh-TW" sz="2400" dirty="0">
-                <a:latin typeface="Comic Sans MS" panose="030F0702030302020204" pitchFamily="66" charset="0"/>
-              </a:rPr>
-              <a:t>y</a:t>
-            </a:r>
+              <a:t>_ </a:t>
+            </a:r>
+            <a:r>
+              <a:rPr lang="en-US" altLang="zh-TW" sz="2400" dirty="0" err="1">
+                <a:latin typeface="Comic Sans MS" panose="030F0702030302020204" pitchFamily="66" charset="0"/>
+              </a:rPr>
+              <a:t>object_class</a:t>
+            </a:r>
+            <a:endParaRPr lang="en-US" altLang="zh-TW" sz="2400" dirty="0">
+              <a:latin typeface="Comic Sans MS" panose="030F0702030302020204" pitchFamily="66" charset="0"/>
+            </a:endParaRPr>
           </a:p>
         </p:txBody>
       </p:sp>
@@ -19091,7 +17571,7 @@
 </p:sld>
 </file>
 
-<file path=ppt/slides/slide24.xml><?xml version="1.0" encoding="utf-8"?>
+<file path=ppt/slides/slide22.xml><?xml version="1.0" encoding="utf-8"?>
 <p:sld xmlns:a="http://schemas.openxmlformats.org/drawingml/2006/main" xmlns:r="http://schemas.openxmlformats.org/officeDocument/2006/relationships" xmlns:p="http://schemas.openxmlformats.org/presentationml/2006/main">
   <p:cSld>
     <p:spTree>
@@ -19370,25 +17850,43 @@
               <a:p>
                 <a:pPr lvl="1"/>
                 <a:r>
-                  <a:rPr lang="en-US" altLang="zh-TW" sz="2400" dirty="0">
+                  <a:rPr lang="en-US" altLang="zh-TW" sz="2400" dirty="0" err="1">
                     <a:latin typeface="Comic Sans MS" panose="030F0702030302020204" pitchFamily="66" charset="0"/>
                   </a:rPr>
-                  <a:t>x</a:t>
+                  <a:t>pred_x</a:t>
                 </a:r>
+                <a:endParaRPr lang="en-US" altLang="zh-TW" sz="2400" dirty="0">
+                  <a:latin typeface="Comic Sans MS" panose="030F0702030302020204" pitchFamily="66" charset="0"/>
+                </a:endParaRPr>
               </a:p>
               <a:p>
                 <a:pPr lvl="1"/>
                 <a:r>
-                  <a:rPr lang="en-US" altLang="zh-TW" sz="2400" dirty="0">
+                  <a:rPr lang="en-US" altLang="zh-TW" sz="2400" dirty="0" err="1">
                     <a:latin typeface="Comic Sans MS" panose="030F0702030302020204" pitchFamily="66" charset="0"/>
                   </a:rPr>
-                  <a:t>y</a:t>
+                  <a:t>pred_y</a:t>
                 </a:r>
+                <a:endParaRPr lang="en-US" altLang="zh-TW" sz="2400" dirty="0">
+                  <a:latin typeface="Comic Sans MS" panose="030F0702030302020204" pitchFamily="66" charset="0"/>
+                </a:endParaRPr>
               </a:p>
               <a:p>
                 <a:pPr lvl="1"/>
                 <a:r>
-                  <a:rPr lang="el-GR" altLang="zh-TW" sz="2400" dirty="0">
+                  <a:rPr lang="en-US" altLang="zh-TW" sz="2400" dirty="0" err="1">
+                    <a:latin typeface="Comic Sans MS" panose="030F0702030302020204" pitchFamily="66" charset="0"/>
+                  </a:rPr>
+                  <a:t>pred</a:t>
+                </a:r>
+                <a:r>
+                  <a:rPr lang="en-US" altLang="zh-TW" sz="2400" dirty="0">
+                    <a:latin typeface="Comic Sans MS" panose="030F0702030302020204" pitchFamily="66" charset="0"/>
+                  </a:rPr>
+                  <a:t>_</a:t>
+                </a:r>
+                <a:r>
+                  <a:rPr lang="el-GR" altLang="zh-TW" sz="2400" dirty="0" smtClean="0">
                     <a:latin typeface="Comic Sans MS" panose="030F0702030302020204" pitchFamily="66" charset="0"/>
                   </a:rPr>
                   <a:t>Δ</a:t>
@@ -19403,13 +17901,25 @@
               <a:p>
                 <a:pPr lvl="1"/>
                 <a:r>
-                  <a:rPr lang="el-GR" altLang="zh-TW" sz="2400" dirty="0">
+                  <a:rPr lang="en-US" altLang="zh-TW" sz="2400" dirty="0" err="1">
+                    <a:latin typeface="Comic Sans MS" panose="030F0702030302020204" pitchFamily="66" charset="0"/>
+                  </a:rPr>
+                  <a:t>pred</a:t>
+                </a:r>
+                <a:r>
+                  <a:rPr lang="en-US" altLang="zh-TW" sz="2400" dirty="0">
+                    <a:latin typeface="Comic Sans MS" panose="030F0702030302020204" pitchFamily="66" charset="0"/>
+                  </a:rPr>
+                  <a:t>_</a:t>
+                </a:r>
+                <a:r>
+                  <a:rPr lang="el-GR" altLang="zh-TW" sz="2400" dirty="0" smtClean="0">
                     <a:latin typeface="Comic Sans MS" panose="030F0702030302020204" pitchFamily="66" charset="0"/>
                   </a:rPr>
                   <a:t>Δ</a:t>
                 </a:r>
                 <a:r>
-                  <a:rPr lang="en-US" altLang="zh-TW" sz="2400" dirty="0">
+                  <a:rPr lang="en-US" altLang="zh-TW" sz="2400" dirty="0" smtClean="0">
                     <a:latin typeface="Comic Sans MS" panose="030F0702030302020204" pitchFamily="66" charset="0"/>
                   </a:rPr>
                   <a:t>y</a:t>
@@ -19418,21 +17928,36 @@
               <a:p>
                 <a:pPr lvl="1"/>
                 <a:r>
+                  <a:rPr lang="en-US" altLang="zh-TW" sz="2400" dirty="0" err="1">
+                    <a:latin typeface="Comic Sans MS" panose="030F0702030302020204" pitchFamily="66" charset="0"/>
+                  </a:rPr>
+                  <a:t>pred</a:t>
+                </a:r>
+                <a:r>
                   <a:rPr lang="en-US" altLang="zh-TW" sz="2400" dirty="0">
+                    <a:latin typeface="Comic Sans MS" panose="030F0702030302020204" pitchFamily="66" charset="0"/>
+                  </a:rPr>
+                  <a:t>_ </a:t>
+                </a:r>
+                <a:r>
+                  <a:rPr lang="en-US" altLang="zh-TW" sz="2400" dirty="0" err="1" smtClean="0">
+                    <a:latin typeface="Comic Sans MS" panose="030F0702030302020204" pitchFamily="66" charset="0"/>
+                  </a:rPr>
+                  <a:t>object_class</a:t>
+                </a:r>
+                <a:endParaRPr lang="en-US" altLang="zh-TW" sz="2400" dirty="0">
+                  <a:latin typeface="Comic Sans MS" panose="030F0702030302020204" pitchFamily="66" charset="0"/>
+                </a:endParaRPr>
+              </a:p>
+              <a:p>
+                <a:pPr lvl="1"/>
+                <a:r>
+                  <a:rPr lang="en-US" altLang="zh-TW" sz="2400" dirty="0" smtClean="0">
                     <a:latin typeface="Comic Sans MS" panose="030F0702030302020204" pitchFamily="66" charset="0"/>
                   </a:rPr>
                   <a:t>confidence</a:t>
                 </a:r>
-              </a:p>
-              <a:p>
-                <a:pPr lvl="1"/>
-                <a:r>
-                  <a:rPr lang="en-US" altLang="zh-TW" sz="2400" dirty="0" err="1">
-                    <a:latin typeface="Comic Sans MS" panose="030F0702030302020204" pitchFamily="66" charset="0"/>
-                  </a:rPr>
-                  <a:t>object_class</a:t>
-                </a:r>
-                <a:endParaRPr lang="zh-TW" altLang="zh-TW" sz="2400" dirty="0">
+                <a:endParaRPr lang="en-US" altLang="zh-TW" sz="2400" dirty="0">
                   <a:latin typeface="Comic Sans MS" panose="030F0702030302020204" pitchFamily="66" charset="0"/>
                 </a:endParaRPr>
               </a:p>
@@ -19831,7 +18356,7 @@
 </p:sld>
 </file>
 
-<file path=ppt/slides/slide25.xml><?xml version="1.0" encoding="utf-8"?>
+<file path=ppt/slides/slide23.xml><?xml version="1.0" encoding="utf-8"?>
 <p:sld xmlns:a="http://schemas.openxmlformats.org/drawingml/2006/main" xmlns:r="http://schemas.openxmlformats.org/officeDocument/2006/relationships" xmlns:p="http://schemas.openxmlformats.org/presentationml/2006/main">
   <p:cSld>
     <p:spTree>
@@ -20069,7 +18594,7 @@
 </p:sld>
 </file>
 
-<file path=ppt/slides/slide26.xml><?xml version="1.0" encoding="utf-8"?>
+<file path=ppt/slides/slide24.xml><?xml version="1.0" encoding="utf-8"?>
 <p:sld xmlns:a="http://schemas.openxmlformats.org/drawingml/2006/main" xmlns:r="http://schemas.openxmlformats.org/officeDocument/2006/relationships" xmlns:p="http://schemas.openxmlformats.org/presentationml/2006/main">
   <p:cSld>
     <p:spTree>
@@ -20280,7 +18805,7 @@
 </p:sld>
 </file>
 
-<file path=ppt/slides/slide27.xml><?xml version="1.0" encoding="utf-8"?>
+<file path=ppt/slides/slide25.xml><?xml version="1.0" encoding="utf-8"?>
 <p:sld xmlns:a="http://schemas.openxmlformats.org/drawingml/2006/main" xmlns:r="http://schemas.openxmlformats.org/officeDocument/2006/relationships" xmlns:p="http://schemas.openxmlformats.org/presentationml/2006/main">
   <p:cSld>
     <p:spTree>
@@ -20514,7 +19039,7 @@
 </p:sld>
 </file>
 
-<file path=ppt/slides/slide28.xml><?xml version="1.0" encoding="utf-8"?>
+<file path=ppt/slides/slide26.xml><?xml version="1.0" encoding="utf-8"?>
 <p:sld xmlns:a="http://schemas.openxmlformats.org/drawingml/2006/main" xmlns:r="http://schemas.openxmlformats.org/officeDocument/2006/relationships" xmlns:p="http://schemas.openxmlformats.org/presentationml/2006/main">
   <p:cSld>
     <p:spTree>
@@ -20721,7 +19246,7 @@
 </p:sld>
 </file>
 
-<file path=ppt/slides/slide29.xml><?xml version="1.0" encoding="utf-8"?>
+<file path=ppt/slides/slide27.xml><?xml version="1.0" encoding="utf-8"?>
 <p:sld xmlns:a="http://schemas.openxmlformats.org/drawingml/2006/main" xmlns:r="http://schemas.openxmlformats.org/officeDocument/2006/relationships" xmlns:p="http://schemas.openxmlformats.org/presentationml/2006/main">
   <p:cSld>
     <p:spTree>
@@ -20768,6 +19293,140 @@
     <p:extLst>
       <p:ext uri="{BB962C8B-B14F-4D97-AF65-F5344CB8AC3E}">
         <p14:creationId xmlns:p14="http://schemas.microsoft.com/office/powerpoint/2010/main" val="1794268678"/>
+      </p:ext>
+    </p:extLst>
+  </p:cSld>
+  <p:clrMapOvr>
+    <a:masterClrMapping/>
+  </p:clrMapOvr>
+</p:sld>
+</file>
+
+<file path=ppt/slides/slide28.xml><?xml version="1.0" encoding="utf-8"?>
+<p:sld xmlns:a="http://schemas.openxmlformats.org/drawingml/2006/main" xmlns:r="http://schemas.openxmlformats.org/officeDocument/2006/relationships" xmlns:p="http://schemas.openxmlformats.org/presentationml/2006/main">
+  <p:cSld>
+    <p:spTree>
+      <p:nvGrpSpPr>
+        <p:cNvPr id="1" name=""/>
+        <p:cNvGrpSpPr/>
+        <p:nvPr/>
+      </p:nvGrpSpPr>
+      <p:grpSpPr>
+        <a:xfrm>
+          <a:off x="0" y="0"/>
+          <a:ext cx="0" cy="0"/>
+          <a:chOff x="0" y="0"/>
+          <a:chExt cx="0" cy="0"/>
+        </a:xfrm>
+      </p:grpSpPr>
+      <p:cxnSp>
+        <p:nvCxnSpPr>
+          <p:cNvPr id="13" name="直線接點 12">
+            <a:extLst>
+              <a:ext uri="{FF2B5EF4-FFF2-40B4-BE49-F238E27FC236}">
+                <a16:creationId xmlns:a16="http://schemas.microsoft.com/office/drawing/2014/main" id="{ADEA4BC1-5A60-434C-A97A-569244611491}"/>
+              </a:ext>
+            </a:extLst>
+          </p:cNvPr>
+          <p:cNvCxnSpPr>
+            <a:cxnSpLocks/>
+          </p:cNvCxnSpPr>
+          <p:nvPr/>
+        </p:nvCxnSpPr>
+        <p:spPr>
+          <a:xfrm>
+            <a:off x="1210899" y="1737360"/>
+            <a:ext cx="9982545" cy="0"/>
+          </a:xfrm>
+          <a:prstGeom prst="line">
+            <a:avLst/>
+          </a:prstGeom>
+          <a:ln>
+            <a:solidFill>
+              <a:schemeClr val="bg1">
+                <a:lumMod val="50000"/>
+              </a:schemeClr>
+            </a:solidFill>
+          </a:ln>
+        </p:spPr>
+        <p:style>
+          <a:lnRef idx="1">
+            <a:schemeClr val="accent1"/>
+          </a:lnRef>
+          <a:fillRef idx="0">
+            <a:schemeClr val="accent1"/>
+          </a:fillRef>
+          <a:effectRef idx="0">
+            <a:schemeClr val="accent1"/>
+          </a:effectRef>
+          <a:fontRef idx="minor">
+            <a:schemeClr val="tx1"/>
+          </a:fontRef>
+        </p:style>
+      </p:cxnSp>
+    </p:spTree>
+    <p:extLst>
+      <p:ext uri="{BB962C8B-B14F-4D97-AF65-F5344CB8AC3E}">
+        <p14:creationId xmlns:p14="http://schemas.microsoft.com/office/powerpoint/2010/main" val="2268202256"/>
+      </p:ext>
+    </p:extLst>
+  </p:cSld>
+  <p:clrMapOvr>
+    <a:masterClrMapping/>
+  </p:clrMapOvr>
+</p:sld>
+</file>
+
+<file path=ppt/slides/slide29.xml><?xml version="1.0" encoding="utf-8"?>
+<p:sld xmlns:a="http://schemas.openxmlformats.org/drawingml/2006/main" xmlns:r="http://schemas.openxmlformats.org/officeDocument/2006/relationships" xmlns:p="http://schemas.openxmlformats.org/presentationml/2006/main">
+  <p:cSld>
+    <p:spTree>
+      <p:nvGrpSpPr>
+        <p:cNvPr id="1" name=""/>
+        <p:cNvGrpSpPr/>
+        <p:nvPr/>
+      </p:nvGrpSpPr>
+      <p:grpSpPr>
+        <a:xfrm>
+          <a:off x="0" y="0"/>
+          <a:ext cx="0" cy="0"/>
+          <a:chOff x="0" y="0"/>
+          <a:chExt cx="0" cy="0"/>
+        </a:xfrm>
+      </p:grpSpPr>
+      <p:sp>
+        <p:nvSpPr>
+          <p:cNvPr id="3" name="標題 2"/>
+          <p:cNvSpPr>
+            <a:spLocks noGrp="1"/>
+          </p:cNvSpPr>
+          <p:nvPr>
+            <p:ph type="title"/>
+          </p:nvPr>
+        </p:nvSpPr>
+        <p:spPr/>
+        <p:txBody>
+          <a:bodyPr>
+            <a:normAutofit/>
+          </a:bodyPr>
+          <a:lstStyle/>
+          <a:p>
+            <a:r>
+              <a:rPr lang="en-US" altLang="zh-TW" sz="7200" dirty="0">
+                <a:latin typeface="Comic Sans MS" panose="030F0702030302020204" pitchFamily="66" charset="0"/>
+              </a:rPr>
+              <a:t>Thanks Your Listening</a:t>
+            </a:r>
+            <a:endParaRPr lang="zh-TW" altLang="en-US" sz="7200" dirty="0">
+              <a:latin typeface="Comic Sans MS" panose="030F0702030302020204" pitchFamily="66" charset="0"/>
+            </a:endParaRPr>
+          </a:p>
+        </p:txBody>
+      </p:sp>
+    </p:spTree>
+    <p:extLst>
+      <p:ext uri="{BB962C8B-B14F-4D97-AF65-F5344CB8AC3E}">
+        <p14:creationId xmlns:p14="http://schemas.microsoft.com/office/powerpoint/2010/main" val="1671210484"/>
       </p:ext>
     </p:extLst>
   </p:cSld>
@@ -21000,140 +19659,6 @@
     <p:extLst>
       <p:ext uri="{BB962C8B-B14F-4D97-AF65-F5344CB8AC3E}">
         <p14:creationId xmlns:p14="http://schemas.microsoft.com/office/powerpoint/2010/main" val="1171343018"/>
-      </p:ext>
-    </p:extLst>
-  </p:cSld>
-  <p:clrMapOvr>
-    <a:masterClrMapping/>
-  </p:clrMapOvr>
-</p:sld>
-</file>
-
-<file path=ppt/slides/slide30.xml><?xml version="1.0" encoding="utf-8"?>
-<p:sld xmlns:a="http://schemas.openxmlformats.org/drawingml/2006/main" xmlns:r="http://schemas.openxmlformats.org/officeDocument/2006/relationships" xmlns:p="http://schemas.openxmlformats.org/presentationml/2006/main">
-  <p:cSld>
-    <p:spTree>
-      <p:nvGrpSpPr>
-        <p:cNvPr id="1" name=""/>
-        <p:cNvGrpSpPr/>
-        <p:nvPr/>
-      </p:nvGrpSpPr>
-      <p:grpSpPr>
-        <a:xfrm>
-          <a:off x="0" y="0"/>
-          <a:ext cx="0" cy="0"/>
-          <a:chOff x="0" y="0"/>
-          <a:chExt cx="0" cy="0"/>
-        </a:xfrm>
-      </p:grpSpPr>
-      <p:cxnSp>
-        <p:nvCxnSpPr>
-          <p:cNvPr id="13" name="直線接點 12">
-            <a:extLst>
-              <a:ext uri="{FF2B5EF4-FFF2-40B4-BE49-F238E27FC236}">
-                <a16:creationId xmlns:a16="http://schemas.microsoft.com/office/drawing/2014/main" id="{ADEA4BC1-5A60-434C-A97A-569244611491}"/>
-              </a:ext>
-            </a:extLst>
-          </p:cNvPr>
-          <p:cNvCxnSpPr>
-            <a:cxnSpLocks/>
-          </p:cNvCxnSpPr>
-          <p:nvPr/>
-        </p:nvCxnSpPr>
-        <p:spPr>
-          <a:xfrm>
-            <a:off x="1210899" y="1737360"/>
-            <a:ext cx="9982545" cy="0"/>
-          </a:xfrm>
-          <a:prstGeom prst="line">
-            <a:avLst/>
-          </a:prstGeom>
-          <a:ln>
-            <a:solidFill>
-              <a:schemeClr val="bg1">
-                <a:lumMod val="50000"/>
-              </a:schemeClr>
-            </a:solidFill>
-          </a:ln>
-        </p:spPr>
-        <p:style>
-          <a:lnRef idx="1">
-            <a:schemeClr val="accent1"/>
-          </a:lnRef>
-          <a:fillRef idx="0">
-            <a:schemeClr val="accent1"/>
-          </a:fillRef>
-          <a:effectRef idx="0">
-            <a:schemeClr val="accent1"/>
-          </a:effectRef>
-          <a:fontRef idx="minor">
-            <a:schemeClr val="tx1"/>
-          </a:fontRef>
-        </p:style>
-      </p:cxnSp>
-    </p:spTree>
-    <p:extLst>
-      <p:ext uri="{BB962C8B-B14F-4D97-AF65-F5344CB8AC3E}">
-        <p14:creationId xmlns:p14="http://schemas.microsoft.com/office/powerpoint/2010/main" val="2268202256"/>
-      </p:ext>
-    </p:extLst>
-  </p:cSld>
-  <p:clrMapOvr>
-    <a:masterClrMapping/>
-  </p:clrMapOvr>
-</p:sld>
-</file>
-
-<file path=ppt/slides/slide31.xml><?xml version="1.0" encoding="utf-8"?>
-<p:sld xmlns:a="http://schemas.openxmlformats.org/drawingml/2006/main" xmlns:r="http://schemas.openxmlformats.org/officeDocument/2006/relationships" xmlns:p="http://schemas.openxmlformats.org/presentationml/2006/main">
-  <p:cSld>
-    <p:spTree>
-      <p:nvGrpSpPr>
-        <p:cNvPr id="1" name=""/>
-        <p:cNvGrpSpPr/>
-        <p:nvPr/>
-      </p:nvGrpSpPr>
-      <p:grpSpPr>
-        <a:xfrm>
-          <a:off x="0" y="0"/>
-          <a:ext cx="0" cy="0"/>
-          <a:chOff x="0" y="0"/>
-          <a:chExt cx="0" cy="0"/>
-        </a:xfrm>
-      </p:grpSpPr>
-      <p:sp>
-        <p:nvSpPr>
-          <p:cNvPr id="3" name="標題 2"/>
-          <p:cNvSpPr>
-            <a:spLocks noGrp="1"/>
-          </p:cNvSpPr>
-          <p:nvPr>
-            <p:ph type="title"/>
-          </p:nvPr>
-        </p:nvSpPr>
-        <p:spPr/>
-        <p:txBody>
-          <a:bodyPr>
-            <a:normAutofit/>
-          </a:bodyPr>
-          <a:lstStyle/>
-          <a:p>
-            <a:r>
-              <a:rPr lang="en-US" altLang="zh-TW" sz="7200" dirty="0">
-                <a:latin typeface="Comic Sans MS" panose="030F0702030302020204" pitchFamily="66" charset="0"/>
-              </a:rPr>
-              <a:t>Thanks Your Listening</a:t>
-            </a:r>
-            <a:endParaRPr lang="zh-TW" altLang="en-US" sz="7200" dirty="0">
-              <a:latin typeface="Comic Sans MS" panose="030F0702030302020204" pitchFamily="66" charset="0"/>
-            </a:endParaRPr>
-          </a:p>
-        </p:txBody>
-      </p:sp>
-    </p:spTree>
-    <p:extLst>
-      <p:ext uri="{BB962C8B-B14F-4D97-AF65-F5344CB8AC3E}">
-        <p14:creationId xmlns:p14="http://schemas.microsoft.com/office/powerpoint/2010/main" val="1671210484"/>
       </p:ext>
     </p:extLst>
   </p:cSld>
@@ -22295,12 +20820,24 @@
           </a:bodyPr>
           <a:lstStyle/>
           <a:p>
+            <a:r>
+              <a:rPr lang="en-US" altLang="zh-TW" dirty="0"/>
+              <a:t/>
+            </a:r>
             <a:br>
               <a:rPr lang="en-US" altLang="zh-TW" dirty="0"/>
             </a:br>
+            <a:r>
+              <a:rPr lang="en-US" altLang="zh-TW" dirty="0"/>
+              <a:t/>
+            </a:r>
             <a:br>
               <a:rPr lang="en-US" altLang="zh-TW" dirty="0"/>
             </a:br>
+            <a:r>
+              <a:rPr lang="en-US" altLang="zh-TW" dirty="0"/>
+              <a:t/>
+            </a:r>
             <a:br>
               <a:rPr lang="en-US" altLang="zh-TW" dirty="0"/>
             </a:br>
@@ -22756,6 +21293,10 @@
           <a:bodyPr/>
           <a:lstStyle/>
           <a:p>
+            <a:r>
+              <a:rPr lang="en-US" altLang="zh-TW" dirty="0"/>
+              <a:t/>
+            </a:r>
             <a:br>
               <a:rPr lang="en-US" altLang="zh-TW" dirty="0"/>
             </a:br>
@@ -23466,6 +22007,10 @@
           </a:bodyPr>
           <a:lstStyle/>
           <a:p>
+            <a:r>
+              <a:rPr lang="en-US" altLang="zh-TW" dirty="0"/>
+              <a:t/>
+            </a:r>
             <a:br>
               <a:rPr lang="en-US" altLang="zh-TW" dirty="0"/>
             </a:br>
